--- a/project/B조_프로젝트_SHOEFLY.pptx
+++ b/project/B조_프로젝트_SHOEFLY.pptx
@@ -13,19 +13,21 @@
     <p:sldId id="284" r:id="rId7"/>
     <p:sldId id="281" r:id="rId8"/>
     <p:sldId id="285" r:id="rId9"/>
-    <p:sldId id="283" r:id="rId10"/>
-    <p:sldId id="266" r:id="rId11"/>
-    <p:sldId id="272" r:id="rId12"/>
-    <p:sldId id="271" r:id="rId13"/>
-    <p:sldId id="279" r:id="rId14"/>
-    <p:sldId id="278" r:id="rId15"/>
-    <p:sldId id="260" r:id="rId16"/>
-    <p:sldId id="261" r:id="rId17"/>
-    <p:sldId id="262" r:id="rId18"/>
-    <p:sldId id="263" r:id="rId19"/>
-    <p:sldId id="264" r:id="rId20"/>
-    <p:sldId id="267" r:id="rId21"/>
-    <p:sldId id="280" r:id="rId22"/>
+    <p:sldId id="286" r:id="rId10"/>
+    <p:sldId id="287" r:id="rId11"/>
+    <p:sldId id="283" r:id="rId12"/>
+    <p:sldId id="266" r:id="rId13"/>
+    <p:sldId id="272" r:id="rId14"/>
+    <p:sldId id="271" r:id="rId15"/>
+    <p:sldId id="279" r:id="rId16"/>
+    <p:sldId id="278" r:id="rId17"/>
+    <p:sldId id="260" r:id="rId18"/>
+    <p:sldId id="261" r:id="rId19"/>
+    <p:sldId id="262" r:id="rId20"/>
+    <p:sldId id="263" r:id="rId21"/>
+    <p:sldId id="264" r:id="rId22"/>
+    <p:sldId id="267" r:id="rId23"/>
+    <p:sldId id="280" r:id="rId24"/>
   </p:sldIdLst>
   <p:sldSz cx="12192000" cy="6858000"/>
   <p:notesSz cx="6858000" cy="9144000"/>
@@ -158,7 +160,6 @@
   </mc:AlternateContent>
   <c:chart>
     <c:title>
-      <c:layout/>
       <c:overlay val="0"/>
       <c:spPr>
         <a:noFill/>
@@ -538,7 +539,6 @@
     </c:plotArea>
     <c:legend>
       <c:legendPos val="b"/>
-      <c:layout/>
       <c:overlay val="0"/>
       <c:spPr>
         <a:noFill/>
@@ -570,7 +570,6 @@
     </c:legend>
     <c:plotVisOnly val="1"/>
     <c:dispBlanksAs val="gap"/>
-    <c:showDLblsOverMax val="0"/>
     <c:extLst>
       <c:ext xmlns:c16r3="http://schemas.microsoft.com/office/drawing/2017/03/chart" uri="{56B9EC1D-385E-4148-901F-78D8002777C0}">
         <c16r3:dataDisplayOptions16>
@@ -578,6 +577,7 @@
         </c16r3:dataDisplayOptions16>
       </c:ext>
     </c:extLst>
+    <c:showDLblsOverMax val="0"/>
   </c:chart>
   <c:spPr>
     <a:noFill/>
@@ -1274,7 +1274,7 @@
           <a:p>
             <a:fld id="{881E6E86-9C0A-4A2D-8618-9781F5C54702}" type="datetimeFigureOut">
               <a:rPr kumimoji="1" lang="ja-JP" altLang="en-US" smtClean="0"/>
-              <a:t>2021/7/29</a:t>
+              <a:t>2021/7/30</a:t>
             </a:fld>
             <a:endParaRPr kumimoji="1" lang="ja-JP" altLang="en-US"/>
           </a:p>
@@ -1474,7 +1474,7 @@
           <a:p>
             <a:fld id="{881E6E86-9C0A-4A2D-8618-9781F5C54702}" type="datetimeFigureOut">
               <a:rPr kumimoji="1" lang="ja-JP" altLang="en-US" smtClean="0"/>
-              <a:t>2021/7/29</a:t>
+              <a:t>2021/7/30</a:t>
             </a:fld>
             <a:endParaRPr kumimoji="1" lang="ja-JP" altLang="en-US"/>
           </a:p>
@@ -1684,7 +1684,7 @@
           <a:p>
             <a:fld id="{881E6E86-9C0A-4A2D-8618-9781F5C54702}" type="datetimeFigureOut">
               <a:rPr kumimoji="1" lang="ja-JP" altLang="en-US" smtClean="0"/>
-              <a:t>2021/7/29</a:t>
+              <a:t>2021/7/30</a:t>
             </a:fld>
             <a:endParaRPr kumimoji="1" lang="ja-JP" altLang="en-US"/>
           </a:p>
@@ -1884,7 +1884,7 @@
           <a:p>
             <a:fld id="{881E6E86-9C0A-4A2D-8618-9781F5C54702}" type="datetimeFigureOut">
               <a:rPr kumimoji="1" lang="ja-JP" altLang="en-US" smtClean="0"/>
-              <a:t>2021/7/29</a:t>
+              <a:t>2021/7/30</a:t>
             </a:fld>
             <a:endParaRPr kumimoji="1" lang="ja-JP" altLang="en-US"/>
           </a:p>
@@ -2129,7 +2129,7 @@
           <a:p>
             <a:fld id="{881E6E86-9C0A-4A2D-8618-9781F5C54702}" type="datetimeFigureOut">
               <a:rPr kumimoji="1" lang="ja-JP" altLang="en-US" smtClean="0"/>
-              <a:t>2021/7/29</a:t>
+              <a:t>2021/7/30</a:t>
             </a:fld>
             <a:endParaRPr kumimoji="1" lang="ja-JP" altLang="en-US"/>
           </a:p>
@@ -2422,7 +2422,7 @@
           <a:p>
             <a:fld id="{881E6E86-9C0A-4A2D-8618-9781F5C54702}" type="datetimeFigureOut">
               <a:rPr kumimoji="1" lang="ja-JP" altLang="en-US" smtClean="0"/>
-              <a:t>2021/7/29</a:t>
+              <a:t>2021/7/30</a:t>
             </a:fld>
             <a:endParaRPr kumimoji="1" lang="ja-JP" altLang="en-US"/>
           </a:p>
@@ -2850,7 +2850,7 @@
           <a:p>
             <a:fld id="{881E6E86-9C0A-4A2D-8618-9781F5C54702}" type="datetimeFigureOut">
               <a:rPr kumimoji="1" lang="ja-JP" altLang="en-US" smtClean="0"/>
-              <a:t>2021/7/29</a:t>
+              <a:t>2021/7/30</a:t>
             </a:fld>
             <a:endParaRPr kumimoji="1" lang="ja-JP" altLang="en-US"/>
           </a:p>
@@ -2967,7 +2967,7 @@
           <a:p>
             <a:fld id="{881E6E86-9C0A-4A2D-8618-9781F5C54702}" type="datetimeFigureOut">
               <a:rPr kumimoji="1" lang="ja-JP" altLang="en-US" smtClean="0"/>
-              <a:t>2021/7/29</a:t>
+              <a:t>2021/7/30</a:t>
             </a:fld>
             <a:endParaRPr kumimoji="1" lang="ja-JP" altLang="en-US"/>
           </a:p>
@@ -3062,7 +3062,7 @@
           <a:p>
             <a:fld id="{881E6E86-9C0A-4A2D-8618-9781F5C54702}" type="datetimeFigureOut">
               <a:rPr kumimoji="1" lang="ja-JP" altLang="en-US" smtClean="0"/>
-              <a:t>2021/7/29</a:t>
+              <a:t>2021/7/30</a:t>
             </a:fld>
             <a:endParaRPr kumimoji="1" lang="ja-JP" altLang="en-US"/>
           </a:p>
@@ -3369,7 +3369,7 @@
           <a:p>
             <a:fld id="{881E6E86-9C0A-4A2D-8618-9781F5C54702}" type="datetimeFigureOut">
               <a:rPr kumimoji="1" lang="ja-JP" altLang="en-US" smtClean="0"/>
-              <a:t>2021/7/29</a:t>
+              <a:t>2021/7/30</a:t>
             </a:fld>
             <a:endParaRPr kumimoji="1" lang="ja-JP" altLang="en-US"/>
           </a:p>
@@ -3621,7 +3621,7 @@
           <a:p>
             <a:fld id="{881E6E86-9C0A-4A2D-8618-9781F5C54702}" type="datetimeFigureOut">
               <a:rPr kumimoji="1" lang="ja-JP" altLang="en-US" smtClean="0"/>
-              <a:t>2021/7/29</a:t>
+              <a:t>2021/7/30</a:t>
             </a:fld>
             <a:endParaRPr kumimoji="1" lang="ja-JP" altLang="en-US"/>
           </a:p>
@@ -3864,7 +3864,7 @@
           <a:p>
             <a:fld id="{881E6E86-9C0A-4A2D-8618-9781F5C54702}" type="datetimeFigureOut">
               <a:rPr kumimoji="1" lang="ja-JP" altLang="en-US" smtClean="0"/>
-              <a:t>2021/7/29</a:t>
+              <a:t>2021/7/30</a:t>
             </a:fld>
             <a:endParaRPr kumimoji="1" lang="ja-JP" altLang="en-US"/>
           </a:p>
@@ -4301,7 +4301,7 @@
           <a:p>
             <a:pPr algn="ctr"/>
             <a:r>
-              <a:rPr kumimoji="1" lang="en-US" altLang="ja-JP" sz="3200" b="1" spc="-150" dirty="0" smtClean="0">
+              <a:rPr kumimoji="1" lang="en-US" altLang="ja-JP" sz="3200" b="1" spc="-150" dirty="0">
                 <a:solidFill>
                   <a:schemeClr val="bg1"/>
                 </a:solidFill>
@@ -4404,8 +4404,302 @@
   <p:clrMapOvr>
     <a:masterClrMapping/>
   </p:clrMapOvr>
+  <mc:AlternateContent xmlns:mc="http://schemas.openxmlformats.org/markup-compatibility/2006" xmlns:p159="http://schemas.microsoft.com/office/powerpoint/2015/09/main">
+    <mc:Choice Requires="p159">
+      <p:transition xmlns:p14="http://schemas.microsoft.com/office/powerpoint/2010/main" spd="slow" p14:dur="2000">
+        <p159:morph option="byObject"/>
+      </p:transition>
+    </mc:Choice>
+    <mc:Fallback xmlns="">
+      <p:transition spd="slow">
+        <p:fade/>
+      </p:transition>
+    </mc:Fallback>
+  </mc:AlternateContent>
+</p:sld>
+</file>
+
+<file path=ppt/slides/slide10.xml><?xml version="1.0" encoding="utf-8"?>
+<p:sld xmlns:a="http://schemas.openxmlformats.org/drawingml/2006/main" xmlns:r="http://schemas.openxmlformats.org/officeDocument/2006/relationships" xmlns:p="http://schemas.openxmlformats.org/presentationml/2006/main">
+  <p:cSld>
+    <p:spTree>
+      <p:nvGrpSpPr>
+        <p:cNvPr id="1" name=""/>
+        <p:cNvGrpSpPr/>
+        <p:nvPr/>
+      </p:nvGrpSpPr>
+      <p:grpSpPr>
+        <a:xfrm>
+          <a:off x="0" y="0"/>
+          <a:ext cx="0" cy="0"/>
+          <a:chOff x="0" y="0"/>
+          <a:chExt cx="0" cy="0"/>
+        </a:xfrm>
+      </p:grpSpPr>
+      <p:pic>
+        <p:nvPicPr>
+          <p:cNvPr id="7" name="그림 6" descr="테이블이(가) 표시된 사진&#10;&#10;자동 생성된 설명">
+            <a:extLst>
+              <a:ext uri="{FF2B5EF4-FFF2-40B4-BE49-F238E27FC236}">
+                <a16:creationId xmlns:a16="http://schemas.microsoft.com/office/drawing/2014/main" id="{B1FA4C06-C7D0-4B27-AE0A-13FDBCA467C4}"/>
+              </a:ext>
+            </a:extLst>
+          </p:cNvPr>
+          <p:cNvPicPr>
+            <a:picLocks noChangeAspect="1"/>
+          </p:cNvPicPr>
+          <p:nvPr/>
+        </p:nvPicPr>
+        <p:blipFill>
+          <a:blip r:embed="rId2"/>
+          <a:stretch>
+            <a:fillRect/>
+          </a:stretch>
+        </p:blipFill>
+        <p:spPr>
+          <a:xfrm>
+            <a:off x="1098013" y="722002"/>
+            <a:ext cx="9995973" cy="5869884"/>
+          </a:xfrm>
+          <a:prstGeom prst="rect">
+            <a:avLst/>
+          </a:prstGeom>
+        </p:spPr>
+      </p:pic>
+      <p:sp>
+        <p:nvSpPr>
+          <p:cNvPr id="2" name="正方形/長方形 1"/>
+          <p:cNvSpPr/>
+          <p:nvPr/>
+        </p:nvSpPr>
+        <p:spPr>
+          <a:xfrm>
+            <a:off x="0" y="0"/>
+            <a:ext cx="12192000" cy="72000"/>
+          </a:xfrm>
+          <a:prstGeom prst="rect">
+            <a:avLst/>
+          </a:prstGeom>
+          <a:ln>
+            <a:noFill/>
+          </a:ln>
+        </p:spPr>
+        <p:style>
+          <a:lnRef idx="2">
+            <a:schemeClr val="accent1">
+              <a:shade val="50000"/>
+            </a:schemeClr>
+          </a:lnRef>
+          <a:fillRef idx="1">
+            <a:schemeClr val="accent1"/>
+          </a:fillRef>
+          <a:effectRef idx="0">
+            <a:schemeClr val="accent1"/>
+          </a:effectRef>
+          <a:fontRef idx="minor">
+            <a:schemeClr val="lt1"/>
+          </a:fontRef>
+        </p:style>
+        <p:txBody>
+          <a:bodyPr rtlCol="0" anchor="ctr"/>
+          <a:lstStyle/>
+          <a:p>
+            <a:pPr algn="ctr"/>
+            <a:endParaRPr kumimoji="1" lang="ja-JP" altLang="en-US"/>
+          </a:p>
+        </p:txBody>
+      </p:sp>
+      <p:sp>
+        <p:nvSpPr>
+          <p:cNvPr id="3" name="正方形/長方形 2"/>
+          <p:cNvSpPr/>
+          <p:nvPr/>
+        </p:nvSpPr>
+        <p:spPr>
+          <a:xfrm>
+            <a:off x="0" y="6786000"/>
+            <a:ext cx="12192000" cy="72000"/>
+          </a:xfrm>
+          <a:prstGeom prst="rect">
+            <a:avLst/>
+          </a:prstGeom>
+          <a:ln>
+            <a:noFill/>
+          </a:ln>
+        </p:spPr>
+        <p:style>
+          <a:lnRef idx="2">
+            <a:schemeClr val="accent1">
+              <a:shade val="50000"/>
+            </a:schemeClr>
+          </a:lnRef>
+          <a:fillRef idx="1">
+            <a:schemeClr val="accent1"/>
+          </a:fillRef>
+          <a:effectRef idx="0">
+            <a:schemeClr val="accent1"/>
+          </a:effectRef>
+          <a:fontRef idx="minor">
+            <a:schemeClr val="lt1"/>
+          </a:fontRef>
+        </p:style>
+        <p:txBody>
+          <a:bodyPr rtlCol="0" anchor="ctr"/>
+          <a:lstStyle/>
+          <a:p>
+            <a:pPr algn="ctr"/>
+            <a:endParaRPr kumimoji="1" lang="ja-JP" altLang="en-US"/>
+          </a:p>
+        </p:txBody>
+      </p:sp>
+      <p:sp>
+        <p:nvSpPr>
+          <p:cNvPr id="4" name="テキスト ボックス 3"/>
+          <p:cNvSpPr txBox="1"/>
+          <p:nvPr/>
+        </p:nvSpPr>
+        <p:spPr>
+          <a:xfrm>
+            <a:off x="1274182" y="460392"/>
+            <a:ext cx="4382354" cy="646331"/>
+          </a:xfrm>
+          <a:prstGeom prst="rect">
+            <a:avLst/>
+          </a:prstGeom>
+          <a:noFill/>
+        </p:spPr>
+        <p:txBody>
+          <a:bodyPr wrap="none" rtlCol="0">
+            <a:spAutoFit/>
+          </a:bodyPr>
+          <a:lstStyle/>
+          <a:p>
+            <a:r>
+              <a:rPr lang="en-US" altLang="ja-JP" sz="3600" b="1" spc="600" dirty="0">
+                <a:solidFill>
+                  <a:schemeClr val="tx1">
+                    <a:lumMod val="75000"/>
+                    <a:lumOff val="25000"/>
+                  </a:schemeClr>
+                </a:solidFill>
+              </a:rPr>
+              <a:t>DB TABLE </a:t>
+            </a:r>
+            <a:r>
+              <a:rPr lang="ko-KR" altLang="en-US" sz="3600" b="1" spc="600" dirty="0">
+                <a:solidFill>
+                  <a:schemeClr val="tx1">
+                    <a:lumMod val="75000"/>
+                    <a:lumOff val="25000"/>
+                  </a:schemeClr>
+                </a:solidFill>
+              </a:rPr>
+              <a:t>구조</a:t>
+            </a:r>
+            <a:endParaRPr lang="ja-JP" altLang="en-US" sz="3600" b="1" spc="600" dirty="0">
+              <a:solidFill>
+                <a:schemeClr val="tx1">
+                  <a:lumMod val="75000"/>
+                  <a:lumOff val="25000"/>
+                </a:schemeClr>
+              </a:solidFill>
+            </a:endParaRPr>
+          </a:p>
+        </p:txBody>
+      </p:sp>
+      <p:sp>
+        <p:nvSpPr>
+          <p:cNvPr id="5" name="テキスト ボックス 4"/>
+          <p:cNvSpPr txBox="1"/>
+          <p:nvPr/>
+        </p:nvSpPr>
+        <p:spPr>
+          <a:xfrm>
+            <a:off x="132523" y="198782"/>
+            <a:ext cx="3013967" cy="261610"/>
+          </a:xfrm>
+          <a:prstGeom prst="rect">
+            <a:avLst/>
+          </a:prstGeom>
+          <a:noFill/>
+        </p:spPr>
+        <p:txBody>
+          <a:bodyPr wrap="none" rtlCol="0">
+            <a:spAutoFit/>
+          </a:bodyPr>
+          <a:lstStyle/>
+          <a:p>
+            <a:r>
+              <a:rPr lang="en-US" altLang="ja-JP" sz="1100" spc="600" dirty="0">
+                <a:solidFill>
+                  <a:schemeClr val="tx1">
+                    <a:lumMod val="75000"/>
+                    <a:lumOff val="25000"/>
+                  </a:schemeClr>
+                </a:solidFill>
+              </a:rPr>
+              <a:t>PART 2 </a:t>
+            </a:r>
+            <a:r>
+              <a:rPr lang="ko-KR" altLang="en-US" sz="1100" spc="600" dirty="0">
+                <a:solidFill>
+                  <a:schemeClr val="tx1">
+                    <a:lumMod val="75000"/>
+                    <a:lumOff val="25000"/>
+                  </a:schemeClr>
+                </a:solidFill>
+              </a:rPr>
+              <a:t>개발환경 및 기획</a:t>
+            </a:r>
+            <a:endParaRPr kumimoji="1" lang="ja-JP" altLang="en-US" sz="1100" spc="600" dirty="0">
+              <a:solidFill>
+                <a:schemeClr val="tx1">
+                  <a:lumMod val="75000"/>
+                  <a:lumOff val="25000"/>
+                </a:schemeClr>
+              </a:solidFill>
+            </a:endParaRPr>
+          </a:p>
+        </p:txBody>
+      </p:sp>
+      <p:sp>
+        <p:nvSpPr>
+          <p:cNvPr id="14" name="TextBox 13"/>
+          <p:cNvSpPr txBox="1"/>
+          <p:nvPr/>
+        </p:nvSpPr>
+        <p:spPr>
+          <a:xfrm>
+            <a:off x="19969081" y="11230124"/>
+            <a:ext cx="831252" cy="854300"/>
+          </a:xfrm>
+          <a:prstGeom prst="rect">
+            <a:avLst/>
+          </a:prstGeom>
+          <a:noFill/>
+        </p:spPr>
+        <p:txBody>
+          <a:bodyPr wrap="square" rtlCol="0">
+            <a:spAutoFit/>
+          </a:bodyPr>
+          <a:lstStyle/>
+          <a:p>
+            <a:endParaRPr lang="ko-KR" altLang="en-US" dirty="0"/>
+          </a:p>
+        </p:txBody>
+      </p:sp>
+    </p:spTree>
+    <p:extLst>
+      <p:ext uri="{BB962C8B-B14F-4D97-AF65-F5344CB8AC3E}">
+        <p14:creationId xmlns:p14="http://schemas.microsoft.com/office/powerpoint/2010/main" val="3662787769"/>
+      </p:ext>
+    </p:extLst>
+  </p:cSld>
+  <p:clrMapOvr>
+    <a:masterClrMapping/>
+  </p:clrMapOvr>
   <mc:AlternateContent xmlns:mc="http://schemas.openxmlformats.org/markup-compatibility/2006">
-    <mc:Choice xmlns:p159="http://schemas.microsoft.com/office/powerpoint/2015/09/main" xmlns="" Requires="p159">
+    <mc:Choice xmlns:p159="http://schemas.microsoft.com/office/powerpoint/2015/09/main" Requires="p159">
       <p:transition xmlns:p14="http://schemas.microsoft.com/office/powerpoint/2010/main" spd="slow" p14:dur="2000">
         <p159:morph option="byObject"/>
       </p:transition>
@@ -4416,17 +4710,663 @@
       </p:transition>
     </mc:Fallback>
   </mc:AlternateContent>
-  <p:timing>
-    <p:tnLst>
-      <p:par>
-        <p:cTn id="1" dur="indefinite" restart="never" nodeType="tmRoot"/>
-      </p:par>
-    </p:tnLst>
-  </p:timing>
 </p:sld>
 </file>
 
-<file path=ppt/slides/slide10.xml><?xml version="1.0" encoding="utf-8"?>
+<file path=ppt/slides/slide11.xml><?xml version="1.0" encoding="utf-8"?>
+<p:sld xmlns:a="http://schemas.openxmlformats.org/drawingml/2006/main" xmlns:r="http://schemas.openxmlformats.org/officeDocument/2006/relationships" xmlns:p="http://schemas.openxmlformats.org/presentationml/2006/main">
+  <p:cSld>
+    <p:spTree>
+      <p:nvGrpSpPr>
+        <p:cNvPr id="1" name=""/>
+        <p:cNvGrpSpPr/>
+        <p:nvPr/>
+      </p:nvGrpSpPr>
+      <p:grpSpPr>
+        <a:xfrm>
+          <a:off x="0" y="0"/>
+          <a:ext cx="0" cy="0"/>
+          <a:chOff x="0" y="0"/>
+          <a:chExt cx="0" cy="0"/>
+        </a:xfrm>
+      </p:grpSpPr>
+      <p:sp>
+        <p:nvSpPr>
+          <p:cNvPr id="2" name="正方形/長方形 1"/>
+          <p:cNvSpPr/>
+          <p:nvPr/>
+        </p:nvSpPr>
+        <p:spPr>
+          <a:xfrm>
+            <a:off x="0" y="0"/>
+            <a:ext cx="12192000" cy="72000"/>
+          </a:xfrm>
+          <a:prstGeom prst="rect">
+            <a:avLst/>
+          </a:prstGeom>
+          <a:ln>
+            <a:noFill/>
+          </a:ln>
+        </p:spPr>
+        <p:style>
+          <a:lnRef idx="2">
+            <a:schemeClr val="accent1">
+              <a:shade val="50000"/>
+            </a:schemeClr>
+          </a:lnRef>
+          <a:fillRef idx="1">
+            <a:schemeClr val="accent1"/>
+          </a:fillRef>
+          <a:effectRef idx="0">
+            <a:schemeClr val="accent1"/>
+          </a:effectRef>
+          <a:fontRef idx="minor">
+            <a:schemeClr val="lt1"/>
+          </a:fontRef>
+        </p:style>
+        <p:txBody>
+          <a:bodyPr rtlCol="0" anchor="ctr"/>
+          <a:lstStyle/>
+          <a:p>
+            <a:pPr algn="ctr"/>
+            <a:endParaRPr kumimoji="1" lang="ja-JP" altLang="en-US"/>
+          </a:p>
+        </p:txBody>
+      </p:sp>
+      <p:sp>
+        <p:nvSpPr>
+          <p:cNvPr id="3" name="正方形/長方形 2"/>
+          <p:cNvSpPr/>
+          <p:nvPr/>
+        </p:nvSpPr>
+        <p:spPr>
+          <a:xfrm>
+            <a:off x="0" y="6786000"/>
+            <a:ext cx="12192000" cy="72000"/>
+          </a:xfrm>
+          <a:prstGeom prst="rect">
+            <a:avLst/>
+          </a:prstGeom>
+          <a:ln>
+            <a:noFill/>
+          </a:ln>
+        </p:spPr>
+        <p:style>
+          <a:lnRef idx="2">
+            <a:schemeClr val="accent1">
+              <a:shade val="50000"/>
+            </a:schemeClr>
+          </a:lnRef>
+          <a:fillRef idx="1">
+            <a:schemeClr val="accent1"/>
+          </a:fillRef>
+          <a:effectRef idx="0">
+            <a:schemeClr val="accent1"/>
+          </a:effectRef>
+          <a:fontRef idx="minor">
+            <a:schemeClr val="lt1"/>
+          </a:fontRef>
+        </p:style>
+        <p:txBody>
+          <a:bodyPr rtlCol="0" anchor="ctr"/>
+          <a:lstStyle/>
+          <a:p>
+            <a:pPr algn="ctr"/>
+            <a:endParaRPr kumimoji="1" lang="ja-JP" altLang="en-US"/>
+          </a:p>
+        </p:txBody>
+      </p:sp>
+      <p:sp>
+        <p:nvSpPr>
+          <p:cNvPr id="4" name="テキスト ボックス 3"/>
+          <p:cNvSpPr txBox="1"/>
+          <p:nvPr/>
+        </p:nvSpPr>
+        <p:spPr>
+          <a:xfrm>
+            <a:off x="1274182" y="460392"/>
+            <a:ext cx="2512226" cy="646331"/>
+          </a:xfrm>
+          <a:prstGeom prst="rect">
+            <a:avLst/>
+          </a:prstGeom>
+          <a:noFill/>
+        </p:spPr>
+        <p:txBody>
+          <a:bodyPr wrap="none" rtlCol="0">
+            <a:spAutoFit/>
+          </a:bodyPr>
+          <a:lstStyle/>
+          <a:p>
+            <a:r>
+              <a:rPr lang="ko-KR" altLang="en-US" sz="3600" b="1" spc="600" dirty="0">
+                <a:solidFill>
+                  <a:schemeClr val="tx1">
+                    <a:lumMod val="75000"/>
+                    <a:lumOff val="25000"/>
+                  </a:schemeClr>
+                </a:solidFill>
+              </a:rPr>
+              <a:t>개발 환경</a:t>
+            </a:r>
+            <a:endParaRPr lang="ja-JP" altLang="en-US" sz="3600" b="1" spc="600" dirty="0">
+              <a:solidFill>
+                <a:schemeClr val="tx1">
+                  <a:lumMod val="75000"/>
+                  <a:lumOff val="25000"/>
+                </a:schemeClr>
+              </a:solidFill>
+            </a:endParaRPr>
+          </a:p>
+        </p:txBody>
+      </p:sp>
+      <p:sp>
+        <p:nvSpPr>
+          <p:cNvPr id="5" name="テキスト ボックス 4"/>
+          <p:cNvSpPr txBox="1"/>
+          <p:nvPr/>
+        </p:nvSpPr>
+        <p:spPr>
+          <a:xfrm>
+            <a:off x="132523" y="198782"/>
+            <a:ext cx="2577950" cy="261610"/>
+          </a:xfrm>
+          <a:prstGeom prst="rect">
+            <a:avLst/>
+          </a:prstGeom>
+          <a:noFill/>
+        </p:spPr>
+        <p:txBody>
+          <a:bodyPr wrap="none" rtlCol="0">
+            <a:spAutoFit/>
+          </a:bodyPr>
+          <a:lstStyle/>
+          <a:p>
+            <a:r>
+              <a:rPr lang="en-US" altLang="ja-JP" sz="1100" spc="600" dirty="0">
+                <a:solidFill>
+                  <a:schemeClr val="tx1">
+                    <a:lumMod val="75000"/>
+                    <a:lumOff val="25000"/>
+                  </a:schemeClr>
+                </a:solidFill>
+              </a:rPr>
+              <a:t>PART 1 </a:t>
+            </a:r>
+            <a:r>
+              <a:rPr lang="ko-KR" altLang="en-US" sz="1100" spc="600" dirty="0">
+                <a:solidFill>
+                  <a:schemeClr val="tx1">
+                    <a:lumMod val="75000"/>
+                    <a:lumOff val="25000"/>
+                  </a:schemeClr>
+                </a:solidFill>
+              </a:rPr>
+              <a:t>소개 및 개요</a:t>
+            </a:r>
+            <a:endParaRPr kumimoji="1" lang="ja-JP" altLang="en-US" sz="1100" spc="600" dirty="0">
+              <a:solidFill>
+                <a:schemeClr val="tx1">
+                  <a:lumMod val="75000"/>
+                  <a:lumOff val="25000"/>
+                </a:schemeClr>
+              </a:solidFill>
+            </a:endParaRPr>
+          </a:p>
+        </p:txBody>
+      </p:sp>
+      <p:sp>
+        <p:nvSpPr>
+          <p:cNvPr id="11" name="타원 10">
+            <a:extLst>
+              <a:ext uri="{FF2B5EF4-FFF2-40B4-BE49-F238E27FC236}">
+                <a16:creationId xmlns:a16="http://schemas.microsoft.com/office/drawing/2014/main" id="{66F8BB50-E128-481B-A16F-7172051C5D58}"/>
+              </a:ext>
+            </a:extLst>
+          </p:cNvPr>
+          <p:cNvSpPr/>
+          <p:nvPr/>
+        </p:nvSpPr>
+        <p:spPr>
+          <a:xfrm>
+            <a:off x="1274182" y="1838633"/>
+            <a:ext cx="3048000" cy="3048000"/>
+          </a:xfrm>
+          <a:prstGeom prst="ellipse">
+            <a:avLst/>
+          </a:prstGeom>
+          <a:solidFill>
+            <a:schemeClr val="accent2"/>
+          </a:solidFill>
+          <a:ln>
+            <a:noFill/>
+          </a:ln>
+        </p:spPr>
+        <p:style>
+          <a:lnRef idx="2">
+            <a:schemeClr val="accent1">
+              <a:shade val="50000"/>
+            </a:schemeClr>
+          </a:lnRef>
+          <a:fillRef idx="1">
+            <a:schemeClr val="accent1"/>
+          </a:fillRef>
+          <a:effectRef idx="0">
+            <a:schemeClr val="accent1"/>
+          </a:effectRef>
+          <a:fontRef idx="minor">
+            <a:schemeClr val="lt1"/>
+          </a:fontRef>
+        </p:style>
+        <p:txBody>
+          <a:bodyPr rtlCol="0" anchor="ctr"/>
+          <a:lstStyle/>
+          <a:p>
+            <a:pPr algn="ctr"/>
+            <a:endParaRPr kumimoji="1" lang="ko-KR" altLang="en-US"/>
+          </a:p>
+        </p:txBody>
+      </p:sp>
+      <p:pic>
+        <p:nvPicPr>
+          <p:cNvPr id="8" name="그래픽 7" descr="연필">
+            <a:extLst>
+              <a:ext uri="{FF2B5EF4-FFF2-40B4-BE49-F238E27FC236}">
+                <a16:creationId xmlns:a16="http://schemas.microsoft.com/office/drawing/2014/main" id="{57A1CD4F-5881-46D6-B91E-713E7585774F}"/>
+              </a:ext>
+            </a:extLst>
+          </p:cNvPr>
+          <p:cNvPicPr>
+            <a:picLocks noChangeAspect="1"/>
+          </p:cNvPicPr>
+          <p:nvPr/>
+        </p:nvPicPr>
+        <p:blipFill>
+          <a:blip r:embed="rId2" cstate="print">
+            <a:extLst>
+              <a:ext uri="{28A0092B-C50C-407E-A947-70E740481C1C}">
+                <a14:useLocalDpi xmlns:a14="http://schemas.microsoft.com/office/drawing/2010/main" val="0"/>
+              </a:ext>
+              <a:ext uri="{96DAC541-7B7A-43D3-8B79-37D633B846F1}">
+                <asvg:svgBlip xmlns:asvg="http://schemas.microsoft.com/office/drawing/2016/SVG/main" r:embed="rId3"/>
+              </a:ext>
+            </a:extLst>
+          </a:blip>
+          <a:stretch>
+            <a:fillRect/>
+          </a:stretch>
+        </p:blipFill>
+        <p:spPr>
+          <a:xfrm>
+            <a:off x="2016961" y="2581412"/>
+            <a:ext cx="1562440" cy="1562440"/>
+          </a:xfrm>
+          <a:prstGeom prst="rect">
+            <a:avLst/>
+          </a:prstGeom>
+        </p:spPr>
+      </p:pic>
+      <p:sp>
+        <p:nvSpPr>
+          <p:cNvPr id="12" name="타원 11">
+            <a:extLst>
+              <a:ext uri="{FF2B5EF4-FFF2-40B4-BE49-F238E27FC236}">
+                <a16:creationId xmlns:a16="http://schemas.microsoft.com/office/drawing/2014/main" id="{274B4049-12A0-4E6C-9EDC-EE9081F2F21C}"/>
+              </a:ext>
+            </a:extLst>
+          </p:cNvPr>
+          <p:cNvSpPr/>
+          <p:nvPr/>
+        </p:nvSpPr>
+        <p:spPr>
+          <a:xfrm>
+            <a:off x="4878420" y="1838631"/>
+            <a:ext cx="3048000" cy="3048000"/>
+          </a:xfrm>
+          <a:prstGeom prst="ellipse">
+            <a:avLst/>
+          </a:prstGeom>
+          <a:solidFill>
+            <a:schemeClr val="accent2"/>
+          </a:solidFill>
+          <a:ln>
+            <a:noFill/>
+          </a:ln>
+        </p:spPr>
+        <p:style>
+          <a:lnRef idx="2">
+            <a:schemeClr val="accent1">
+              <a:shade val="50000"/>
+            </a:schemeClr>
+          </a:lnRef>
+          <a:fillRef idx="1">
+            <a:schemeClr val="accent1"/>
+          </a:fillRef>
+          <a:effectRef idx="0">
+            <a:schemeClr val="accent1"/>
+          </a:effectRef>
+          <a:fontRef idx="minor">
+            <a:schemeClr val="lt1"/>
+          </a:fontRef>
+        </p:style>
+        <p:txBody>
+          <a:bodyPr rtlCol="0" anchor="ctr"/>
+          <a:lstStyle/>
+          <a:p>
+            <a:pPr algn="ctr"/>
+            <a:endParaRPr kumimoji="1" lang="ko-KR" altLang="en-US"/>
+          </a:p>
+        </p:txBody>
+      </p:sp>
+      <p:sp>
+        <p:nvSpPr>
+          <p:cNvPr id="13" name="타원 12">
+            <a:extLst>
+              <a:ext uri="{FF2B5EF4-FFF2-40B4-BE49-F238E27FC236}">
+                <a16:creationId xmlns:a16="http://schemas.microsoft.com/office/drawing/2014/main" id="{BD4AACCB-2450-4314-B413-788A2F2E3C57}"/>
+              </a:ext>
+            </a:extLst>
+          </p:cNvPr>
+          <p:cNvSpPr/>
+          <p:nvPr/>
+        </p:nvSpPr>
+        <p:spPr>
+          <a:xfrm>
+            <a:off x="8482657" y="1838629"/>
+            <a:ext cx="3048000" cy="3048000"/>
+          </a:xfrm>
+          <a:prstGeom prst="ellipse">
+            <a:avLst/>
+          </a:prstGeom>
+          <a:solidFill>
+            <a:schemeClr val="accent2"/>
+          </a:solidFill>
+          <a:ln>
+            <a:noFill/>
+          </a:ln>
+        </p:spPr>
+        <p:style>
+          <a:lnRef idx="2">
+            <a:schemeClr val="accent1">
+              <a:shade val="50000"/>
+            </a:schemeClr>
+          </a:lnRef>
+          <a:fillRef idx="1">
+            <a:schemeClr val="accent1"/>
+          </a:fillRef>
+          <a:effectRef idx="0">
+            <a:schemeClr val="accent1"/>
+          </a:effectRef>
+          <a:fontRef idx="minor">
+            <a:schemeClr val="lt1"/>
+          </a:fontRef>
+        </p:style>
+        <p:txBody>
+          <a:bodyPr rtlCol="0" anchor="ctr"/>
+          <a:lstStyle/>
+          <a:p>
+            <a:pPr algn="ctr"/>
+            <a:endParaRPr kumimoji="1" lang="ko-KR" altLang="en-US"/>
+          </a:p>
+        </p:txBody>
+      </p:sp>
+      <p:pic>
+        <p:nvPicPr>
+          <p:cNvPr id="7" name="그래픽 6" descr="교사">
+            <a:extLst>
+              <a:ext uri="{FF2B5EF4-FFF2-40B4-BE49-F238E27FC236}">
+                <a16:creationId xmlns:a16="http://schemas.microsoft.com/office/drawing/2014/main" id="{C0E2290D-5D0C-47D0-9620-7CCF777E0239}"/>
+              </a:ext>
+            </a:extLst>
+          </p:cNvPr>
+          <p:cNvPicPr>
+            <a:picLocks noChangeAspect="1"/>
+          </p:cNvPicPr>
+          <p:nvPr/>
+        </p:nvPicPr>
+        <p:blipFill>
+          <a:blip r:embed="rId4">
+            <a:extLst>
+              <a:ext uri="{28A0092B-C50C-407E-A947-70E740481C1C}">
+                <a14:useLocalDpi xmlns:a14="http://schemas.microsoft.com/office/drawing/2010/main" val="0"/>
+              </a:ext>
+              <a:ext uri="{96DAC541-7B7A-43D3-8B79-37D633B846F1}">
+                <asvg:svgBlip xmlns:asvg="http://schemas.microsoft.com/office/drawing/2016/SVG/main" r:embed="rId5"/>
+              </a:ext>
+            </a:extLst>
+          </a:blip>
+          <a:stretch>
+            <a:fillRect/>
+          </a:stretch>
+        </p:blipFill>
+        <p:spPr>
+          <a:xfrm>
+            <a:off x="5261052" y="2430400"/>
+            <a:ext cx="1997200" cy="1997200"/>
+          </a:xfrm>
+          <a:prstGeom prst="rect">
+            <a:avLst/>
+          </a:prstGeom>
+        </p:spPr>
+      </p:pic>
+      <p:pic>
+        <p:nvPicPr>
+          <p:cNvPr id="10" name="그래픽 9" descr="악수">
+            <a:extLst>
+              <a:ext uri="{FF2B5EF4-FFF2-40B4-BE49-F238E27FC236}">
+                <a16:creationId xmlns:a16="http://schemas.microsoft.com/office/drawing/2014/main" id="{87320523-C137-4205-820F-43D2137545E9}"/>
+              </a:ext>
+            </a:extLst>
+          </p:cNvPr>
+          <p:cNvPicPr>
+            <a:picLocks noChangeAspect="1"/>
+          </p:cNvPicPr>
+          <p:nvPr/>
+        </p:nvPicPr>
+        <p:blipFill>
+          <a:blip r:embed="rId6">
+            <a:extLst>
+              <a:ext uri="{28A0092B-C50C-407E-A947-70E740481C1C}">
+                <a14:useLocalDpi xmlns:a14="http://schemas.microsoft.com/office/drawing/2010/main" val="0"/>
+              </a:ext>
+              <a:ext uri="{96DAC541-7B7A-43D3-8B79-37D633B846F1}">
+                <asvg:svgBlip xmlns:asvg="http://schemas.microsoft.com/office/drawing/2016/SVG/main" r:embed="rId7"/>
+              </a:ext>
+            </a:extLst>
+          </a:blip>
+          <a:stretch>
+            <a:fillRect/>
+          </a:stretch>
+        </p:blipFill>
+        <p:spPr>
+          <a:xfrm>
+            <a:off x="8934267" y="2430400"/>
+            <a:ext cx="2144780" cy="2144780"/>
+          </a:xfrm>
+          <a:prstGeom prst="rect">
+            <a:avLst/>
+          </a:prstGeom>
+        </p:spPr>
+      </p:pic>
+      <p:sp>
+        <p:nvSpPr>
+          <p:cNvPr id="15" name="テキスト ボックス 8">
+            <a:extLst>
+              <a:ext uri="{FF2B5EF4-FFF2-40B4-BE49-F238E27FC236}">
+                <a16:creationId xmlns:a16="http://schemas.microsoft.com/office/drawing/2014/main" id="{88907138-8988-4B95-A70A-484F49158257}"/>
+              </a:ext>
+            </a:extLst>
+          </p:cNvPr>
+          <p:cNvSpPr txBox="1"/>
+          <p:nvPr/>
+        </p:nvSpPr>
+        <p:spPr>
+          <a:xfrm>
+            <a:off x="1545658" y="5095278"/>
+            <a:ext cx="2505046" cy="461665"/>
+          </a:xfrm>
+          <a:prstGeom prst="rect">
+            <a:avLst/>
+          </a:prstGeom>
+          <a:noFill/>
+        </p:spPr>
+        <p:txBody>
+          <a:bodyPr wrap="none" rtlCol="0">
+            <a:spAutoFit/>
+          </a:bodyPr>
+          <a:lstStyle/>
+          <a:p>
+            <a:pPr algn="ctr"/>
+            <a:r>
+              <a:rPr kumimoji="1" lang="en-US" altLang="ko-KR" sz="2400" b="1" dirty="0">
+                <a:solidFill>
+                  <a:schemeClr val="tx1">
+                    <a:lumMod val="85000"/>
+                    <a:lumOff val="15000"/>
+                  </a:schemeClr>
+                </a:solidFill>
+              </a:rPr>
+              <a:t>Insert Title Here</a:t>
+            </a:r>
+            <a:endParaRPr kumimoji="1" lang="ja-JP" altLang="en-US" sz="2400" b="1" dirty="0">
+              <a:solidFill>
+                <a:schemeClr val="tx1">
+                  <a:lumMod val="85000"/>
+                  <a:lumOff val="15000"/>
+                </a:schemeClr>
+              </a:solidFill>
+            </a:endParaRPr>
+          </a:p>
+        </p:txBody>
+      </p:sp>
+      <p:sp>
+        <p:nvSpPr>
+          <p:cNvPr id="16" name="テキスト ボックス 9">
+            <a:extLst>
+              <a:ext uri="{FF2B5EF4-FFF2-40B4-BE49-F238E27FC236}">
+                <a16:creationId xmlns:a16="http://schemas.microsoft.com/office/drawing/2014/main" id="{657912A2-233D-447F-989C-D3FE57CEC881}"/>
+              </a:ext>
+            </a:extLst>
+          </p:cNvPr>
+          <p:cNvSpPr txBox="1"/>
+          <p:nvPr/>
+        </p:nvSpPr>
+        <p:spPr>
+          <a:xfrm>
+            <a:off x="5149897" y="5095278"/>
+            <a:ext cx="2505046" cy="461665"/>
+          </a:xfrm>
+          <a:prstGeom prst="rect">
+            <a:avLst/>
+          </a:prstGeom>
+          <a:noFill/>
+        </p:spPr>
+        <p:txBody>
+          <a:bodyPr wrap="none" rtlCol="0">
+            <a:spAutoFit/>
+          </a:bodyPr>
+          <a:lstStyle/>
+          <a:p>
+            <a:pPr algn="ctr"/>
+            <a:r>
+              <a:rPr kumimoji="1" lang="en-US" altLang="ko-KR" sz="2400" b="1" dirty="0">
+                <a:solidFill>
+                  <a:schemeClr val="tx1">
+                    <a:lumMod val="85000"/>
+                    <a:lumOff val="15000"/>
+                  </a:schemeClr>
+                </a:solidFill>
+              </a:rPr>
+              <a:t>Insert Title Here</a:t>
+            </a:r>
+            <a:endParaRPr kumimoji="1" lang="ja-JP" altLang="en-US" sz="2400" b="1" dirty="0">
+              <a:solidFill>
+                <a:schemeClr val="tx1">
+                  <a:lumMod val="85000"/>
+                  <a:lumOff val="15000"/>
+                </a:schemeClr>
+              </a:solidFill>
+            </a:endParaRPr>
+          </a:p>
+        </p:txBody>
+      </p:sp>
+      <p:sp>
+        <p:nvSpPr>
+          <p:cNvPr id="17" name="テキスト ボックス 10">
+            <a:extLst>
+              <a:ext uri="{FF2B5EF4-FFF2-40B4-BE49-F238E27FC236}">
+                <a16:creationId xmlns:a16="http://schemas.microsoft.com/office/drawing/2014/main" id="{63B04C8E-67C0-44BA-BF0A-037E75358960}"/>
+              </a:ext>
+            </a:extLst>
+          </p:cNvPr>
+          <p:cNvSpPr txBox="1"/>
+          <p:nvPr/>
+        </p:nvSpPr>
+        <p:spPr>
+          <a:xfrm>
+            <a:off x="8754134" y="5095278"/>
+            <a:ext cx="2505046" cy="461665"/>
+          </a:xfrm>
+          <a:prstGeom prst="rect">
+            <a:avLst/>
+          </a:prstGeom>
+          <a:noFill/>
+        </p:spPr>
+        <p:txBody>
+          <a:bodyPr wrap="none" rtlCol="0">
+            <a:spAutoFit/>
+          </a:bodyPr>
+          <a:lstStyle/>
+          <a:p>
+            <a:pPr algn="ctr"/>
+            <a:r>
+              <a:rPr kumimoji="1" lang="en-US" altLang="ko-KR" sz="2400" b="1" dirty="0">
+                <a:solidFill>
+                  <a:schemeClr val="tx1">
+                    <a:lumMod val="85000"/>
+                    <a:lumOff val="15000"/>
+                  </a:schemeClr>
+                </a:solidFill>
+              </a:rPr>
+              <a:t>Insert Title Here</a:t>
+            </a:r>
+            <a:endParaRPr kumimoji="1" lang="ja-JP" altLang="en-US" sz="2400" b="1" dirty="0">
+              <a:solidFill>
+                <a:schemeClr val="tx1">
+                  <a:lumMod val="85000"/>
+                  <a:lumOff val="15000"/>
+                </a:schemeClr>
+              </a:solidFill>
+            </a:endParaRPr>
+          </a:p>
+        </p:txBody>
+      </p:sp>
+    </p:spTree>
+    <p:extLst>
+      <p:ext uri="{BB962C8B-B14F-4D97-AF65-F5344CB8AC3E}">
+        <p14:creationId xmlns:p14="http://schemas.microsoft.com/office/powerpoint/2010/main" val="1321929663"/>
+      </p:ext>
+    </p:extLst>
+  </p:cSld>
+  <p:clrMapOvr>
+    <a:masterClrMapping/>
+  </p:clrMapOvr>
+  <mc:AlternateContent xmlns:mc="http://schemas.openxmlformats.org/markup-compatibility/2006" xmlns:p159="http://schemas.microsoft.com/office/powerpoint/2015/09/main">
+    <mc:Choice Requires="p159">
+      <p:transition xmlns:p14="http://schemas.microsoft.com/office/powerpoint/2010/main" spd="slow" p14:dur="2000">
+        <p159:morph option="byObject"/>
+      </p:transition>
+    </mc:Choice>
+    <mc:Fallback xmlns="">
+      <p:transition spd="slow">
+        <p:fade/>
+      </p:transition>
+    </mc:Fallback>
+  </mc:AlternateContent>
+</p:sld>
+</file>
+
+<file path=ppt/slides/slide12.xml><?xml version="1.0" encoding="utf-8"?>
 <p:sld xmlns:a="http://schemas.openxmlformats.org/drawingml/2006/main" xmlns:r="http://schemas.openxmlformats.org/officeDocument/2006/relationships" xmlns:p="http://schemas.openxmlformats.org/presentationml/2006/main">
   <p:cSld>
     <p:spTree>
@@ -4831,29 +5771,22 @@
   <p:clrMapOvr>
     <a:masterClrMapping/>
   </p:clrMapOvr>
-  <mc:AlternateContent xmlns:mc="http://schemas.openxmlformats.org/markup-compatibility/2006">
-    <mc:Choice xmlns:p159="http://schemas.microsoft.com/office/powerpoint/2015/09/main" xmlns="" Requires="p159">
+  <mc:AlternateContent xmlns:mc="http://schemas.openxmlformats.org/markup-compatibility/2006" xmlns:p159="http://schemas.microsoft.com/office/powerpoint/2015/09/main">
+    <mc:Choice Requires="p159">
       <p:transition xmlns:p14="http://schemas.microsoft.com/office/powerpoint/2010/main" spd="slow" p14:dur="2000">
         <p159:morph option="byObject"/>
       </p:transition>
     </mc:Choice>
-    <mc:Fallback>
+    <mc:Fallback xmlns="">
       <p:transition spd="slow">
         <p:fade/>
       </p:transition>
     </mc:Fallback>
   </mc:AlternateContent>
-  <p:timing>
-    <p:tnLst>
-      <p:par>
-        <p:cTn id="1" dur="indefinite" restart="never" nodeType="tmRoot"/>
-      </p:par>
-    </p:tnLst>
-  </p:timing>
 </p:sld>
 </file>
 
-<file path=ppt/slides/slide11.xml><?xml version="1.0" encoding="utf-8"?>
+<file path=ppt/slides/slide13.xml><?xml version="1.0" encoding="utf-8"?>
 <p:sld xmlns:a="http://schemas.openxmlformats.org/drawingml/2006/main" xmlns:r="http://schemas.openxmlformats.org/officeDocument/2006/relationships" xmlns:p="http://schemas.openxmlformats.org/presentationml/2006/main">
   <p:cSld>
     <p:spTree>
@@ -5494,29 +6427,22 @@
   <p:clrMapOvr>
     <a:masterClrMapping/>
   </p:clrMapOvr>
-  <mc:AlternateContent xmlns:mc="http://schemas.openxmlformats.org/markup-compatibility/2006">
-    <mc:Choice xmlns:p159="http://schemas.microsoft.com/office/powerpoint/2015/09/main" xmlns="" Requires="p159">
+  <mc:AlternateContent xmlns:mc="http://schemas.openxmlformats.org/markup-compatibility/2006" xmlns:p159="http://schemas.microsoft.com/office/powerpoint/2015/09/main">
+    <mc:Choice Requires="p159">
       <p:transition xmlns:p14="http://schemas.microsoft.com/office/powerpoint/2010/main" spd="slow" p14:dur="2000">
         <p159:morph option="byObject"/>
       </p:transition>
     </mc:Choice>
-    <mc:Fallback>
+    <mc:Fallback xmlns="">
       <p:transition spd="slow">
         <p:fade/>
       </p:transition>
     </mc:Fallback>
   </mc:AlternateContent>
-  <p:timing>
-    <p:tnLst>
-      <p:par>
-        <p:cTn id="1" dur="indefinite" restart="never" nodeType="tmRoot"/>
-      </p:par>
-    </p:tnLst>
-  </p:timing>
 </p:sld>
 </file>
 
-<file path=ppt/slides/slide12.xml><?xml version="1.0" encoding="utf-8"?>
+<file path=ppt/slides/slide14.xml><?xml version="1.0" encoding="utf-8"?>
 <p:sld xmlns:a="http://schemas.openxmlformats.org/drawingml/2006/main" xmlns:r="http://schemas.openxmlformats.org/officeDocument/2006/relationships" xmlns:p="http://schemas.openxmlformats.org/presentationml/2006/main">
   <p:cSld>
     <p:spTree>
@@ -6990,29 +7916,22 @@
   <p:clrMapOvr>
     <a:masterClrMapping/>
   </p:clrMapOvr>
-  <mc:AlternateContent xmlns:mc="http://schemas.openxmlformats.org/markup-compatibility/2006">
-    <mc:Choice xmlns:p159="http://schemas.microsoft.com/office/powerpoint/2015/09/main" xmlns="" Requires="p159">
+  <mc:AlternateContent xmlns:mc="http://schemas.openxmlformats.org/markup-compatibility/2006" xmlns:p159="http://schemas.microsoft.com/office/powerpoint/2015/09/main">
+    <mc:Choice Requires="p159">
       <p:transition xmlns:p14="http://schemas.microsoft.com/office/powerpoint/2010/main" spd="slow" p14:dur="2000">
         <p159:morph option="byObject"/>
       </p:transition>
     </mc:Choice>
-    <mc:Fallback>
+    <mc:Fallback xmlns="">
       <p:transition spd="slow">
         <p:fade/>
       </p:transition>
     </mc:Fallback>
   </mc:AlternateContent>
-  <p:timing>
-    <p:tnLst>
-      <p:par>
-        <p:cTn id="1" dur="indefinite" restart="never" nodeType="tmRoot"/>
-      </p:par>
-    </p:tnLst>
-  </p:timing>
 </p:sld>
 </file>
 
-<file path=ppt/slides/slide13.xml><?xml version="1.0" encoding="utf-8"?>
+<file path=ppt/slides/slide15.xml><?xml version="1.0" encoding="utf-8"?>
 <p:sld xmlns:a="http://schemas.openxmlformats.org/drawingml/2006/main" xmlns:r="http://schemas.openxmlformats.org/officeDocument/2006/relationships" xmlns:p="http://schemas.openxmlformats.org/presentationml/2006/main">
   <p:cSld>
     <p:spTree>
@@ -8149,29 +9068,22 @@
   <p:clrMapOvr>
     <a:masterClrMapping/>
   </p:clrMapOvr>
-  <mc:AlternateContent xmlns:mc="http://schemas.openxmlformats.org/markup-compatibility/2006">
-    <mc:Choice xmlns:p159="http://schemas.microsoft.com/office/powerpoint/2015/09/main" xmlns="" Requires="p159">
+  <mc:AlternateContent xmlns:mc="http://schemas.openxmlformats.org/markup-compatibility/2006" xmlns:p159="http://schemas.microsoft.com/office/powerpoint/2015/09/main">
+    <mc:Choice Requires="p159">
       <p:transition xmlns:p14="http://schemas.microsoft.com/office/powerpoint/2010/main" spd="slow" p14:dur="2000">
         <p159:morph option="byObject"/>
       </p:transition>
     </mc:Choice>
-    <mc:Fallback>
+    <mc:Fallback xmlns="">
       <p:transition spd="slow">
         <p:fade/>
       </p:transition>
     </mc:Fallback>
   </mc:AlternateContent>
-  <p:timing>
-    <p:tnLst>
-      <p:par>
-        <p:cTn id="1" dur="indefinite" restart="never" nodeType="tmRoot"/>
-      </p:par>
-    </p:tnLst>
-  </p:timing>
 </p:sld>
 </file>
 
-<file path=ppt/slides/slide14.xml><?xml version="1.0" encoding="utf-8"?>
+<file path=ppt/slides/slide16.xml><?xml version="1.0" encoding="utf-8"?>
 <p:sld xmlns:a="http://schemas.openxmlformats.org/drawingml/2006/main" xmlns:r="http://schemas.openxmlformats.org/officeDocument/2006/relationships" xmlns:p="http://schemas.openxmlformats.org/presentationml/2006/main">
   <p:cSld>
     <p:bg>
@@ -8314,29 +9226,22 @@
   <p:clrMapOvr>
     <a:masterClrMapping/>
   </p:clrMapOvr>
-  <mc:AlternateContent xmlns:mc="http://schemas.openxmlformats.org/markup-compatibility/2006">
-    <mc:Choice xmlns:p159="http://schemas.microsoft.com/office/powerpoint/2015/09/main" xmlns="" Requires="p159">
+  <mc:AlternateContent xmlns:mc="http://schemas.openxmlformats.org/markup-compatibility/2006" xmlns:p159="http://schemas.microsoft.com/office/powerpoint/2015/09/main">
+    <mc:Choice Requires="p159">
       <p:transition xmlns:p14="http://schemas.microsoft.com/office/powerpoint/2010/main" spd="slow" p14:dur="2000">
         <p159:morph option="byObject"/>
       </p:transition>
     </mc:Choice>
-    <mc:Fallback>
+    <mc:Fallback xmlns="">
       <p:transition spd="slow">
         <p:fade/>
       </p:transition>
     </mc:Fallback>
   </mc:AlternateContent>
-  <p:timing>
-    <p:tnLst>
-      <p:par>
-        <p:cTn id="1" dur="indefinite" restart="never" nodeType="tmRoot"/>
-      </p:par>
-    </p:tnLst>
-  </p:timing>
 </p:sld>
 </file>
 
-<file path=ppt/slides/slide15.xml><?xml version="1.0" encoding="utf-8"?>
+<file path=ppt/slides/slide17.xml><?xml version="1.0" encoding="utf-8"?>
 <p:sld xmlns:a="http://schemas.openxmlformats.org/drawingml/2006/main" xmlns:r="http://schemas.openxmlformats.org/officeDocument/2006/relationships" xmlns:p="http://schemas.openxmlformats.org/presentationml/2006/main">
   <p:cSld>
     <p:bg>
@@ -8471,29 +9376,22 @@
   <p:clrMapOvr>
     <a:masterClrMapping/>
   </p:clrMapOvr>
-  <mc:AlternateContent xmlns:mc="http://schemas.openxmlformats.org/markup-compatibility/2006">
-    <mc:Choice xmlns:p159="http://schemas.microsoft.com/office/powerpoint/2015/09/main" xmlns="" Requires="p159">
+  <mc:AlternateContent xmlns:mc="http://schemas.openxmlformats.org/markup-compatibility/2006" xmlns:p159="http://schemas.microsoft.com/office/powerpoint/2015/09/main">
+    <mc:Choice Requires="p159">
       <p:transition xmlns:p14="http://schemas.microsoft.com/office/powerpoint/2010/main" spd="slow" p14:dur="2000">
         <p159:morph option="byObject"/>
       </p:transition>
     </mc:Choice>
-    <mc:Fallback>
+    <mc:Fallback xmlns="">
       <p:transition spd="slow">
         <p:fade/>
       </p:transition>
     </mc:Fallback>
   </mc:AlternateContent>
-  <p:timing>
-    <p:tnLst>
-      <p:par>
-        <p:cTn id="1" dur="indefinite" restart="never" nodeType="tmRoot"/>
-      </p:par>
-    </p:tnLst>
-  </p:timing>
 </p:sld>
 </file>
 
-<file path=ppt/slides/slide16.xml><?xml version="1.0" encoding="utf-8"?>
+<file path=ppt/slides/slide18.xml><?xml version="1.0" encoding="utf-8"?>
 <p:sld xmlns:a="http://schemas.openxmlformats.org/drawingml/2006/main" xmlns:r="http://schemas.openxmlformats.org/officeDocument/2006/relationships" xmlns:p="http://schemas.openxmlformats.org/presentationml/2006/main">
   <p:cSld>
     <p:bg>
@@ -8631,29 +9529,22 @@
   <p:clrMapOvr>
     <a:masterClrMapping/>
   </p:clrMapOvr>
-  <mc:AlternateContent xmlns:mc="http://schemas.openxmlformats.org/markup-compatibility/2006">
-    <mc:Choice xmlns:p159="http://schemas.microsoft.com/office/powerpoint/2015/09/main" xmlns="" Requires="p159">
+  <mc:AlternateContent xmlns:mc="http://schemas.openxmlformats.org/markup-compatibility/2006" xmlns:p159="http://schemas.microsoft.com/office/powerpoint/2015/09/main">
+    <mc:Choice Requires="p159">
       <p:transition xmlns:p14="http://schemas.microsoft.com/office/powerpoint/2010/main" spd="slow" p14:dur="2000">
         <p159:morph option="byObject"/>
       </p:transition>
     </mc:Choice>
-    <mc:Fallback>
+    <mc:Fallback xmlns="">
       <p:transition spd="slow">
         <p:fade/>
       </p:transition>
     </mc:Fallback>
   </mc:AlternateContent>
-  <p:timing>
-    <p:tnLst>
-      <p:par>
-        <p:cTn id="1" dur="indefinite" restart="never" nodeType="tmRoot"/>
-      </p:par>
-    </p:tnLst>
-  </p:timing>
 </p:sld>
 </file>
 
-<file path=ppt/slides/slide17.xml><?xml version="1.0" encoding="utf-8"?>
+<file path=ppt/slides/slide19.xml><?xml version="1.0" encoding="utf-8"?>
 <p:sld xmlns:a="http://schemas.openxmlformats.org/drawingml/2006/main" xmlns:r="http://schemas.openxmlformats.org/officeDocument/2006/relationships" xmlns:p="http://schemas.openxmlformats.org/presentationml/2006/main">
   <p:cSld>
     <p:bg>
@@ -8791,342 +9682,18 @@
   <p:clrMapOvr>
     <a:masterClrMapping/>
   </p:clrMapOvr>
-  <mc:AlternateContent xmlns:mc="http://schemas.openxmlformats.org/markup-compatibility/2006">
-    <mc:Choice xmlns:p159="http://schemas.microsoft.com/office/powerpoint/2015/09/main" xmlns="" Requires="p159">
+  <mc:AlternateContent xmlns:mc="http://schemas.openxmlformats.org/markup-compatibility/2006" xmlns:p159="http://schemas.microsoft.com/office/powerpoint/2015/09/main">
+    <mc:Choice Requires="p159">
       <p:transition xmlns:p14="http://schemas.microsoft.com/office/powerpoint/2010/main" spd="slow" p14:dur="2000">
         <p159:morph option="byObject"/>
       </p:transition>
     </mc:Choice>
-    <mc:Fallback>
+    <mc:Fallback xmlns="">
       <p:transition spd="slow">
         <p:fade/>
       </p:transition>
     </mc:Fallback>
   </mc:AlternateContent>
-  <p:timing>
-    <p:tnLst>
-      <p:par>
-        <p:cTn id="1" dur="indefinite" restart="never" nodeType="tmRoot"/>
-      </p:par>
-    </p:tnLst>
-  </p:timing>
-</p:sld>
-</file>
-
-<file path=ppt/slides/slide18.xml><?xml version="1.0" encoding="utf-8"?>
-<p:sld xmlns:a="http://schemas.openxmlformats.org/drawingml/2006/main" xmlns:r="http://schemas.openxmlformats.org/officeDocument/2006/relationships" xmlns:p="http://schemas.openxmlformats.org/presentationml/2006/main">
-  <p:cSld>
-    <p:bg>
-      <p:bgPr>
-        <a:solidFill>
-          <a:schemeClr val="accent5"/>
-        </a:solidFill>
-        <a:effectLst/>
-      </p:bgPr>
-    </p:bg>
-    <p:spTree>
-      <p:nvGrpSpPr>
-        <p:cNvPr id="1" name=""/>
-        <p:cNvGrpSpPr/>
-        <p:nvPr/>
-      </p:nvGrpSpPr>
-      <p:grpSpPr>
-        <a:xfrm>
-          <a:off x="0" y="0"/>
-          <a:ext cx="0" cy="0"/>
-          <a:chOff x="0" y="0"/>
-          <a:chExt cx="0" cy="0"/>
-        </a:xfrm>
-      </p:grpSpPr>
-      <p:sp>
-        <p:nvSpPr>
-          <p:cNvPr id="2" name="TextBox 1">
-            <a:extLst>
-              <a:ext uri="{FF2B5EF4-FFF2-40B4-BE49-F238E27FC236}">
-                <a16:creationId xmlns:a16="http://schemas.microsoft.com/office/drawing/2014/main" id="{E3D5A8D0-4FA8-496B-A77D-A5FB9858569C}"/>
-              </a:ext>
-            </a:extLst>
-          </p:cNvPr>
-          <p:cNvSpPr txBox="1"/>
-          <p:nvPr/>
-        </p:nvSpPr>
-        <p:spPr>
-          <a:xfrm>
-            <a:off x="4463181" y="2921168"/>
-            <a:ext cx="3265638" cy="1015663"/>
-          </a:xfrm>
-          <a:prstGeom prst="rect">
-            <a:avLst/>
-          </a:prstGeom>
-          <a:noFill/>
-        </p:spPr>
-        <p:txBody>
-          <a:bodyPr wrap="none" rtlCol="0">
-            <a:spAutoFit/>
-          </a:bodyPr>
-          <a:lstStyle/>
-          <a:p>
-            <a:pPr algn="ctr"/>
-            <a:r>
-              <a:rPr lang="en-US" altLang="ko-KR" sz="6000" dirty="0">
-                <a:solidFill>
-                  <a:schemeClr val="accent5">
-                    <a:lumMod val="50000"/>
-                  </a:schemeClr>
-                </a:solidFill>
-              </a:rPr>
-              <a:t>#colorize</a:t>
-            </a:r>
-            <a:endParaRPr lang="ko-KR" altLang="en-US" sz="6000" dirty="0">
-              <a:solidFill>
-                <a:schemeClr val="accent5">
-                  <a:lumMod val="50000"/>
-                </a:schemeClr>
-              </a:solidFill>
-            </a:endParaRPr>
-          </a:p>
-        </p:txBody>
-      </p:sp>
-      <p:sp>
-        <p:nvSpPr>
-          <p:cNvPr id="3" name="양쪽 대괄호 2">
-            <a:extLst>
-              <a:ext uri="{FF2B5EF4-FFF2-40B4-BE49-F238E27FC236}">
-                <a16:creationId xmlns:a16="http://schemas.microsoft.com/office/drawing/2014/main" id="{F97C5775-2AB3-4A31-96CE-1B076D78B67D}"/>
-              </a:ext>
-            </a:extLst>
-          </p:cNvPr>
-          <p:cNvSpPr/>
-          <p:nvPr/>
-        </p:nvSpPr>
-        <p:spPr>
-          <a:xfrm>
-            <a:off x="1539949" y="2291316"/>
-            <a:ext cx="9112102" cy="2275367"/>
-          </a:xfrm>
-          <a:prstGeom prst="bracketPair">
-            <a:avLst/>
-          </a:prstGeom>
-          <a:ln>
-            <a:solidFill>
-              <a:schemeClr val="accent5">
-                <a:lumMod val="25000"/>
-              </a:schemeClr>
-            </a:solidFill>
-          </a:ln>
-        </p:spPr>
-        <p:style>
-          <a:lnRef idx="1">
-            <a:schemeClr val="accent1"/>
-          </a:lnRef>
-          <a:fillRef idx="0">
-            <a:schemeClr val="accent1"/>
-          </a:fillRef>
-          <a:effectRef idx="0">
-            <a:schemeClr val="accent1"/>
-          </a:effectRef>
-          <a:fontRef idx="minor">
-            <a:schemeClr val="tx1"/>
-          </a:fontRef>
-        </p:style>
-        <p:txBody>
-          <a:bodyPr rtlCol="0" anchor="ctr"/>
-          <a:lstStyle/>
-          <a:p>
-            <a:pPr algn="ctr"/>
-            <a:endParaRPr lang="ko-KR" altLang="en-US"/>
-          </a:p>
-        </p:txBody>
-      </p:sp>
-    </p:spTree>
-    <p:extLst>
-      <p:ext uri="{BB962C8B-B14F-4D97-AF65-F5344CB8AC3E}">
-        <p14:creationId xmlns:p14="http://schemas.microsoft.com/office/powerpoint/2010/main" val="97387058"/>
-      </p:ext>
-    </p:extLst>
-  </p:cSld>
-  <p:clrMapOvr>
-    <a:masterClrMapping/>
-  </p:clrMapOvr>
-  <mc:AlternateContent xmlns:mc="http://schemas.openxmlformats.org/markup-compatibility/2006">
-    <mc:Choice xmlns:p159="http://schemas.microsoft.com/office/powerpoint/2015/09/main" xmlns="" Requires="p159">
-      <p:transition xmlns:p14="http://schemas.microsoft.com/office/powerpoint/2010/main" spd="slow" p14:dur="2000">
-        <p159:morph option="byObject"/>
-      </p:transition>
-    </mc:Choice>
-    <mc:Fallback>
-      <p:transition spd="slow">
-        <p:fade/>
-      </p:transition>
-    </mc:Fallback>
-  </mc:AlternateContent>
-  <p:timing>
-    <p:tnLst>
-      <p:par>
-        <p:cTn id="1" dur="indefinite" restart="never" nodeType="tmRoot"/>
-      </p:par>
-    </p:tnLst>
-  </p:timing>
-</p:sld>
-</file>
-
-<file path=ppt/slides/slide19.xml><?xml version="1.0" encoding="utf-8"?>
-<p:sld xmlns:a="http://schemas.openxmlformats.org/drawingml/2006/main" xmlns:r="http://schemas.openxmlformats.org/officeDocument/2006/relationships" xmlns:p="http://schemas.openxmlformats.org/presentationml/2006/main">
-  <p:cSld>
-    <p:bg>
-      <p:bgPr>
-        <a:solidFill>
-          <a:schemeClr val="accent6"/>
-        </a:solidFill>
-        <a:effectLst/>
-      </p:bgPr>
-    </p:bg>
-    <p:spTree>
-      <p:nvGrpSpPr>
-        <p:cNvPr id="1" name=""/>
-        <p:cNvGrpSpPr/>
-        <p:nvPr/>
-      </p:nvGrpSpPr>
-      <p:grpSpPr>
-        <a:xfrm>
-          <a:off x="0" y="0"/>
-          <a:ext cx="0" cy="0"/>
-          <a:chOff x="0" y="0"/>
-          <a:chExt cx="0" cy="0"/>
-        </a:xfrm>
-      </p:grpSpPr>
-      <p:sp>
-        <p:nvSpPr>
-          <p:cNvPr id="2" name="TextBox 1">
-            <a:extLst>
-              <a:ext uri="{FF2B5EF4-FFF2-40B4-BE49-F238E27FC236}">
-                <a16:creationId xmlns:a16="http://schemas.microsoft.com/office/drawing/2014/main" id="{5D3904AF-678F-4570-BCCD-7B0B0DF315DA}"/>
-              </a:ext>
-            </a:extLst>
-          </p:cNvPr>
-          <p:cNvSpPr txBox="1"/>
-          <p:nvPr/>
-        </p:nvSpPr>
-        <p:spPr>
-          <a:xfrm>
-            <a:off x="4463181" y="2921168"/>
-            <a:ext cx="3265638" cy="1015663"/>
-          </a:xfrm>
-          <a:prstGeom prst="rect">
-            <a:avLst/>
-          </a:prstGeom>
-          <a:noFill/>
-        </p:spPr>
-        <p:txBody>
-          <a:bodyPr wrap="none" rtlCol="0">
-            <a:spAutoFit/>
-          </a:bodyPr>
-          <a:lstStyle/>
-          <a:p>
-            <a:pPr algn="ctr"/>
-            <a:r>
-              <a:rPr lang="en-US" altLang="ko-KR" sz="6000" dirty="0">
-                <a:solidFill>
-                  <a:schemeClr val="accent6">
-                    <a:lumMod val="20000"/>
-                    <a:lumOff val="80000"/>
-                  </a:schemeClr>
-                </a:solidFill>
-              </a:rPr>
-              <a:t>#colorize</a:t>
-            </a:r>
-            <a:endParaRPr lang="ko-KR" altLang="en-US" sz="6000" dirty="0">
-              <a:solidFill>
-                <a:schemeClr val="accent6">
-                  <a:lumMod val="20000"/>
-                  <a:lumOff val="80000"/>
-                </a:schemeClr>
-              </a:solidFill>
-            </a:endParaRPr>
-          </a:p>
-        </p:txBody>
-      </p:sp>
-      <p:sp>
-        <p:nvSpPr>
-          <p:cNvPr id="3" name="양쪽 대괄호 2">
-            <a:extLst>
-              <a:ext uri="{FF2B5EF4-FFF2-40B4-BE49-F238E27FC236}">
-                <a16:creationId xmlns:a16="http://schemas.microsoft.com/office/drawing/2014/main" id="{6718290A-3B31-4719-949D-147335569FF3}"/>
-              </a:ext>
-            </a:extLst>
-          </p:cNvPr>
-          <p:cNvSpPr/>
-          <p:nvPr/>
-        </p:nvSpPr>
-        <p:spPr>
-          <a:xfrm>
-            <a:off x="1539949" y="2291316"/>
-            <a:ext cx="9112102" cy="2275367"/>
-          </a:xfrm>
-          <a:prstGeom prst="bracketPair">
-            <a:avLst/>
-          </a:prstGeom>
-          <a:ln>
-            <a:solidFill>
-              <a:schemeClr val="accent6">
-                <a:lumMod val="20000"/>
-                <a:lumOff val="80000"/>
-              </a:schemeClr>
-            </a:solidFill>
-          </a:ln>
-        </p:spPr>
-        <p:style>
-          <a:lnRef idx="1">
-            <a:schemeClr val="accent1"/>
-          </a:lnRef>
-          <a:fillRef idx="0">
-            <a:schemeClr val="accent1"/>
-          </a:fillRef>
-          <a:effectRef idx="0">
-            <a:schemeClr val="accent1"/>
-          </a:effectRef>
-          <a:fontRef idx="minor">
-            <a:schemeClr val="tx1"/>
-          </a:fontRef>
-        </p:style>
-        <p:txBody>
-          <a:bodyPr rtlCol="0" anchor="ctr"/>
-          <a:lstStyle/>
-          <a:p>
-            <a:pPr algn="ctr"/>
-            <a:endParaRPr lang="ko-KR" altLang="en-US"/>
-          </a:p>
-        </p:txBody>
-      </p:sp>
-    </p:spTree>
-    <p:extLst>
-      <p:ext uri="{BB962C8B-B14F-4D97-AF65-F5344CB8AC3E}">
-        <p14:creationId xmlns:p14="http://schemas.microsoft.com/office/powerpoint/2010/main" val="2946070999"/>
-      </p:ext>
-    </p:extLst>
-  </p:cSld>
-  <p:clrMapOvr>
-    <a:masterClrMapping/>
-  </p:clrMapOvr>
-  <mc:AlternateContent xmlns:mc="http://schemas.openxmlformats.org/markup-compatibility/2006">
-    <mc:Choice xmlns:p159="http://schemas.microsoft.com/office/powerpoint/2015/09/main" xmlns="" Requires="p159">
-      <p:transition xmlns:p14="http://schemas.microsoft.com/office/powerpoint/2010/main" spd="slow" p14:dur="2000">
-        <p159:morph option="byObject"/>
-      </p:transition>
-    </mc:Choice>
-    <mc:Fallback>
-      <p:transition spd="slow">
-        <p:fade/>
-      </p:transition>
-    </mc:Fallback>
-  </mc:AlternateContent>
-  <p:timing>
-    <p:tnLst>
-      <p:par>
-        <p:cTn id="1" dur="indefinite" restart="never" nodeType="tmRoot"/>
-      </p:par>
-    </p:tnLst>
-  </p:timing>
 </p:sld>
 </file>
 
@@ -9283,7 +9850,7 @@
             <a:p>
               <a:pPr algn="ctr"/>
               <a:r>
-                <a:rPr lang="en-US" altLang="ko-KR" b="1" spc="300" dirty="0" smtClean="0">
+                <a:rPr lang="en-US" altLang="ko-KR" b="1" spc="300" dirty="0">
                   <a:solidFill>
                     <a:schemeClr val="bg1"/>
                   </a:solidFill>
@@ -9322,7 +9889,7 @@
             <a:lstStyle/>
             <a:p>
               <a:r>
-                <a:rPr kumimoji="1" lang="ko-KR" altLang="en-US" sz="3600" b="1" spc="300" dirty="0" smtClean="0">
+                <a:rPr kumimoji="1" lang="ko-KR" altLang="en-US" sz="3600" b="1" spc="300" dirty="0">
                   <a:solidFill>
                     <a:schemeClr val="bg1"/>
                   </a:solidFill>
@@ -9434,7 +10001,7 @@
             <a:p>
               <a:pPr algn="ctr"/>
               <a:r>
-                <a:rPr lang="en-US" altLang="ko-KR" b="1" spc="300" dirty="0" smtClean="0">
+                <a:rPr lang="en-US" altLang="ko-KR" b="1" spc="300" dirty="0">
                   <a:solidFill>
                     <a:schemeClr val="bg1"/>
                   </a:solidFill>
@@ -9478,7 +10045,7 @@
             <a:lstStyle/>
             <a:p>
               <a:r>
-                <a:rPr kumimoji="1" lang="ko-KR" altLang="en-US" sz="3600" b="1" spc="300" dirty="0" smtClean="0">
+                <a:rPr kumimoji="1" lang="ko-KR" altLang="en-US" sz="3600" b="1" spc="300" dirty="0">
                   <a:solidFill>
                     <a:schemeClr val="bg1"/>
                   </a:solidFill>
@@ -9590,7 +10157,7 @@
             <a:p>
               <a:pPr algn="ctr"/>
               <a:r>
-                <a:rPr lang="en-US" altLang="ko-KR" b="1" spc="300" dirty="0" smtClean="0">
+                <a:rPr lang="en-US" altLang="ko-KR" b="1" spc="300" dirty="0">
                   <a:solidFill>
                     <a:schemeClr val="bg1"/>
                   </a:solidFill>
@@ -9634,7 +10201,7 @@
             <a:lstStyle/>
             <a:p>
               <a:r>
-                <a:rPr kumimoji="1" lang="ko-KR" altLang="en-US" sz="3600" b="1" spc="300" dirty="0" smtClean="0">
+                <a:rPr kumimoji="1" lang="ko-KR" altLang="en-US" sz="3600" b="1" spc="300" dirty="0">
                   <a:solidFill>
                     <a:schemeClr val="bg1"/>
                   </a:solidFill>
@@ -9746,7 +10313,7 @@
             <a:p>
               <a:pPr algn="ctr"/>
               <a:r>
-                <a:rPr lang="en-US" altLang="ko-KR" b="1" spc="300" dirty="0" smtClean="0">
+                <a:rPr lang="en-US" altLang="ko-KR" b="1" spc="300" dirty="0">
                   <a:solidFill>
                     <a:schemeClr val="bg1"/>
                   </a:solidFill>
@@ -9790,7 +10357,7 @@
             <a:lstStyle/>
             <a:p>
               <a:r>
-                <a:rPr kumimoji="1" lang="ko-KR" altLang="en-US" sz="3600" b="1" spc="300" dirty="0" smtClean="0">
+                <a:rPr kumimoji="1" lang="ko-KR" altLang="en-US" sz="3600" b="1" spc="300" dirty="0">
                   <a:solidFill>
                     <a:schemeClr val="bg1"/>
                   </a:solidFill>
@@ -9868,29 +10435,325 @@
   <p:clrMapOvr>
     <a:masterClrMapping/>
   </p:clrMapOvr>
-  <mc:AlternateContent xmlns:mc="http://schemas.openxmlformats.org/markup-compatibility/2006">
-    <mc:Choice xmlns:p159="http://schemas.microsoft.com/office/powerpoint/2015/09/main" xmlns="" Requires="p159">
+  <mc:AlternateContent xmlns:mc="http://schemas.openxmlformats.org/markup-compatibility/2006" xmlns:p159="http://schemas.microsoft.com/office/powerpoint/2015/09/main">
+    <mc:Choice Requires="p159">
       <p:transition xmlns:p14="http://schemas.microsoft.com/office/powerpoint/2010/main" spd="slow" p14:dur="2000">
         <p159:morph option="byObject"/>
       </p:transition>
     </mc:Choice>
-    <mc:Fallback>
+    <mc:Fallback xmlns="">
       <p:transition spd="slow">
         <p:fade/>
       </p:transition>
     </mc:Fallback>
   </mc:AlternateContent>
-  <p:timing>
-    <p:tnLst>
-      <p:par>
-        <p:cTn id="1" dur="indefinite" restart="never" nodeType="tmRoot"/>
-      </p:par>
-    </p:tnLst>
-  </p:timing>
 </p:sld>
 </file>
 
 <file path=ppt/slides/slide20.xml><?xml version="1.0" encoding="utf-8"?>
+<p:sld xmlns:a="http://schemas.openxmlformats.org/drawingml/2006/main" xmlns:r="http://schemas.openxmlformats.org/officeDocument/2006/relationships" xmlns:p="http://schemas.openxmlformats.org/presentationml/2006/main">
+  <p:cSld>
+    <p:bg>
+      <p:bgPr>
+        <a:solidFill>
+          <a:schemeClr val="accent5"/>
+        </a:solidFill>
+        <a:effectLst/>
+      </p:bgPr>
+    </p:bg>
+    <p:spTree>
+      <p:nvGrpSpPr>
+        <p:cNvPr id="1" name=""/>
+        <p:cNvGrpSpPr/>
+        <p:nvPr/>
+      </p:nvGrpSpPr>
+      <p:grpSpPr>
+        <a:xfrm>
+          <a:off x="0" y="0"/>
+          <a:ext cx="0" cy="0"/>
+          <a:chOff x="0" y="0"/>
+          <a:chExt cx="0" cy="0"/>
+        </a:xfrm>
+      </p:grpSpPr>
+      <p:sp>
+        <p:nvSpPr>
+          <p:cNvPr id="2" name="TextBox 1">
+            <a:extLst>
+              <a:ext uri="{FF2B5EF4-FFF2-40B4-BE49-F238E27FC236}">
+                <a16:creationId xmlns:a16="http://schemas.microsoft.com/office/drawing/2014/main" id="{E3D5A8D0-4FA8-496B-A77D-A5FB9858569C}"/>
+              </a:ext>
+            </a:extLst>
+          </p:cNvPr>
+          <p:cNvSpPr txBox="1"/>
+          <p:nvPr/>
+        </p:nvSpPr>
+        <p:spPr>
+          <a:xfrm>
+            <a:off x="4463181" y="2921168"/>
+            <a:ext cx="3265638" cy="1015663"/>
+          </a:xfrm>
+          <a:prstGeom prst="rect">
+            <a:avLst/>
+          </a:prstGeom>
+          <a:noFill/>
+        </p:spPr>
+        <p:txBody>
+          <a:bodyPr wrap="none" rtlCol="0">
+            <a:spAutoFit/>
+          </a:bodyPr>
+          <a:lstStyle/>
+          <a:p>
+            <a:pPr algn="ctr"/>
+            <a:r>
+              <a:rPr lang="en-US" altLang="ko-KR" sz="6000" dirty="0">
+                <a:solidFill>
+                  <a:schemeClr val="accent5">
+                    <a:lumMod val="50000"/>
+                  </a:schemeClr>
+                </a:solidFill>
+              </a:rPr>
+              <a:t>#colorize</a:t>
+            </a:r>
+            <a:endParaRPr lang="ko-KR" altLang="en-US" sz="6000" dirty="0">
+              <a:solidFill>
+                <a:schemeClr val="accent5">
+                  <a:lumMod val="50000"/>
+                </a:schemeClr>
+              </a:solidFill>
+            </a:endParaRPr>
+          </a:p>
+        </p:txBody>
+      </p:sp>
+      <p:sp>
+        <p:nvSpPr>
+          <p:cNvPr id="3" name="양쪽 대괄호 2">
+            <a:extLst>
+              <a:ext uri="{FF2B5EF4-FFF2-40B4-BE49-F238E27FC236}">
+                <a16:creationId xmlns:a16="http://schemas.microsoft.com/office/drawing/2014/main" id="{F97C5775-2AB3-4A31-96CE-1B076D78B67D}"/>
+              </a:ext>
+            </a:extLst>
+          </p:cNvPr>
+          <p:cNvSpPr/>
+          <p:nvPr/>
+        </p:nvSpPr>
+        <p:spPr>
+          <a:xfrm>
+            <a:off x="1539949" y="2291316"/>
+            <a:ext cx="9112102" cy="2275367"/>
+          </a:xfrm>
+          <a:prstGeom prst="bracketPair">
+            <a:avLst/>
+          </a:prstGeom>
+          <a:ln>
+            <a:solidFill>
+              <a:schemeClr val="accent5">
+                <a:lumMod val="25000"/>
+              </a:schemeClr>
+            </a:solidFill>
+          </a:ln>
+        </p:spPr>
+        <p:style>
+          <a:lnRef idx="1">
+            <a:schemeClr val="accent1"/>
+          </a:lnRef>
+          <a:fillRef idx="0">
+            <a:schemeClr val="accent1"/>
+          </a:fillRef>
+          <a:effectRef idx="0">
+            <a:schemeClr val="accent1"/>
+          </a:effectRef>
+          <a:fontRef idx="minor">
+            <a:schemeClr val="tx1"/>
+          </a:fontRef>
+        </p:style>
+        <p:txBody>
+          <a:bodyPr rtlCol="0" anchor="ctr"/>
+          <a:lstStyle/>
+          <a:p>
+            <a:pPr algn="ctr"/>
+            <a:endParaRPr lang="ko-KR" altLang="en-US"/>
+          </a:p>
+        </p:txBody>
+      </p:sp>
+    </p:spTree>
+    <p:extLst>
+      <p:ext uri="{BB962C8B-B14F-4D97-AF65-F5344CB8AC3E}">
+        <p14:creationId xmlns:p14="http://schemas.microsoft.com/office/powerpoint/2010/main" val="97387058"/>
+      </p:ext>
+    </p:extLst>
+  </p:cSld>
+  <p:clrMapOvr>
+    <a:masterClrMapping/>
+  </p:clrMapOvr>
+  <mc:AlternateContent xmlns:mc="http://schemas.openxmlformats.org/markup-compatibility/2006" xmlns:p159="http://schemas.microsoft.com/office/powerpoint/2015/09/main">
+    <mc:Choice Requires="p159">
+      <p:transition xmlns:p14="http://schemas.microsoft.com/office/powerpoint/2010/main" spd="slow" p14:dur="2000">
+        <p159:morph option="byObject"/>
+      </p:transition>
+    </mc:Choice>
+    <mc:Fallback xmlns="">
+      <p:transition spd="slow">
+        <p:fade/>
+      </p:transition>
+    </mc:Fallback>
+  </mc:AlternateContent>
+</p:sld>
+</file>
+
+<file path=ppt/slides/slide21.xml><?xml version="1.0" encoding="utf-8"?>
+<p:sld xmlns:a="http://schemas.openxmlformats.org/drawingml/2006/main" xmlns:r="http://schemas.openxmlformats.org/officeDocument/2006/relationships" xmlns:p="http://schemas.openxmlformats.org/presentationml/2006/main">
+  <p:cSld>
+    <p:bg>
+      <p:bgPr>
+        <a:solidFill>
+          <a:schemeClr val="accent6"/>
+        </a:solidFill>
+        <a:effectLst/>
+      </p:bgPr>
+    </p:bg>
+    <p:spTree>
+      <p:nvGrpSpPr>
+        <p:cNvPr id="1" name=""/>
+        <p:cNvGrpSpPr/>
+        <p:nvPr/>
+      </p:nvGrpSpPr>
+      <p:grpSpPr>
+        <a:xfrm>
+          <a:off x="0" y="0"/>
+          <a:ext cx="0" cy="0"/>
+          <a:chOff x="0" y="0"/>
+          <a:chExt cx="0" cy="0"/>
+        </a:xfrm>
+      </p:grpSpPr>
+      <p:sp>
+        <p:nvSpPr>
+          <p:cNvPr id="2" name="TextBox 1">
+            <a:extLst>
+              <a:ext uri="{FF2B5EF4-FFF2-40B4-BE49-F238E27FC236}">
+                <a16:creationId xmlns:a16="http://schemas.microsoft.com/office/drawing/2014/main" id="{5D3904AF-678F-4570-BCCD-7B0B0DF315DA}"/>
+              </a:ext>
+            </a:extLst>
+          </p:cNvPr>
+          <p:cNvSpPr txBox="1"/>
+          <p:nvPr/>
+        </p:nvSpPr>
+        <p:spPr>
+          <a:xfrm>
+            <a:off x="4463181" y="2921168"/>
+            <a:ext cx="3265638" cy="1015663"/>
+          </a:xfrm>
+          <a:prstGeom prst="rect">
+            <a:avLst/>
+          </a:prstGeom>
+          <a:noFill/>
+        </p:spPr>
+        <p:txBody>
+          <a:bodyPr wrap="none" rtlCol="0">
+            <a:spAutoFit/>
+          </a:bodyPr>
+          <a:lstStyle/>
+          <a:p>
+            <a:pPr algn="ctr"/>
+            <a:r>
+              <a:rPr lang="en-US" altLang="ko-KR" sz="6000" dirty="0">
+                <a:solidFill>
+                  <a:schemeClr val="accent6">
+                    <a:lumMod val="20000"/>
+                    <a:lumOff val="80000"/>
+                  </a:schemeClr>
+                </a:solidFill>
+              </a:rPr>
+              <a:t>#colorize</a:t>
+            </a:r>
+            <a:endParaRPr lang="ko-KR" altLang="en-US" sz="6000" dirty="0">
+              <a:solidFill>
+                <a:schemeClr val="accent6">
+                  <a:lumMod val="20000"/>
+                  <a:lumOff val="80000"/>
+                </a:schemeClr>
+              </a:solidFill>
+            </a:endParaRPr>
+          </a:p>
+        </p:txBody>
+      </p:sp>
+      <p:sp>
+        <p:nvSpPr>
+          <p:cNvPr id="3" name="양쪽 대괄호 2">
+            <a:extLst>
+              <a:ext uri="{FF2B5EF4-FFF2-40B4-BE49-F238E27FC236}">
+                <a16:creationId xmlns:a16="http://schemas.microsoft.com/office/drawing/2014/main" id="{6718290A-3B31-4719-949D-147335569FF3}"/>
+              </a:ext>
+            </a:extLst>
+          </p:cNvPr>
+          <p:cNvSpPr/>
+          <p:nvPr/>
+        </p:nvSpPr>
+        <p:spPr>
+          <a:xfrm>
+            <a:off x="1539949" y="2291316"/>
+            <a:ext cx="9112102" cy="2275367"/>
+          </a:xfrm>
+          <a:prstGeom prst="bracketPair">
+            <a:avLst/>
+          </a:prstGeom>
+          <a:ln>
+            <a:solidFill>
+              <a:schemeClr val="accent6">
+                <a:lumMod val="20000"/>
+                <a:lumOff val="80000"/>
+              </a:schemeClr>
+            </a:solidFill>
+          </a:ln>
+        </p:spPr>
+        <p:style>
+          <a:lnRef idx="1">
+            <a:schemeClr val="accent1"/>
+          </a:lnRef>
+          <a:fillRef idx="0">
+            <a:schemeClr val="accent1"/>
+          </a:fillRef>
+          <a:effectRef idx="0">
+            <a:schemeClr val="accent1"/>
+          </a:effectRef>
+          <a:fontRef idx="minor">
+            <a:schemeClr val="tx1"/>
+          </a:fontRef>
+        </p:style>
+        <p:txBody>
+          <a:bodyPr rtlCol="0" anchor="ctr"/>
+          <a:lstStyle/>
+          <a:p>
+            <a:pPr algn="ctr"/>
+            <a:endParaRPr lang="ko-KR" altLang="en-US"/>
+          </a:p>
+        </p:txBody>
+      </p:sp>
+    </p:spTree>
+    <p:extLst>
+      <p:ext uri="{BB962C8B-B14F-4D97-AF65-F5344CB8AC3E}">
+        <p14:creationId xmlns:p14="http://schemas.microsoft.com/office/powerpoint/2010/main" val="2946070999"/>
+      </p:ext>
+    </p:extLst>
+  </p:cSld>
+  <p:clrMapOvr>
+    <a:masterClrMapping/>
+  </p:clrMapOvr>
+  <mc:AlternateContent xmlns:mc="http://schemas.openxmlformats.org/markup-compatibility/2006" xmlns:p159="http://schemas.microsoft.com/office/powerpoint/2015/09/main">
+    <mc:Choice Requires="p159">
+      <p:transition xmlns:p14="http://schemas.microsoft.com/office/powerpoint/2010/main" spd="slow" p14:dur="2000">
+        <p159:morph option="byObject"/>
+      </p:transition>
+    </mc:Choice>
+    <mc:Fallback xmlns="">
+      <p:transition spd="slow">
+        <p:fade/>
+      </p:transition>
+    </mc:Fallback>
+  </mc:AlternateContent>
+</p:sld>
+</file>
+
+<file path=ppt/slides/slide22.xml><?xml version="1.0" encoding="utf-8"?>
 <p:sld xmlns:a="http://schemas.openxmlformats.org/drawingml/2006/main" xmlns:r="http://schemas.openxmlformats.org/officeDocument/2006/relationships" xmlns:p="http://schemas.openxmlformats.org/presentationml/2006/main">
   <p:cSld>
     <p:spTree>
@@ -11033,29 +11896,22 @@
   <p:clrMapOvr>
     <a:masterClrMapping/>
   </p:clrMapOvr>
-  <mc:AlternateContent xmlns:mc="http://schemas.openxmlformats.org/markup-compatibility/2006">
-    <mc:Choice xmlns:p159="http://schemas.microsoft.com/office/powerpoint/2015/09/main" xmlns="" Requires="p159">
+  <mc:AlternateContent xmlns:mc="http://schemas.openxmlformats.org/markup-compatibility/2006" xmlns:p159="http://schemas.microsoft.com/office/powerpoint/2015/09/main">
+    <mc:Choice Requires="p159">
       <p:transition xmlns:p14="http://schemas.microsoft.com/office/powerpoint/2010/main" spd="slow" p14:dur="2000">
         <p159:morph option="byObject"/>
       </p:transition>
     </mc:Choice>
-    <mc:Fallback>
+    <mc:Fallback xmlns="">
       <p:transition spd="slow">
         <p:fade/>
       </p:transition>
     </mc:Fallback>
   </mc:AlternateContent>
-  <p:timing>
-    <p:tnLst>
-      <p:par>
-        <p:cTn id="1" dur="indefinite" restart="never" nodeType="tmRoot"/>
-      </p:par>
-    </p:tnLst>
-  </p:timing>
 </p:sld>
 </file>
 
-<file path=ppt/slides/slide21.xml><?xml version="1.0" encoding="utf-8"?>
+<file path=ppt/slides/slide23.xml><?xml version="1.0" encoding="utf-8"?>
 <p:sld xmlns:a="http://schemas.openxmlformats.org/drawingml/2006/main" xmlns:r="http://schemas.openxmlformats.org/officeDocument/2006/relationships" xmlns:p="http://schemas.openxmlformats.org/presentationml/2006/main">
   <p:cSld>
     <p:bg>
@@ -11177,25 +12033,18 @@
   <p:clrMapOvr>
     <a:masterClrMapping/>
   </p:clrMapOvr>
-  <mc:AlternateContent xmlns:mc="http://schemas.openxmlformats.org/markup-compatibility/2006">
-    <mc:Choice xmlns:p159="http://schemas.microsoft.com/office/powerpoint/2015/09/main" xmlns="" Requires="p159">
+  <mc:AlternateContent xmlns:mc="http://schemas.openxmlformats.org/markup-compatibility/2006" xmlns:p159="http://schemas.microsoft.com/office/powerpoint/2015/09/main">
+    <mc:Choice Requires="p159">
       <p:transition xmlns:p14="http://schemas.microsoft.com/office/powerpoint/2010/main" spd="slow" p14:dur="2000">
         <p159:morph option="byObject"/>
       </p:transition>
     </mc:Choice>
-    <mc:Fallback>
+    <mc:Fallback xmlns="">
       <p:transition spd="slow">
         <p:fade/>
       </p:transition>
     </mc:Fallback>
   </mc:AlternateContent>
-  <p:timing>
-    <p:tnLst>
-      <p:par>
-        <p:cTn id="1" dur="indefinite" restart="never" nodeType="tmRoot"/>
-      </p:par>
-    </p:tnLst>
-  </p:timing>
 </p:sld>
 </file>
 
@@ -11351,18 +12200,13 @@
           <a:p>
             <a:pPr algn="ctr"/>
             <a:r>
-              <a:rPr lang="ko-KR" altLang="en-US" sz="3200" b="1" dirty="0" smtClean="0">
+              <a:rPr lang="ko-KR" altLang="en-US" sz="3200" b="1" dirty="0">
                 <a:solidFill>
                   <a:schemeClr val="bg1"/>
                 </a:solidFill>
               </a:rPr>
               <a:t>소개 및 개요</a:t>
             </a:r>
-            <a:endParaRPr lang="ko-KR" altLang="en-US" sz="3200" b="1" dirty="0">
-              <a:solidFill>
-                <a:schemeClr val="bg1"/>
-              </a:solidFill>
-            </a:endParaRPr>
           </a:p>
         </p:txBody>
       </p:sp>
@@ -11396,7 +12240,7 @@
           <a:p>
             <a:pPr algn="ctr"/>
             <a:r>
-              <a:rPr lang="en-US" altLang="ko-KR" sz="3200" b="1" spc="300" dirty="0" smtClean="0">
+              <a:rPr lang="en-US" altLang="ko-KR" sz="3200" b="1" spc="300" dirty="0">
                 <a:solidFill>
                   <a:schemeClr val="bg1"/>
                 </a:solidFill>
@@ -11416,25 +12260,18 @@
   <p:clrMapOvr>
     <a:masterClrMapping/>
   </p:clrMapOvr>
-  <mc:AlternateContent xmlns:mc="http://schemas.openxmlformats.org/markup-compatibility/2006">
-    <mc:Choice xmlns:p159="http://schemas.microsoft.com/office/powerpoint/2015/09/main" xmlns="" Requires="p159">
+  <mc:AlternateContent xmlns:mc="http://schemas.openxmlformats.org/markup-compatibility/2006" xmlns:p159="http://schemas.microsoft.com/office/powerpoint/2015/09/main">
+    <mc:Choice Requires="p159">
       <p:transition xmlns:p14="http://schemas.microsoft.com/office/powerpoint/2010/main" spd="slow" p14:dur="2000">
         <p159:morph option="byObject"/>
       </p:transition>
     </mc:Choice>
-    <mc:Fallback>
+    <mc:Fallback xmlns="">
       <p:transition spd="slow">
         <p:fade/>
       </p:transition>
     </mc:Fallback>
   </mc:AlternateContent>
-  <p:timing>
-    <p:tnLst>
-      <p:par>
-        <p:cTn id="1" dur="indefinite" restart="never" nodeType="tmRoot"/>
-      </p:par>
-    </p:tnLst>
-  </p:timing>
 </p:sld>
 </file>
 
@@ -11572,7 +12409,7 @@
           <a:lstStyle/>
           <a:p>
             <a:r>
-              <a:rPr lang="en-US" altLang="ko-KR" sz="3600" b="1" spc="600" dirty="0" smtClean="0">
+              <a:rPr lang="en-US" altLang="ko-KR" sz="3600" b="1" spc="600" dirty="0">
                 <a:solidFill>
                   <a:schemeClr val="tx1">
                     <a:lumMod val="75000"/>
@@ -11583,7 +12420,7 @@
               <a:t>SHOEFLY</a:t>
             </a:r>
             <a:r>
-              <a:rPr lang="ko-KR" altLang="en-US" sz="3600" b="1" spc="600" dirty="0" smtClean="0">
+              <a:rPr lang="ko-KR" altLang="en-US" sz="3600" b="1" spc="600" dirty="0">
                 <a:solidFill>
                   <a:schemeClr val="tx1">
                     <a:lumMod val="75000"/>
@@ -11594,7 +12431,7 @@
               <a:t>란</a:t>
             </a:r>
             <a:r>
-              <a:rPr lang="en-US" altLang="ko-KR" sz="3600" b="1" spc="600" dirty="0" smtClean="0">
+              <a:rPr lang="en-US" altLang="ko-KR" sz="3600" b="1" spc="600" dirty="0">
                 <a:solidFill>
                   <a:schemeClr val="tx1">
                     <a:lumMod val="75000"/>
@@ -11646,21 +12483,10 @@
                   </a:schemeClr>
                 </a:solidFill>
               </a:rPr>
-              <a:t>PART </a:t>
-            </a:r>
-            <a:r>
-              <a:rPr lang="en-US" altLang="ja-JP" sz="1100" spc="600" dirty="0" smtClean="0">
-                <a:solidFill>
-                  <a:schemeClr val="tx1">
-                    <a:lumMod val="75000"/>
-                    <a:lumOff val="25000"/>
-                  </a:schemeClr>
-                </a:solidFill>
-              </a:rPr>
-              <a:t>1 </a:t>
-            </a:r>
-            <a:r>
-              <a:rPr lang="ko-KR" altLang="en-US" sz="1100" spc="600" dirty="0" smtClean="0">
+              <a:t>PART 1 </a:t>
+            </a:r>
+            <a:r>
+              <a:rPr lang="ko-KR" altLang="en-US" sz="1100" spc="600" dirty="0">
                 <a:solidFill>
                   <a:schemeClr val="tx1">
                     <a:lumMod val="75000"/>
@@ -12190,16 +13016,8 @@
           <a:lstStyle/>
           <a:p>
             <a:r>
-              <a:rPr lang="ko-KR" altLang="en-US" sz="2000" b="1" dirty="0" smtClean="0"/>
-              <a:t>한정판 </a:t>
-            </a:r>
-            <a:r>
               <a:rPr lang="ko-KR" altLang="en-US" sz="2000" b="1" dirty="0"/>
-              <a:t>상품에 대해 안전한 거래를 </a:t>
-            </a:r>
-            <a:r>
-              <a:rPr lang="ko-KR" altLang="en-US" sz="2000" b="1" dirty="0" smtClean="0"/>
-              <a:t>제공합니다</a:t>
+              <a:t>한정판 상품에 대해 안전한 거래를 제공합니다</a:t>
             </a:r>
             <a:endParaRPr lang="en-US" altLang="ko-KR" sz="2000" b="1" dirty="0"/>
           </a:p>
@@ -12227,10 +13045,12 @@
           <a:prstGeom prst="line">
             <a:avLst/>
           </a:prstGeom>
-          <a:noFill/>
-          <a:ln w="38100" cmpd="sng">
+          <a:solidFill>
+            <a:schemeClr val="accent1"/>
+          </a:solidFill>
+          <a:ln w="76200">
             <a:solidFill>
-              <a:srgbClr val="FFD8D9"/>
+              <a:schemeClr val="accent1"/>
             </a:solidFill>
           </a:ln>
         </p:spPr>
@@ -12281,7 +13101,7 @@
           <a:p>
             <a:pPr algn="just"/>
             <a:r>
-              <a:rPr lang="ko-KR" altLang="en-US" sz="1600" dirty="0" smtClean="0">
+              <a:rPr lang="ko-KR" altLang="en-US" sz="1600" dirty="0">
                 <a:solidFill>
                   <a:schemeClr val="tx2">
                     <a:lumMod val="50000"/>
@@ -12291,7 +13111,7 @@
               <a:t>거래를 위해 서로의 개인 정보를 공유할 필요가 없습니다</a:t>
             </a:r>
             <a:r>
-              <a:rPr lang="en-US" altLang="ko-KR" sz="1600" dirty="0" smtClean="0">
+              <a:rPr lang="en-US" altLang="ko-KR" sz="1600" dirty="0">
                 <a:solidFill>
                   <a:schemeClr val="tx2">
                     <a:lumMod val="50000"/>
@@ -12301,7 +13121,7 @@
               <a:t>. </a:t>
             </a:r>
             <a:r>
-              <a:rPr lang="en-US" altLang="ko-KR" sz="1600" b="1" dirty="0" smtClean="0">
+              <a:rPr lang="en-US" altLang="ko-KR" sz="1600" b="1" dirty="0">
                 <a:solidFill>
                   <a:srgbClr val="FC9598"/>
                 </a:solidFill>
@@ -12309,7 +13129,7 @@
               <a:t>SHOEFLY</a:t>
             </a:r>
             <a:r>
-              <a:rPr lang="ko-KR" altLang="en-US" sz="1600" dirty="0" smtClean="0">
+              <a:rPr lang="ko-KR" altLang="en-US" sz="1600" dirty="0">
                 <a:solidFill>
                   <a:schemeClr val="tx2">
                     <a:lumMod val="50000"/>
@@ -12319,7 +13139,7 @@
               <a:t>가 안전한 거래를 도와드립니다</a:t>
             </a:r>
             <a:r>
-              <a:rPr lang="en-US" altLang="ko-KR" sz="1600" dirty="0" smtClean="0">
+              <a:rPr lang="en-US" altLang="ko-KR" sz="1600" dirty="0">
                 <a:solidFill>
                   <a:schemeClr val="tx2">
                     <a:lumMod val="50000"/>
@@ -12381,10 +13201,9 @@
           <a:p>
             <a:pPr algn="ctr"/>
             <a:r>
-              <a:rPr kumimoji="1" lang="ko-KR" altLang="en-US" b="1" dirty="0" smtClean="0"/>
+              <a:rPr kumimoji="1" lang="ko-KR" altLang="en-US" b="1" dirty="0"/>
               <a:t>판매자</a:t>
             </a:r>
-            <a:endParaRPr kumimoji="1" lang="ko-KR" altLang="en-US" b="1" dirty="0"/>
           </a:p>
         </p:txBody>
       </p:sp>
@@ -12431,10 +13250,9 @@
           <a:p>
             <a:pPr algn="ctr"/>
             <a:r>
-              <a:rPr kumimoji="1" lang="ko-KR" altLang="en-US" b="1" dirty="0" smtClean="0"/>
+              <a:rPr kumimoji="1" lang="ko-KR" altLang="en-US" b="1" dirty="0"/>
               <a:t>구매자</a:t>
             </a:r>
-            <a:endParaRPr kumimoji="1" lang="ko-KR" altLang="en-US" b="1" dirty="0"/>
           </a:p>
         </p:txBody>
       </p:sp>
@@ -12514,7 +13332,7 @@
           <a:p>
             <a:pPr algn="just"/>
             <a:r>
-              <a:rPr lang="ko-KR" altLang="en-US" sz="1600" dirty="0" smtClean="0">
+              <a:rPr lang="ko-KR" altLang="en-US" sz="1600" dirty="0">
                 <a:solidFill>
                   <a:schemeClr val="tx2">
                     <a:lumMod val="50000"/>
@@ -12524,7 +13342,7 @@
               <a:t>철저한 검수를 통해 </a:t>
             </a:r>
             <a:r>
-              <a:rPr lang="ko-KR" altLang="en-US" sz="1600" dirty="0" err="1" smtClean="0">
+              <a:rPr lang="ko-KR" altLang="en-US" sz="1600" dirty="0" err="1">
                 <a:solidFill>
                   <a:schemeClr val="tx2">
                     <a:lumMod val="50000"/>
@@ -12534,7 +13352,7 @@
               <a:t>가품에</a:t>
             </a:r>
             <a:r>
-              <a:rPr lang="ko-KR" altLang="en-US" sz="1600" dirty="0" smtClean="0">
+              <a:rPr lang="ko-KR" altLang="en-US" sz="1600" dirty="0">
                 <a:solidFill>
                   <a:schemeClr val="tx2">
                     <a:lumMod val="50000"/>
@@ -12544,7 +13362,7 @@
               <a:t> 대한 불안감을 없애 드립니다</a:t>
             </a:r>
             <a:r>
-              <a:rPr lang="en-US" altLang="ko-KR" sz="1600" dirty="0" smtClean="0">
+              <a:rPr lang="en-US" altLang="ko-KR" sz="1600" dirty="0">
                 <a:solidFill>
                   <a:schemeClr val="tx2">
                     <a:lumMod val="50000"/>
@@ -12639,7 +13457,7 @@
           <a:p>
             <a:pPr algn="just"/>
             <a:r>
-              <a:rPr lang="ko-KR" altLang="en-US" sz="1600" dirty="0" smtClean="0">
+              <a:rPr lang="ko-KR" altLang="en-US" sz="1600" dirty="0">
                 <a:solidFill>
                   <a:schemeClr val="tx2">
                     <a:lumMod val="50000"/>
@@ -12649,7 +13467,7 @@
               <a:t>거래 중인 상품들을 통해 시세 파악이 가능합니다</a:t>
             </a:r>
             <a:r>
-              <a:rPr lang="en-US" altLang="ko-KR" sz="1600" dirty="0" smtClean="0">
+              <a:rPr lang="en-US" altLang="ko-KR" sz="1600" dirty="0">
                 <a:solidFill>
                   <a:schemeClr val="tx2">
                     <a:lumMod val="50000"/>
@@ -12724,25 +13542,18 @@
   <p:clrMapOvr>
     <a:masterClrMapping/>
   </p:clrMapOvr>
-  <mc:AlternateContent xmlns:mc="http://schemas.openxmlformats.org/markup-compatibility/2006">
-    <mc:Choice xmlns:p159="http://schemas.microsoft.com/office/powerpoint/2015/09/main" xmlns="" Requires="p159">
+  <mc:AlternateContent xmlns:mc="http://schemas.openxmlformats.org/markup-compatibility/2006" xmlns:p159="http://schemas.microsoft.com/office/powerpoint/2015/09/main">
+    <mc:Choice Requires="p159">
       <p:transition xmlns:p14="http://schemas.microsoft.com/office/powerpoint/2010/main" spd="slow" p14:dur="2000">
         <p159:morph option="byObject"/>
       </p:transition>
     </mc:Choice>
-    <mc:Fallback>
+    <mc:Fallback xmlns="">
       <p:transition spd="slow">
         <p:fade/>
       </p:transition>
     </mc:Fallback>
   </mc:AlternateContent>
-  <p:timing>
-    <p:tnLst>
-      <p:par>
-        <p:cTn id="1" dur="indefinite" restart="never" nodeType="tmRoot"/>
-      </p:par>
-    </p:tnLst>
-  </p:timing>
 </p:sld>
 </file>
 
@@ -12872,7 +13683,7 @@
           <a:lstStyle/>
           <a:p>
             <a:r>
-              <a:rPr lang="ko-KR" altLang="en-US" sz="3600" b="1" spc="600" dirty="0" err="1" smtClean="0">
+              <a:rPr lang="ko-KR" altLang="en-US" sz="3600" b="1" spc="600" dirty="0" err="1">
                 <a:solidFill>
                   <a:schemeClr val="tx1">
                     <a:lumMod val="75000"/>
@@ -12883,7 +13694,7 @@
               <a:t>팀원소개</a:t>
             </a:r>
             <a:r>
-              <a:rPr lang="ko-KR" altLang="en-US" sz="3600" b="1" spc="600" dirty="0" smtClean="0">
+              <a:rPr lang="ko-KR" altLang="en-US" sz="3600" b="1" spc="600" dirty="0">
                 <a:solidFill>
                   <a:schemeClr val="tx1">
                     <a:lumMod val="75000"/>
@@ -12935,21 +13746,10 @@
                   </a:schemeClr>
                 </a:solidFill>
               </a:rPr>
-              <a:t>PART </a:t>
-            </a:r>
-            <a:r>
-              <a:rPr lang="en-US" altLang="ja-JP" sz="1100" spc="600" dirty="0" smtClean="0">
-                <a:solidFill>
-                  <a:schemeClr val="tx1">
-                    <a:lumMod val="75000"/>
-                    <a:lumOff val="25000"/>
-                  </a:schemeClr>
-                </a:solidFill>
-              </a:rPr>
-              <a:t>1 </a:t>
-            </a:r>
-            <a:r>
-              <a:rPr lang="ko-KR" altLang="en-US" sz="1100" spc="600" dirty="0" smtClean="0">
+              <a:t>PART 1 </a:t>
+            </a:r>
+            <a:r>
+              <a:rPr lang="ko-KR" altLang="en-US" sz="1100" spc="600" dirty="0">
                 <a:solidFill>
                   <a:schemeClr val="tx1">
                     <a:lumMod val="75000"/>
@@ -13158,19 +13958,19 @@
             <a:p>
               <a:pPr algn="ctr"/>
               <a:r>
-                <a:rPr kumimoji="1" lang="ko-KR" altLang="en-US" sz="2400" b="1" dirty="0" smtClean="0"/>
+                <a:rPr kumimoji="1" lang="ko-KR" altLang="en-US" sz="2400" b="1" dirty="0"/>
                 <a:t>박세환</a:t>
               </a:r>
               <a:r>
-                <a:rPr kumimoji="1" lang="en-US" altLang="ko-KR" sz="1600" b="1" dirty="0" smtClean="0"/>
+                <a:rPr kumimoji="1" lang="en-US" altLang="ko-KR" sz="1600" b="1" dirty="0"/>
                 <a:t>(</a:t>
               </a:r>
               <a:r>
-                <a:rPr lang="ko-KR" altLang="en-US" sz="1600" b="1" dirty="0" smtClean="0"/>
+                <a:rPr lang="ko-KR" altLang="en-US" sz="1600" b="1" dirty="0"/>
                 <a:t>조장</a:t>
               </a:r>
               <a:r>
-                <a:rPr kumimoji="1" lang="en-US" altLang="ko-KR" sz="1600" b="1" dirty="0" smtClean="0"/>
+                <a:rPr kumimoji="1" lang="en-US" altLang="ko-KR" sz="1600" b="1" dirty="0"/>
                 <a:t>)</a:t>
               </a:r>
               <a:endParaRPr kumimoji="1" lang="ko-KR" altLang="en-US" sz="2400" b="1" dirty="0"/>
@@ -13207,7 +14007,7 @@
                 <a:buChar char="•"/>
               </a:pPr>
               <a:r>
-                <a:rPr lang="ko-KR" altLang="en-US" dirty="0" smtClean="0">
+                <a:rPr lang="ko-KR" altLang="en-US" dirty="0">
                   <a:solidFill>
                     <a:schemeClr val="tx1">
                       <a:lumMod val="85000"/>
@@ -13218,7 +14018,7 @@
                 <a:t>공지사항</a:t>
               </a:r>
               <a:r>
-                <a:rPr lang="en-US" altLang="ko-KR" dirty="0" smtClean="0">
+                <a:rPr lang="en-US" altLang="ko-KR" dirty="0">
                   <a:solidFill>
                     <a:schemeClr val="tx1">
                       <a:lumMod val="85000"/>
@@ -13229,7 +14029,7 @@
                 <a:t>, FAQ, </a:t>
               </a:r>
               <a:r>
-                <a:rPr lang="ko-KR" altLang="en-US" dirty="0" smtClean="0">
+                <a:rPr lang="ko-KR" altLang="en-US" dirty="0">
                   <a:solidFill>
                     <a:schemeClr val="tx1">
                       <a:lumMod val="85000"/>
@@ -13239,7 +14039,7 @@
                 </a:rPr>
                 <a:t>관리자페이지</a:t>
               </a:r>
-              <a:endParaRPr lang="en-US" altLang="ko-KR" dirty="0" smtClean="0">
+              <a:endParaRPr lang="en-US" altLang="ko-KR" dirty="0">
                 <a:solidFill>
                   <a:schemeClr val="tx1">
                     <a:lumMod val="85000"/>
@@ -13257,7 +14057,7 @@
                 <a:buChar char="•"/>
               </a:pPr>
               <a:r>
-                <a:rPr lang="en-US" altLang="ko-KR" dirty="0" smtClean="0">
+                <a:rPr lang="en-US" altLang="ko-KR" dirty="0">
                   <a:solidFill>
                     <a:schemeClr val="tx1">
                       <a:lumMod val="85000"/>
@@ -13268,7 +14068,7 @@
                 <a:t>DB</a:t>
               </a:r>
               <a:r>
-                <a:rPr lang="ko-KR" altLang="en-US" dirty="0" smtClean="0">
+                <a:rPr lang="ko-KR" altLang="en-US" dirty="0">
                   <a:solidFill>
                     <a:schemeClr val="tx1">
                       <a:lumMod val="85000"/>
@@ -13279,7 +14079,7 @@
                 <a:t>설계 </a:t>
               </a:r>
               <a:r>
-                <a:rPr lang="en-US" altLang="ko-KR" dirty="0" smtClean="0">
+                <a:rPr lang="en-US" altLang="ko-KR" dirty="0">
                   <a:solidFill>
                     <a:schemeClr val="tx1">
                       <a:lumMod val="85000"/>
@@ -13290,7 +14090,7 @@
                 <a:t>(</a:t>
               </a:r>
               <a:r>
-                <a:rPr lang="ko-KR" altLang="en-US" dirty="0" smtClean="0">
+                <a:rPr lang="ko-KR" altLang="en-US" dirty="0">
                   <a:solidFill>
                     <a:schemeClr val="tx1">
                       <a:lumMod val="85000"/>
@@ -13301,7 +14101,7 @@
                 <a:t>총괄</a:t>
               </a:r>
               <a:r>
-                <a:rPr lang="en-US" altLang="ko-KR" dirty="0" smtClean="0">
+                <a:rPr lang="en-US" altLang="ko-KR" dirty="0">
                   <a:solidFill>
                     <a:schemeClr val="tx1">
                       <a:lumMod val="85000"/>
@@ -13321,7 +14121,7 @@
                 <a:buChar char="•"/>
               </a:pPr>
               <a:r>
-                <a:rPr lang="ko-KR" altLang="en-US" dirty="0" smtClean="0">
+                <a:rPr lang="ko-KR" altLang="en-US" dirty="0">
                   <a:solidFill>
                     <a:schemeClr val="tx1">
                       <a:lumMod val="85000"/>
@@ -13332,7 +14132,7 @@
                 <a:t>작업 스케줄러</a:t>
               </a:r>
               <a:r>
-                <a:rPr lang="en-US" altLang="ko-KR" dirty="0" smtClean="0">
+                <a:rPr lang="en-US" altLang="ko-KR" dirty="0">
                   <a:solidFill>
                     <a:schemeClr val="tx1">
                       <a:lumMod val="85000"/>
@@ -13343,7 +14143,7 @@
                 <a:t> </a:t>
               </a:r>
               <a:r>
-                <a:rPr lang="ko-KR" altLang="en-US" dirty="0" smtClean="0">
+                <a:rPr lang="ko-KR" altLang="en-US" dirty="0">
                   <a:solidFill>
                     <a:schemeClr val="tx1">
                       <a:lumMod val="85000"/>
@@ -13353,7 +14153,7 @@
                 </a:rPr>
                 <a:t>작성</a:t>
               </a:r>
-              <a:endParaRPr lang="en-US" altLang="ko-KR" dirty="0" smtClean="0">
+              <a:endParaRPr lang="en-US" altLang="ko-KR" dirty="0">
                 <a:solidFill>
                   <a:schemeClr val="tx1">
                     <a:lumMod val="85000"/>
@@ -13371,7 +14171,7 @@
                 <a:buChar char="•"/>
               </a:pPr>
               <a:r>
-                <a:rPr lang="en-US" altLang="ko-KR" dirty="0" smtClean="0">
+                <a:rPr lang="en-US" altLang="ko-KR" dirty="0">
                   <a:solidFill>
                     <a:schemeClr val="tx1">
                       <a:lumMod val="85000"/>
@@ -13382,7 +14182,7 @@
                 <a:t>GITHUB </a:t>
               </a:r>
               <a:r>
-                <a:rPr lang="ko-KR" altLang="en-US" dirty="0" smtClean="0">
+                <a:rPr lang="ko-KR" altLang="en-US" dirty="0">
                   <a:solidFill>
                     <a:schemeClr val="tx1">
                       <a:lumMod val="85000"/>
@@ -13392,14 +14192,6 @@
                 </a:rPr>
                 <a:t>관리담당</a:t>
               </a:r>
-              <a:endParaRPr lang="ko-KR" altLang="en-US" dirty="0">
-                <a:solidFill>
-                  <a:schemeClr val="tx1">
-                    <a:lumMod val="85000"/>
-                    <a:lumOff val="15000"/>
-                  </a:schemeClr>
-                </a:solidFill>
-              </a:endParaRPr>
             </a:p>
           </p:txBody>
         </p:sp>
@@ -13592,7 +14384,7 @@
             <a:p>
               <a:pPr algn="ctr"/>
               <a:r>
-                <a:rPr kumimoji="1" lang="ko-KR" altLang="en-US" sz="2400" b="1" dirty="0" err="1" smtClean="0"/>
+                <a:rPr kumimoji="1" lang="ko-KR" altLang="en-US" sz="2400" b="1" dirty="0" err="1"/>
                 <a:t>안소은</a:t>
               </a:r>
               <a:endParaRPr kumimoji="1" lang="ko-KR" altLang="en-US" sz="2400" b="1" dirty="0"/>
@@ -13629,7 +14421,7 @@
                 <a:buChar char="•"/>
               </a:pPr>
               <a:r>
-                <a:rPr lang="ko-KR" altLang="en-US" dirty="0" smtClean="0">
+                <a:rPr lang="ko-KR" altLang="en-US" dirty="0">
                   <a:solidFill>
                     <a:schemeClr val="tx1">
                       <a:lumMod val="85000"/>
@@ -13640,7 +14432,7 @@
                 <a:t>상품 리스트</a:t>
               </a:r>
               <a:r>
-                <a:rPr lang="en-US" altLang="ko-KR" dirty="0" smtClean="0">
+                <a:rPr lang="en-US" altLang="ko-KR" dirty="0">
                   <a:solidFill>
                     <a:schemeClr val="tx1">
                       <a:lumMod val="85000"/>
@@ -13651,7 +14443,7 @@
                 <a:t>, </a:t>
               </a:r>
               <a:br>
-                <a:rPr lang="en-US" altLang="ko-KR" dirty="0" smtClean="0">
+                <a:rPr lang="en-US" altLang="ko-KR" dirty="0">
                   <a:solidFill>
                     <a:schemeClr val="tx1">
                       <a:lumMod val="85000"/>
@@ -13661,7 +14453,7 @@
                 </a:rPr>
               </a:br>
               <a:r>
-                <a:rPr lang="ko-KR" altLang="en-US" dirty="0" smtClean="0">
+                <a:rPr lang="ko-KR" altLang="en-US" dirty="0">
                   <a:solidFill>
                     <a:schemeClr val="tx1">
                       <a:lumMod val="85000"/>
@@ -13671,7 +14463,7 @@
                 </a:rPr>
                 <a:t>구매 및 판매</a:t>
               </a:r>
-              <a:endParaRPr lang="en-US" altLang="ko-KR" dirty="0" smtClean="0">
+              <a:endParaRPr lang="en-US" altLang="ko-KR" dirty="0">
                 <a:solidFill>
                   <a:schemeClr val="tx1">
                     <a:lumMod val="85000"/>
@@ -13689,7 +14481,7 @@
                 <a:buChar char="•"/>
               </a:pPr>
               <a:r>
-                <a:rPr lang="ko-KR" altLang="en-US" dirty="0" smtClean="0">
+                <a:rPr lang="ko-KR" altLang="en-US" dirty="0">
                   <a:solidFill>
                     <a:schemeClr val="tx1">
                       <a:lumMod val="85000"/>
@@ -13699,7 +14491,7 @@
                 </a:rPr>
                 <a:t>요구사항명세서 작성</a:t>
               </a:r>
-              <a:endParaRPr lang="en-US" altLang="ko-KR" dirty="0" smtClean="0">
+              <a:endParaRPr lang="en-US" altLang="ko-KR" dirty="0">
                 <a:solidFill>
                   <a:schemeClr val="tx1">
                     <a:lumMod val="85000"/>
@@ -13717,7 +14509,7 @@
                 <a:buChar char="•"/>
               </a:pPr>
               <a:r>
-                <a:rPr lang="ko-KR" altLang="en-US" dirty="0" smtClean="0">
+                <a:rPr lang="ko-KR" altLang="en-US" dirty="0">
                   <a:solidFill>
                     <a:schemeClr val="tx1">
                       <a:lumMod val="85000"/>
@@ -13727,7 +14519,7 @@
                 </a:rPr>
                 <a:t>이미지 편집 및 로고 준비</a:t>
               </a:r>
-              <a:endParaRPr lang="en-US" altLang="ko-KR" dirty="0" smtClean="0">
+              <a:endParaRPr lang="en-US" altLang="ko-KR" dirty="0">
                 <a:solidFill>
                   <a:schemeClr val="tx1">
                     <a:lumMod val="85000"/>
@@ -13927,7 +14719,7 @@
             <a:p>
               <a:pPr algn="ctr"/>
               <a:r>
-                <a:rPr kumimoji="1" lang="ko-KR" altLang="en-US" sz="2400" b="1" dirty="0" err="1" smtClean="0"/>
+                <a:rPr kumimoji="1" lang="ko-KR" altLang="en-US" sz="2400" b="1" dirty="0" err="1"/>
                 <a:t>정유한</a:t>
               </a:r>
               <a:endParaRPr kumimoji="1" lang="ko-KR" altLang="en-US" sz="2400" b="1" dirty="0"/>
@@ -13964,7 +14756,7 @@
                 <a:buChar char="•"/>
               </a:pPr>
               <a:r>
-                <a:rPr lang="ko-KR" altLang="en-US" dirty="0" smtClean="0">
+                <a:rPr lang="ko-KR" altLang="en-US" dirty="0">
                   <a:solidFill>
                     <a:schemeClr val="tx1">
                       <a:lumMod val="85000"/>
@@ -13975,7 +14767,7 @@
                 <a:t>회원 페이지 </a:t>
               </a:r>
               <a:r>
-                <a:rPr lang="en-US" altLang="ko-KR" dirty="0" smtClean="0">
+                <a:rPr lang="en-US" altLang="ko-KR" dirty="0">
                   <a:solidFill>
                     <a:schemeClr val="tx1">
                       <a:lumMod val="85000"/>
@@ -13986,7 +14778,7 @@
                 <a:t>(</a:t>
               </a:r>
               <a:r>
-                <a:rPr lang="ko-KR" altLang="en-US" dirty="0" smtClean="0">
+                <a:rPr lang="ko-KR" altLang="en-US" dirty="0">
                   <a:solidFill>
                     <a:schemeClr val="tx1">
                       <a:lumMod val="85000"/>
@@ -13997,7 +14789,7 @@
                 <a:t>로그인</a:t>
               </a:r>
               <a:r>
-                <a:rPr lang="en-US" altLang="ko-KR" dirty="0" smtClean="0">
+                <a:rPr lang="en-US" altLang="ko-KR" dirty="0">
                   <a:solidFill>
                     <a:schemeClr val="tx1">
                       <a:lumMod val="85000"/>
@@ -14008,7 +14800,7 @@
                 <a:t>, </a:t>
               </a:r>
               <a:br>
-                <a:rPr lang="en-US" altLang="ko-KR" dirty="0" smtClean="0">
+                <a:rPr lang="en-US" altLang="ko-KR" dirty="0">
                   <a:solidFill>
                     <a:schemeClr val="tx1">
                       <a:lumMod val="85000"/>
@@ -14018,7 +14810,7 @@
                 </a:rPr>
               </a:br>
               <a:r>
-                <a:rPr lang="ko-KR" altLang="en-US" dirty="0" smtClean="0">
+                <a:rPr lang="ko-KR" altLang="en-US" dirty="0">
                   <a:solidFill>
                     <a:schemeClr val="tx1">
                       <a:lumMod val="85000"/>
@@ -14029,7 +14821,7 @@
                 <a:t>마이 페이지</a:t>
               </a:r>
               <a:r>
-                <a:rPr lang="en-US" altLang="ko-KR" dirty="0" smtClean="0">
+                <a:rPr lang="en-US" altLang="ko-KR" dirty="0">
                   <a:solidFill>
                     <a:schemeClr val="tx1">
                       <a:lumMod val="85000"/>
@@ -14049,7 +14841,7 @@
                 <a:buChar char="•"/>
               </a:pPr>
               <a:r>
-                <a:rPr lang="ko-KR" altLang="en-US" dirty="0" smtClean="0">
+                <a:rPr lang="ko-KR" altLang="en-US" dirty="0">
                   <a:solidFill>
                     <a:schemeClr val="tx1">
                       <a:lumMod val="85000"/>
@@ -14060,7 +14852,7 @@
                 <a:t>주소</a:t>
               </a:r>
               <a:r>
-                <a:rPr lang="en-US" altLang="ko-KR" dirty="0" smtClean="0">
+                <a:rPr lang="en-US" altLang="ko-KR" dirty="0">
                   <a:solidFill>
                     <a:schemeClr val="tx1">
                       <a:lumMod val="85000"/>
@@ -14262,7 +15054,7 @@
             <a:p>
               <a:pPr algn="ctr"/>
               <a:r>
-                <a:rPr kumimoji="1" lang="ko-KR" altLang="en-US" sz="2400" b="1" dirty="0" err="1" smtClean="0"/>
+                <a:rPr kumimoji="1" lang="ko-KR" altLang="en-US" sz="2400" b="1" dirty="0" err="1"/>
                 <a:t>윤기태</a:t>
               </a:r>
               <a:endParaRPr kumimoji="1" lang="ko-KR" altLang="en-US" sz="2400" b="1" dirty="0"/>
@@ -14299,7 +15091,7 @@
                 <a:buChar char="•"/>
               </a:pPr>
               <a:r>
-                <a:rPr lang="ko-KR" altLang="en-US" dirty="0" smtClean="0">
+                <a:rPr lang="ko-KR" altLang="en-US" dirty="0">
                   <a:solidFill>
                     <a:schemeClr val="tx1">
                       <a:lumMod val="85000"/>
@@ -14309,7 +15101,7 @@
                 </a:rPr>
                 <a:t>후기 게시판</a:t>
               </a:r>
-              <a:endParaRPr lang="en-US" altLang="ko-KR" dirty="0" smtClean="0">
+              <a:endParaRPr lang="en-US" altLang="ko-KR" dirty="0">
                 <a:solidFill>
                   <a:schemeClr val="tx1">
                     <a:lumMod val="85000"/>
@@ -14327,7 +15119,7 @@
                 <a:buChar char="•"/>
               </a:pPr>
               <a:r>
-                <a:rPr lang="ko-KR" altLang="en-US" dirty="0" smtClean="0">
+                <a:rPr lang="ko-KR" altLang="en-US" dirty="0">
                   <a:solidFill>
                     <a:schemeClr val="tx1">
                       <a:lumMod val="85000"/>
@@ -14337,7 +15129,7 @@
                 </a:rPr>
                 <a:t>상품 샘플 데이터 생성 및 상품이미지 조사</a:t>
               </a:r>
-              <a:endParaRPr lang="en-US" altLang="ko-KR" dirty="0" smtClean="0">
+              <a:endParaRPr lang="en-US" altLang="ko-KR" dirty="0">
                 <a:solidFill>
                   <a:schemeClr val="tx1">
                     <a:lumMod val="85000"/>
@@ -14362,13 +15154,6 @@
   <p:transition spd="slow">
     <p:fade/>
   </p:transition>
-  <p:timing>
-    <p:tnLst>
-      <p:par>
-        <p:cTn id="1" dur="indefinite" restart="never" nodeType="tmRoot"/>
-      </p:par>
-    </p:tnLst>
-  </p:timing>
 </p:sld>
 </file>
 
@@ -14524,41 +15309,28 @@
           <a:p>
             <a:pPr algn="ctr"/>
             <a:r>
-              <a:rPr lang="ko-KR" altLang="en-US" sz="3200" b="1" dirty="0" smtClean="0">
+              <a:rPr lang="ko-KR" altLang="en-US" sz="3200" b="1" dirty="0">
                 <a:solidFill>
                   <a:schemeClr val="bg1"/>
                 </a:solidFill>
               </a:rPr>
               <a:t>개발환경 및</a:t>
             </a:r>
-            <a:r>
-              <a:rPr lang="en-US" altLang="ko-KR" sz="3200" b="1" dirty="0" smtClean="0">
-                <a:solidFill>
-                  <a:schemeClr val="bg1"/>
-                </a:solidFill>
-              </a:rPr>
-              <a:t/>
-            </a:r>
             <a:br>
-              <a:rPr lang="en-US" altLang="ko-KR" sz="3200" b="1" dirty="0" smtClean="0">
+              <a:rPr lang="en-US" altLang="ko-KR" sz="3200" b="1" dirty="0">
                 <a:solidFill>
                   <a:schemeClr val="bg1"/>
                 </a:solidFill>
               </a:rPr>
             </a:br>
             <a:r>
-              <a:rPr lang="ko-KR" altLang="en-US" sz="3200" b="1" dirty="0" smtClean="0">
+              <a:rPr lang="ko-KR" altLang="en-US" sz="3200" b="1" dirty="0">
                 <a:solidFill>
                   <a:schemeClr val="bg1"/>
                 </a:solidFill>
               </a:rPr>
               <a:t>기획</a:t>
             </a:r>
-            <a:endParaRPr lang="ko-KR" altLang="en-US" sz="3200" b="1" dirty="0">
-              <a:solidFill>
-                <a:schemeClr val="bg1"/>
-              </a:solidFill>
-            </a:endParaRPr>
           </a:p>
         </p:txBody>
       </p:sp>
@@ -14592,7 +15364,7 @@
           <a:p>
             <a:pPr algn="ctr"/>
             <a:r>
-              <a:rPr lang="en-US" altLang="ko-KR" sz="3200" b="1" spc="300" dirty="0" smtClean="0">
+              <a:rPr lang="en-US" altLang="ko-KR" sz="3200" b="1" spc="300" dirty="0">
                 <a:solidFill>
                   <a:schemeClr val="bg1"/>
                 </a:solidFill>
@@ -14612,25 +15384,18 @@
   <p:clrMapOvr>
     <a:masterClrMapping/>
   </p:clrMapOvr>
-  <mc:AlternateContent xmlns:mc="http://schemas.openxmlformats.org/markup-compatibility/2006">
-    <mc:Choice xmlns:p159="http://schemas.microsoft.com/office/powerpoint/2015/09/main" xmlns="" Requires="p159">
+  <mc:AlternateContent xmlns:mc="http://schemas.openxmlformats.org/markup-compatibility/2006" xmlns:p159="http://schemas.microsoft.com/office/powerpoint/2015/09/main">
+    <mc:Choice Requires="p159">
       <p:transition xmlns:p14="http://schemas.microsoft.com/office/powerpoint/2010/main" spd="slow" p14:dur="2000">
         <p159:morph option="byObject"/>
       </p:transition>
     </mc:Choice>
-    <mc:Fallback>
+    <mc:Fallback xmlns="">
       <p:transition spd="slow">
         <p:fade/>
       </p:transition>
     </mc:Fallback>
   </mc:AlternateContent>
-  <p:timing>
-    <p:tnLst>
-      <p:par>
-        <p:cTn id="1" dur="indefinite" restart="never" nodeType="tmRoot"/>
-      </p:par>
-    </p:tnLst>
-  </p:timing>
 </p:sld>
 </file>
 
@@ -14760,7 +15525,7 @@
           <a:lstStyle/>
           <a:p>
             <a:r>
-              <a:rPr lang="ko-KR" altLang="en-US" sz="3600" b="1" spc="600" dirty="0" smtClean="0">
+              <a:rPr lang="ko-KR" altLang="en-US" sz="3600" b="1" spc="600" dirty="0">
                 <a:solidFill>
                   <a:schemeClr val="tx1">
                     <a:lumMod val="75000"/>
@@ -14812,21 +15577,10 @@
                   </a:schemeClr>
                 </a:solidFill>
               </a:rPr>
-              <a:t>PART </a:t>
-            </a:r>
-            <a:r>
-              <a:rPr lang="en-US" altLang="ja-JP" sz="1100" spc="600" dirty="0" smtClean="0">
-                <a:solidFill>
-                  <a:schemeClr val="tx1">
-                    <a:lumMod val="75000"/>
-                    <a:lumOff val="25000"/>
-                  </a:schemeClr>
-                </a:solidFill>
-              </a:rPr>
-              <a:t>2 </a:t>
-            </a:r>
-            <a:r>
-              <a:rPr lang="ko-KR" altLang="en-US" sz="1100" spc="600" dirty="0" smtClean="0">
+              <a:t>PART 2 </a:t>
+            </a:r>
+            <a:r>
+              <a:rPr lang="ko-KR" altLang="en-US" sz="1100" spc="600" dirty="0">
                 <a:solidFill>
                   <a:schemeClr val="tx1">
                     <a:lumMod val="75000"/>
@@ -14916,10 +15670,9 @@
           <a:lstStyle/>
           <a:p>
             <a:r>
-              <a:rPr lang="ko-KR" altLang="en-US" b="1" dirty="0" smtClean="0"/>
+              <a:rPr lang="ko-KR" altLang="en-US" b="1" dirty="0"/>
               <a:t>구현 언어</a:t>
             </a:r>
-            <a:endParaRPr lang="ko-KR" altLang="en-US" b="1" dirty="0"/>
           </a:p>
         </p:txBody>
       </p:sp>
@@ -15327,14 +16080,14 @@
           <a:lstStyle/>
           <a:p>
             <a:r>
-              <a:rPr lang="en-US" altLang="ko-KR" b="1" dirty="0" smtClean="0"/>
+              <a:rPr lang="en-US" altLang="ko-KR" b="1" dirty="0"/>
               <a:t>DB</a:t>
             </a:r>
             <a:r>
-              <a:rPr lang="ko-KR" altLang="en-US" b="1" dirty="0" smtClean="0"/>
+              <a:rPr lang="ko-KR" altLang="en-US" b="1" dirty="0"/>
               <a:t> 서버</a:t>
             </a:r>
-            <a:endParaRPr lang="en-US" altLang="ko-KR" b="1" dirty="0" smtClean="0"/>
+            <a:endParaRPr lang="en-US" altLang="ko-KR" b="1" dirty="0"/>
           </a:p>
         </p:txBody>
       </p:sp>
@@ -15361,7 +16114,7 @@
           <a:lstStyle/>
           <a:p>
             <a:r>
-              <a:rPr lang="en-US" altLang="ko-KR" b="1" dirty="0" smtClean="0"/>
+              <a:rPr lang="en-US" altLang="ko-KR" b="1" dirty="0"/>
               <a:t>WAS</a:t>
             </a:r>
             <a:endParaRPr lang="ko-KR" altLang="en-US" b="1" dirty="0"/>
@@ -15391,10 +16144,9 @@
           <a:lstStyle/>
           <a:p>
             <a:r>
-              <a:rPr lang="ko-KR" altLang="en-US" b="1" dirty="0" smtClean="0"/>
+              <a:rPr lang="ko-KR" altLang="en-US" b="1" dirty="0"/>
               <a:t>서버 언어</a:t>
             </a:r>
-            <a:endParaRPr lang="ko-KR" altLang="en-US" b="1" dirty="0"/>
           </a:p>
         </p:txBody>
       </p:sp>
@@ -15551,10 +16303,9 @@
           <a:lstStyle/>
           <a:p>
             <a:r>
-              <a:rPr lang="ko-KR" altLang="en-US" b="1" dirty="0" smtClean="0"/>
+              <a:rPr lang="ko-KR" altLang="en-US" b="1" dirty="0"/>
               <a:t>사용 도구</a:t>
             </a:r>
-            <a:endParaRPr lang="ko-KR" altLang="en-US" b="1" dirty="0"/>
           </a:p>
         </p:txBody>
       </p:sp>
@@ -15723,7 +16474,7 @@
           <a:lstStyle/>
           <a:p>
             <a:r>
-              <a:rPr lang="en-US" altLang="ko-KR" b="1" dirty="0" smtClean="0"/>
+              <a:rPr lang="en-US" altLang="ko-KR" b="1" dirty="0"/>
               <a:t>API</a:t>
             </a:r>
             <a:endParaRPr lang="ko-KR" altLang="en-US" b="1" dirty="0"/>
@@ -15807,25 +16558,18 @@
   <p:clrMapOvr>
     <a:masterClrMapping/>
   </p:clrMapOvr>
-  <mc:AlternateContent xmlns:mc="http://schemas.openxmlformats.org/markup-compatibility/2006">
-    <mc:Choice xmlns:p159="http://schemas.microsoft.com/office/powerpoint/2015/09/main" xmlns="" Requires="p159">
+  <mc:AlternateContent xmlns:mc="http://schemas.openxmlformats.org/markup-compatibility/2006" xmlns:p159="http://schemas.microsoft.com/office/powerpoint/2015/09/main">
+    <mc:Choice Requires="p159">
       <p:transition xmlns:p14="http://schemas.microsoft.com/office/powerpoint/2010/main" spd="slow" p14:dur="2000">
         <p159:morph option="byObject"/>
       </p:transition>
     </mc:Choice>
-    <mc:Fallback>
+    <mc:Fallback xmlns="">
       <p:transition spd="slow">
         <p:fade/>
       </p:transition>
     </mc:Fallback>
   </mc:AlternateContent>
-  <p:timing>
-    <p:tnLst>
-      <p:par>
-        <p:cTn id="1" dur="indefinite" restart="never" nodeType="tmRoot"/>
-      </p:par>
-    </p:tnLst>
-  </p:timing>
 </p:sld>
 </file>
 
@@ -15941,7 +16685,7 @@
         <p:spPr>
           <a:xfrm>
             <a:off x="1274182" y="460392"/>
-            <a:ext cx="2512226" cy="646331"/>
+            <a:ext cx="4160113" cy="646331"/>
           </a:xfrm>
           <a:prstGeom prst="rect">
             <a:avLst/>
@@ -15955,7 +16699,7 @@
           <a:lstStyle/>
           <a:p>
             <a:r>
-              <a:rPr lang="ko-KR" altLang="en-US" sz="3600" b="1" spc="600" dirty="0" smtClean="0">
+              <a:rPr lang="ko-KR" altLang="en-US" sz="3600" b="1" spc="600" dirty="0">
                 <a:solidFill>
                   <a:schemeClr val="tx1">
                     <a:lumMod val="75000"/>
@@ -15963,7 +16707,7 @@
                   </a:schemeClr>
                 </a:solidFill>
               </a:rPr>
-              <a:t>개발 환경</a:t>
+              <a:t>요구사항 명세서</a:t>
             </a:r>
             <a:endParaRPr lang="ja-JP" altLang="en-US" sz="3600" b="1" spc="600" dirty="0">
               <a:solidFill>
@@ -16007,21 +16751,10 @@
                   </a:schemeClr>
                 </a:solidFill>
               </a:rPr>
-              <a:t>PART </a:t>
-            </a:r>
-            <a:r>
-              <a:rPr lang="en-US" altLang="ja-JP" sz="1100" spc="600" dirty="0" smtClean="0">
-                <a:solidFill>
-                  <a:schemeClr val="tx1">
-                    <a:lumMod val="75000"/>
-                    <a:lumOff val="25000"/>
-                  </a:schemeClr>
-                </a:solidFill>
-              </a:rPr>
-              <a:t>2 </a:t>
-            </a:r>
-            <a:r>
-              <a:rPr lang="ko-KR" altLang="en-US" sz="1100" spc="600" dirty="0" smtClean="0">
+              <a:t>PART 2 </a:t>
+            </a:r>
+            <a:r>
+              <a:rPr lang="ko-KR" altLang="en-US" sz="1100" spc="600" dirty="0">
                 <a:solidFill>
                   <a:schemeClr val="tx1">
                     <a:lumMod val="75000"/>
@@ -16078,25 +16811,18 @@
   <p:clrMapOvr>
     <a:masterClrMapping/>
   </p:clrMapOvr>
-  <mc:AlternateContent xmlns:mc="http://schemas.openxmlformats.org/markup-compatibility/2006">
-    <mc:Choice xmlns:p159="http://schemas.microsoft.com/office/powerpoint/2015/09/main" xmlns="" Requires="p159">
+  <mc:AlternateContent xmlns:mc="http://schemas.openxmlformats.org/markup-compatibility/2006" xmlns:p159="http://schemas.microsoft.com/office/powerpoint/2015/09/main">
+    <mc:Choice Requires="p159">
       <p:transition xmlns:p14="http://schemas.microsoft.com/office/powerpoint/2010/main" spd="slow" p14:dur="2000">
         <p159:morph option="byObject"/>
       </p:transition>
     </mc:Choice>
-    <mc:Fallback>
+    <mc:Fallback xmlns="">
       <p:transition spd="slow">
         <p:fade/>
       </p:transition>
     </mc:Fallback>
   </mc:AlternateContent>
-  <p:timing>
-    <p:tnLst>
-      <p:par>
-        <p:cTn id="1" dur="indefinite" restart="never" nodeType="tmRoot"/>
-      </p:par>
-    </p:tnLst>
-  </p:timing>
 </p:sld>
 </file>
 
@@ -16212,7 +16938,7 @@
         <p:spPr>
           <a:xfrm>
             <a:off x="1274182" y="460392"/>
-            <a:ext cx="2512226" cy="646331"/>
+            <a:ext cx="3621504" cy="646331"/>
           </a:xfrm>
           <a:prstGeom prst="rect">
             <a:avLst/>
@@ -16226,7 +16952,7 @@
           <a:lstStyle/>
           <a:p>
             <a:r>
-              <a:rPr lang="ko-KR" altLang="en-US" sz="3600" b="1" spc="600" dirty="0" smtClean="0">
+              <a:rPr lang="ko-KR" altLang="en-US" sz="3600" b="1" spc="600" dirty="0">
                 <a:solidFill>
                   <a:schemeClr val="tx1">
                     <a:lumMod val="75000"/>
@@ -16234,7 +16960,7 @@
                   </a:schemeClr>
                 </a:solidFill>
               </a:rPr>
-              <a:t>개발 환경</a:t>
+              <a:t>작업 스케줄러</a:t>
             </a:r>
             <a:endParaRPr lang="ja-JP" altLang="en-US" sz="3600" b="1" spc="600" dirty="0">
               <a:solidFill>
@@ -16256,7 +16982,7 @@
         <p:spPr>
           <a:xfrm>
             <a:off x="132523" y="198782"/>
-            <a:ext cx="2577950" cy="261610"/>
+            <a:ext cx="3013967" cy="261610"/>
           </a:xfrm>
           <a:prstGeom prst="rect">
             <a:avLst/>
@@ -16278,10 +17004,10 @@
                   </a:schemeClr>
                 </a:solidFill>
               </a:rPr>
-              <a:t>PART </a:t>
-            </a:r>
-            <a:r>
-              <a:rPr lang="en-US" altLang="ja-JP" sz="1100" spc="600" dirty="0" smtClean="0">
+              <a:t>PART 2 </a:t>
+            </a:r>
+            <a:r>
+              <a:rPr lang="ko-KR" altLang="en-US" sz="1100" spc="600" dirty="0">
                 <a:solidFill>
                   <a:schemeClr val="tx1">
                     <a:lumMod val="75000"/>
@@ -16289,18 +17015,7 @@
                   </a:schemeClr>
                 </a:solidFill>
               </a:rPr>
-              <a:t>1 </a:t>
-            </a:r>
-            <a:r>
-              <a:rPr lang="ko-KR" altLang="en-US" sz="1100" spc="600" dirty="0" smtClean="0">
-                <a:solidFill>
-                  <a:schemeClr val="tx1">
-                    <a:lumMod val="75000"/>
-                    <a:lumOff val="25000"/>
-                  </a:schemeClr>
-                </a:solidFill>
-              </a:rPr>
-              <a:t>소개 및 개요</a:t>
+              <a:t>개발환경 및 기획</a:t>
             </a:r>
             <a:endParaRPr kumimoji="1" lang="ja-JP" altLang="en-US" sz="1100" spc="600" dirty="0">
               <a:solidFill>
@@ -16315,293 +17030,14 @@
       </p:sp>
       <p:sp>
         <p:nvSpPr>
-          <p:cNvPr id="11" name="타원 10">
-            <a:extLst>
-              <a:ext uri="{FF2B5EF4-FFF2-40B4-BE49-F238E27FC236}">
-                <a16:creationId xmlns:a16="http://schemas.microsoft.com/office/drawing/2014/main" id="{66F8BB50-E128-481B-A16F-7172051C5D58}"/>
-              </a:ext>
-            </a:extLst>
-          </p:cNvPr>
-          <p:cNvSpPr/>
-          <p:nvPr/>
-        </p:nvSpPr>
-        <p:spPr>
-          <a:xfrm>
-            <a:off x="1274182" y="1838633"/>
-            <a:ext cx="3048000" cy="3048000"/>
-          </a:xfrm>
-          <a:prstGeom prst="ellipse">
-            <a:avLst/>
-          </a:prstGeom>
-          <a:solidFill>
-            <a:schemeClr val="accent2"/>
-          </a:solidFill>
-          <a:ln>
-            <a:noFill/>
-          </a:ln>
-        </p:spPr>
-        <p:style>
-          <a:lnRef idx="2">
-            <a:schemeClr val="accent1">
-              <a:shade val="50000"/>
-            </a:schemeClr>
-          </a:lnRef>
-          <a:fillRef idx="1">
-            <a:schemeClr val="accent1"/>
-          </a:fillRef>
-          <a:effectRef idx="0">
-            <a:schemeClr val="accent1"/>
-          </a:effectRef>
-          <a:fontRef idx="minor">
-            <a:schemeClr val="lt1"/>
-          </a:fontRef>
-        </p:style>
-        <p:txBody>
-          <a:bodyPr rtlCol="0" anchor="ctr"/>
-          <a:lstStyle/>
-          <a:p>
-            <a:pPr algn="ctr"/>
-            <a:endParaRPr kumimoji="1" lang="ko-KR" altLang="en-US"/>
-          </a:p>
-        </p:txBody>
-      </p:sp>
-      <p:pic>
-        <p:nvPicPr>
-          <p:cNvPr id="8" name="그래픽 7" descr="연필">
-            <a:extLst>
-              <a:ext uri="{FF2B5EF4-FFF2-40B4-BE49-F238E27FC236}">
-                <a16:creationId xmlns:a16="http://schemas.microsoft.com/office/drawing/2014/main" id="{57A1CD4F-5881-46D6-B91E-713E7585774F}"/>
-              </a:ext>
-            </a:extLst>
-          </p:cNvPr>
-          <p:cNvPicPr>
-            <a:picLocks noChangeAspect="1"/>
-          </p:cNvPicPr>
-          <p:nvPr/>
-        </p:nvPicPr>
-        <p:blipFill>
-          <a:blip r:embed="rId2" cstate="print">
-            <a:extLst>
-              <a:ext uri="{28A0092B-C50C-407E-A947-70E740481C1C}">
-                <a14:useLocalDpi xmlns:a14="http://schemas.microsoft.com/office/drawing/2010/main" val="0"/>
-              </a:ext>
-              <a:ext uri="{96DAC541-7B7A-43D3-8B79-37D633B846F1}">
-                <asvg:svgBlip xmlns:asvg="http://schemas.microsoft.com/office/drawing/2016/SVG/main" xmlns="" r:embed="rId3"/>
-              </a:ext>
-            </a:extLst>
-          </a:blip>
-          <a:stretch>
-            <a:fillRect/>
-          </a:stretch>
-        </p:blipFill>
-        <p:spPr>
-          <a:xfrm>
-            <a:off x="2016961" y="2581412"/>
-            <a:ext cx="1562440" cy="1562440"/>
-          </a:xfrm>
-          <a:prstGeom prst="rect">
-            <a:avLst/>
-          </a:prstGeom>
-        </p:spPr>
-      </p:pic>
-      <p:sp>
-        <p:nvSpPr>
-          <p:cNvPr id="12" name="타원 11">
-            <a:extLst>
-              <a:ext uri="{FF2B5EF4-FFF2-40B4-BE49-F238E27FC236}">
-                <a16:creationId xmlns:a16="http://schemas.microsoft.com/office/drawing/2014/main" id="{274B4049-12A0-4E6C-9EDC-EE9081F2F21C}"/>
-              </a:ext>
-            </a:extLst>
-          </p:cNvPr>
-          <p:cNvSpPr/>
-          <p:nvPr/>
-        </p:nvSpPr>
-        <p:spPr>
-          <a:xfrm>
-            <a:off x="4878420" y="1838631"/>
-            <a:ext cx="3048000" cy="3048000"/>
-          </a:xfrm>
-          <a:prstGeom prst="ellipse">
-            <a:avLst/>
-          </a:prstGeom>
-          <a:solidFill>
-            <a:schemeClr val="accent2"/>
-          </a:solidFill>
-          <a:ln>
-            <a:noFill/>
-          </a:ln>
-        </p:spPr>
-        <p:style>
-          <a:lnRef idx="2">
-            <a:schemeClr val="accent1">
-              <a:shade val="50000"/>
-            </a:schemeClr>
-          </a:lnRef>
-          <a:fillRef idx="1">
-            <a:schemeClr val="accent1"/>
-          </a:fillRef>
-          <a:effectRef idx="0">
-            <a:schemeClr val="accent1"/>
-          </a:effectRef>
-          <a:fontRef idx="minor">
-            <a:schemeClr val="lt1"/>
-          </a:fontRef>
-        </p:style>
-        <p:txBody>
-          <a:bodyPr rtlCol="0" anchor="ctr"/>
-          <a:lstStyle/>
-          <a:p>
-            <a:pPr algn="ctr"/>
-            <a:endParaRPr kumimoji="1" lang="ko-KR" altLang="en-US"/>
-          </a:p>
-        </p:txBody>
-      </p:sp>
-      <p:sp>
-        <p:nvSpPr>
-          <p:cNvPr id="13" name="타원 12">
-            <a:extLst>
-              <a:ext uri="{FF2B5EF4-FFF2-40B4-BE49-F238E27FC236}">
-                <a16:creationId xmlns:a16="http://schemas.microsoft.com/office/drawing/2014/main" id="{BD4AACCB-2450-4314-B413-788A2F2E3C57}"/>
-              </a:ext>
-            </a:extLst>
-          </p:cNvPr>
-          <p:cNvSpPr/>
-          <p:nvPr/>
-        </p:nvSpPr>
-        <p:spPr>
-          <a:xfrm>
-            <a:off x="8482657" y="1838629"/>
-            <a:ext cx="3048000" cy="3048000"/>
-          </a:xfrm>
-          <a:prstGeom prst="ellipse">
-            <a:avLst/>
-          </a:prstGeom>
-          <a:solidFill>
-            <a:schemeClr val="accent2"/>
-          </a:solidFill>
-          <a:ln>
-            <a:noFill/>
-          </a:ln>
-        </p:spPr>
-        <p:style>
-          <a:lnRef idx="2">
-            <a:schemeClr val="accent1">
-              <a:shade val="50000"/>
-            </a:schemeClr>
-          </a:lnRef>
-          <a:fillRef idx="1">
-            <a:schemeClr val="accent1"/>
-          </a:fillRef>
-          <a:effectRef idx="0">
-            <a:schemeClr val="accent1"/>
-          </a:effectRef>
-          <a:fontRef idx="minor">
-            <a:schemeClr val="lt1"/>
-          </a:fontRef>
-        </p:style>
-        <p:txBody>
-          <a:bodyPr rtlCol="0" anchor="ctr"/>
-          <a:lstStyle/>
-          <a:p>
-            <a:pPr algn="ctr"/>
-            <a:endParaRPr kumimoji="1" lang="ko-KR" altLang="en-US"/>
-          </a:p>
-        </p:txBody>
-      </p:sp>
-      <p:pic>
-        <p:nvPicPr>
-          <p:cNvPr id="7" name="그래픽 6" descr="교사">
-            <a:extLst>
-              <a:ext uri="{FF2B5EF4-FFF2-40B4-BE49-F238E27FC236}">
-                <a16:creationId xmlns:a16="http://schemas.microsoft.com/office/drawing/2014/main" id="{C0E2290D-5D0C-47D0-9620-7CCF777E0239}"/>
-              </a:ext>
-            </a:extLst>
-          </p:cNvPr>
-          <p:cNvPicPr>
-            <a:picLocks noChangeAspect="1"/>
-          </p:cNvPicPr>
-          <p:nvPr/>
-        </p:nvPicPr>
-        <p:blipFill>
-          <a:blip r:embed="rId4">
-            <a:extLst>
-              <a:ext uri="{28A0092B-C50C-407E-A947-70E740481C1C}">
-                <a14:useLocalDpi xmlns:a14="http://schemas.microsoft.com/office/drawing/2010/main" val="0"/>
-              </a:ext>
-              <a:ext uri="{96DAC541-7B7A-43D3-8B79-37D633B846F1}">
-                <asvg:svgBlip xmlns:asvg="http://schemas.microsoft.com/office/drawing/2016/SVG/main" xmlns="" r:embed="rId5"/>
-              </a:ext>
-            </a:extLst>
-          </a:blip>
-          <a:stretch>
-            <a:fillRect/>
-          </a:stretch>
-        </p:blipFill>
-        <p:spPr>
-          <a:xfrm>
-            <a:off x="5261052" y="2430400"/>
-            <a:ext cx="1997200" cy="1997200"/>
-          </a:xfrm>
-          <a:prstGeom prst="rect">
-            <a:avLst/>
-          </a:prstGeom>
-        </p:spPr>
-      </p:pic>
-      <p:pic>
-        <p:nvPicPr>
-          <p:cNvPr id="10" name="그래픽 9" descr="악수">
-            <a:extLst>
-              <a:ext uri="{FF2B5EF4-FFF2-40B4-BE49-F238E27FC236}">
-                <a16:creationId xmlns:a16="http://schemas.microsoft.com/office/drawing/2014/main" id="{87320523-C137-4205-820F-43D2137545E9}"/>
-              </a:ext>
-            </a:extLst>
-          </p:cNvPr>
-          <p:cNvPicPr>
-            <a:picLocks noChangeAspect="1"/>
-          </p:cNvPicPr>
-          <p:nvPr/>
-        </p:nvPicPr>
-        <p:blipFill>
-          <a:blip r:embed="rId6">
-            <a:extLst>
-              <a:ext uri="{28A0092B-C50C-407E-A947-70E740481C1C}">
-                <a14:useLocalDpi xmlns:a14="http://schemas.microsoft.com/office/drawing/2010/main" val="0"/>
-              </a:ext>
-              <a:ext uri="{96DAC541-7B7A-43D3-8B79-37D633B846F1}">
-                <asvg:svgBlip xmlns:asvg="http://schemas.microsoft.com/office/drawing/2016/SVG/main" xmlns="" r:embed="rId7"/>
-              </a:ext>
-            </a:extLst>
-          </a:blip>
-          <a:stretch>
-            <a:fillRect/>
-          </a:stretch>
-        </p:blipFill>
-        <p:spPr>
-          <a:xfrm>
-            <a:off x="8934267" y="2430400"/>
-            <a:ext cx="2144780" cy="2144780"/>
-          </a:xfrm>
-          <a:prstGeom prst="rect">
-            <a:avLst/>
-          </a:prstGeom>
-        </p:spPr>
-      </p:pic>
-      <p:sp>
-        <p:nvSpPr>
-          <p:cNvPr id="15" name="テキスト ボックス 8">
-            <a:extLst>
-              <a:ext uri="{FF2B5EF4-FFF2-40B4-BE49-F238E27FC236}">
-                <a16:creationId xmlns:a16="http://schemas.microsoft.com/office/drawing/2014/main" id="{88907138-8988-4B95-A70A-484F49158257}"/>
-              </a:ext>
-            </a:extLst>
-          </p:cNvPr>
+          <p:cNvPr id="14" name="TextBox 13"/>
           <p:cNvSpPr txBox="1"/>
           <p:nvPr/>
         </p:nvSpPr>
         <p:spPr>
           <a:xfrm>
-            <a:off x="1545658" y="5095278"/>
-            <a:ext cx="2505046" cy="461665"/>
+            <a:off x="19969081" y="11230124"/>
+            <a:ext cx="831252" cy="854300"/>
           </a:xfrm>
           <a:prstGeom prst="rect">
             <a:avLst/>
@@ -16609,165 +17045,37 @@
           <a:noFill/>
         </p:spPr>
         <p:txBody>
-          <a:bodyPr wrap="none" rtlCol="0">
+          <a:bodyPr wrap="square" rtlCol="0">
             <a:spAutoFit/>
           </a:bodyPr>
           <a:lstStyle/>
           <a:p>
-            <a:pPr algn="ctr"/>
-            <a:r>
-              <a:rPr kumimoji="1" lang="en-US" altLang="ko-KR" sz="2400" b="1" dirty="0">
-                <a:solidFill>
-                  <a:schemeClr val="tx1">
-                    <a:lumMod val="85000"/>
-                    <a:lumOff val="15000"/>
-                  </a:schemeClr>
-                </a:solidFill>
-              </a:rPr>
-              <a:t>Insert Title Here</a:t>
-            </a:r>
-            <a:endParaRPr kumimoji="1" lang="ja-JP" altLang="en-US" sz="2400" b="1" dirty="0">
-              <a:solidFill>
-                <a:schemeClr val="tx1">
-                  <a:lumMod val="85000"/>
-                  <a:lumOff val="15000"/>
-                </a:schemeClr>
-              </a:solidFill>
-            </a:endParaRPr>
-          </a:p>
-        </p:txBody>
-      </p:sp>
-      <p:sp>
-        <p:nvSpPr>
-          <p:cNvPr id="16" name="テキスト ボックス 9">
-            <a:extLst>
-              <a:ext uri="{FF2B5EF4-FFF2-40B4-BE49-F238E27FC236}">
-                <a16:creationId xmlns:a16="http://schemas.microsoft.com/office/drawing/2014/main" id="{657912A2-233D-447F-989C-D3FE57CEC881}"/>
-              </a:ext>
-            </a:extLst>
-          </p:cNvPr>
-          <p:cNvSpPr txBox="1"/>
-          <p:nvPr/>
-        </p:nvSpPr>
-        <p:spPr>
-          <a:xfrm>
-            <a:off x="5149897" y="5095278"/>
-            <a:ext cx="2505046" cy="461665"/>
-          </a:xfrm>
-          <a:prstGeom prst="rect">
-            <a:avLst/>
-          </a:prstGeom>
-          <a:noFill/>
-        </p:spPr>
-        <p:txBody>
-          <a:bodyPr wrap="none" rtlCol="0">
-            <a:spAutoFit/>
-          </a:bodyPr>
-          <a:lstStyle/>
-          <a:p>
-            <a:pPr algn="ctr"/>
-            <a:r>
-              <a:rPr kumimoji="1" lang="en-US" altLang="ko-KR" sz="2400" b="1" dirty="0">
-                <a:solidFill>
-                  <a:schemeClr val="tx1">
-                    <a:lumMod val="85000"/>
-                    <a:lumOff val="15000"/>
-                  </a:schemeClr>
-                </a:solidFill>
-              </a:rPr>
-              <a:t>Insert Title Here</a:t>
-            </a:r>
-            <a:endParaRPr kumimoji="1" lang="ja-JP" altLang="en-US" sz="2400" b="1" dirty="0">
-              <a:solidFill>
-                <a:schemeClr val="tx1">
-                  <a:lumMod val="85000"/>
-                  <a:lumOff val="15000"/>
-                </a:schemeClr>
-              </a:solidFill>
-            </a:endParaRPr>
-          </a:p>
-        </p:txBody>
-      </p:sp>
-      <p:sp>
-        <p:nvSpPr>
-          <p:cNvPr id="17" name="テキスト ボックス 10">
-            <a:extLst>
-              <a:ext uri="{FF2B5EF4-FFF2-40B4-BE49-F238E27FC236}">
-                <a16:creationId xmlns:a16="http://schemas.microsoft.com/office/drawing/2014/main" id="{63B04C8E-67C0-44BA-BF0A-037E75358960}"/>
-              </a:ext>
-            </a:extLst>
-          </p:cNvPr>
-          <p:cNvSpPr txBox="1"/>
-          <p:nvPr/>
-        </p:nvSpPr>
-        <p:spPr>
-          <a:xfrm>
-            <a:off x="8754134" y="5095278"/>
-            <a:ext cx="2505046" cy="461665"/>
-          </a:xfrm>
-          <a:prstGeom prst="rect">
-            <a:avLst/>
-          </a:prstGeom>
-          <a:noFill/>
-        </p:spPr>
-        <p:txBody>
-          <a:bodyPr wrap="none" rtlCol="0">
-            <a:spAutoFit/>
-          </a:bodyPr>
-          <a:lstStyle/>
-          <a:p>
-            <a:pPr algn="ctr"/>
-            <a:r>
-              <a:rPr kumimoji="1" lang="en-US" altLang="ko-KR" sz="2400" b="1" dirty="0">
-                <a:solidFill>
-                  <a:schemeClr val="tx1">
-                    <a:lumMod val="85000"/>
-                    <a:lumOff val="15000"/>
-                  </a:schemeClr>
-                </a:solidFill>
-              </a:rPr>
-              <a:t>Insert Title Here</a:t>
-            </a:r>
-            <a:endParaRPr kumimoji="1" lang="ja-JP" altLang="en-US" sz="2400" b="1" dirty="0">
-              <a:solidFill>
-                <a:schemeClr val="tx1">
-                  <a:lumMod val="85000"/>
-                  <a:lumOff val="15000"/>
-                </a:schemeClr>
-              </a:solidFill>
-            </a:endParaRPr>
+            <a:endParaRPr lang="ko-KR" altLang="en-US" dirty="0"/>
           </a:p>
         </p:txBody>
       </p:sp>
     </p:spTree>
     <p:extLst>
       <p:ext uri="{BB962C8B-B14F-4D97-AF65-F5344CB8AC3E}">
-        <p14:creationId xmlns:p14="http://schemas.microsoft.com/office/powerpoint/2010/main" val="1321929663"/>
+        <p14:creationId xmlns:p14="http://schemas.microsoft.com/office/powerpoint/2010/main" val="176848246"/>
       </p:ext>
     </p:extLst>
   </p:cSld>
   <p:clrMapOvr>
     <a:masterClrMapping/>
   </p:clrMapOvr>
-  <mc:AlternateContent xmlns:mc="http://schemas.openxmlformats.org/markup-compatibility/2006">
-    <mc:Choice xmlns:p159="http://schemas.microsoft.com/office/powerpoint/2015/09/main" xmlns="" Requires="p159">
+  <mc:AlternateContent xmlns:mc="http://schemas.openxmlformats.org/markup-compatibility/2006" xmlns:p159="http://schemas.microsoft.com/office/powerpoint/2015/09/main">
+    <mc:Choice Requires="p159">
       <p:transition xmlns:p14="http://schemas.microsoft.com/office/powerpoint/2010/main" spd="slow" p14:dur="2000">
         <p159:morph option="byObject"/>
       </p:transition>
     </mc:Choice>
-    <mc:Fallback>
+    <mc:Fallback xmlns="">
       <p:transition spd="slow">
         <p:fade/>
       </p:transition>
     </mc:Fallback>
   </mc:AlternateContent>
-  <p:timing>
-    <p:tnLst>
-      <p:par>
-        <p:cTn id="1" dur="indefinite" restart="never" nodeType="tmRoot"/>
-      </p:par>
-    </p:tnLst>
-  </p:timing>
 </p:sld>
 </file>
 

--- a/project/B조_프로젝트_SHOEFLY.pptx
+++ b/project/B조_프로젝트_SHOEFLY.pptx
@@ -12,25 +12,26 @@
     <p:sldId id="282" r:id="rId6"/>
     <p:sldId id="284" r:id="rId7"/>
     <p:sldId id="281" r:id="rId8"/>
-    <p:sldId id="285" r:id="rId9"/>
-    <p:sldId id="286" r:id="rId10"/>
-    <p:sldId id="287" r:id="rId11"/>
-    <p:sldId id="283" r:id="rId12"/>
-    <p:sldId id="266" r:id="rId13"/>
-    <p:sldId id="272" r:id="rId14"/>
-    <p:sldId id="271" r:id="rId15"/>
-    <p:sldId id="279" r:id="rId16"/>
-    <p:sldId id="278" r:id="rId17"/>
-    <p:sldId id="260" r:id="rId18"/>
-    <p:sldId id="261" r:id="rId19"/>
-    <p:sldId id="262" r:id="rId20"/>
-    <p:sldId id="263" r:id="rId21"/>
-    <p:sldId id="264" r:id="rId22"/>
-    <p:sldId id="267" r:id="rId23"/>
-    <p:sldId id="280" r:id="rId24"/>
+    <p:sldId id="292" r:id="rId9"/>
+    <p:sldId id="290" r:id="rId10"/>
+    <p:sldId id="291" r:id="rId11"/>
+    <p:sldId id="287" r:id="rId12"/>
+    <p:sldId id="283" r:id="rId13"/>
+    <p:sldId id="266" r:id="rId14"/>
+    <p:sldId id="272" r:id="rId15"/>
+    <p:sldId id="271" r:id="rId16"/>
+    <p:sldId id="279" r:id="rId17"/>
+    <p:sldId id="278" r:id="rId18"/>
+    <p:sldId id="260" r:id="rId19"/>
+    <p:sldId id="261" r:id="rId20"/>
+    <p:sldId id="262" r:id="rId21"/>
+    <p:sldId id="263" r:id="rId22"/>
+    <p:sldId id="264" r:id="rId23"/>
+    <p:sldId id="267" r:id="rId24"/>
+    <p:sldId id="280" r:id="rId25"/>
   </p:sldIdLst>
   <p:sldSz cx="12192000" cy="6858000"/>
-  <p:notesSz cx="6858000" cy="9144000"/>
+  <p:notesSz cx="7104063" cy="10234613"/>
   <p:defaultTextStyle>
     <a:defPPr>
       <a:defRPr lang="ja-JP"/>
@@ -4436,36 +4437,6 @@
           <a:chExt cx="0" cy="0"/>
         </a:xfrm>
       </p:grpSpPr>
-      <p:pic>
-        <p:nvPicPr>
-          <p:cNvPr id="7" name="그림 6" descr="테이블이(가) 표시된 사진&#10;&#10;자동 생성된 설명">
-            <a:extLst>
-              <a:ext uri="{FF2B5EF4-FFF2-40B4-BE49-F238E27FC236}">
-                <a16:creationId xmlns:a16="http://schemas.microsoft.com/office/drawing/2014/main" id="{B1FA4C06-C7D0-4B27-AE0A-13FDBCA467C4}"/>
-              </a:ext>
-            </a:extLst>
-          </p:cNvPr>
-          <p:cNvPicPr>
-            <a:picLocks noChangeAspect="1"/>
-          </p:cNvPicPr>
-          <p:nvPr/>
-        </p:nvPicPr>
-        <p:blipFill>
-          <a:blip r:embed="rId2"/>
-          <a:stretch>
-            <a:fillRect/>
-          </a:stretch>
-        </p:blipFill>
-        <p:spPr>
-          <a:xfrm>
-            <a:off x="1098013" y="722002"/>
-            <a:ext cx="9995973" cy="5869884"/>
-          </a:xfrm>
-          <a:prstGeom prst="rect">
-            <a:avLst/>
-          </a:prstGeom>
-        </p:spPr>
-      </p:pic>
       <p:sp>
         <p:nvSpPr>
           <p:cNvPr id="2" name="正方形/長方形 1"/>
@@ -4561,6 +4532,284 @@
         <p:spPr>
           <a:xfrm>
             <a:off x="1274182" y="460392"/>
+            <a:ext cx="3621504" cy="646331"/>
+          </a:xfrm>
+          <a:prstGeom prst="rect">
+            <a:avLst/>
+          </a:prstGeom>
+          <a:noFill/>
+        </p:spPr>
+        <p:txBody>
+          <a:bodyPr wrap="none" rtlCol="0">
+            <a:spAutoFit/>
+          </a:bodyPr>
+          <a:lstStyle/>
+          <a:p>
+            <a:r>
+              <a:rPr lang="ko-KR" altLang="en-US" sz="3600" b="1" spc="600" dirty="0">
+                <a:solidFill>
+                  <a:schemeClr val="tx1">
+                    <a:lumMod val="75000"/>
+                    <a:lumOff val="25000"/>
+                  </a:schemeClr>
+                </a:solidFill>
+              </a:rPr>
+              <a:t>작업 스케줄러</a:t>
+            </a:r>
+            <a:endParaRPr lang="ja-JP" altLang="en-US" sz="3600" b="1" spc="600" dirty="0">
+              <a:solidFill>
+                <a:schemeClr val="tx1">
+                  <a:lumMod val="75000"/>
+                  <a:lumOff val="25000"/>
+                </a:schemeClr>
+              </a:solidFill>
+            </a:endParaRPr>
+          </a:p>
+        </p:txBody>
+      </p:sp>
+      <p:sp>
+        <p:nvSpPr>
+          <p:cNvPr id="5" name="テキスト ボックス 4"/>
+          <p:cNvSpPr txBox="1"/>
+          <p:nvPr/>
+        </p:nvSpPr>
+        <p:spPr>
+          <a:xfrm>
+            <a:off x="132523" y="198782"/>
+            <a:ext cx="3013967" cy="261610"/>
+          </a:xfrm>
+          <a:prstGeom prst="rect">
+            <a:avLst/>
+          </a:prstGeom>
+          <a:noFill/>
+        </p:spPr>
+        <p:txBody>
+          <a:bodyPr wrap="none" rtlCol="0">
+            <a:spAutoFit/>
+          </a:bodyPr>
+          <a:lstStyle/>
+          <a:p>
+            <a:r>
+              <a:rPr lang="en-US" altLang="ja-JP" sz="1100" spc="600" dirty="0">
+                <a:solidFill>
+                  <a:schemeClr val="tx1">
+                    <a:lumMod val="75000"/>
+                    <a:lumOff val="25000"/>
+                  </a:schemeClr>
+                </a:solidFill>
+              </a:rPr>
+              <a:t>PART 2 </a:t>
+            </a:r>
+            <a:r>
+              <a:rPr lang="ko-KR" altLang="en-US" sz="1100" spc="600" dirty="0">
+                <a:solidFill>
+                  <a:schemeClr val="tx1">
+                    <a:lumMod val="75000"/>
+                    <a:lumOff val="25000"/>
+                  </a:schemeClr>
+                </a:solidFill>
+              </a:rPr>
+              <a:t>개발환경 및 기획</a:t>
+            </a:r>
+            <a:endParaRPr kumimoji="1" lang="ja-JP" altLang="en-US" sz="1100" spc="600" dirty="0">
+              <a:solidFill>
+                <a:schemeClr val="tx1">
+                  <a:lumMod val="75000"/>
+                  <a:lumOff val="25000"/>
+                </a:schemeClr>
+              </a:solidFill>
+            </a:endParaRPr>
+          </a:p>
+        </p:txBody>
+      </p:sp>
+      <p:pic>
+        <p:nvPicPr>
+          <p:cNvPr id="7" name="그림 6">
+            <a:extLst>
+              <a:ext uri="{FF2B5EF4-FFF2-40B4-BE49-F238E27FC236}">
+                <a16:creationId xmlns:a16="http://schemas.microsoft.com/office/drawing/2014/main" id="{AF828226-22BD-44AF-AE0B-E30E0809547B}"/>
+              </a:ext>
+            </a:extLst>
+          </p:cNvPr>
+          <p:cNvPicPr>
+            <a:picLocks noChangeAspect="1"/>
+          </p:cNvPicPr>
+          <p:nvPr/>
+        </p:nvPicPr>
+        <p:blipFill>
+          <a:blip r:embed="rId2"/>
+          <a:stretch>
+            <a:fillRect/>
+          </a:stretch>
+        </p:blipFill>
+        <p:spPr>
+          <a:xfrm>
+            <a:off x="276846" y="1667396"/>
+            <a:ext cx="11638308" cy="3911600"/>
+          </a:xfrm>
+          <a:prstGeom prst="rect">
+            <a:avLst/>
+          </a:prstGeom>
+        </p:spPr>
+      </p:pic>
+    </p:spTree>
+    <p:extLst>
+      <p:ext uri="{BB962C8B-B14F-4D97-AF65-F5344CB8AC3E}">
+        <p14:creationId xmlns:p14="http://schemas.microsoft.com/office/powerpoint/2010/main" val="2276004287"/>
+      </p:ext>
+    </p:extLst>
+  </p:cSld>
+  <p:clrMapOvr>
+    <a:masterClrMapping/>
+  </p:clrMapOvr>
+  <p:transition spd="slow">
+    <p:fade/>
+  </p:transition>
+</p:sld>
+</file>
+
+<file path=ppt/slides/slide11.xml><?xml version="1.0" encoding="utf-8"?>
+<p:sld xmlns:a="http://schemas.openxmlformats.org/drawingml/2006/main" xmlns:r="http://schemas.openxmlformats.org/officeDocument/2006/relationships" xmlns:p="http://schemas.openxmlformats.org/presentationml/2006/main">
+  <p:cSld>
+    <p:spTree>
+      <p:nvGrpSpPr>
+        <p:cNvPr id="1" name=""/>
+        <p:cNvGrpSpPr/>
+        <p:nvPr/>
+      </p:nvGrpSpPr>
+      <p:grpSpPr>
+        <a:xfrm>
+          <a:off x="0" y="0"/>
+          <a:ext cx="0" cy="0"/>
+          <a:chOff x="0" y="0"/>
+          <a:chExt cx="0" cy="0"/>
+        </a:xfrm>
+      </p:grpSpPr>
+      <p:pic>
+        <p:nvPicPr>
+          <p:cNvPr id="7" name="그림 6" descr="테이블이(가) 표시된 사진&#10;&#10;자동 생성된 설명">
+            <a:extLst>
+              <a:ext uri="{FF2B5EF4-FFF2-40B4-BE49-F238E27FC236}">
+                <a16:creationId xmlns:a16="http://schemas.microsoft.com/office/drawing/2014/main" id="{B1FA4C06-C7D0-4B27-AE0A-13FDBCA467C4}"/>
+              </a:ext>
+            </a:extLst>
+          </p:cNvPr>
+          <p:cNvPicPr>
+            <a:picLocks noChangeAspect="1"/>
+          </p:cNvPicPr>
+          <p:nvPr/>
+        </p:nvPicPr>
+        <p:blipFill>
+          <a:blip r:embed="rId2"/>
+          <a:stretch>
+            <a:fillRect/>
+          </a:stretch>
+        </p:blipFill>
+        <p:spPr>
+          <a:xfrm>
+            <a:off x="1098013" y="722002"/>
+            <a:ext cx="9995973" cy="5869884"/>
+          </a:xfrm>
+          <a:prstGeom prst="rect">
+            <a:avLst/>
+          </a:prstGeom>
+        </p:spPr>
+      </p:pic>
+      <p:sp>
+        <p:nvSpPr>
+          <p:cNvPr id="2" name="正方形/長方形 1"/>
+          <p:cNvSpPr/>
+          <p:nvPr/>
+        </p:nvSpPr>
+        <p:spPr>
+          <a:xfrm>
+            <a:off x="0" y="0"/>
+            <a:ext cx="12192000" cy="72000"/>
+          </a:xfrm>
+          <a:prstGeom prst="rect">
+            <a:avLst/>
+          </a:prstGeom>
+          <a:ln>
+            <a:noFill/>
+          </a:ln>
+        </p:spPr>
+        <p:style>
+          <a:lnRef idx="2">
+            <a:schemeClr val="accent1">
+              <a:shade val="50000"/>
+            </a:schemeClr>
+          </a:lnRef>
+          <a:fillRef idx="1">
+            <a:schemeClr val="accent1"/>
+          </a:fillRef>
+          <a:effectRef idx="0">
+            <a:schemeClr val="accent1"/>
+          </a:effectRef>
+          <a:fontRef idx="minor">
+            <a:schemeClr val="lt1"/>
+          </a:fontRef>
+        </p:style>
+        <p:txBody>
+          <a:bodyPr rtlCol="0" anchor="ctr"/>
+          <a:lstStyle/>
+          <a:p>
+            <a:pPr algn="ctr"/>
+            <a:endParaRPr kumimoji="1" lang="ja-JP" altLang="en-US"/>
+          </a:p>
+        </p:txBody>
+      </p:sp>
+      <p:sp>
+        <p:nvSpPr>
+          <p:cNvPr id="3" name="正方形/長方形 2"/>
+          <p:cNvSpPr/>
+          <p:nvPr/>
+        </p:nvSpPr>
+        <p:spPr>
+          <a:xfrm>
+            <a:off x="0" y="6786000"/>
+            <a:ext cx="12192000" cy="72000"/>
+          </a:xfrm>
+          <a:prstGeom prst="rect">
+            <a:avLst/>
+          </a:prstGeom>
+          <a:ln>
+            <a:noFill/>
+          </a:ln>
+        </p:spPr>
+        <p:style>
+          <a:lnRef idx="2">
+            <a:schemeClr val="accent1">
+              <a:shade val="50000"/>
+            </a:schemeClr>
+          </a:lnRef>
+          <a:fillRef idx="1">
+            <a:schemeClr val="accent1"/>
+          </a:fillRef>
+          <a:effectRef idx="0">
+            <a:schemeClr val="accent1"/>
+          </a:effectRef>
+          <a:fontRef idx="minor">
+            <a:schemeClr val="lt1"/>
+          </a:fontRef>
+        </p:style>
+        <p:txBody>
+          <a:bodyPr rtlCol="0" anchor="ctr"/>
+          <a:lstStyle/>
+          <a:p>
+            <a:pPr algn="ctr"/>
+            <a:endParaRPr kumimoji="1" lang="ja-JP" altLang="en-US"/>
+          </a:p>
+        </p:txBody>
+      </p:sp>
+      <p:sp>
+        <p:nvSpPr>
+          <p:cNvPr id="4" name="テキスト ボックス 3"/>
+          <p:cNvSpPr txBox="1"/>
+          <p:nvPr/>
+        </p:nvSpPr>
+        <p:spPr>
+          <a:xfrm>
+            <a:off x="1274182" y="460392"/>
             <a:ext cx="4382354" cy="646331"/>
           </a:xfrm>
           <a:prstGeom prst="rect">
@@ -4698,13 +4947,13 @@
   <p:clrMapOvr>
     <a:masterClrMapping/>
   </p:clrMapOvr>
-  <mc:AlternateContent xmlns:mc="http://schemas.openxmlformats.org/markup-compatibility/2006">
-    <mc:Choice xmlns:p159="http://schemas.microsoft.com/office/powerpoint/2015/09/main" Requires="p159">
+  <mc:AlternateContent xmlns:mc="http://schemas.openxmlformats.org/markup-compatibility/2006" xmlns:p159="http://schemas.microsoft.com/office/powerpoint/2015/09/main">
+    <mc:Choice Requires="p159">
       <p:transition xmlns:p14="http://schemas.microsoft.com/office/powerpoint/2010/main" spd="slow" p14:dur="2000">
         <p159:morph option="byObject"/>
       </p:transition>
     </mc:Choice>
-    <mc:Fallback>
+    <mc:Fallback xmlns="">
       <p:transition spd="slow">
         <p:fade/>
       </p:transition>
@@ -4713,7 +4962,7 @@
 </p:sld>
 </file>
 
-<file path=ppt/slides/slide11.xml><?xml version="1.0" encoding="utf-8"?>
+<file path=ppt/slides/slide12.xml><?xml version="1.0" encoding="utf-8"?>
 <p:sld xmlns:a="http://schemas.openxmlformats.org/drawingml/2006/main" xmlns:r="http://schemas.openxmlformats.org/officeDocument/2006/relationships" xmlns:p="http://schemas.openxmlformats.org/presentationml/2006/main">
   <p:cSld>
     <p:spTree>
@@ -5366,7 +5615,7 @@
 </p:sld>
 </file>
 
-<file path=ppt/slides/slide12.xml><?xml version="1.0" encoding="utf-8"?>
+<file path=ppt/slides/slide13.xml><?xml version="1.0" encoding="utf-8"?>
 <p:sld xmlns:a="http://schemas.openxmlformats.org/drawingml/2006/main" xmlns:r="http://schemas.openxmlformats.org/officeDocument/2006/relationships" xmlns:p="http://schemas.openxmlformats.org/presentationml/2006/main">
   <p:cSld>
     <p:spTree>
@@ -5786,7 +6035,7 @@
 </p:sld>
 </file>
 
-<file path=ppt/slides/slide13.xml><?xml version="1.0" encoding="utf-8"?>
+<file path=ppt/slides/slide14.xml><?xml version="1.0" encoding="utf-8"?>
 <p:sld xmlns:a="http://schemas.openxmlformats.org/drawingml/2006/main" xmlns:r="http://schemas.openxmlformats.org/officeDocument/2006/relationships" xmlns:p="http://schemas.openxmlformats.org/presentationml/2006/main">
   <p:cSld>
     <p:spTree>
@@ -6442,7 +6691,7 @@
 </p:sld>
 </file>
 
-<file path=ppt/slides/slide14.xml><?xml version="1.0" encoding="utf-8"?>
+<file path=ppt/slides/slide15.xml><?xml version="1.0" encoding="utf-8"?>
 <p:sld xmlns:a="http://schemas.openxmlformats.org/drawingml/2006/main" xmlns:r="http://schemas.openxmlformats.org/officeDocument/2006/relationships" xmlns:p="http://schemas.openxmlformats.org/presentationml/2006/main">
   <p:cSld>
     <p:spTree>
@@ -7931,7 +8180,7 @@
 </p:sld>
 </file>
 
-<file path=ppt/slides/slide15.xml><?xml version="1.0" encoding="utf-8"?>
+<file path=ppt/slides/slide16.xml><?xml version="1.0" encoding="utf-8"?>
 <p:sld xmlns:a="http://schemas.openxmlformats.org/drawingml/2006/main" xmlns:r="http://schemas.openxmlformats.org/officeDocument/2006/relationships" xmlns:p="http://schemas.openxmlformats.org/presentationml/2006/main">
   <p:cSld>
     <p:spTree>
@@ -9083,7 +9332,7 @@
 </p:sld>
 </file>
 
-<file path=ppt/slides/slide16.xml><?xml version="1.0" encoding="utf-8"?>
+<file path=ppt/slides/slide17.xml><?xml version="1.0" encoding="utf-8"?>
 <p:sld xmlns:a="http://schemas.openxmlformats.org/drawingml/2006/main" xmlns:r="http://schemas.openxmlformats.org/officeDocument/2006/relationships" xmlns:p="http://schemas.openxmlformats.org/presentationml/2006/main">
   <p:cSld>
     <p:bg>
@@ -9241,7 +9490,7 @@
 </p:sld>
 </file>
 
-<file path=ppt/slides/slide17.xml><?xml version="1.0" encoding="utf-8"?>
+<file path=ppt/slides/slide18.xml><?xml version="1.0" encoding="utf-8"?>
 <p:sld xmlns:a="http://schemas.openxmlformats.org/drawingml/2006/main" xmlns:r="http://schemas.openxmlformats.org/officeDocument/2006/relationships" xmlns:p="http://schemas.openxmlformats.org/presentationml/2006/main">
   <p:cSld>
     <p:bg>
@@ -9370,159 +9619,6 @@
     <p:extLst>
       <p:ext uri="{BB962C8B-B14F-4D97-AF65-F5344CB8AC3E}">
         <p14:creationId xmlns:p14="http://schemas.microsoft.com/office/powerpoint/2010/main" val="42458474"/>
-      </p:ext>
-    </p:extLst>
-  </p:cSld>
-  <p:clrMapOvr>
-    <a:masterClrMapping/>
-  </p:clrMapOvr>
-  <mc:AlternateContent xmlns:mc="http://schemas.openxmlformats.org/markup-compatibility/2006" xmlns:p159="http://schemas.microsoft.com/office/powerpoint/2015/09/main">
-    <mc:Choice Requires="p159">
-      <p:transition xmlns:p14="http://schemas.microsoft.com/office/powerpoint/2010/main" spd="slow" p14:dur="2000">
-        <p159:morph option="byObject"/>
-      </p:transition>
-    </mc:Choice>
-    <mc:Fallback xmlns="">
-      <p:transition spd="slow">
-        <p:fade/>
-      </p:transition>
-    </mc:Fallback>
-  </mc:AlternateContent>
-</p:sld>
-</file>
-
-<file path=ppt/slides/slide18.xml><?xml version="1.0" encoding="utf-8"?>
-<p:sld xmlns:a="http://schemas.openxmlformats.org/drawingml/2006/main" xmlns:r="http://schemas.openxmlformats.org/officeDocument/2006/relationships" xmlns:p="http://schemas.openxmlformats.org/presentationml/2006/main">
-  <p:cSld>
-    <p:bg>
-      <p:bgPr>
-        <a:solidFill>
-          <a:schemeClr val="accent3"/>
-        </a:solidFill>
-        <a:effectLst/>
-      </p:bgPr>
-    </p:bg>
-    <p:spTree>
-      <p:nvGrpSpPr>
-        <p:cNvPr id="1" name=""/>
-        <p:cNvGrpSpPr/>
-        <p:nvPr/>
-      </p:nvGrpSpPr>
-      <p:grpSpPr>
-        <a:xfrm>
-          <a:off x="0" y="0"/>
-          <a:ext cx="0" cy="0"/>
-          <a:chOff x="0" y="0"/>
-          <a:chExt cx="0" cy="0"/>
-        </a:xfrm>
-      </p:grpSpPr>
-      <p:sp>
-        <p:nvSpPr>
-          <p:cNvPr id="2" name="TextBox 1">
-            <a:extLst>
-              <a:ext uri="{FF2B5EF4-FFF2-40B4-BE49-F238E27FC236}">
-                <a16:creationId xmlns:a16="http://schemas.microsoft.com/office/drawing/2014/main" id="{F72F83EF-7ACF-4D34-AB7A-61368AEC4367}"/>
-              </a:ext>
-            </a:extLst>
-          </p:cNvPr>
-          <p:cNvSpPr txBox="1"/>
-          <p:nvPr/>
-        </p:nvSpPr>
-        <p:spPr>
-          <a:xfrm>
-            <a:off x="4463181" y="2921168"/>
-            <a:ext cx="3265638" cy="1015663"/>
-          </a:xfrm>
-          <a:prstGeom prst="rect">
-            <a:avLst/>
-          </a:prstGeom>
-          <a:noFill/>
-        </p:spPr>
-        <p:txBody>
-          <a:bodyPr wrap="none" rtlCol="0">
-            <a:spAutoFit/>
-          </a:bodyPr>
-          <a:lstStyle/>
-          <a:p>
-            <a:pPr algn="ctr"/>
-            <a:r>
-              <a:rPr lang="en-US" altLang="ko-KR" sz="6000" dirty="0">
-                <a:solidFill>
-                  <a:schemeClr val="accent3">
-                    <a:lumMod val="20000"/>
-                    <a:lumOff val="80000"/>
-                  </a:schemeClr>
-                </a:solidFill>
-              </a:rPr>
-              <a:t>#colorize</a:t>
-            </a:r>
-            <a:endParaRPr lang="ko-KR" altLang="en-US" sz="6000" dirty="0">
-              <a:solidFill>
-                <a:schemeClr val="accent3">
-                  <a:lumMod val="20000"/>
-                  <a:lumOff val="80000"/>
-                </a:schemeClr>
-              </a:solidFill>
-            </a:endParaRPr>
-          </a:p>
-        </p:txBody>
-      </p:sp>
-      <p:sp>
-        <p:nvSpPr>
-          <p:cNvPr id="3" name="양쪽 대괄호 2">
-            <a:extLst>
-              <a:ext uri="{FF2B5EF4-FFF2-40B4-BE49-F238E27FC236}">
-                <a16:creationId xmlns:a16="http://schemas.microsoft.com/office/drawing/2014/main" id="{0652D7BA-A1E8-435B-93C2-914AC626F57D}"/>
-              </a:ext>
-            </a:extLst>
-          </p:cNvPr>
-          <p:cNvSpPr/>
-          <p:nvPr/>
-        </p:nvSpPr>
-        <p:spPr>
-          <a:xfrm>
-            <a:off x="1539949" y="2291316"/>
-            <a:ext cx="9112102" cy="2275367"/>
-          </a:xfrm>
-          <a:prstGeom prst="bracketPair">
-            <a:avLst/>
-          </a:prstGeom>
-          <a:ln>
-            <a:solidFill>
-              <a:schemeClr val="accent3">
-                <a:lumMod val="20000"/>
-                <a:lumOff val="80000"/>
-              </a:schemeClr>
-            </a:solidFill>
-          </a:ln>
-        </p:spPr>
-        <p:style>
-          <a:lnRef idx="1">
-            <a:schemeClr val="accent1"/>
-          </a:lnRef>
-          <a:fillRef idx="0">
-            <a:schemeClr val="accent1"/>
-          </a:fillRef>
-          <a:effectRef idx="0">
-            <a:schemeClr val="accent1"/>
-          </a:effectRef>
-          <a:fontRef idx="minor">
-            <a:schemeClr val="tx1"/>
-          </a:fontRef>
-        </p:style>
-        <p:txBody>
-          <a:bodyPr rtlCol="0" anchor="ctr"/>
-          <a:lstStyle/>
-          <a:p>
-            <a:pPr algn="ctr"/>
-            <a:endParaRPr lang="ko-KR" altLang="en-US"/>
-          </a:p>
-        </p:txBody>
-      </p:sp>
-    </p:spTree>
-    <p:extLst>
-      <p:ext uri="{BB962C8B-B14F-4D97-AF65-F5344CB8AC3E}">
-        <p14:creationId xmlns:p14="http://schemas.microsoft.com/office/powerpoint/2010/main" val="1642361146"/>
       </p:ext>
     </p:extLst>
   </p:cSld>
@@ -9550,7 +9646,7 @@
     <p:bg>
       <p:bgPr>
         <a:solidFill>
-          <a:schemeClr val="accent4"/>
+          <a:schemeClr val="accent3"/>
         </a:solidFill>
         <a:effectLst/>
       </p:bgPr>
@@ -9574,7 +9670,7 @@
           <p:cNvPr id="2" name="TextBox 1">
             <a:extLst>
               <a:ext uri="{FF2B5EF4-FFF2-40B4-BE49-F238E27FC236}">
-                <a16:creationId xmlns:a16="http://schemas.microsoft.com/office/drawing/2014/main" id="{4DC4BA9A-1E1F-494C-B13C-A74AB56F5903}"/>
+                <a16:creationId xmlns:a16="http://schemas.microsoft.com/office/drawing/2014/main" id="{F72F83EF-7ACF-4D34-AB7A-61368AEC4367}"/>
               </a:ext>
             </a:extLst>
           </p:cNvPr>
@@ -9601,7 +9697,7 @@
             <a:r>
               <a:rPr lang="en-US" altLang="ko-KR" sz="6000" dirty="0">
                 <a:solidFill>
-                  <a:schemeClr val="accent4">
+                  <a:schemeClr val="accent3">
                     <a:lumMod val="20000"/>
                     <a:lumOff val="80000"/>
                   </a:schemeClr>
@@ -9611,7 +9707,7 @@
             </a:r>
             <a:endParaRPr lang="ko-KR" altLang="en-US" sz="6000" dirty="0">
               <a:solidFill>
-                <a:schemeClr val="accent4">
+                <a:schemeClr val="accent3">
                   <a:lumMod val="20000"/>
                   <a:lumOff val="80000"/>
                 </a:schemeClr>
@@ -9625,7 +9721,7 @@
           <p:cNvPr id="3" name="양쪽 대괄호 2">
             <a:extLst>
               <a:ext uri="{FF2B5EF4-FFF2-40B4-BE49-F238E27FC236}">
-                <a16:creationId xmlns:a16="http://schemas.microsoft.com/office/drawing/2014/main" id="{4C49ABC6-E01A-444E-AF74-103B1E239E5D}"/>
+                <a16:creationId xmlns:a16="http://schemas.microsoft.com/office/drawing/2014/main" id="{0652D7BA-A1E8-435B-93C2-914AC626F57D}"/>
               </a:ext>
             </a:extLst>
           </p:cNvPr>
@@ -9642,7 +9738,7 @@
           </a:prstGeom>
           <a:ln>
             <a:solidFill>
-              <a:schemeClr val="accent4">
+              <a:schemeClr val="accent3">
                 <a:lumMod val="20000"/>
                 <a:lumOff val="80000"/>
               </a:schemeClr>
@@ -9675,7 +9771,7 @@
     </p:spTree>
     <p:extLst>
       <p:ext uri="{BB962C8B-B14F-4D97-AF65-F5344CB8AC3E}">
-        <p14:creationId xmlns:p14="http://schemas.microsoft.com/office/powerpoint/2010/main" val="3559718117"/>
+        <p14:creationId xmlns:p14="http://schemas.microsoft.com/office/powerpoint/2010/main" val="1642361146"/>
       </p:ext>
     </p:extLst>
   </p:cSld>
@@ -10456,7 +10552,7 @@
     <p:bg>
       <p:bgPr>
         <a:solidFill>
-          <a:schemeClr val="accent5"/>
+          <a:schemeClr val="accent4"/>
         </a:solidFill>
         <a:effectLst/>
       </p:bgPr>
@@ -10480,7 +10576,7 @@
           <p:cNvPr id="2" name="TextBox 1">
             <a:extLst>
               <a:ext uri="{FF2B5EF4-FFF2-40B4-BE49-F238E27FC236}">
-                <a16:creationId xmlns:a16="http://schemas.microsoft.com/office/drawing/2014/main" id="{E3D5A8D0-4FA8-496B-A77D-A5FB9858569C}"/>
+                <a16:creationId xmlns:a16="http://schemas.microsoft.com/office/drawing/2014/main" id="{4DC4BA9A-1E1F-494C-B13C-A74AB56F5903}"/>
               </a:ext>
             </a:extLst>
           </p:cNvPr>
@@ -10507,8 +10603,9 @@
             <a:r>
               <a:rPr lang="en-US" altLang="ko-KR" sz="6000" dirty="0">
                 <a:solidFill>
-                  <a:schemeClr val="accent5">
-                    <a:lumMod val="50000"/>
+                  <a:schemeClr val="accent4">
+                    <a:lumMod val="20000"/>
+                    <a:lumOff val="80000"/>
                   </a:schemeClr>
                 </a:solidFill>
               </a:rPr>
@@ -10516,8 +10613,9 @@
             </a:r>
             <a:endParaRPr lang="ko-KR" altLang="en-US" sz="6000" dirty="0">
               <a:solidFill>
-                <a:schemeClr val="accent5">
-                  <a:lumMod val="50000"/>
+                <a:schemeClr val="accent4">
+                  <a:lumMod val="20000"/>
+                  <a:lumOff val="80000"/>
                 </a:schemeClr>
               </a:solidFill>
             </a:endParaRPr>
@@ -10529,7 +10627,7 @@
           <p:cNvPr id="3" name="양쪽 대괄호 2">
             <a:extLst>
               <a:ext uri="{FF2B5EF4-FFF2-40B4-BE49-F238E27FC236}">
-                <a16:creationId xmlns:a16="http://schemas.microsoft.com/office/drawing/2014/main" id="{F97C5775-2AB3-4A31-96CE-1B076D78B67D}"/>
+                <a16:creationId xmlns:a16="http://schemas.microsoft.com/office/drawing/2014/main" id="{4C49ABC6-E01A-444E-AF74-103B1E239E5D}"/>
               </a:ext>
             </a:extLst>
           </p:cNvPr>
@@ -10546,8 +10644,9 @@
           </a:prstGeom>
           <a:ln>
             <a:solidFill>
-              <a:schemeClr val="accent5">
-                <a:lumMod val="25000"/>
+              <a:schemeClr val="accent4">
+                <a:lumMod val="20000"/>
+                <a:lumOff val="80000"/>
               </a:schemeClr>
             </a:solidFill>
           </a:ln>
@@ -10578,7 +10677,7 @@
     </p:spTree>
     <p:extLst>
       <p:ext uri="{BB962C8B-B14F-4D97-AF65-F5344CB8AC3E}">
-        <p14:creationId xmlns:p14="http://schemas.microsoft.com/office/powerpoint/2010/main" val="97387058"/>
+        <p14:creationId xmlns:p14="http://schemas.microsoft.com/office/powerpoint/2010/main" val="3559718117"/>
       </p:ext>
     </p:extLst>
   </p:cSld>
@@ -10606,6 +10705,156 @@
     <p:bg>
       <p:bgPr>
         <a:solidFill>
+          <a:schemeClr val="accent5"/>
+        </a:solidFill>
+        <a:effectLst/>
+      </p:bgPr>
+    </p:bg>
+    <p:spTree>
+      <p:nvGrpSpPr>
+        <p:cNvPr id="1" name=""/>
+        <p:cNvGrpSpPr/>
+        <p:nvPr/>
+      </p:nvGrpSpPr>
+      <p:grpSpPr>
+        <a:xfrm>
+          <a:off x="0" y="0"/>
+          <a:ext cx="0" cy="0"/>
+          <a:chOff x="0" y="0"/>
+          <a:chExt cx="0" cy="0"/>
+        </a:xfrm>
+      </p:grpSpPr>
+      <p:sp>
+        <p:nvSpPr>
+          <p:cNvPr id="2" name="TextBox 1">
+            <a:extLst>
+              <a:ext uri="{FF2B5EF4-FFF2-40B4-BE49-F238E27FC236}">
+                <a16:creationId xmlns:a16="http://schemas.microsoft.com/office/drawing/2014/main" id="{E3D5A8D0-4FA8-496B-A77D-A5FB9858569C}"/>
+              </a:ext>
+            </a:extLst>
+          </p:cNvPr>
+          <p:cNvSpPr txBox="1"/>
+          <p:nvPr/>
+        </p:nvSpPr>
+        <p:spPr>
+          <a:xfrm>
+            <a:off x="4463181" y="2921168"/>
+            <a:ext cx="3265638" cy="1015663"/>
+          </a:xfrm>
+          <a:prstGeom prst="rect">
+            <a:avLst/>
+          </a:prstGeom>
+          <a:noFill/>
+        </p:spPr>
+        <p:txBody>
+          <a:bodyPr wrap="none" rtlCol="0">
+            <a:spAutoFit/>
+          </a:bodyPr>
+          <a:lstStyle/>
+          <a:p>
+            <a:pPr algn="ctr"/>
+            <a:r>
+              <a:rPr lang="en-US" altLang="ko-KR" sz="6000" dirty="0">
+                <a:solidFill>
+                  <a:schemeClr val="accent5">
+                    <a:lumMod val="50000"/>
+                  </a:schemeClr>
+                </a:solidFill>
+              </a:rPr>
+              <a:t>#colorize</a:t>
+            </a:r>
+            <a:endParaRPr lang="ko-KR" altLang="en-US" sz="6000" dirty="0">
+              <a:solidFill>
+                <a:schemeClr val="accent5">
+                  <a:lumMod val="50000"/>
+                </a:schemeClr>
+              </a:solidFill>
+            </a:endParaRPr>
+          </a:p>
+        </p:txBody>
+      </p:sp>
+      <p:sp>
+        <p:nvSpPr>
+          <p:cNvPr id="3" name="양쪽 대괄호 2">
+            <a:extLst>
+              <a:ext uri="{FF2B5EF4-FFF2-40B4-BE49-F238E27FC236}">
+                <a16:creationId xmlns:a16="http://schemas.microsoft.com/office/drawing/2014/main" id="{F97C5775-2AB3-4A31-96CE-1B076D78B67D}"/>
+              </a:ext>
+            </a:extLst>
+          </p:cNvPr>
+          <p:cNvSpPr/>
+          <p:nvPr/>
+        </p:nvSpPr>
+        <p:spPr>
+          <a:xfrm>
+            <a:off x="1539949" y="2291316"/>
+            <a:ext cx="9112102" cy="2275367"/>
+          </a:xfrm>
+          <a:prstGeom prst="bracketPair">
+            <a:avLst/>
+          </a:prstGeom>
+          <a:ln>
+            <a:solidFill>
+              <a:schemeClr val="accent5">
+                <a:lumMod val="25000"/>
+              </a:schemeClr>
+            </a:solidFill>
+          </a:ln>
+        </p:spPr>
+        <p:style>
+          <a:lnRef idx="1">
+            <a:schemeClr val="accent1"/>
+          </a:lnRef>
+          <a:fillRef idx="0">
+            <a:schemeClr val="accent1"/>
+          </a:fillRef>
+          <a:effectRef idx="0">
+            <a:schemeClr val="accent1"/>
+          </a:effectRef>
+          <a:fontRef idx="minor">
+            <a:schemeClr val="tx1"/>
+          </a:fontRef>
+        </p:style>
+        <p:txBody>
+          <a:bodyPr rtlCol="0" anchor="ctr"/>
+          <a:lstStyle/>
+          <a:p>
+            <a:pPr algn="ctr"/>
+            <a:endParaRPr lang="ko-KR" altLang="en-US"/>
+          </a:p>
+        </p:txBody>
+      </p:sp>
+    </p:spTree>
+    <p:extLst>
+      <p:ext uri="{BB962C8B-B14F-4D97-AF65-F5344CB8AC3E}">
+        <p14:creationId xmlns:p14="http://schemas.microsoft.com/office/powerpoint/2010/main" val="97387058"/>
+      </p:ext>
+    </p:extLst>
+  </p:cSld>
+  <p:clrMapOvr>
+    <a:masterClrMapping/>
+  </p:clrMapOvr>
+  <mc:AlternateContent xmlns:mc="http://schemas.openxmlformats.org/markup-compatibility/2006" xmlns:p159="http://schemas.microsoft.com/office/powerpoint/2015/09/main">
+    <mc:Choice Requires="p159">
+      <p:transition xmlns:p14="http://schemas.microsoft.com/office/powerpoint/2010/main" spd="slow" p14:dur="2000">
+        <p159:morph option="byObject"/>
+      </p:transition>
+    </mc:Choice>
+    <mc:Fallback xmlns="">
+      <p:transition spd="slow">
+        <p:fade/>
+      </p:transition>
+    </mc:Fallback>
+  </mc:AlternateContent>
+</p:sld>
+</file>
+
+<file path=ppt/slides/slide22.xml><?xml version="1.0" encoding="utf-8"?>
+<p:sld xmlns:a="http://schemas.openxmlformats.org/drawingml/2006/main" xmlns:r="http://schemas.openxmlformats.org/officeDocument/2006/relationships" xmlns:p="http://schemas.openxmlformats.org/presentationml/2006/main">
+  <p:cSld>
+    <p:bg>
+      <p:bgPr>
+        <a:solidFill>
           <a:schemeClr val="accent6"/>
         </a:solidFill>
         <a:effectLst/>
@@ -10753,7 +11002,7 @@
 </p:sld>
 </file>
 
-<file path=ppt/slides/slide22.xml><?xml version="1.0" encoding="utf-8"?>
+<file path=ppt/slides/slide23.xml><?xml version="1.0" encoding="utf-8"?>
 <p:sld xmlns:a="http://schemas.openxmlformats.org/drawingml/2006/main" xmlns:r="http://schemas.openxmlformats.org/officeDocument/2006/relationships" xmlns:p="http://schemas.openxmlformats.org/presentationml/2006/main">
   <p:cSld>
     <p:spTree>
@@ -11911,7 +12160,7 @@
 </p:sld>
 </file>
 
-<file path=ppt/slides/slide23.xml><?xml version="1.0" encoding="utf-8"?>
+<file path=ppt/slides/slide24.xml><?xml version="1.0" encoding="utf-8"?>
 <p:sld xmlns:a="http://schemas.openxmlformats.org/drawingml/2006/main" xmlns:r="http://schemas.openxmlformats.org/officeDocument/2006/relationships" xmlns:p="http://schemas.openxmlformats.org/presentationml/2006/main">
   <p:cSld>
     <p:bg>
@@ -13683,17 +13932,6 @@
           <a:lstStyle/>
           <a:p>
             <a:r>
-              <a:rPr lang="ko-KR" altLang="en-US" sz="3600" b="1" spc="600" dirty="0" err="1">
-                <a:solidFill>
-                  <a:schemeClr val="tx1">
-                    <a:lumMod val="75000"/>
-                    <a:lumOff val="25000"/>
-                  </a:schemeClr>
-                </a:solidFill>
-              </a:rPr>
-              <a:t>팀원소개</a:t>
-            </a:r>
-            <a:r>
               <a:rPr lang="ko-KR" altLang="en-US" sz="3600" b="1" spc="600" dirty="0">
                 <a:solidFill>
                   <a:schemeClr val="tx1">
@@ -13702,7 +13940,7 @@
                   </a:schemeClr>
                 </a:solidFill>
               </a:rPr>
-              <a:t> 및 역할</a:t>
+              <a:t>팀원소개 및 역할</a:t>
             </a:r>
             <a:endParaRPr lang="ja-JP" altLang="en-US" sz="3600" b="1" spc="600" dirty="0">
               <a:solidFill>
@@ -15070,7 +15308,7 @@
           <p:spPr>
             <a:xfrm>
               <a:off x="903610" y="3218342"/>
-              <a:ext cx="2381460" cy="1754326"/>
+              <a:ext cx="2381460" cy="2118080"/>
             </a:xfrm>
             <a:prstGeom prst="rect">
               <a:avLst/>
@@ -15082,6 +15320,45 @@
               <a:spAutoFit/>
             </a:bodyPr>
             <a:lstStyle/>
+            <a:p>
+              <a:pPr marL="285750" indent="-285750">
+                <a:lnSpc>
+                  <a:spcPct val="150000"/>
+                </a:lnSpc>
+                <a:buFont typeface="Arial" panose="020B0604020202020204" pitchFamily="34" charset="0"/>
+                <a:buChar char="•"/>
+              </a:pPr>
+              <a:r>
+                <a:rPr lang="en-US" altLang="ko-KR" dirty="0">
+                  <a:solidFill>
+                    <a:schemeClr val="tx1">
+                      <a:lumMod val="85000"/>
+                      <a:lumOff val="15000"/>
+                    </a:schemeClr>
+                  </a:solidFill>
+                </a:rPr>
+                <a:t>INDEX </a:t>
+              </a:r>
+              <a:r>
+                <a:rPr lang="ko-KR" altLang="en-US" dirty="0">
+                  <a:solidFill>
+                    <a:schemeClr val="tx1">
+                      <a:lumMod val="85000"/>
+                      <a:lumOff val="15000"/>
+                    </a:schemeClr>
+                  </a:solidFill>
+                </a:rPr>
+                <a:t>페이지</a:t>
+              </a:r>
+              <a:endParaRPr lang="en-US" altLang="ko-KR" dirty="0">
+                <a:solidFill>
+                  <a:schemeClr val="tx1">
+                    <a:lumMod val="85000"/>
+                    <a:lumOff val="15000"/>
+                  </a:schemeClr>
+                </a:solidFill>
+              </a:endParaRPr>
+            </a:p>
             <a:p>
               <a:pPr marL="285750" indent="-285750">
                 <a:lnSpc>
@@ -16481,32 +16758,6 @@
           </a:p>
         </p:txBody>
       </p:sp>
-      <p:sp>
-        <p:nvSpPr>
-          <p:cNvPr id="14" name="TextBox 13"/>
-          <p:cNvSpPr txBox="1"/>
-          <p:nvPr/>
-        </p:nvSpPr>
-        <p:spPr>
-          <a:xfrm>
-            <a:off x="19969081" y="11230124"/>
-            <a:ext cx="831252" cy="854300"/>
-          </a:xfrm>
-          <a:prstGeom prst="rect">
-            <a:avLst/>
-          </a:prstGeom>
-          <a:noFill/>
-        </p:spPr>
-        <p:txBody>
-          <a:bodyPr wrap="square" rtlCol="0">
-            <a:spAutoFit/>
-          </a:bodyPr>
-          <a:lstStyle/>
-          <a:p>
-            <a:endParaRPr lang="ko-KR" altLang="en-US" dirty="0"/>
-          </a:p>
-        </p:txBody>
-      </p:sp>
       <p:pic>
         <p:nvPicPr>
           <p:cNvPr id="1026" name="Picture 2" descr="https://www.juso.go.kr/img/common/logo.png"/>
@@ -16576,6 +16827,14 @@
 <file path=ppt/slides/slide8.xml><?xml version="1.0" encoding="utf-8"?>
 <p:sld xmlns:a="http://schemas.openxmlformats.org/drawingml/2006/main" xmlns:r="http://schemas.openxmlformats.org/officeDocument/2006/relationships" xmlns:p="http://schemas.openxmlformats.org/presentationml/2006/main">
   <p:cSld>
+    <p:bg>
+      <p:bgPr>
+        <a:solidFill>
+          <a:schemeClr val="bg1"/>
+        </a:solidFill>
+        <a:effectLst/>
+      </p:bgPr>
+    </p:bg>
     <p:spTree>
       <p:nvGrpSpPr>
         <p:cNvPr id="1" name=""/>
@@ -16590,6 +16849,58 @@
           <a:chExt cx="0" cy="0"/>
         </a:xfrm>
       </p:grpSpPr>
+      <p:sp>
+        <p:nvSpPr>
+          <p:cNvPr id="17" name="사각형: 둥근 모서리 16">
+            <a:extLst>
+              <a:ext uri="{FF2B5EF4-FFF2-40B4-BE49-F238E27FC236}">
+                <a16:creationId xmlns:a16="http://schemas.microsoft.com/office/drawing/2014/main" id="{E972084E-914C-4679-8E56-F9E685AA3707}"/>
+              </a:ext>
+            </a:extLst>
+          </p:cNvPr>
+          <p:cNvSpPr/>
+          <p:nvPr/>
+        </p:nvSpPr>
+        <p:spPr>
+          <a:xfrm>
+            <a:off x="1170685" y="1228747"/>
+            <a:ext cx="10021453" cy="5168861"/>
+          </a:xfrm>
+          <a:prstGeom prst="roundRect">
+            <a:avLst/>
+          </a:prstGeom>
+          <a:solidFill>
+            <a:schemeClr val="accent2"/>
+          </a:solidFill>
+          <a:ln>
+            <a:noFill/>
+          </a:ln>
+        </p:spPr>
+        <p:style>
+          <a:lnRef idx="2">
+            <a:schemeClr val="accent1">
+              <a:shade val="50000"/>
+            </a:schemeClr>
+          </a:lnRef>
+          <a:fillRef idx="1">
+            <a:schemeClr val="accent1"/>
+          </a:fillRef>
+          <a:effectRef idx="0">
+            <a:schemeClr val="accent1"/>
+          </a:effectRef>
+          <a:fontRef idx="minor">
+            <a:schemeClr val="lt1"/>
+          </a:fontRef>
+        </p:style>
+        <p:txBody>
+          <a:bodyPr rtlCol="0" anchor="ctr"/>
+          <a:lstStyle/>
+          <a:p>
+            <a:pPr algn="ctr"/>
+            <a:endParaRPr kumimoji="1" lang="ko-KR" altLang="en-US"/>
+          </a:p>
+        </p:txBody>
+      </p:sp>
       <p:sp>
         <p:nvSpPr>
           <p:cNvPr id="2" name="正方形/長方形 1"/>
@@ -16777,47 +17088,1563 @@
       </p:sp>
       <p:sp>
         <p:nvSpPr>
-          <p:cNvPr id="14" name="TextBox 13"/>
-          <p:cNvSpPr txBox="1"/>
+          <p:cNvPr id="15" name="사각형: 둥근 모서리 14">
+            <a:extLst>
+              <a:ext uri="{FF2B5EF4-FFF2-40B4-BE49-F238E27FC236}">
+                <a16:creationId xmlns:a16="http://schemas.microsoft.com/office/drawing/2014/main" id="{C1A667AD-DCA8-4E36-A7FE-B2508F45AEF4}"/>
+              </a:ext>
+            </a:extLst>
+          </p:cNvPr>
+          <p:cNvSpPr/>
           <p:nvPr/>
         </p:nvSpPr>
         <p:spPr>
           <a:xfrm>
-            <a:off x="19969081" y="11230124"/>
-            <a:ext cx="831252" cy="854300"/>
-          </a:xfrm>
-          <a:prstGeom prst="rect">
+            <a:off x="1542788" y="3158687"/>
+            <a:ext cx="1173454" cy="1046840"/>
+          </a:xfrm>
+          <a:prstGeom prst="roundRect">
             <a:avLst/>
           </a:prstGeom>
-          <a:noFill/>
+          <a:solidFill>
+            <a:schemeClr val="accent4"/>
+          </a:solidFill>
+          <a:ln>
+            <a:noFill/>
+          </a:ln>
+          <a:effectLst>
+            <a:outerShdw blurRad="50800" dist="38100" dir="2700000" algn="tl" rotWithShape="0">
+              <a:prstClr val="black">
+                <a:alpha val="40000"/>
+              </a:prstClr>
+            </a:outerShdw>
+          </a:effectLst>
         </p:spPr>
-        <p:txBody>
-          <a:bodyPr wrap="square" rtlCol="0">
-            <a:spAutoFit/>
-          </a:bodyPr>
+        <p:style>
+          <a:lnRef idx="2">
+            <a:schemeClr val="accent1">
+              <a:shade val="50000"/>
+            </a:schemeClr>
+          </a:lnRef>
+          <a:fillRef idx="1">
+            <a:schemeClr val="accent1"/>
+          </a:fillRef>
+          <a:effectRef idx="0">
+            <a:schemeClr val="accent1"/>
+          </a:effectRef>
+          <a:fontRef idx="minor">
+            <a:schemeClr val="lt1"/>
+          </a:fontRef>
+        </p:style>
+        <p:txBody>
+          <a:bodyPr rtlCol="0" anchor="ctr"/>
           <a:lstStyle/>
           <a:p>
-            <a:endParaRPr lang="ko-KR" altLang="en-US" dirty="0"/>
+            <a:pPr algn="ctr"/>
+            <a:r>
+              <a:rPr kumimoji="1" lang="ko-KR" altLang="en-US" b="1" dirty="0"/>
+              <a:t>사용자</a:t>
+            </a:r>
+          </a:p>
+        </p:txBody>
+      </p:sp>
+      <p:sp>
+        <p:nvSpPr>
+          <p:cNvPr id="19" name="사각형: 둥근 모서리 18">
+            <a:extLst>
+              <a:ext uri="{FF2B5EF4-FFF2-40B4-BE49-F238E27FC236}">
+                <a16:creationId xmlns:a16="http://schemas.microsoft.com/office/drawing/2014/main" id="{23D61A72-687F-4D74-A51A-728FCCA1F3E9}"/>
+              </a:ext>
+            </a:extLst>
+          </p:cNvPr>
+          <p:cNvSpPr/>
+          <p:nvPr/>
+        </p:nvSpPr>
+        <p:spPr>
+          <a:xfrm>
+            <a:off x="3130546" y="1576881"/>
+            <a:ext cx="7401593" cy="2105226"/>
+          </a:xfrm>
+          <a:prstGeom prst="roundRect">
+            <a:avLst/>
+          </a:prstGeom>
+          <a:solidFill>
+            <a:schemeClr val="accent2">
+              <a:lumMod val="75000"/>
+            </a:schemeClr>
+          </a:solidFill>
+          <a:ln>
+            <a:noFill/>
+          </a:ln>
+        </p:spPr>
+        <p:style>
+          <a:lnRef idx="2">
+            <a:schemeClr val="accent1">
+              <a:shade val="50000"/>
+            </a:schemeClr>
+          </a:lnRef>
+          <a:fillRef idx="1">
+            <a:schemeClr val="accent1"/>
+          </a:fillRef>
+          <a:effectRef idx="0">
+            <a:schemeClr val="accent1"/>
+          </a:effectRef>
+          <a:fontRef idx="minor">
+            <a:schemeClr val="lt1"/>
+          </a:fontRef>
+        </p:style>
+        <p:txBody>
+          <a:bodyPr rtlCol="0" anchor="ctr"/>
+          <a:lstStyle/>
+          <a:p>
+            <a:pPr algn="ctr"/>
+            <a:endParaRPr kumimoji="1" lang="ko-KR" altLang="en-US" dirty="0"/>
+          </a:p>
+        </p:txBody>
+      </p:sp>
+      <p:sp>
+        <p:nvSpPr>
+          <p:cNvPr id="41" name="사각형: 둥근 모서리 40">
+            <a:extLst>
+              <a:ext uri="{FF2B5EF4-FFF2-40B4-BE49-F238E27FC236}">
+                <a16:creationId xmlns:a16="http://schemas.microsoft.com/office/drawing/2014/main" id="{D0339A86-5632-46B0-9CCA-354D89379DC3}"/>
+              </a:ext>
+            </a:extLst>
+          </p:cNvPr>
+          <p:cNvSpPr/>
+          <p:nvPr/>
+        </p:nvSpPr>
+        <p:spPr>
+          <a:xfrm>
+            <a:off x="2987782" y="1295675"/>
+            <a:ext cx="1334970" cy="1046840"/>
+          </a:xfrm>
+          <a:prstGeom prst="roundRect">
+            <a:avLst/>
+          </a:prstGeom>
+          <a:ln>
+            <a:noFill/>
+          </a:ln>
+          <a:effectLst>
+            <a:outerShdw blurRad="50800" dist="38100" dir="2700000" algn="tl" rotWithShape="0">
+              <a:prstClr val="black">
+                <a:alpha val="40000"/>
+              </a:prstClr>
+            </a:outerShdw>
+          </a:effectLst>
+        </p:spPr>
+        <p:style>
+          <a:lnRef idx="2">
+            <a:schemeClr val="accent1">
+              <a:shade val="50000"/>
+            </a:schemeClr>
+          </a:lnRef>
+          <a:fillRef idx="1">
+            <a:schemeClr val="accent1"/>
+          </a:fillRef>
+          <a:effectRef idx="0">
+            <a:schemeClr val="accent1"/>
+          </a:effectRef>
+          <a:fontRef idx="minor">
+            <a:schemeClr val="lt1"/>
+          </a:fontRef>
+        </p:style>
+        <p:txBody>
+          <a:bodyPr rtlCol="0" anchor="ctr"/>
+          <a:lstStyle/>
+          <a:p>
+            <a:pPr algn="ctr"/>
+            <a:r>
+              <a:rPr lang="ko-KR" altLang="en-US" dirty="0"/>
+              <a:t>판매요청</a:t>
+            </a:r>
+            <a:endParaRPr kumimoji="1" lang="ko-KR" altLang="en-US" dirty="0"/>
+          </a:p>
+        </p:txBody>
+      </p:sp>
+      <p:sp>
+        <p:nvSpPr>
+          <p:cNvPr id="69" name="사각형: 둥근 모서리 68">
+            <a:extLst>
+              <a:ext uri="{FF2B5EF4-FFF2-40B4-BE49-F238E27FC236}">
+                <a16:creationId xmlns:a16="http://schemas.microsoft.com/office/drawing/2014/main" id="{241024D6-2987-4B55-919A-D42C1DC61CA4}"/>
+              </a:ext>
+            </a:extLst>
+          </p:cNvPr>
+          <p:cNvSpPr/>
+          <p:nvPr/>
+        </p:nvSpPr>
+        <p:spPr>
+          <a:xfrm>
+            <a:off x="5714375" y="1295675"/>
+            <a:ext cx="2401853" cy="1046840"/>
+          </a:xfrm>
+          <a:prstGeom prst="roundRect">
+            <a:avLst/>
+          </a:prstGeom>
+          <a:ln>
+            <a:noFill/>
+          </a:ln>
+          <a:effectLst>
+            <a:outerShdw blurRad="50800" dist="38100" dir="2700000" algn="tl" rotWithShape="0">
+              <a:prstClr val="black">
+                <a:alpha val="40000"/>
+              </a:prstClr>
+            </a:outerShdw>
+          </a:effectLst>
+        </p:spPr>
+        <p:style>
+          <a:lnRef idx="2">
+            <a:schemeClr val="accent1">
+              <a:shade val="50000"/>
+            </a:schemeClr>
+          </a:lnRef>
+          <a:fillRef idx="1">
+            <a:schemeClr val="accent1"/>
+          </a:fillRef>
+          <a:effectRef idx="0">
+            <a:schemeClr val="accent1"/>
+          </a:effectRef>
+          <a:fontRef idx="minor">
+            <a:schemeClr val="lt1"/>
+          </a:fontRef>
+        </p:style>
+        <p:txBody>
+          <a:bodyPr rtlCol="0" anchor="ctr"/>
+          <a:lstStyle/>
+          <a:p>
+            <a:pPr algn="ctr"/>
+            <a:r>
+              <a:rPr lang="en-US" altLang="ko-KR" dirty="0"/>
+              <a:t>SHOEFLY</a:t>
+            </a:r>
+            <a:r>
+              <a:rPr lang="ko-KR" altLang="en-US" dirty="0"/>
+              <a:t>에 </a:t>
+            </a:r>
+            <a:endParaRPr lang="en-US" altLang="ko-KR" dirty="0"/>
+          </a:p>
+          <a:p>
+            <a:pPr algn="ctr"/>
+            <a:r>
+              <a:rPr lang="ko-KR" altLang="en-US" dirty="0"/>
+              <a:t>상품을 배송</a:t>
+            </a:r>
+            <a:endParaRPr kumimoji="1" lang="ko-KR" altLang="en-US" dirty="0"/>
+          </a:p>
+        </p:txBody>
+      </p:sp>
+      <p:sp>
+        <p:nvSpPr>
+          <p:cNvPr id="70" name="사각형: 둥근 모서리 69">
+            <a:extLst>
+              <a:ext uri="{FF2B5EF4-FFF2-40B4-BE49-F238E27FC236}">
+                <a16:creationId xmlns:a16="http://schemas.microsoft.com/office/drawing/2014/main" id="{D1247F0E-420F-4DE5-9992-B9E6AF7962A7}"/>
+              </a:ext>
+            </a:extLst>
+          </p:cNvPr>
+          <p:cNvSpPr/>
+          <p:nvPr/>
+        </p:nvSpPr>
+        <p:spPr>
+          <a:xfrm>
+            <a:off x="9103472" y="1286876"/>
+            <a:ext cx="1334970" cy="1046840"/>
+          </a:xfrm>
+          <a:prstGeom prst="roundRect">
+            <a:avLst/>
+          </a:prstGeom>
+          <a:ln>
+            <a:noFill/>
+          </a:ln>
+          <a:effectLst>
+            <a:outerShdw blurRad="50800" dist="38100" dir="2700000" algn="tl" rotWithShape="0">
+              <a:prstClr val="black">
+                <a:alpha val="40000"/>
+              </a:prstClr>
+            </a:outerShdw>
+          </a:effectLst>
+        </p:spPr>
+        <p:style>
+          <a:lnRef idx="2">
+            <a:schemeClr val="accent1">
+              <a:shade val="50000"/>
+            </a:schemeClr>
+          </a:lnRef>
+          <a:fillRef idx="1">
+            <a:schemeClr val="accent1"/>
+          </a:fillRef>
+          <a:effectRef idx="0">
+            <a:schemeClr val="accent1"/>
+          </a:effectRef>
+          <a:fontRef idx="minor">
+            <a:schemeClr val="lt1"/>
+          </a:fontRef>
+        </p:style>
+        <p:txBody>
+          <a:bodyPr rtlCol="0" anchor="ctr"/>
+          <a:lstStyle/>
+          <a:p>
+            <a:pPr algn="ctr"/>
+            <a:r>
+              <a:rPr lang="ko-KR" altLang="en-US"/>
+              <a:t>판매요청등록</a:t>
+            </a:r>
+            <a:endParaRPr kumimoji="1" lang="ko-KR" altLang="en-US" dirty="0"/>
+          </a:p>
+        </p:txBody>
+      </p:sp>
+      <p:sp>
+        <p:nvSpPr>
+          <p:cNvPr id="24" name="화살표: 오른쪽 23">
+            <a:extLst>
+              <a:ext uri="{FF2B5EF4-FFF2-40B4-BE49-F238E27FC236}">
+                <a16:creationId xmlns:a16="http://schemas.microsoft.com/office/drawing/2014/main" id="{765174ED-5F0E-4AF0-BD93-E5ABFB4BB1EF}"/>
+              </a:ext>
+            </a:extLst>
+          </p:cNvPr>
+          <p:cNvSpPr/>
+          <p:nvPr/>
+        </p:nvSpPr>
+        <p:spPr>
+          <a:xfrm>
+            <a:off x="4747140" y="1517343"/>
+            <a:ext cx="640508" cy="551175"/>
+          </a:xfrm>
+          <a:prstGeom prst="rightArrow">
+            <a:avLst/>
+          </a:prstGeom>
+          <a:solidFill>
+            <a:schemeClr val="accent1">
+              <a:lumMod val="60000"/>
+              <a:lumOff val="40000"/>
+            </a:schemeClr>
+          </a:solidFill>
+          <a:ln>
+            <a:noFill/>
+          </a:ln>
+          <a:effectLst>
+            <a:outerShdw blurRad="50800" dist="38100" dir="2700000" algn="tl" rotWithShape="0">
+              <a:prstClr val="black">
+                <a:alpha val="40000"/>
+              </a:prstClr>
+            </a:outerShdw>
+            <a:softEdge rad="12700"/>
+          </a:effectLst>
+        </p:spPr>
+        <p:style>
+          <a:lnRef idx="2">
+            <a:schemeClr val="accent1">
+              <a:shade val="50000"/>
+            </a:schemeClr>
+          </a:lnRef>
+          <a:fillRef idx="1">
+            <a:schemeClr val="accent1"/>
+          </a:fillRef>
+          <a:effectRef idx="0">
+            <a:schemeClr val="accent1"/>
+          </a:effectRef>
+          <a:fontRef idx="minor">
+            <a:schemeClr val="lt1"/>
+          </a:fontRef>
+        </p:style>
+        <p:txBody>
+          <a:bodyPr rtlCol="0" anchor="ctr"/>
+          <a:lstStyle/>
+          <a:p>
+            <a:pPr algn="ctr"/>
+            <a:endParaRPr kumimoji="1" lang="ko-KR" altLang="en-US"/>
+          </a:p>
+        </p:txBody>
+      </p:sp>
+      <p:sp>
+        <p:nvSpPr>
+          <p:cNvPr id="71" name="화살표: 오른쪽 70">
+            <a:extLst>
+              <a:ext uri="{FF2B5EF4-FFF2-40B4-BE49-F238E27FC236}">
+                <a16:creationId xmlns:a16="http://schemas.microsoft.com/office/drawing/2014/main" id="{D36AA47D-12C9-42E8-A109-08CE18AB4629}"/>
+              </a:ext>
+            </a:extLst>
+          </p:cNvPr>
+          <p:cNvSpPr/>
+          <p:nvPr/>
+        </p:nvSpPr>
+        <p:spPr>
+          <a:xfrm>
+            <a:off x="8226150" y="1508326"/>
+            <a:ext cx="640508" cy="551175"/>
+          </a:xfrm>
+          <a:prstGeom prst="rightArrow">
+            <a:avLst/>
+          </a:prstGeom>
+          <a:solidFill>
+            <a:schemeClr val="accent1">
+              <a:lumMod val="60000"/>
+              <a:lumOff val="40000"/>
+            </a:schemeClr>
+          </a:solidFill>
+          <a:ln>
+            <a:noFill/>
+          </a:ln>
+          <a:effectLst>
+            <a:outerShdw blurRad="50800" dist="38100" dir="2700000" algn="tl" rotWithShape="0">
+              <a:prstClr val="black">
+                <a:alpha val="40000"/>
+              </a:prstClr>
+            </a:outerShdw>
+            <a:softEdge rad="12700"/>
+          </a:effectLst>
+        </p:spPr>
+        <p:style>
+          <a:lnRef idx="2">
+            <a:schemeClr val="accent1">
+              <a:shade val="50000"/>
+            </a:schemeClr>
+          </a:lnRef>
+          <a:fillRef idx="1">
+            <a:schemeClr val="accent1"/>
+          </a:fillRef>
+          <a:effectRef idx="0">
+            <a:schemeClr val="accent1"/>
+          </a:effectRef>
+          <a:fontRef idx="minor">
+            <a:schemeClr val="lt1"/>
+          </a:fontRef>
+        </p:style>
+        <p:txBody>
+          <a:bodyPr rtlCol="0" anchor="ctr"/>
+          <a:lstStyle/>
+          <a:p>
+            <a:pPr algn="ctr"/>
+            <a:endParaRPr kumimoji="1" lang="ko-KR" altLang="en-US"/>
+          </a:p>
+        </p:txBody>
+      </p:sp>
+      <p:sp>
+        <p:nvSpPr>
+          <p:cNvPr id="89" name="사각형: 둥근 모서리 88">
+            <a:extLst>
+              <a:ext uri="{FF2B5EF4-FFF2-40B4-BE49-F238E27FC236}">
+                <a16:creationId xmlns:a16="http://schemas.microsoft.com/office/drawing/2014/main" id="{1CB61BC6-1C6D-49D4-890A-3977AC3506A8}"/>
+              </a:ext>
+            </a:extLst>
+          </p:cNvPr>
+          <p:cNvSpPr/>
+          <p:nvPr/>
+        </p:nvSpPr>
+        <p:spPr>
+          <a:xfrm>
+            <a:off x="3130546" y="3996392"/>
+            <a:ext cx="7401593" cy="2105226"/>
+          </a:xfrm>
+          <a:prstGeom prst="roundRect">
+            <a:avLst/>
+          </a:prstGeom>
+          <a:solidFill>
+            <a:schemeClr val="accent2">
+              <a:lumMod val="75000"/>
+            </a:schemeClr>
+          </a:solidFill>
+          <a:ln>
+            <a:noFill/>
+          </a:ln>
+        </p:spPr>
+        <p:style>
+          <a:lnRef idx="2">
+            <a:schemeClr val="accent1">
+              <a:shade val="50000"/>
+            </a:schemeClr>
+          </a:lnRef>
+          <a:fillRef idx="1">
+            <a:schemeClr val="accent1"/>
+          </a:fillRef>
+          <a:effectRef idx="0">
+            <a:schemeClr val="accent1"/>
+          </a:effectRef>
+          <a:fontRef idx="minor">
+            <a:schemeClr val="lt1"/>
+          </a:fontRef>
+        </p:style>
+        <p:txBody>
+          <a:bodyPr rtlCol="0" anchor="ctr"/>
+          <a:lstStyle/>
+          <a:p>
+            <a:pPr algn="ctr"/>
+            <a:endParaRPr kumimoji="1" lang="ko-KR" altLang="en-US" dirty="0"/>
+          </a:p>
+        </p:txBody>
+      </p:sp>
+      <p:sp>
+        <p:nvSpPr>
+          <p:cNvPr id="73" name="사각형: 둥근 모서리 72">
+            <a:extLst>
+              <a:ext uri="{FF2B5EF4-FFF2-40B4-BE49-F238E27FC236}">
+                <a16:creationId xmlns:a16="http://schemas.microsoft.com/office/drawing/2014/main" id="{5DF03CD5-CEB1-485E-AA7A-86AE3DBCF784}"/>
+              </a:ext>
+            </a:extLst>
+          </p:cNvPr>
+          <p:cNvSpPr/>
+          <p:nvPr/>
+        </p:nvSpPr>
+        <p:spPr>
+          <a:xfrm>
+            <a:off x="2987782" y="3839249"/>
+            <a:ext cx="1334970" cy="1046840"/>
+          </a:xfrm>
+          <a:prstGeom prst="roundRect">
+            <a:avLst/>
+          </a:prstGeom>
+          <a:ln>
+            <a:noFill/>
+          </a:ln>
+          <a:effectLst>
+            <a:outerShdw blurRad="50800" dist="38100" dir="2700000" algn="tl" rotWithShape="0">
+              <a:prstClr val="black">
+                <a:alpha val="40000"/>
+              </a:prstClr>
+            </a:outerShdw>
+          </a:effectLst>
+        </p:spPr>
+        <p:style>
+          <a:lnRef idx="2">
+            <a:schemeClr val="accent1">
+              <a:shade val="50000"/>
+            </a:schemeClr>
+          </a:lnRef>
+          <a:fillRef idx="1">
+            <a:schemeClr val="accent1"/>
+          </a:fillRef>
+          <a:effectRef idx="0">
+            <a:schemeClr val="accent1"/>
+          </a:effectRef>
+          <a:fontRef idx="minor">
+            <a:schemeClr val="lt1"/>
+          </a:fontRef>
+        </p:style>
+        <p:txBody>
+          <a:bodyPr rtlCol="0" anchor="ctr"/>
+          <a:lstStyle/>
+          <a:p>
+            <a:pPr algn="ctr"/>
+            <a:r>
+              <a:rPr lang="ko-KR" altLang="en-US" dirty="0"/>
+              <a:t>구매요청</a:t>
+            </a:r>
+            <a:endParaRPr kumimoji="1" lang="ko-KR" altLang="en-US" dirty="0"/>
+          </a:p>
+        </p:txBody>
+      </p:sp>
+      <p:sp>
+        <p:nvSpPr>
+          <p:cNvPr id="75" name="사각형: 둥근 모서리 74">
+            <a:extLst>
+              <a:ext uri="{FF2B5EF4-FFF2-40B4-BE49-F238E27FC236}">
+                <a16:creationId xmlns:a16="http://schemas.microsoft.com/office/drawing/2014/main" id="{BC849AF2-320B-47A0-8594-96804DB29457}"/>
+              </a:ext>
+            </a:extLst>
+          </p:cNvPr>
+          <p:cNvSpPr/>
+          <p:nvPr/>
+        </p:nvSpPr>
+        <p:spPr>
+          <a:xfrm>
+            <a:off x="10249582" y="4524284"/>
+            <a:ext cx="1334970" cy="1046840"/>
+          </a:xfrm>
+          <a:prstGeom prst="roundRect">
+            <a:avLst/>
+          </a:prstGeom>
+          <a:ln>
+            <a:noFill/>
+          </a:ln>
+          <a:effectLst>
+            <a:outerShdw blurRad="50800" dist="38100" dir="2700000" algn="tl" rotWithShape="0">
+              <a:prstClr val="black">
+                <a:alpha val="40000"/>
+              </a:prstClr>
+            </a:outerShdw>
+          </a:effectLst>
+        </p:spPr>
+        <p:style>
+          <a:lnRef idx="2">
+            <a:schemeClr val="accent1">
+              <a:shade val="50000"/>
+            </a:schemeClr>
+          </a:lnRef>
+          <a:fillRef idx="1">
+            <a:schemeClr val="accent1"/>
+          </a:fillRef>
+          <a:effectRef idx="0">
+            <a:schemeClr val="accent1"/>
+          </a:effectRef>
+          <a:fontRef idx="minor">
+            <a:schemeClr val="lt1"/>
+          </a:fontRef>
+        </p:style>
+        <p:txBody>
+          <a:bodyPr rtlCol="0" anchor="ctr"/>
+          <a:lstStyle/>
+          <a:p>
+            <a:pPr algn="ctr"/>
+            <a:r>
+              <a:rPr lang="ko-KR" altLang="en-US" dirty="0"/>
+              <a:t>상품을 수령</a:t>
+            </a:r>
+            <a:endParaRPr kumimoji="1" lang="ko-KR" altLang="en-US" dirty="0"/>
+          </a:p>
+        </p:txBody>
+      </p:sp>
+      <p:sp>
+        <p:nvSpPr>
+          <p:cNvPr id="76" name="화살표: 오른쪽 75">
+            <a:extLst>
+              <a:ext uri="{FF2B5EF4-FFF2-40B4-BE49-F238E27FC236}">
+                <a16:creationId xmlns:a16="http://schemas.microsoft.com/office/drawing/2014/main" id="{9BC24075-7E6C-4C31-A2AF-8F9CCC25696C}"/>
+              </a:ext>
+            </a:extLst>
+          </p:cNvPr>
+          <p:cNvSpPr/>
+          <p:nvPr/>
+        </p:nvSpPr>
+        <p:spPr>
+          <a:xfrm>
+            <a:off x="4427976" y="4057398"/>
+            <a:ext cx="640508" cy="551175"/>
+          </a:xfrm>
+          <a:prstGeom prst="rightArrow">
+            <a:avLst/>
+          </a:prstGeom>
+          <a:solidFill>
+            <a:schemeClr val="accent1">
+              <a:lumMod val="60000"/>
+              <a:lumOff val="40000"/>
+            </a:schemeClr>
+          </a:solidFill>
+          <a:ln>
+            <a:noFill/>
+          </a:ln>
+          <a:effectLst>
+            <a:outerShdw blurRad="50800" dist="38100" dir="2700000" algn="tl" rotWithShape="0">
+              <a:prstClr val="black">
+                <a:alpha val="40000"/>
+              </a:prstClr>
+            </a:outerShdw>
+            <a:softEdge rad="12700"/>
+          </a:effectLst>
+        </p:spPr>
+        <p:style>
+          <a:lnRef idx="2">
+            <a:schemeClr val="accent1">
+              <a:shade val="50000"/>
+            </a:schemeClr>
+          </a:lnRef>
+          <a:fillRef idx="1">
+            <a:schemeClr val="accent1"/>
+          </a:fillRef>
+          <a:effectRef idx="0">
+            <a:schemeClr val="accent1"/>
+          </a:effectRef>
+          <a:fontRef idx="minor">
+            <a:schemeClr val="lt1"/>
+          </a:fontRef>
+        </p:style>
+        <p:txBody>
+          <a:bodyPr rtlCol="0" anchor="ctr"/>
+          <a:lstStyle/>
+          <a:p>
+            <a:pPr algn="ctr"/>
+            <a:endParaRPr kumimoji="1" lang="ko-KR" altLang="en-US"/>
+          </a:p>
+        </p:txBody>
+      </p:sp>
+      <p:sp>
+        <p:nvSpPr>
+          <p:cNvPr id="90" name="사각형: 둥근 모서리 89">
+            <a:extLst>
+              <a:ext uri="{FF2B5EF4-FFF2-40B4-BE49-F238E27FC236}">
+                <a16:creationId xmlns:a16="http://schemas.microsoft.com/office/drawing/2014/main" id="{185E49CE-0447-4D7D-8C68-B4DA3BA16C9A}"/>
+              </a:ext>
+            </a:extLst>
+          </p:cNvPr>
+          <p:cNvSpPr/>
+          <p:nvPr/>
+        </p:nvSpPr>
+        <p:spPr>
+          <a:xfrm>
+            <a:off x="2987782" y="2503059"/>
+            <a:ext cx="1334970" cy="1046840"/>
+          </a:xfrm>
+          <a:prstGeom prst="roundRect">
+            <a:avLst/>
+          </a:prstGeom>
+          <a:ln>
+            <a:noFill/>
+          </a:ln>
+          <a:effectLst>
+            <a:outerShdw blurRad="50800" dist="38100" dir="2700000" algn="tl" rotWithShape="0">
+              <a:prstClr val="black">
+                <a:alpha val="40000"/>
+              </a:prstClr>
+            </a:outerShdw>
+          </a:effectLst>
+        </p:spPr>
+        <p:style>
+          <a:lnRef idx="2">
+            <a:schemeClr val="accent1">
+              <a:shade val="50000"/>
+            </a:schemeClr>
+          </a:lnRef>
+          <a:fillRef idx="1">
+            <a:schemeClr val="accent1"/>
+          </a:fillRef>
+          <a:effectRef idx="0">
+            <a:schemeClr val="accent1"/>
+          </a:effectRef>
+          <a:fontRef idx="minor">
+            <a:schemeClr val="lt1"/>
+          </a:fontRef>
+        </p:style>
+        <p:txBody>
+          <a:bodyPr rtlCol="0" anchor="ctr"/>
+          <a:lstStyle/>
+          <a:p>
+            <a:pPr algn="ctr"/>
+            <a:r>
+              <a:rPr lang="ko-KR" altLang="en-US" dirty="0"/>
+              <a:t>구매 요청확인</a:t>
+            </a:r>
+            <a:endParaRPr kumimoji="1" lang="ko-KR" altLang="en-US" dirty="0"/>
+          </a:p>
+        </p:txBody>
+      </p:sp>
+      <p:sp>
+        <p:nvSpPr>
+          <p:cNvPr id="92" name="사각형: 둥근 모서리 91">
+            <a:extLst>
+              <a:ext uri="{FF2B5EF4-FFF2-40B4-BE49-F238E27FC236}">
+                <a16:creationId xmlns:a16="http://schemas.microsoft.com/office/drawing/2014/main" id="{E3857980-360D-491A-BF15-92ED4BED615C}"/>
+              </a:ext>
+            </a:extLst>
+          </p:cNvPr>
+          <p:cNvSpPr/>
+          <p:nvPr/>
+        </p:nvSpPr>
+        <p:spPr>
+          <a:xfrm>
+            <a:off x="8636535" y="2490858"/>
+            <a:ext cx="1805474" cy="1046840"/>
+          </a:xfrm>
+          <a:prstGeom prst="roundRect">
+            <a:avLst/>
+          </a:prstGeom>
+          <a:ln>
+            <a:noFill/>
+          </a:ln>
+          <a:effectLst>
+            <a:outerShdw blurRad="50800" dist="38100" dir="2700000" algn="tl" rotWithShape="0">
+              <a:prstClr val="black">
+                <a:alpha val="40000"/>
+              </a:prstClr>
+            </a:outerShdw>
+          </a:effectLst>
+        </p:spPr>
+        <p:style>
+          <a:lnRef idx="2">
+            <a:schemeClr val="accent1">
+              <a:shade val="50000"/>
+            </a:schemeClr>
+          </a:lnRef>
+          <a:fillRef idx="1">
+            <a:schemeClr val="accent1"/>
+          </a:fillRef>
+          <a:effectRef idx="0">
+            <a:schemeClr val="accent1"/>
+          </a:effectRef>
+          <a:fontRef idx="minor">
+            <a:schemeClr val="lt1"/>
+          </a:fontRef>
+        </p:style>
+        <p:txBody>
+          <a:bodyPr rtlCol="0" anchor="ctr"/>
+          <a:lstStyle/>
+          <a:p>
+            <a:pPr algn="ctr"/>
+            <a:r>
+              <a:rPr lang="ko-KR" altLang="en-US"/>
+              <a:t>구매 요청자에게 상품 배송</a:t>
+            </a:r>
+            <a:endParaRPr kumimoji="1" lang="ko-KR" altLang="en-US" dirty="0"/>
+          </a:p>
+        </p:txBody>
+      </p:sp>
+      <p:sp>
+        <p:nvSpPr>
+          <p:cNvPr id="93" name="화살표: 오른쪽 92">
+            <a:extLst>
+              <a:ext uri="{FF2B5EF4-FFF2-40B4-BE49-F238E27FC236}">
+                <a16:creationId xmlns:a16="http://schemas.microsoft.com/office/drawing/2014/main" id="{ED7E86B8-A7F5-46B1-90C5-9A64522CF3E6}"/>
+              </a:ext>
+            </a:extLst>
+          </p:cNvPr>
+          <p:cNvSpPr/>
+          <p:nvPr/>
+        </p:nvSpPr>
+        <p:spPr>
+          <a:xfrm>
+            <a:off x="4503013" y="2728283"/>
+            <a:ext cx="640508" cy="551175"/>
+          </a:xfrm>
+          <a:prstGeom prst="rightArrow">
+            <a:avLst/>
+          </a:prstGeom>
+          <a:solidFill>
+            <a:schemeClr val="accent1">
+              <a:lumMod val="60000"/>
+              <a:lumOff val="40000"/>
+            </a:schemeClr>
+          </a:solidFill>
+          <a:ln>
+            <a:noFill/>
+          </a:ln>
+          <a:effectLst>
+            <a:outerShdw blurRad="50800" dist="38100" dir="2700000" algn="tl" rotWithShape="0">
+              <a:prstClr val="black">
+                <a:alpha val="40000"/>
+              </a:prstClr>
+            </a:outerShdw>
+            <a:softEdge rad="12700"/>
+          </a:effectLst>
+        </p:spPr>
+        <p:style>
+          <a:lnRef idx="2">
+            <a:schemeClr val="accent1">
+              <a:shade val="50000"/>
+            </a:schemeClr>
+          </a:lnRef>
+          <a:fillRef idx="1">
+            <a:schemeClr val="accent1"/>
+          </a:fillRef>
+          <a:effectRef idx="0">
+            <a:schemeClr val="accent1"/>
+          </a:effectRef>
+          <a:fontRef idx="minor">
+            <a:schemeClr val="lt1"/>
+          </a:fontRef>
+        </p:style>
+        <p:txBody>
+          <a:bodyPr rtlCol="0" anchor="ctr"/>
+          <a:lstStyle/>
+          <a:p>
+            <a:pPr algn="ctr"/>
+            <a:endParaRPr kumimoji="1" lang="ko-KR" altLang="en-US"/>
+          </a:p>
+        </p:txBody>
+      </p:sp>
+      <p:sp>
+        <p:nvSpPr>
+          <p:cNvPr id="94" name="화살표: 오른쪽 93">
+            <a:extLst>
+              <a:ext uri="{FF2B5EF4-FFF2-40B4-BE49-F238E27FC236}">
+                <a16:creationId xmlns:a16="http://schemas.microsoft.com/office/drawing/2014/main" id="{D6451839-68F5-406B-AC8A-3736A8B23FFA}"/>
+              </a:ext>
+            </a:extLst>
+          </p:cNvPr>
+          <p:cNvSpPr/>
+          <p:nvPr/>
+        </p:nvSpPr>
+        <p:spPr>
+          <a:xfrm rot="18936463">
+            <a:off x="6764381" y="2550668"/>
+            <a:ext cx="640508" cy="551175"/>
+          </a:xfrm>
+          <a:prstGeom prst="rightArrow">
+            <a:avLst/>
+          </a:prstGeom>
+          <a:solidFill>
+            <a:schemeClr val="accent1">
+              <a:lumMod val="60000"/>
+              <a:lumOff val="40000"/>
+            </a:schemeClr>
+          </a:solidFill>
+          <a:ln>
+            <a:noFill/>
+          </a:ln>
+          <a:effectLst>
+            <a:outerShdw blurRad="50800" dist="38100" dir="2700000" algn="tl" rotWithShape="0">
+              <a:prstClr val="black">
+                <a:alpha val="40000"/>
+              </a:prstClr>
+            </a:outerShdw>
+            <a:softEdge rad="12700"/>
+          </a:effectLst>
+        </p:spPr>
+        <p:style>
+          <a:lnRef idx="2">
+            <a:schemeClr val="accent1">
+              <a:shade val="50000"/>
+            </a:schemeClr>
+          </a:lnRef>
+          <a:fillRef idx="1">
+            <a:schemeClr val="accent1"/>
+          </a:fillRef>
+          <a:effectRef idx="0">
+            <a:schemeClr val="accent1"/>
+          </a:effectRef>
+          <a:fontRef idx="minor">
+            <a:schemeClr val="lt1"/>
+          </a:fontRef>
+        </p:style>
+        <p:txBody>
+          <a:bodyPr rtlCol="0" anchor="ctr"/>
+          <a:lstStyle/>
+          <a:p>
+            <a:pPr algn="ctr"/>
+            <a:endParaRPr kumimoji="1" lang="ko-KR" altLang="en-US"/>
+          </a:p>
+        </p:txBody>
+      </p:sp>
+      <p:sp>
+        <p:nvSpPr>
+          <p:cNvPr id="95" name="사각형: 둥근 모서리 94">
+            <a:extLst>
+              <a:ext uri="{FF2B5EF4-FFF2-40B4-BE49-F238E27FC236}">
+                <a16:creationId xmlns:a16="http://schemas.microsoft.com/office/drawing/2014/main" id="{40871D3F-F373-4B36-BF6F-3F8E7AFCB32F}"/>
+              </a:ext>
+            </a:extLst>
+          </p:cNvPr>
+          <p:cNvSpPr/>
+          <p:nvPr/>
+        </p:nvSpPr>
+        <p:spPr>
+          <a:xfrm>
+            <a:off x="5247026" y="2503059"/>
+            <a:ext cx="1334970" cy="1046840"/>
+          </a:xfrm>
+          <a:prstGeom prst="roundRect">
+            <a:avLst/>
+          </a:prstGeom>
+          <a:ln>
+            <a:noFill/>
+          </a:ln>
+          <a:effectLst>
+            <a:outerShdw blurRad="50800" dist="38100" dir="2700000" algn="tl" rotWithShape="0">
+              <a:prstClr val="black">
+                <a:alpha val="40000"/>
+              </a:prstClr>
+            </a:outerShdw>
+          </a:effectLst>
+        </p:spPr>
+        <p:style>
+          <a:lnRef idx="2">
+            <a:schemeClr val="accent1">
+              <a:shade val="50000"/>
+            </a:schemeClr>
+          </a:lnRef>
+          <a:fillRef idx="1">
+            <a:schemeClr val="accent1"/>
+          </a:fillRef>
+          <a:effectRef idx="0">
+            <a:schemeClr val="accent1"/>
+          </a:effectRef>
+          <a:fontRef idx="minor">
+            <a:schemeClr val="lt1"/>
+          </a:fontRef>
+        </p:style>
+        <p:txBody>
+          <a:bodyPr rtlCol="0" anchor="ctr"/>
+          <a:lstStyle/>
+          <a:p>
+            <a:pPr algn="ctr"/>
+            <a:r>
+              <a:rPr lang="ko-KR" altLang="en-US" dirty="0"/>
+              <a:t>즉시 판매 요청</a:t>
+            </a:r>
+            <a:endParaRPr kumimoji="1" lang="ko-KR" altLang="en-US" dirty="0"/>
+          </a:p>
+        </p:txBody>
+      </p:sp>
+      <p:sp>
+        <p:nvSpPr>
+          <p:cNvPr id="96" name="화살표: 오른쪽 95">
+            <a:extLst>
+              <a:ext uri="{FF2B5EF4-FFF2-40B4-BE49-F238E27FC236}">
+                <a16:creationId xmlns:a16="http://schemas.microsoft.com/office/drawing/2014/main" id="{0ED7B594-B16C-42E5-B9D4-6AC46752DDB9}"/>
+              </a:ext>
+            </a:extLst>
+          </p:cNvPr>
+          <p:cNvSpPr/>
+          <p:nvPr/>
+        </p:nvSpPr>
+        <p:spPr>
+          <a:xfrm rot="2549760">
+            <a:off x="7854348" y="2595963"/>
+            <a:ext cx="640508" cy="551175"/>
+          </a:xfrm>
+          <a:prstGeom prst="rightArrow">
+            <a:avLst/>
+          </a:prstGeom>
+          <a:solidFill>
+            <a:schemeClr val="accent1">
+              <a:lumMod val="60000"/>
+              <a:lumOff val="40000"/>
+            </a:schemeClr>
+          </a:solidFill>
+          <a:ln>
+            <a:noFill/>
+          </a:ln>
+          <a:effectLst>
+            <a:outerShdw blurRad="50800" dist="38100" dir="2700000" algn="tl" rotWithShape="0">
+              <a:prstClr val="black">
+                <a:alpha val="40000"/>
+              </a:prstClr>
+            </a:outerShdw>
+            <a:softEdge rad="12700"/>
+          </a:effectLst>
+        </p:spPr>
+        <p:style>
+          <a:lnRef idx="2">
+            <a:schemeClr val="accent1">
+              <a:shade val="50000"/>
+            </a:schemeClr>
+          </a:lnRef>
+          <a:fillRef idx="1">
+            <a:schemeClr val="accent1"/>
+          </a:fillRef>
+          <a:effectRef idx="0">
+            <a:schemeClr val="accent1"/>
+          </a:effectRef>
+          <a:fontRef idx="minor">
+            <a:schemeClr val="lt1"/>
+          </a:fontRef>
+        </p:style>
+        <p:txBody>
+          <a:bodyPr rtlCol="0" anchor="ctr"/>
+          <a:lstStyle/>
+          <a:p>
+            <a:pPr algn="ctr"/>
+            <a:endParaRPr kumimoji="1" lang="ko-KR" altLang="en-US"/>
+          </a:p>
+        </p:txBody>
+      </p:sp>
+      <p:sp>
+        <p:nvSpPr>
+          <p:cNvPr id="97" name="사각형: 둥근 모서리 96">
+            <a:extLst>
+              <a:ext uri="{FF2B5EF4-FFF2-40B4-BE49-F238E27FC236}">
+                <a16:creationId xmlns:a16="http://schemas.microsoft.com/office/drawing/2014/main" id="{BEEAEC58-E765-4AE8-9FF6-527ADC04926D}"/>
+              </a:ext>
+            </a:extLst>
+          </p:cNvPr>
+          <p:cNvSpPr/>
+          <p:nvPr/>
+        </p:nvSpPr>
+        <p:spPr>
+          <a:xfrm>
+            <a:off x="5254180" y="3813177"/>
+            <a:ext cx="1863557" cy="1046840"/>
+          </a:xfrm>
+          <a:prstGeom prst="roundRect">
+            <a:avLst/>
+          </a:prstGeom>
+          <a:ln>
+            <a:noFill/>
+          </a:ln>
+          <a:effectLst>
+            <a:outerShdw blurRad="50800" dist="38100" dir="2700000" algn="tl" rotWithShape="0">
+              <a:prstClr val="black">
+                <a:alpha val="40000"/>
+              </a:prstClr>
+            </a:outerShdw>
+          </a:effectLst>
+        </p:spPr>
+        <p:style>
+          <a:lnRef idx="2">
+            <a:schemeClr val="accent1">
+              <a:shade val="50000"/>
+            </a:schemeClr>
+          </a:lnRef>
+          <a:fillRef idx="1">
+            <a:schemeClr val="accent1"/>
+          </a:fillRef>
+          <a:effectRef idx="0">
+            <a:schemeClr val="accent1"/>
+          </a:effectRef>
+          <a:fontRef idx="minor">
+            <a:schemeClr val="lt1"/>
+          </a:fontRef>
+        </p:style>
+        <p:txBody>
+          <a:bodyPr rtlCol="0" anchor="ctr"/>
+          <a:lstStyle/>
+          <a:p>
+            <a:pPr algn="ctr"/>
+            <a:r>
+              <a:rPr lang="ko-KR" altLang="en-US" dirty="0"/>
+              <a:t>해당 금액의 즉시 판매요청</a:t>
+            </a:r>
+            <a:endParaRPr kumimoji="1" lang="ko-KR" altLang="en-US" dirty="0"/>
+          </a:p>
+        </p:txBody>
+      </p:sp>
+      <p:sp>
+        <p:nvSpPr>
+          <p:cNvPr id="98" name="사각형: 둥근 모서리 97">
+            <a:extLst>
+              <a:ext uri="{FF2B5EF4-FFF2-40B4-BE49-F238E27FC236}">
+                <a16:creationId xmlns:a16="http://schemas.microsoft.com/office/drawing/2014/main" id="{565F9339-295C-4039-B766-26546089D04C}"/>
+              </a:ext>
+            </a:extLst>
+          </p:cNvPr>
+          <p:cNvSpPr/>
+          <p:nvPr/>
+        </p:nvSpPr>
+        <p:spPr>
+          <a:xfrm>
+            <a:off x="2987782" y="5069304"/>
+            <a:ext cx="1334970" cy="1046840"/>
+          </a:xfrm>
+          <a:prstGeom prst="roundRect">
+            <a:avLst/>
+          </a:prstGeom>
+          <a:ln>
+            <a:noFill/>
+          </a:ln>
+          <a:effectLst>
+            <a:outerShdw blurRad="50800" dist="38100" dir="2700000" algn="tl" rotWithShape="0">
+              <a:prstClr val="black">
+                <a:alpha val="40000"/>
+              </a:prstClr>
+            </a:outerShdw>
+          </a:effectLst>
+        </p:spPr>
+        <p:style>
+          <a:lnRef idx="2">
+            <a:schemeClr val="accent1">
+              <a:shade val="50000"/>
+            </a:schemeClr>
+          </a:lnRef>
+          <a:fillRef idx="1">
+            <a:schemeClr val="accent1"/>
+          </a:fillRef>
+          <a:effectRef idx="0">
+            <a:schemeClr val="accent1"/>
+          </a:effectRef>
+          <a:fontRef idx="minor">
+            <a:schemeClr val="lt1"/>
+          </a:fontRef>
+        </p:style>
+        <p:txBody>
+          <a:bodyPr rtlCol="0" anchor="ctr"/>
+          <a:lstStyle/>
+          <a:p>
+            <a:pPr algn="ctr"/>
+            <a:r>
+              <a:rPr kumimoji="1" lang="ko-KR" altLang="en-US" dirty="0"/>
+              <a:t>판매 요청확인</a:t>
+            </a:r>
+          </a:p>
+        </p:txBody>
+      </p:sp>
+      <p:sp>
+        <p:nvSpPr>
+          <p:cNvPr id="101" name="사각형: 둥근 모서리 100">
+            <a:extLst>
+              <a:ext uri="{FF2B5EF4-FFF2-40B4-BE49-F238E27FC236}">
+                <a16:creationId xmlns:a16="http://schemas.microsoft.com/office/drawing/2014/main" id="{5CFD229F-BD35-4E08-AD13-9B260B1C333B}"/>
+              </a:ext>
+            </a:extLst>
+          </p:cNvPr>
+          <p:cNvSpPr/>
+          <p:nvPr/>
+        </p:nvSpPr>
+        <p:spPr>
+          <a:xfrm>
+            <a:off x="7747174" y="4445711"/>
+            <a:ext cx="2141216" cy="1046840"/>
+          </a:xfrm>
+          <a:prstGeom prst="roundRect">
+            <a:avLst/>
+          </a:prstGeom>
+          <a:ln>
+            <a:noFill/>
+          </a:ln>
+          <a:effectLst>
+            <a:outerShdw blurRad="50800" dist="38100" dir="2700000" algn="tl" rotWithShape="0">
+              <a:prstClr val="black">
+                <a:alpha val="40000"/>
+              </a:prstClr>
+            </a:outerShdw>
+          </a:effectLst>
+        </p:spPr>
+        <p:style>
+          <a:lnRef idx="2">
+            <a:schemeClr val="accent1">
+              <a:shade val="50000"/>
+            </a:schemeClr>
+          </a:lnRef>
+          <a:fillRef idx="1">
+            <a:schemeClr val="accent1"/>
+          </a:fillRef>
+          <a:effectRef idx="0">
+            <a:schemeClr val="accent1"/>
+          </a:effectRef>
+          <a:fontRef idx="minor">
+            <a:schemeClr val="lt1"/>
+          </a:fontRef>
+        </p:style>
+        <p:txBody>
+          <a:bodyPr rtlCol="0" anchor="ctr"/>
+          <a:lstStyle/>
+          <a:p>
+            <a:pPr algn="ctr"/>
+            <a:r>
+              <a:rPr lang="en-US" altLang="ko-KR" dirty="0"/>
+              <a:t>SHOEFLY</a:t>
+            </a:r>
+            <a:r>
+              <a:rPr lang="ko-KR" altLang="en-US" dirty="0"/>
+              <a:t>에서 </a:t>
+            </a:r>
+            <a:endParaRPr lang="en-US" altLang="ko-KR" dirty="0"/>
+          </a:p>
+          <a:p>
+            <a:pPr algn="ctr"/>
+            <a:r>
+              <a:rPr lang="ko-KR" altLang="en-US" dirty="0"/>
+              <a:t>상품을 배송</a:t>
+            </a:r>
+            <a:endParaRPr kumimoji="1" lang="ko-KR" altLang="en-US" dirty="0"/>
+          </a:p>
+        </p:txBody>
+      </p:sp>
+      <p:sp>
+        <p:nvSpPr>
+          <p:cNvPr id="99" name="화살표: 오른쪽 98">
+            <a:extLst>
+              <a:ext uri="{FF2B5EF4-FFF2-40B4-BE49-F238E27FC236}">
+                <a16:creationId xmlns:a16="http://schemas.microsoft.com/office/drawing/2014/main" id="{A4C287D2-151E-43FA-B40D-F786F6A67B8D}"/>
+              </a:ext>
+            </a:extLst>
+          </p:cNvPr>
+          <p:cNvSpPr/>
+          <p:nvPr/>
+        </p:nvSpPr>
+        <p:spPr>
+          <a:xfrm>
+            <a:off x="4446503" y="5272065"/>
+            <a:ext cx="640508" cy="551175"/>
+          </a:xfrm>
+          <a:prstGeom prst="rightArrow">
+            <a:avLst/>
+          </a:prstGeom>
+          <a:solidFill>
+            <a:schemeClr val="accent1">
+              <a:lumMod val="60000"/>
+              <a:lumOff val="40000"/>
+            </a:schemeClr>
+          </a:solidFill>
+          <a:ln>
+            <a:noFill/>
+          </a:ln>
+          <a:effectLst>
+            <a:outerShdw blurRad="50800" dist="38100" dir="2700000" algn="tl" rotWithShape="0">
+              <a:prstClr val="black">
+                <a:alpha val="40000"/>
+              </a:prstClr>
+            </a:outerShdw>
+            <a:softEdge rad="12700"/>
+          </a:effectLst>
+        </p:spPr>
+        <p:style>
+          <a:lnRef idx="2">
+            <a:schemeClr val="accent1">
+              <a:shade val="50000"/>
+            </a:schemeClr>
+          </a:lnRef>
+          <a:fillRef idx="1">
+            <a:schemeClr val="accent1"/>
+          </a:fillRef>
+          <a:effectRef idx="0">
+            <a:schemeClr val="accent1"/>
+          </a:effectRef>
+          <a:fontRef idx="minor">
+            <a:schemeClr val="lt1"/>
+          </a:fontRef>
+        </p:style>
+        <p:txBody>
+          <a:bodyPr rtlCol="0" anchor="ctr"/>
+          <a:lstStyle/>
+          <a:p>
+            <a:pPr algn="ctr"/>
+            <a:endParaRPr kumimoji="1" lang="ko-KR" altLang="en-US"/>
+          </a:p>
+        </p:txBody>
+      </p:sp>
+      <p:sp>
+        <p:nvSpPr>
+          <p:cNvPr id="100" name="사각형: 둥근 모서리 99">
+            <a:extLst>
+              <a:ext uri="{FF2B5EF4-FFF2-40B4-BE49-F238E27FC236}">
+                <a16:creationId xmlns:a16="http://schemas.microsoft.com/office/drawing/2014/main" id="{1A482D62-D952-49CE-8BBC-56988C4E2D32}"/>
+              </a:ext>
+            </a:extLst>
+          </p:cNvPr>
+          <p:cNvSpPr/>
+          <p:nvPr/>
+        </p:nvSpPr>
+        <p:spPr>
+          <a:xfrm>
+            <a:off x="5254180" y="5069304"/>
+            <a:ext cx="1863557" cy="1046840"/>
+          </a:xfrm>
+          <a:prstGeom prst="roundRect">
+            <a:avLst/>
+          </a:prstGeom>
+          <a:ln>
+            <a:noFill/>
+          </a:ln>
+          <a:effectLst>
+            <a:outerShdw blurRad="50800" dist="38100" dir="2700000" algn="tl" rotWithShape="0">
+              <a:prstClr val="black">
+                <a:alpha val="40000"/>
+              </a:prstClr>
+            </a:outerShdw>
+          </a:effectLst>
+        </p:spPr>
+        <p:style>
+          <a:lnRef idx="2">
+            <a:schemeClr val="accent1">
+              <a:shade val="50000"/>
+            </a:schemeClr>
+          </a:lnRef>
+          <a:fillRef idx="1">
+            <a:schemeClr val="accent1"/>
+          </a:fillRef>
+          <a:effectRef idx="0">
+            <a:schemeClr val="accent1"/>
+          </a:effectRef>
+          <a:fontRef idx="minor">
+            <a:schemeClr val="lt1"/>
+          </a:fontRef>
+        </p:style>
+        <p:txBody>
+          <a:bodyPr rtlCol="0" anchor="ctr"/>
+          <a:lstStyle/>
+          <a:p>
+            <a:pPr algn="ctr"/>
+            <a:r>
+              <a:rPr kumimoji="1" lang="ko-KR" altLang="en-US" dirty="0"/>
+              <a:t>즉시 구매요청</a:t>
+            </a:r>
+          </a:p>
+        </p:txBody>
+      </p:sp>
+      <p:sp>
+        <p:nvSpPr>
+          <p:cNvPr id="77" name="화살표: 오른쪽 76">
+            <a:extLst>
+              <a:ext uri="{FF2B5EF4-FFF2-40B4-BE49-F238E27FC236}">
+                <a16:creationId xmlns:a16="http://schemas.microsoft.com/office/drawing/2014/main" id="{8396EA55-5F30-4677-B0BC-1F1EF7AAE64D}"/>
+              </a:ext>
+            </a:extLst>
+          </p:cNvPr>
+          <p:cNvSpPr/>
+          <p:nvPr/>
+        </p:nvSpPr>
+        <p:spPr>
+          <a:xfrm>
+            <a:off x="9796427" y="4718680"/>
+            <a:ext cx="640508" cy="551175"/>
+          </a:xfrm>
+          <a:prstGeom prst="rightArrow">
+            <a:avLst/>
+          </a:prstGeom>
+          <a:solidFill>
+            <a:schemeClr val="accent1">
+              <a:lumMod val="60000"/>
+              <a:lumOff val="40000"/>
+            </a:schemeClr>
+          </a:solidFill>
+          <a:ln>
+            <a:noFill/>
+          </a:ln>
+          <a:effectLst>
+            <a:outerShdw blurRad="50800" dist="38100" dir="2700000" algn="tl" rotWithShape="0">
+              <a:prstClr val="black">
+                <a:alpha val="40000"/>
+              </a:prstClr>
+            </a:outerShdw>
+            <a:softEdge rad="12700"/>
+          </a:effectLst>
+        </p:spPr>
+        <p:style>
+          <a:lnRef idx="2">
+            <a:schemeClr val="accent1">
+              <a:shade val="50000"/>
+            </a:schemeClr>
+          </a:lnRef>
+          <a:fillRef idx="1">
+            <a:schemeClr val="accent1"/>
+          </a:fillRef>
+          <a:effectRef idx="0">
+            <a:schemeClr val="accent1"/>
+          </a:effectRef>
+          <a:fontRef idx="minor">
+            <a:schemeClr val="lt1"/>
+          </a:fontRef>
+        </p:style>
+        <p:txBody>
+          <a:bodyPr rtlCol="0" anchor="ctr"/>
+          <a:lstStyle/>
+          <a:p>
+            <a:pPr algn="ctr"/>
+            <a:endParaRPr kumimoji="1" lang="ko-KR" altLang="en-US"/>
+          </a:p>
+        </p:txBody>
+      </p:sp>
+      <p:sp>
+        <p:nvSpPr>
+          <p:cNvPr id="102" name="화살표: 오른쪽 101">
+            <a:extLst>
+              <a:ext uri="{FF2B5EF4-FFF2-40B4-BE49-F238E27FC236}">
+                <a16:creationId xmlns:a16="http://schemas.microsoft.com/office/drawing/2014/main" id="{5FE83BE7-7720-4394-9B63-80C538F068F4}"/>
+              </a:ext>
+            </a:extLst>
+          </p:cNvPr>
+          <p:cNvSpPr/>
+          <p:nvPr/>
+        </p:nvSpPr>
+        <p:spPr>
+          <a:xfrm rot="2549760">
+            <a:off x="7145037" y="4126007"/>
+            <a:ext cx="640508" cy="551175"/>
+          </a:xfrm>
+          <a:prstGeom prst="rightArrow">
+            <a:avLst/>
+          </a:prstGeom>
+          <a:solidFill>
+            <a:schemeClr val="accent1">
+              <a:lumMod val="60000"/>
+              <a:lumOff val="40000"/>
+            </a:schemeClr>
+          </a:solidFill>
+          <a:ln>
+            <a:noFill/>
+          </a:ln>
+          <a:effectLst>
+            <a:outerShdw blurRad="50800" dist="38100" dir="2700000" algn="tl" rotWithShape="0">
+              <a:prstClr val="black">
+                <a:alpha val="40000"/>
+              </a:prstClr>
+            </a:outerShdw>
+            <a:softEdge rad="12700"/>
+          </a:effectLst>
+        </p:spPr>
+        <p:style>
+          <a:lnRef idx="2">
+            <a:schemeClr val="accent1">
+              <a:shade val="50000"/>
+            </a:schemeClr>
+          </a:lnRef>
+          <a:fillRef idx="1">
+            <a:schemeClr val="accent1"/>
+          </a:fillRef>
+          <a:effectRef idx="0">
+            <a:schemeClr val="accent1"/>
+          </a:effectRef>
+          <a:fontRef idx="minor">
+            <a:schemeClr val="lt1"/>
+          </a:fontRef>
+        </p:style>
+        <p:txBody>
+          <a:bodyPr rtlCol="0" anchor="ctr"/>
+          <a:lstStyle/>
+          <a:p>
+            <a:pPr algn="ctr"/>
+            <a:endParaRPr kumimoji="1" lang="ko-KR" altLang="en-US"/>
+          </a:p>
+        </p:txBody>
+      </p:sp>
+      <p:sp>
+        <p:nvSpPr>
+          <p:cNvPr id="103" name="화살표: 오른쪽 102">
+            <a:extLst>
+              <a:ext uri="{FF2B5EF4-FFF2-40B4-BE49-F238E27FC236}">
+                <a16:creationId xmlns:a16="http://schemas.microsoft.com/office/drawing/2014/main" id="{3BE2C4D1-E2D3-4F69-987F-D8945D264BD4}"/>
+              </a:ext>
+            </a:extLst>
+          </p:cNvPr>
+          <p:cNvSpPr/>
+          <p:nvPr/>
+        </p:nvSpPr>
+        <p:spPr>
+          <a:xfrm rot="18936463">
+            <a:off x="7171218" y="5299531"/>
+            <a:ext cx="640508" cy="551175"/>
+          </a:xfrm>
+          <a:prstGeom prst="rightArrow">
+            <a:avLst/>
+          </a:prstGeom>
+          <a:solidFill>
+            <a:schemeClr val="accent1">
+              <a:lumMod val="60000"/>
+              <a:lumOff val="40000"/>
+            </a:schemeClr>
+          </a:solidFill>
+          <a:ln>
+            <a:noFill/>
+          </a:ln>
+          <a:effectLst>
+            <a:outerShdw blurRad="50800" dist="38100" dir="2700000" algn="tl" rotWithShape="0">
+              <a:prstClr val="black">
+                <a:alpha val="40000"/>
+              </a:prstClr>
+            </a:outerShdw>
+            <a:softEdge rad="12700"/>
+          </a:effectLst>
+        </p:spPr>
+        <p:style>
+          <a:lnRef idx="2">
+            <a:schemeClr val="accent1">
+              <a:shade val="50000"/>
+            </a:schemeClr>
+          </a:lnRef>
+          <a:fillRef idx="1">
+            <a:schemeClr val="accent1"/>
+          </a:fillRef>
+          <a:effectRef idx="0">
+            <a:schemeClr val="accent1"/>
+          </a:effectRef>
+          <a:fontRef idx="minor">
+            <a:schemeClr val="lt1"/>
+          </a:fontRef>
+        </p:style>
+        <p:txBody>
+          <a:bodyPr rtlCol="0" anchor="ctr"/>
+          <a:lstStyle/>
+          <a:p>
+            <a:pPr algn="ctr"/>
+            <a:endParaRPr kumimoji="1" lang="ko-KR" altLang="en-US"/>
           </a:p>
         </p:txBody>
       </p:sp>
     </p:spTree>
     <p:extLst>
       <p:ext uri="{BB962C8B-B14F-4D97-AF65-F5344CB8AC3E}">
-        <p14:creationId xmlns:p14="http://schemas.microsoft.com/office/powerpoint/2010/main" val="2177746434"/>
+        <p14:creationId xmlns:p14="http://schemas.microsoft.com/office/powerpoint/2010/main" val="217373100"/>
       </p:ext>
     </p:extLst>
   </p:cSld>
   <p:clrMapOvr>
     <a:masterClrMapping/>
   </p:clrMapOvr>
-  <mc:AlternateContent xmlns:mc="http://schemas.openxmlformats.org/markup-compatibility/2006" xmlns:p159="http://schemas.microsoft.com/office/powerpoint/2015/09/main">
-    <mc:Choice Requires="p159">
+  <mc:AlternateContent xmlns:mc="http://schemas.openxmlformats.org/markup-compatibility/2006">
+    <mc:Choice xmlns:p159="http://schemas.microsoft.com/office/powerpoint/2015/09/main" Requires="p159">
       <p:transition xmlns:p14="http://schemas.microsoft.com/office/powerpoint/2010/main" spd="slow" p14:dur="2000">
         <p159:morph option="byObject"/>
       </p:transition>
     </mc:Choice>
-    <mc:Fallback xmlns="">
+    <mc:Fallback>
       <p:transition spd="slow">
         <p:fade/>
       </p:transition>
@@ -16938,7 +18765,7 @@
         <p:spPr>
           <a:xfrm>
             <a:off x="1274182" y="460392"/>
-            <a:ext cx="3621504" cy="646331"/>
+            <a:ext cx="4309193" cy="646331"/>
           </a:xfrm>
           <a:prstGeom prst="rect">
             <a:avLst/>
@@ -16960,7 +18787,7 @@
                   </a:schemeClr>
                 </a:solidFill>
               </a:rPr>
-              <a:t>작업 스케줄러</a:t>
+              <a:t>요구사항 명세서</a:t>
             </a:r>
             <a:endParaRPr lang="ja-JP" altLang="en-US" sz="3600" b="1" spc="600" dirty="0">
               <a:solidFill>
@@ -17028,54 +18855,19 @@
           </a:p>
         </p:txBody>
       </p:sp>
-      <p:sp>
-        <p:nvSpPr>
-          <p:cNvPr id="14" name="TextBox 13"/>
-          <p:cNvSpPr txBox="1"/>
-          <p:nvPr/>
-        </p:nvSpPr>
-        <p:spPr>
-          <a:xfrm>
-            <a:off x="19969081" y="11230124"/>
-            <a:ext cx="831252" cy="854300"/>
-          </a:xfrm>
-          <a:prstGeom prst="rect">
-            <a:avLst/>
-          </a:prstGeom>
-          <a:noFill/>
-        </p:spPr>
-        <p:txBody>
-          <a:bodyPr wrap="square" rtlCol="0">
-            <a:spAutoFit/>
-          </a:bodyPr>
-          <a:lstStyle/>
-          <a:p>
-            <a:endParaRPr lang="ko-KR" altLang="en-US" dirty="0"/>
-          </a:p>
-        </p:txBody>
-      </p:sp>
     </p:spTree>
     <p:extLst>
       <p:ext uri="{BB962C8B-B14F-4D97-AF65-F5344CB8AC3E}">
-        <p14:creationId xmlns:p14="http://schemas.microsoft.com/office/powerpoint/2010/main" val="176848246"/>
+        <p14:creationId xmlns:p14="http://schemas.microsoft.com/office/powerpoint/2010/main" val="610794697"/>
       </p:ext>
     </p:extLst>
   </p:cSld>
   <p:clrMapOvr>
     <a:masterClrMapping/>
   </p:clrMapOvr>
-  <mc:AlternateContent xmlns:mc="http://schemas.openxmlformats.org/markup-compatibility/2006" xmlns:p159="http://schemas.microsoft.com/office/powerpoint/2015/09/main">
-    <mc:Choice Requires="p159">
-      <p:transition xmlns:p14="http://schemas.microsoft.com/office/powerpoint/2010/main" spd="slow" p14:dur="2000">
-        <p159:morph option="byObject"/>
-      </p:transition>
-    </mc:Choice>
-    <mc:Fallback xmlns="">
-      <p:transition spd="slow">
-        <p:fade/>
-      </p:transition>
-    </mc:Fallback>
-  </mc:AlternateContent>
+  <p:transition spd="slow">
+    <p:fade/>
+  </p:transition>
 </p:sld>
 </file>
 

--- a/project/B조_프로젝트_SHOEFLY.pptx
+++ b/project/B조_프로젝트_SHOEFLY.pptx
@@ -16,19 +16,24 @@
     <p:sldId id="290" r:id="rId10"/>
     <p:sldId id="291" r:id="rId11"/>
     <p:sldId id="287" r:id="rId12"/>
-    <p:sldId id="283" r:id="rId13"/>
-    <p:sldId id="266" r:id="rId14"/>
-    <p:sldId id="272" r:id="rId15"/>
-    <p:sldId id="271" r:id="rId16"/>
-    <p:sldId id="279" r:id="rId17"/>
-    <p:sldId id="278" r:id="rId18"/>
-    <p:sldId id="260" r:id="rId19"/>
-    <p:sldId id="261" r:id="rId20"/>
-    <p:sldId id="262" r:id="rId21"/>
-    <p:sldId id="263" r:id="rId22"/>
-    <p:sldId id="264" r:id="rId23"/>
-    <p:sldId id="267" r:id="rId24"/>
-    <p:sldId id="280" r:id="rId25"/>
+    <p:sldId id="293" r:id="rId13"/>
+    <p:sldId id="295" r:id="rId14"/>
+    <p:sldId id="298" r:id="rId15"/>
+    <p:sldId id="296" r:id="rId16"/>
+    <p:sldId id="299" r:id="rId17"/>
+    <p:sldId id="283" r:id="rId18"/>
+    <p:sldId id="266" r:id="rId19"/>
+    <p:sldId id="272" r:id="rId20"/>
+    <p:sldId id="271" r:id="rId21"/>
+    <p:sldId id="279" r:id="rId22"/>
+    <p:sldId id="278" r:id="rId23"/>
+    <p:sldId id="260" r:id="rId24"/>
+    <p:sldId id="261" r:id="rId25"/>
+    <p:sldId id="262" r:id="rId26"/>
+    <p:sldId id="263" r:id="rId27"/>
+    <p:sldId id="264" r:id="rId28"/>
+    <p:sldId id="267" r:id="rId29"/>
+    <p:sldId id="280" r:id="rId30"/>
   </p:sldIdLst>
   <p:sldSz cx="12192000" cy="6858000"/>
   <p:notesSz cx="7104063" cy="10234613"/>
@@ -1275,7 +1280,7 @@
           <a:p>
             <a:fld id="{881E6E86-9C0A-4A2D-8618-9781F5C54702}" type="datetimeFigureOut">
               <a:rPr kumimoji="1" lang="ja-JP" altLang="en-US" smtClean="0"/>
-              <a:t>2021/7/30</a:t>
+              <a:t>2021/7/31</a:t>
             </a:fld>
             <a:endParaRPr kumimoji="1" lang="ja-JP" altLang="en-US"/>
           </a:p>
@@ -1475,7 +1480,7 @@
           <a:p>
             <a:fld id="{881E6E86-9C0A-4A2D-8618-9781F5C54702}" type="datetimeFigureOut">
               <a:rPr kumimoji="1" lang="ja-JP" altLang="en-US" smtClean="0"/>
-              <a:t>2021/7/30</a:t>
+              <a:t>2021/7/31</a:t>
             </a:fld>
             <a:endParaRPr kumimoji="1" lang="ja-JP" altLang="en-US"/>
           </a:p>
@@ -1685,7 +1690,7 @@
           <a:p>
             <a:fld id="{881E6E86-9C0A-4A2D-8618-9781F5C54702}" type="datetimeFigureOut">
               <a:rPr kumimoji="1" lang="ja-JP" altLang="en-US" smtClean="0"/>
-              <a:t>2021/7/30</a:t>
+              <a:t>2021/7/31</a:t>
             </a:fld>
             <a:endParaRPr kumimoji="1" lang="ja-JP" altLang="en-US"/>
           </a:p>
@@ -1885,7 +1890,7 @@
           <a:p>
             <a:fld id="{881E6E86-9C0A-4A2D-8618-9781F5C54702}" type="datetimeFigureOut">
               <a:rPr kumimoji="1" lang="ja-JP" altLang="en-US" smtClean="0"/>
-              <a:t>2021/7/30</a:t>
+              <a:t>2021/7/31</a:t>
             </a:fld>
             <a:endParaRPr kumimoji="1" lang="ja-JP" altLang="en-US"/>
           </a:p>
@@ -2130,7 +2135,7 @@
           <a:p>
             <a:fld id="{881E6E86-9C0A-4A2D-8618-9781F5C54702}" type="datetimeFigureOut">
               <a:rPr kumimoji="1" lang="ja-JP" altLang="en-US" smtClean="0"/>
-              <a:t>2021/7/30</a:t>
+              <a:t>2021/7/31</a:t>
             </a:fld>
             <a:endParaRPr kumimoji="1" lang="ja-JP" altLang="en-US"/>
           </a:p>
@@ -2423,7 +2428,7 @@
           <a:p>
             <a:fld id="{881E6E86-9C0A-4A2D-8618-9781F5C54702}" type="datetimeFigureOut">
               <a:rPr kumimoji="1" lang="ja-JP" altLang="en-US" smtClean="0"/>
-              <a:t>2021/7/30</a:t>
+              <a:t>2021/7/31</a:t>
             </a:fld>
             <a:endParaRPr kumimoji="1" lang="ja-JP" altLang="en-US"/>
           </a:p>
@@ -2851,7 +2856,7 @@
           <a:p>
             <a:fld id="{881E6E86-9C0A-4A2D-8618-9781F5C54702}" type="datetimeFigureOut">
               <a:rPr kumimoji="1" lang="ja-JP" altLang="en-US" smtClean="0"/>
-              <a:t>2021/7/30</a:t>
+              <a:t>2021/7/31</a:t>
             </a:fld>
             <a:endParaRPr kumimoji="1" lang="ja-JP" altLang="en-US"/>
           </a:p>
@@ -2968,7 +2973,7 @@
           <a:p>
             <a:fld id="{881E6E86-9C0A-4A2D-8618-9781F5C54702}" type="datetimeFigureOut">
               <a:rPr kumimoji="1" lang="ja-JP" altLang="en-US" smtClean="0"/>
-              <a:t>2021/7/30</a:t>
+              <a:t>2021/7/31</a:t>
             </a:fld>
             <a:endParaRPr kumimoji="1" lang="ja-JP" altLang="en-US"/>
           </a:p>
@@ -3063,7 +3068,7 @@
           <a:p>
             <a:fld id="{881E6E86-9C0A-4A2D-8618-9781F5C54702}" type="datetimeFigureOut">
               <a:rPr kumimoji="1" lang="ja-JP" altLang="en-US" smtClean="0"/>
-              <a:t>2021/7/30</a:t>
+              <a:t>2021/7/31</a:t>
             </a:fld>
             <a:endParaRPr kumimoji="1" lang="ja-JP" altLang="en-US"/>
           </a:p>
@@ -3370,7 +3375,7 @@
           <a:p>
             <a:fld id="{881E6E86-9C0A-4A2D-8618-9781F5C54702}" type="datetimeFigureOut">
               <a:rPr kumimoji="1" lang="ja-JP" altLang="en-US" smtClean="0"/>
-              <a:t>2021/7/30</a:t>
+              <a:t>2021/7/31</a:t>
             </a:fld>
             <a:endParaRPr kumimoji="1" lang="ja-JP" altLang="en-US"/>
           </a:p>
@@ -3622,7 +3627,7 @@
           <a:p>
             <a:fld id="{881E6E86-9C0A-4A2D-8618-9781F5C54702}" type="datetimeFigureOut">
               <a:rPr kumimoji="1" lang="ja-JP" altLang="en-US" smtClean="0"/>
-              <a:t>2021/7/30</a:t>
+              <a:t>2021/7/31</a:t>
             </a:fld>
             <a:endParaRPr kumimoji="1" lang="ja-JP" altLang="en-US"/>
           </a:p>
@@ -3865,7 +3870,7 @@
           <a:p>
             <a:fld id="{881E6E86-9C0A-4A2D-8618-9781F5C54702}" type="datetimeFigureOut">
               <a:rPr kumimoji="1" lang="ja-JP" altLang="en-US" smtClean="0"/>
-              <a:t>2021/7/30</a:t>
+              <a:t>2021/7/31</a:t>
             </a:fld>
             <a:endParaRPr kumimoji="1" lang="ja-JP" altLang="en-US"/>
           </a:p>
@@ -4685,36 +4690,6 @@
           <a:chExt cx="0" cy="0"/>
         </a:xfrm>
       </p:grpSpPr>
-      <p:pic>
-        <p:nvPicPr>
-          <p:cNvPr id="7" name="그림 6" descr="테이블이(가) 표시된 사진&#10;&#10;자동 생성된 설명">
-            <a:extLst>
-              <a:ext uri="{FF2B5EF4-FFF2-40B4-BE49-F238E27FC236}">
-                <a16:creationId xmlns:a16="http://schemas.microsoft.com/office/drawing/2014/main" id="{B1FA4C06-C7D0-4B27-AE0A-13FDBCA467C4}"/>
-              </a:ext>
-            </a:extLst>
-          </p:cNvPr>
-          <p:cNvPicPr>
-            <a:picLocks noChangeAspect="1"/>
-          </p:cNvPicPr>
-          <p:nvPr/>
-        </p:nvPicPr>
-        <p:blipFill>
-          <a:blip r:embed="rId2"/>
-          <a:stretch>
-            <a:fillRect/>
-          </a:stretch>
-        </p:blipFill>
-        <p:spPr>
-          <a:xfrm>
-            <a:off x="1098013" y="722002"/>
-            <a:ext cx="9995973" cy="5869884"/>
-          </a:xfrm>
-          <a:prstGeom prst="rect">
-            <a:avLst/>
-          </a:prstGeom>
-        </p:spPr>
-      </p:pic>
       <p:sp>
         <p:nvSpPr>
           <p:cNvPr id="2" name="正方形/長方形 1"/>
@@ -4758,6 +4733,35 @@
           </a:p>
         </p:txBody>
       </p:sp>
+      <p:pic>
+        <p:nvPicPr>
+          <p:cNvPr id="8" name="그림 7" descr="테이블이(가) 표시된 사진&#10;&#10;자동 생성된 설명">
+            <a:extLst>
+              <a:ext uri="{FF2B5EF4-FFF2-40B4-BE49-F238E27FC236}">
+                <a16:creationId xmlns:a16="http://schemas.microsoft.com/office/drawing/2014/main" id="{A7B66C84-0302-41FE-B1E5-F96D69CC7587}"/>
+              </a:ext>
+            </a:extLst>
+          </p:cNvPr>
+          <p:cNvPicPr>
+            <a:picLocks noChangeAspect="1"/>
+          </p:cNvPicPr>
+          <p:nvPr/>
+        </p:nvPicPr>
+        <p:blipFill rotWithShape="1">
+          <a:blip r:embed="rId2"/>
+          <a:srcRect t="4096" r="28681" b="40591"/>
+          <a:stretch/>
+        </p:blipFill>
+        <p:spPr>
+          <a:xfrm>
+            <a:off x="1092970" y="722002"/>
+            <a:ext cx="10006060" cy="5901437"/>
+          </a:xfrm>
+          <a:prstGeom prst="rect">
+            <a:avLst/>
+          </a:prstGeom>
+        </p:spPr>
+      </p:pic>
       <p:sp>
         <p:nvSpPr>
           <p:cNvPr id="3" name="正方形/長方形 2"/>
@@ -4981,6 +4985,2911 @@
       </p:grpSpPr>
       <p:sp>
         <p:nvSpPr>
+          <p:cNvPr id="16" name="직사각형 15">
+            <a:extLst>
+              <a:ext uri="{FF2B5EF4-FFF2-40B4-BE49-F238E27FC236}">
+                <a16:creationId xmlns:a16="http://schemas.microsoft.com/office/drawing/2014/main" id="{8FC33940-E03C-45A5-8B73-C2004DE003E0}"/>
+              </a:ext>
+            </a:extLst>
+          </p:cNvPr>
+          <p:cNvSpPr/>
+          <p:nvPr/>
+        </p:nvSpPr>
+        <p:spPr>
+          <a:xfrm>
+            <a:off x="313248" y="1286540"/>
+            <a:ext cx="11565504" cy="5111068"/>
+          </a:xfrm>
+          <a:prstGeom prst="rect">
+            <a:avLst/>
+          </a:prstGeom>
+          <a:solidFill>
+            <a:srgbClr val="F7F7F7"/>
+          </a:solidFill>
+          <a:ln>
+            <a:noFill/>
+          </a:ln>
+        </p:spPr>
+        <p:style>
+          <a:lnRef idx="2">
+            <a:schemeClr val="accent1">
+              <a:shade val="50000"/>
+            </a:schemeClr>
+          </a:lnRef>
+          <a:fillRef idx="1">
+            <a:schemeClr val="accent1"/>
+          </a:fillRef>
+          <a:effectRef idx="0">
+            <a:schemeClr val="accent1"/>
+          </a:effectRef>
+          <a:fontRef idx="minor">
+            <a:schemeClr val="lt1"/>
+          </a:fontRef>
+        </p:style>
+        <p:txBody>
+          <a:bodyPr rtlCol="0" anchor="ctr"/>
+          <a:lstStyle/>
+          <a:p>
+            <a:pPr algn="ctr"/>
+            <a:endParaRPr kumimoji="1" lang="ko-KR" altLang="en-US"/>
+          </a:p>
+        </p:txBody>
+      </p:sp>
+      <p:sp>
+        <p:nvSpPr>
+          <p:cNvPr id="2" name="正方形/長方形 1"/>
+          <p:cNvSpPr/>
+          <p:nvPr/>
+        </p:nvSpPr>
+        <p:spPr>
+          <a:xfrm>
+            <a:off x="0" y="0"/>
+            <a:ext cx="12192000" cy="72000"/>
+          </a:xfrm>
+          <a:prstGeom prst="rect">
+            <a:avLst/>
+          </a:prstGeom>
+          <a:ln>
+            <a:noFill/>
+          </a:ln>
+        </p:spPr>
+        <p:style>
+          <a:lnRef idx="2">
+            <a:schemeClr val="accent1">
+              <a:shade val="50000"/>
+            </a:schemeClr>
+          </a:lnRef>
+          <a:fillRef idx="1">
+            <a:schemeClr val="accent1"/>
+          </a:fillRef>
+          <a:effectRef idx="0">
+            <a:schemeClr val="accent1"/>
+          </a:effectRef>
+          <a:fontRef idx="minor">
+            <a:schemeClr val="lt1"/>
+          </a:fontRef>
+        </p:style>
+        <p:txBody>
+          <a:bodyPr rtlCol="0" anchor="ctr"/>
+          <a:lstStyle/>
+          <a:p>
+            <a:pPr algn="ctr"/>
+            <a:endParaRPr kumimoji="1" lang="ja-JP" altLang="en-US"/>
+          </a:p>
+        </p:txBody>
+      </p:sp>
+      <p:sp>
+        <p:nvSpPr>
+          <p:cNvPr id="3" name="正方形/長方形 2"/>
+          <p:cNvSpPr/>
+          <p:nvPr/>
+        </p:nvSpPr>
+        <p:spPr>
+          <a:xfrm>
+            <a:off x="0" y="6786000"/>
+            <a:ext cx="12192000" cy="72000"/>
+          </a:xfrm>
+          <a:prstGeom prst="rect">
+            <a:avLst/>
+          </a:prstGeom>
+          <a:ln>
+            <a:noFill/>
+          </a:ln>
+        </p:spPr>
+        <p:style>
+          <a:lnRef idx="2">
+            <a:schemeClr val="accent1">
+              <a:shade val="50000"/>
+            </a:schemeClr>
+          </a:lnRef>
+          <a:fillRef idx="1">
+            <a:schemeClr val="accent1"/>
+          </a:fillRef>
+          <a:effectRef idx="0">
+            <a:schemeClr val="accent1"/>
+          </a:effectRef>
+          <a:fontRef idx="minor">
+            <a:schemeClr val="lt1"/>
+          </a:fontRef>
+        </p:style>
+        <p:txBody>
+          <a:bodyPr rtlCol="0" anchor="ctr"/>
+          <a:lstStyle/>
+          <a:p>
+            <a:pPr algn="ctr"/>
+            <a:endParaRPr kumimoji="1" lang="ja-JP" altLang="en-US"/>
+          </a:p>
+        </p:txBody>
+      </p:sp>
+      <p:sp>
+        <p:nvSpPr>
+          <p:cNvPr id="4" name="テキスト ボックス 3"/>
+          <p:cNvSpPr txBox="1"/>
+          <p:nvPr/>
+        </p:nvSpPr>
+        <p:spPr>
+          <a:xfrm>
+            <a:off x="1274182" y="460392"/>
+            <a:ext cx="5648726" cy="646331"/>
+          </a:xfrm>
+          <a:prstGeom prst="rect">
+            <a:avLst/>
+          </a:prstGeom>
+          <a:noFill/>
+        </p:spPr>
+        <p:txBody>
+          <a:bodyPr wrap="none" rtlCol="0">
+            <a:spAutoFit/>
+          </a:bodyPr>
+          <a:lstStyle/>
+          <a:p>
+            <a:r>
+              <a:rPr lang="en-US" altLang="ja-JP" sz="3600" b="1" spc="600" dirty="0">
+                <a:solidFill>
+                  <a:schemeClr val="tx1">
+                    <a:lumMod val="75000"/>
+                    <a:lumOff val="25000"/>
+                  </a:schemeClr>
+                </a:solidFill>
+              </a:rPr>
+              <a:t>DB TABLE </a:t>
+            </a:r>
+            <a:r>
+              <a:rPr lang="ko-KR" altLang="en-US" sz="3600" b="1" spc="600" dirty="0">
+                <a:solidFill>
+                  <a:schemeClr val="tx1">
+                    <a:lumMod val="75000"/>
+                    <a:lumOff val="25000"/>
+                  </a:schemeClr>
+                </a:solidFill>
+              </a:rPr>
+              <a:t>구조</a:t>
+            </a:r>
+            <a:r>
+              <a:rPr lang="en-US" altLang="ko-KR" sz="2800" b="1" spc="600" dirty="0">
+                <a:solidFill>
+                  <a:schemeClr val="tx1">
+                    <a:lumMod val="75000"/>
+                    <a:lumOff val="25000"/>
+                  </a:schemeClr>
+                </a:solidFill>
+              </a:rPr>
+              <a:t>(</a:t>
+            </a:r>
+            <a:r>
+              <a:rPr lang="ko-KR" altLang="en-US" sz="2800" b="1" spc="600" dirty="0">
+                <a:solidFill>
+                  <a:schemeClr val="tx1">
+                    <a:lumMod val="75000"/>
+                    <a:lumOff val="25000"/>
+                  </a:schemeClr>
+                </a:solidFill>
+              </a:rPr>
+              <a:t>회원</a:t>
+            </a:r>
+            <a:r>
+              <a:rPr lang="en-US" altLang="ko-KR" sz="2800" b="1" spc="600" dirty="0">
+                <a:solidFill>
+                  <a:schemeClr val="tx1">
+                    <a:lumMod val="75000"/>
+                    <a:lumOff val="25000"/>
+                  </a:schemeClr>
+                </a:solidFill>
+              </a:rPr>
+              <a:t>)</a:t>
+            </a:r>
+            <a:endParaRPr lang="ja-JP" altLang="en-US" sz="2800" b="1" spc="600" dirty="0">
+              <a:solidFill>
+                <a:schemeClr val="tx1">
+                  <a:lumMod val="75000"/>
+                  <a:lumOff val="25000"/>
+                </a:schemeClr>
+              </a:solidFill>
+            </a:endParaRPr>
+          </a:p>
+        </p:txBody>
+      </p:sp>
+      <p:sp>
+        <p:nvSpPr>
+          <p:cNvPr id="5" name="テキスト ボックス 4"/>
+          <p:cNvSpPr txBox="1"/>
+          <p:nvPr/>
+        </p:nvSpPr>
+        <p:spPr>
+          <a:xfrm>
+            <a:off x="132523" y="198782"/>
+            <a:ext cx="3013967" cy="261610"/>
+          </a:xfrm>
+          <a:prstGeom prst="rect">
+            <a:avLst/>
+          </a:prstGeom>
+          <a:noFill/>
+        </p:spPr>
+        <p:txBody>
+          <a:bodyPr wrap="none" rtlCol="0">
+            <a:spAutoFit/>
+          </a:bodyPr>
+          <a:lstStyle/>
+          <a:p>
+            <a:r>
+              <a:rPr lang="en-US" altLang="ja-JP" sz="1100" spc="600" dirty="0">
+                <a:solidFill>
+                  <a:schemeClr val="tx1">
+                    <a:lumMod val="75000"/>
+                    <a:lumOff val="25000"/>
+                  </a:schemeClr>
+                </a:solidFill>
+              </a:rPr>
+              <a:t>PART 2 </a:t>
+            </a:r>
+            <a:r>
+              <a:rPr lang="ko-KR" altLang="en-US" sz="1100" spc="600" dirty="0">
+                <a:solidFill>
+                  <a:schemeClr val="tx1">
+                    <a:lumMod val="75000"/>
+                    <a:lumOff val="25000"/>
+                  </a:schemeClr>
+                </a:solidFill>
+              </a:rPr>
+              <a:t>개발환경 및 기획</a:t>
+            </a:r>
+            <a:endParaRPr kumimoji="1" lang="ja-JP" altLang="en-US" sz="1100" spc="600" dirty="0">
+              <a:solidFill>
+                <a:schemeClr val="tx1">
+                  <a:lumMod val="75000"/>
+                  <a:lumOff val="25000"/>
+                </a:schemeClr>
+              </a:solidFill>
+            </a:endParaRPr>
+          </a:p>
+        </p:txBody>
+      </p:sp>
+      <p:sp>
+        <p:nvSpPr>
+          <p:cNvPr id="14" name="TextBox 13"/>
+          <p:cNvSpPr txBox="1"/>
+          <p:nvPr/>
+        </p:nvSpPr>
+        <p:spPr>
+          <a:xfrm>
+            <a:off x="19969081" y="11230124"/>
+            <a:ext cx="831252" cy="854300"/>
+          </a:xfrm>
+          <a:prstGeom prst="rect">
+            <a:avLst/>
+          </a:prstGeom>
+          <a:noFill/>
+        </p:spPr>
+        <p:txBody>
+          <a:bodyPr wrap="square" rtlCol="0">
+            <a:spAutoFit/>
+          </a:bodyPr>
+          <a:lstStyle/>
+          <a:p>
+            <a:endParaRPr lang="ko-KR" altLang="en-US" dirty="0"/>
+          </a:p>
+        </p:txBody>
+      </p:sp>
+      <p:pic>
+        <p:nvPicPr>
+          <p:cNvPr id="8" name="그림 7" descr="테이블이(가) 표시된 사진&#10;&#10;자동 생성된 설명">
+            <a:extLst>
+              <a:ext uri="{FF2B5EF4-FFF2-40B4-BE49-F238E27FC236}">
+                <a16:creationId xmlns:a16="http://schemas.microsoft.com/office/drawing/2014/main" id="{E539EF22-18E1-4B8F-AEE0-BE55851EBB63}"/>
+              </a:ext>
+            </a:extLst>
+          </p:cNvPr>
+          <p:cNvPicPr>
+            <a:picLocks noChangeAspect="1"/>
+          </p:cNvPicPr>
+          <p:nvPr/>
+        </p:nvPicPr>
+        <p:blipFill>
+          <a:blip r:embed="rId2"/>
+          <a:stretch>
+            <a:fillRect/>
+          </a:stretch>
+        </p:blipFill>
+        <p:spPr>
+          <a:xfrm>
+            <a:off x="1704975" y="1830580"/>
+            <a:ext cx="3600450" cy="2952750"/>
+          </a:xfrm>
+          <a:prstGeom prst="rect">
+            <a:avLst/>
+          </a:prstGeom>
+        </p:spPr>
+      </p:pic>
+      <p:pic>
+        <p:nvPicPr>
+          <p:cNvPr id="10" name="그림 9" descr="테이블이(가) 표시된 사진&#10;&#10;자동 생성된 설명">
+            <a:extLst>
+              <a:ext uri="{FF2B5EF4-FFF2-40B4-BE49-F238E27FC236}">
+                <a16:creationId xmlns:a16="http://schemas.microsoft.com/office/drawing/2014/main" id="{2E73D41E-A5ED-4B1A-88FC-B93EC79A5FB6}"/>
+              </a:ext>
+            </a:extLst>
+          </p:cNvPr>
+          <p:cNvPicPr>
+            <a:picLocks noChangeAspect="1"/>
+          </p:cNvPicPr>
+          <p:nvPr/>
+        </p:nvPicPr>
+        <p:blipFill>
+          <a:blip r:embed="rId3"/>
+          <a:stretch>
+            <a:fillRect/>
+          </a:stretch>
+        </p:blipFill>
+        <p:spPr>
+          <a:xfrm>
+            <a:off x="6831541" y="2316355"/>
+            <a:ext cx="3676650" cy="2466975"/>
+          </a:xfrm>
+          <a:prstGeom prst="rect">
+            <a:avLst/>
+          </a:prstGeom>
+        </p:spPr>
+      </p:pic>
+      <p:sp>
+        <p:nvSpPr>
+          <p:cNvPr id="11" name="TextBox 10">
+            <a:extLst>
+              <a:ext uri="{FF2B5EF4-FFF2-40B4-BE49-F238E27FC236}">
+                <a16:creationId xmlns:a16="http://schemas.microsoft.com/office/drawing/2014/main" id="{7D65871B-E2A9-4CB8-839D-6CF5404B043A}"/>
+              </a:ext>
+            </a:extLst>
+          </p:cNvPr>
+          <p:cNvSpPr txBox="1"/>
+          <p:nvPr/>
+        </p:nvSpPr>
+        <p:spPr>
+          <a:xfrm>
+            <a:off x="1744133" y="1461248"/>
+            <a:ext cx="3285065" cy="369332"/>
+          </a:xfrm>
+          <a:prstGeom prst="rect">
+            <a:avLst/>
+          </a:prstGeom>
+          <a:noFill/>
+        </p:spPr>
+        <p:txBody>
+          <a:bodyPr wrap="square" rtlCol="0">
+            <a:spAutoFit/>
+          </a:bodyPr>
+          <a:lstStyle/>
+          <a:p>
+            <a:r>
+              <a:rPr lang="ko-KR" altLang="en-US" b="1" dirty="0"/>
+              <a:t>회원 테이블</a:t>
+            </a:r>
+          </a:p>
+        </p:txBody>
+      </p:sp>
+      <p:sp>
+        <p:nvSpPr>
+          <p:cNvPr id="13" name="TextBox 12">
+            <a:extLst>
+              <a:ext uri="{FF2B5EF4-FFF2-40B4-BE49-F238E27FC236}">
+                <a16:creationId xmlns:a16="http://schemas.microsoft.com/office/drawing/2014/main" id="{D2B6D917-39A1-4159-B277-E61624804244}"/>
+              </a:ext>
+            </a:extLst>
+          </p:cNvPr>
+          <p:cNvSpPr txBox="1"/>
+          <p:nvPr/>
+        </p:nvSpPr>
+        <p:spPr>
+          <a:xfrm>
+            <a:off x="6941608" y="1947023"/>
+            <a:ext cx="3285065" cy="369332"/>
+          </a:xfrm>
+          <a:prstGeom prst="rect">
+            <a:avLst/>
+          </a:prstGeom>
+          <a:noFill/>
+        </p:spPr>
+        <p:txBody>
+          <a:bodyPr wrap="square" rtlCol="0">
+            <a:spAutoFit/>
+          </a:bodyPr>
+          <a:lstStyle/>
+          <a:p>
+            <a:r>
+              <a:rPr lang="ko-KR" altLang="en-US" b="1" dirty="0"/>
+              <a:t>회원 주소 테이블</a:t>
+            </a:r>
+          </a:p>
+        </p:txBody>
+      </p:sp>
+      <p:sp>
+        <p:nvSpPr>
+          <p:cNvPr id="18" name="사각형: 둥근 모서리 17">
+            <a:extLst>
+              <a:ext uri="{FF2B5EF4-FFF2-40B4-BE49-F238E27FC236}">
+                <a16:creationId xmlns:a16="http://schemas.microsoft.com/office/drawing/2014/main" id="{6D493553-4F4A-49CC-9146-6B53B996CCB7}"/>
+              </a:ext>
+            </a:extLst>
+          </p:cNvPr>
+          <p:cNvSpPr/>
+          <p:nvPr/>
+        </p:nvSpPr>
+        <p:spPr>
+          <a:xfrm>
+            <a:off x="1256000" y="5281308"/>
+            <a:ext cx="9668934" cy="948267"/>
+          </a:xfrm>
+          <a:prstGeom prst="roundRect">
+            <a:avLst/>
+          </a:prstGeom>
+          <a:solidFill>
+            <a:schemeClr val="accent2"/>
+          </a:solidFill>
+          <a:ln>
+            <a:noFill/>
+          </a:ln>
+        </p:spPr>
+        <p:style>
+          <a:lnRef idx="2">
+            <a:schemeClr val="accent1">
+              <a:shade val="50000"/>
+            </a:schemeClr>
+          </a:lnRef>
+          <a:fillRef idx="1">
+            <a:schemeClr val="accent1"/>
+          </a:fillRef>
+          <a:effectRef idx="0">
+            <a:schemeClr val="accent1"/>
+          </a:effectRef>
+          <a:fontRef idx="minor">
+            <a:schemeClr val="lt1"/>
+          </a:fontRef>
+        </p:style>
+        <p:txBody>
+          <a:bodyPr rtlCol="0" anchor="ctr"/>
+          <a:lstStyle/>
+          <a:p>
+            <a:pPr lvl="1"/>
+            <a:r>
+              <a:rPr lang="ko-KR" altLang="en-US" sz="1600" dirty="0">
+                <a:solidFill>
+                  <a:schemeClr val="tx1"/>
+                </a:solidFill>
+              </a:rPr>
+              <a:t>회원이 여러 개의 주소를 가질 수 있도록 하기 위해</a:t>
+            </a:r>
+            <a:endParaRPr lang="en-US" altLang="ko-KR" sz="1600" dirty="0">
+              <a:solidFill>
+                <a:schemeClr val="tx1"/>
+              </a:solidFill>
+            </a:endParaRPr>
+          </a:p>
+          <a:p>
+            <a:pPr lvl="1"/>
+            <a:r>
+              <a:rPr lang="ko-KR" altLang="en-US" sz="1600" dirty="0">
+                <a:solidFill>
+                  <a:schemeClr val="tx1"/>
+                </a:solidFill>
+              </a:rPr>
+              <a:t>회원 주소 테이블로 분리하였습니다</a:t>
+            </a:r>
+            <a:r>
+              <a:rPr lang="en-US" altLang="ko-KR" sz="1600" dirty="0">
+                <a:solidFill>
+                  <a:schemeClr val="tx1"/>
+                </a:solidFill>
+              </a:rPr>
+              <a:t>.</a:t>
+            </a:r>
+            <a:endParaRPr lang="ko-KR" altLang="en-US" sz="1600" dirty="0">
+              <a:solidFill>
+                <a:schemeClr val="tx1"/>
+              </a:solidFill>
+            </a:endParaRPr>
+          </a:p>
+        </p:txBody>
+      </p:sp>
+    </p:spTree>
+    <p:extLst>
+      <p:ext uri="{BB962C8B-B14F-4D97-AF65-F5344CB8AC3E}">
+        <p14:creationId xmlns:p14="http://schemas.microsoft.com/office/powerpoint/2010/main" val="814525511"/>
+      </p:ext>
+    </p:extLst>
+  </p:cSld>
+  <p:clrMapOvr>
+    <a:masterClrMapping/>
+  </p:clrMapOvr>
+  <mc:AlternateContent xmlns:mc="http://schemas.openxmlformats.org/markup-compatibility/2006">
+    <mc:Choice xmlns:p159="http://schemas.microsoft.com/office/powerpoint/2015/09/main" Requires="p159">
+      <p:transition xmlns:p14="http://schemas.microsoft.com/office/powerpoint/2010/main" spd="slow" p14:dur="2000">
+        <p159:morph option="byObject"/>
+      </p:transition>
+    </mc:Choice>
+    <mc:Fallback>
+      <p:transition spd="slow">
+        <p:fade/>
+      </p:transition>
+    </mc:Fallback>
+  </mc:AlternateContent>
+</p:sld>
+</file>
+
+<file path=ppt/slides/slide13.xml><?xml version="1.0" encoding="utf-8"?>
+<p:sld xmlns:a="http://schemas.openxmlformats.org/drawingml/2006/main" xmlns:r="http://schemas.openxmlformats.org/officeDocument/2006/relationships" xmlns:p="http://schemas.openxmlformats.org/presentationml/2006/main">
+  <p:cSld>
+    <p:spTree>
+      <p:nvGrpSpPr>
+        <p:cNvPr id="1" name=""/>
+        <p:cNvGrpSpPr/>
+        <p:nvPr/>
+      </p:nvGrpSpPr>
+      <p:grpSpPr>
+        <a:xfrm>
+          <a:off x="0" y="0"/>
+          <a:ext cx="0" cy="0"/>
+          <a:chOff x="0" y="0"/>
+          <a:chExt cx="0" cy="0"/>
+        </a:xfrm>
+      </p:grpSpPr>
+      <p:sp>
+        <p:nvSpPr>
+          <p:cNvPr id="16" name="직사각형 15">
+            <a:extLst>
+              <a:ext uri="{FF2B5EF4-FFF2-40B4-BE49-F238E27FC236}">
+                <a16:creationId xmlns:a16="http://schemas.microsoft.com/office/drawing/2014/main" id="{8FC33940-E03C-45A5-8B73-C2004DE003E0}"/>
+              </a:ext>
+            </a:extLst>
+          </p:cNvPr>
+          <p:cNvSpPr/>
+          <p:nvPr/>
+        </p:nvSpPr>
+        <p:spPr>
+          <a:xfrm>
+            <a:off x="313248" y="1286540"/>
+            <a:ext cx="11565504" cy="5111068"/>
+          </a:xfrm>
+          <a:prstGeom prst="rect">
+            <a:avLst/>
+          </a:prstGeom>
+          <a:solidFill>
+            <a:srgbClr val="F7F7F7"/>
+          </a:solidFill>
+          <a:ln>
+            <a:noFill/>
+          </a:ln>
+        </p:spPr>
+        <p:style>
+          <a:lnRef idx="2">
+            <a:schemeClr val="accent1">
+              <a:shade val="50000"/>
+            </a:schemeClr>
+          </a:lnRef>
+          <a:fillRef idx="1">
+            <a:schemeClr val="accent1"/>
+          </a:fillRef>
+          <a:effectRef idx="0">
+            <a:schemeClr val="accent1"/>
+          </a:effectRef>
+          <a:fontRef idx="minor">
+            <a:schemeClr val="lt1"/>
+          </a:fontRef>
+        </p:style>
+        <p:txBody>
+          <a:bodyPr rtlCol="0" anchor="ctr"/>
+          <a:lstStyle/>
+          <a:p>
+            <a:pPr algn="ctr"/>
+            <a:endParaRPr kumimoji="1" lang="ko-KR" altLang="en-US"/>
+          </a:p>
+        </p:txBody>
+      </p:sp>
+      <p:sp>
+        <p:nvSpPr>
+          <p:cNvPr id="2" name="正方形/長方形 1"/>
+          <p:cNvSpPr/>
+          <p:nvPr/>
+        </p:nvSpPr>
+        <p:spPr>
+          <a:xfrm>
+            <a:off x="0" y="0"/>
+            <a:ext cx="12192000" cy="72000"/>
+          </a:xfrm>
+          <a:prstGeom prst="rect">
+            <a:avLst/>
+          </a:prstGeom>
+          <a:ln>
+            <a:noFill/>
+          </a:ln>
+        </p:spPr>
+        <p:style>
+          <a:lnRef idx="2">
+            <a:schemeClr val="accent1">
+              <a:shade val="50000"/>
+            </a:schemeClr>
+          </a:lnRef>
+          <a:fillRef idx="1">
+            <a:schemeClr val="accent1"/>
+          </a:fillRef>
+          <a:effectRef idx="0">
+            <a:schemeClr val="accent1"/>
+          </a:effectRef>
+          <a:fontRef idx="minor">
+            <a:schemeClr val="lt1"/>
+          </a:fontRef>
+        </p:style>
+        <p:txBody>
+          <a:bodyPr rtlCol="0" anchor="ctr"/>
+          <a:lstStyle/>
+          <a:p>
+            <a:pPr algn="ctr"/>
+            <a:endParaRPr kumimoji="1" lang="ja-JP" altLang="en-US"/>
+          </a:p>
+        </p:txBody>
+      </p:sp>
+      <p:sp>
+        <p:nvSpPr>
+          <p:cNvPr id="3" name="正方形/長方形 2"/>
+          <p:cNvSpPr/>
+          <p:nvPr/>
+        </p:nvSpPr>
+        <p:spPr>
+          <a:xfrm>
+            <a:off x="0" y="6786000"/>
+            <a:ext cx="12192000" cy="72000"/>
+          </a:xfrm>
+          <a:prstGeom prst="rect">
+            <a:avLst/>
+          </a:prstGeom>
+          <a:ln>
+            <a:noFill/>
+          </a:ln>
+        </p:spPr>
+        <p:style>
+          <a:lnRef idx="2">
+            <a:schemeClr val="accent1">
+              <a:shade val="50000"/>
+            </a:schemeClr>
+          </a:lnRef>
+          <a:fillRef idx="1">
+            <a:schemeClr val="accent1"/>
+          </a:fillRef>
+          <a:effectRef idx="0">
+            <a:schemeClr val="accent1"/>
+          </a:effectRef>
+          <a:fontRef idx="minor">
+            <a:schemeClr val="lt1"/>
+          </a:fontRef>
+        </p:style>
+        <p:txBody>
+          <a:bodyPr rtlCol="0" anchor="ctr"/>
+          <a:lstStyle/>
+          <a:p>
+            <a:pPr algn="ctr"/>
+            <a:endParaRPr kumimoji="1" lang="ja-JP" altLang="en-US"/>
+          </a:p>
+        </p:txBody>
+      </p:sp>
+      <p:sp>
+        <p:nvSpPr>
+          <p:cNvPr id="4" name="テキスト ボックス 3"/>
+          <p:cNvSpPr txBox="1"/>
+          <p:nvPr/>
+        </p:nvSpPr>
+        <p:spPr>
+          <a:xfrm>
+            <a:off x="1274182" y="460392"/>
+            <a:ext cx="5648726" cy="646331"/>
+          </a:xfrm>
+          <a:prstGeom prst="rect">
+            <a:avLst/>
+          </a:prstGeom>
+          <a:noFill/>
+        </p:spPr>
+        <p:txBody>
+          <a:bodyPr wrap="none" rtlCol="0">
+            <a:spAutoFit/>
+          </a:bodyPr>
+          <a:lstStyle/>
+          <a:p>
+            <a:r>
+              <a:rPr lang="en-US" altLang="ja-JP" sz="3600" b="1" spc="600" dirty="0">
+                <a:solidFill>
+                  <a:schemeClr val="tx1">
+                    <a:lumMod val="75000"/>
+                    <a:lumOff val="25000"/>
+                  </a:schemeClr>
+                </a:solidFill>
+              </a:rPr>
+              <a:t>DB TABLE </a:t>
+            </a:r>
+            <a:r>
+              <a:rPr lang="ko-KR" altLang="en-US" sz="3600" b="1" spc="600" dirty="0">
+                <a:solidFill>
+                  <a:schemeClr val="tx1">
+                    <a:lumMod val="75000"/>
+                    <a:lumOff val="25000"/>
+                  </a:schemeClr>
+                </a:solidFill>
+              </a:rPr>
+              <a:t>구조</a:t>
+            </a:r>
+            <a:r>
+              <a:rPr lang="en-US" altLang="ko-KR" sz="2800" b="1" spc="600" dirty="0">
+                <a:solidFill>
+                  <a:schemeClr val="tx1">
+                    <a:lumMod val="75000"/>
+                    <a:lumOff val="25000"/>
+                  </a:schemeClr>
+                </a:solidFill>
+              </a:rPr>
+              <a:t>(</a:t>
+            </a:r>
+            <a:r>
+              <a:rPr lang="ko-KR" altLang="en-US" sz="2800" b="1" spc="600" dirty="0">
+                <a:solidFill>
+                  <a:schemeClr val="tx1">
+                    <a:lumMod val="75000"/>
+                    <a:lumOff val="25000"/>
+                  </a:schemeClr>
+                </a:solidFill>
+              </a:rPr>
+              <a:t>상품</a:t>
+            </a:r>
+            <a:r>
+              <a:rPr lang="en-US" altLang="ko-KR" sz="2800" b="1" spc="600" dirty="0">
+                <a:solidFill>
+                  <a:schemeClr val="tx1">
+                    <a:lumMod val="75000"/>
+                    <a:lumOff val="25000"/>
+                  </a:schemeClr>
+                </a:solidFill>
+              </a:rPr>
+              <a:t>)</a:t>
+            </a:r>
+            <a:endParaRPr lang="ja-JP" altLang="en-US" sz="2800" b="1" spc="600" dirty="0">
+              <a:solidFill>
+                <a:schemeClr val="tx1">
+                  <a:lumMod val="75000"/>
+                  <a:lumOff val="25000"/>
+                </a:schemeClr>
+              </a:solidFill>
+            </a:endParaRPr>
+          </a:p>
+        </p:txBody>
+      </p:sp>
+      <p:sp>
+        <p:nvSpPr>
+          <p:cNvPr id="5" name="テキスト ボックス 4"/>
+          <p:cNvSpPr txBox="1"/>
+          <p:nvPr/>
+        </p:nvSpPr>
+        <p:spPr>
+          <a:xfrm>
+            <a:off x="132523" y="198782"/>
+            <a:ext cx="3013967" cy="261610"/>
+          </a:xfrm>
+          <a:prstGeom prst="rect">
+            <a:avLst/>
+          </a:prstGeom>
+          <a:noFill/>
+        </p:spPr>
+        <p:txBody>
+          <a:bodyPr wrap="none" rtlCol="0">
+            <a:spAutoFit/>
+          </a:bodyPr>
+          <a:lstStyle/>
+          <a:p>
+            <a:r>
+              <a:rPr lang="en-US" altLang="ja-JP" sz="1100" spc="600" dirty="0">
+                <a:solidFill>
+                  <a:schemeClr val="tx1">
+                    <a:lumMod val="75000"/>
+                    <a:lumOff val="25000"/>
+                  </a:schemeClr>
+                </a:solidFill>
+              </a:rPr>
+              <a:t>PART 2 </a:t>
+            </a:r>
+            <a:r>
+              <a:rPr lang="ko-KR" altLang="en-US" sz="1100" spc="600" dirty="0">
+                <a:solidFill>
+                  <a:schemeClr val="tx1">
+                    <a:lumMod val="75000"/>
+                    <a:lumOff val="25000"/>
+                  </a:schemeClr>
+                </a:solidFill>
+              </a:rPr>
+              <a:t>개발환경 및 기획</a:t>
+            </a:r>
+            <a:endParaRPr kumimoji="1" lang="ja-JP" altLang="en-US" sz="1100" spc="600" dirty="0">
+              <a:solidFill>
+                <a:schemeClr val="tx1">
+                  <a:lumMod val="75000"/>
+                  <a:lumOff val="25000"/>
+                </a:schemeClr>
+              </a:solidFill>
+            </a:endParaRPr>
+          </a:p>
+        </p:txBody>
+      </p:sp>
+      <p:sp>
+        <p:nvSpPr>
+          <p:cNvPr id="14" name="TextBox 13"/>
+          <p:cNvSpPr txBox="1"/>
+          <p:nvPr/>
+        </p:nvSpPr>
+        <p:spPr>
+          <a:xfrm>
+            <a:off x="19969081" y="11230124"/>
+            <a:ext cx="831252" cy="854300"/>
+          </a:xfrm>
+          <a:prstGeom prst="rect">
+            <a:avLst/>
+          </a:prstGeom>
+          <a:noFill/>
+        </p:spPr>
+        <p:txBody>
+          <a:bodyPr wrap="square" rtlCol="0">
+            <a:spAutoFit/>
+          </a:bodyPr>
+          <a:lstStyle/>
+          <a:p>
+            <a:endParaRPr lang="ko-KR" altLang="en-US" dirty="0"/>
+          </a:p>
+        </p:txBody>
+      </p:sp>
+      <p:sp>
+        <p:nvSpPr>
+          <p:cNvPr id="13" name="TextBox 12">
+            <a:extLst>
+              <a:ext uri="{FF2B5EF4-FFF2-40B4-BE49-F238E27FC236}">
+                <a16:creationId xmlns:a16="http://schemas.microsoft.com/office/drawing/2014/main" id="{D2B6D917-39A1-4159-B277-E61624804244}"/>
+              </a:ext>
+            </a:extLst>
+          </p:cNvPr>
+          <p:cNvSpPr txBox="1"/>
+          <p:nvPr/>
+        </p:nvSpPr>
+        <p:spPr>
+          <a:xfrm>
+            <a:off x="6941608" y="2181566"/>
+            <a:ext cx="3285065" cy="369332"/>
+          </a:xfrm>
+          <a:prstGeom prst="rect">
+            <a:avLst/>
+          </a:prstGeom>
+          <a:noFill/>
+        </p:spPr>
+        <p:txBody>
+          <a:bodyPr wrap="square" rtlCol="0">
+            <a:spAutoFit/>
+          </a:bodyPr>
+          <a:lstStyle/>
+          <a:p>
+            <a:r>
+              <a:rPr lang="ko-KR" altLang="en-US" b="1" dirty="0"/>
+              <a:t>상품 상세 테이블 </a:t>
+            </a:r>
+            <a:r>
+              <a:rPr lang="en-US" altLang="ko-KR" b="1" dirty="0"/>
+              <a:t>(</a:t>
+            </a:r>
+            <a:r>
+              <a:rPr lang="ko-KR" altLang="en-US" b="1" dirty="0"/>
+              <a:t>사이즈</a:t>
+            </a:r>
+            <a:r>
+              <a:rPr lang="en-US" altLang="ko-KR" b="1" dirty="0"/>
+              <a:t>)</a:t>
+            </a:r>
+            <a:endParaRPr lang="ko-KR" altLang="en-US" b="1" dirty="0"/>
+          </a:p>
+        </p:txBody>
+      </p:sp>
+      <p:sp>
+        <p:nvSpPr>
+          <p:cNvPr id="18" name="사각형: 둥근 모서리 17">
+            <a:extLst>
+              <a:ext uri="{FF2B5EF4-FFF2-40B4-BE49-F238E27FC236}">
+                <a16:creationId xmlns:a16="http://schemas.microsoft.com/office/drawing/2014/main" id="{6D493553-4F4A-49CC-9146-6B53B996CCB7}"/>
+              </a:ext>
+            </a:extLst>
+          </p:cNvPr>
+          <p:cNvSpPr/>
+          <p:nvPr/>
+        </p:nvSpPr>
+        <p:spPr>
+          <a:xfrm>
+            <a:off x="1256000" y="5281308"/>
+            <a:ext cx="9668934" cy="948267"/>
+          </a:xfrm>
+          <a:prstGeom prst="roundRect">
+            <a:avLst/>
+          </a:prstGeom>
+          <a:solidFill>
+            <a:schemeClr val="accent2"/>
+          </a:solidFill>
+          <a:ln>
+            <a:noFill/>
+          </a:ln>
+        </p:spPr>
+        <p:style>
+          <a:lnRef idx="2">
+            <a:schemeClr val="accent1">
+              <a:shade val="50000"/>
+            </a:schemeClr>
+          </a:lnRef>
+          <a:fillRef idx="1">
+            <a:schemeClr val="accent1"/>
+          </a:fillRef>
+          <a:effectRef idx="0">
+            <a:schemeClr val="accent1"/>
+          </a:effectRef>
+          <a:fontRef idx="minor">
+            <a:schemeClr val="lt1"/>
+          </a:fontRef>
+        </p:style>
+        <p:txBody>
+          <a:bodyPr rtlCol="0" anchor="ctr"/>
+          <a:lstStyle/>
+          <a:p>
+            <a:pPr lvl="1"/>
+            <a:r>
+              <a:rPr lang="ko-KR" altLang="en-US" sz="1600" dirty="0">
+                <a:solidFill>
+                  <a:schemeClr val="tx1"/>
+                </a:solidFill>
+              </a:rPr>
+              <a:t>상품 사이즈 별로 상품 구매신청</a:t>
+            </a:r>
+            <a:r>
+              <a:rPr lang="en-US" altLang="ko-KR" sz="1600" dirty="0">
+                <a:solidFill>
+                  <a:schemeClr val="tx1"/>
+                </a:solidFill>
+              </a:rPr>
+              <a:t>, </a:t>
+            </a:r>
+            <a:r>
+              <a:rPr lang="ko-KR" altLang="en-US" sz="1600" dirty="0">
+                <a:solidFill>
+                  <a:schemeClr val="tx1"/>
+                </a:solidFill>
+              </a:rPr>
+              <a:t>판매신청을 받기 위해</a:t>
+            </a:r>
+            <a:endParaRPr lang="en-US" altLang="ko-KR" sz="1600" dirty="0">
+              <a:solidFill>
+                <a:schemeClr val="tx1"/>
+              </a:solidFill>
+            </a:endParaRPr>
+          </a:p>
+          <a:p>
+            <a:pPr lvl="1"/>
+            <a:r>
+              <a:rPr lang="ko-KR" altLang="en-US" sz="1600" dirty="0">
+                <a:solidFill>
+                  <a:schemeClr val="tx1"/>
+                </a:solidFill>
+              </a:rPr>
+              <a:t>상품 상세 테이블을 만들었습니다</a:t>
+            </a:r>
+            <a:r>
+              <a:rPr lang="en-US" altLang="ko-KR" sz="1600" dirty="0">
+                <a:solidFill>
+                  <a:schemeClr val="tx1"/>
+                </a:solidFill>
+              </a:rPr>
+              <a:t>.</a:t>
+            </a:r>
+            <a:endParaRPr lang="ko-KR" altLang="en-US" sz="1600" dirty="0">
+              <a:solidFill>
+                <a:schemeClr val="tx1"/>
+              </a:solidFill>
+            </a:endParaRPr>
+          </a:p>
+        </p:txBody>
+      </p:sp>
+      <p:pic>
+        <p:nvPicPr>
+          <p:cNvPr id="15" name="그림 14" descr="테이블이(가) 표시된 사진&#10;&#10;자동 생성된 설명">
+            <a:extLst>
+              <a:ext uri="{FF2B5EF4-FFF2-40B4-BE49-F238E27FC236}">
+                <a16:creationId xmlns:a16="http://schemas.microsoft.com/office/drawing/2014/main" id="{8059DDB1-4C4C-4A9F-81E1-089FF93DD443}"/>
+              </a:ext>
+            </a:extLst>
+          </p:cNvPr>
+          <p:cNvPicPr>
+            <a:picLocks noChangeAspect="1"/>
+          </p:cNvPicPr>
+          <p:nvPr/>
+        </p:nvPicPr>
+        <p:blipFill>
+          <a:blip r:embed="rId2"/>
+          <a:stretch>
+            <a:fillRect/>
+          </a:stretch>
+        </p:blipFill>
+        <p:spPr>
+          <a:xfrm>
+            <a:off x="1611335" y="2210151"/>
+            <a:ext cx="3639058" cy="2486372"/>
+          </a:xfrm>
+          <a:prstGeom prst="rect">
+            <a:avLst/>
+          </a:prstGeom>
+        </p:spPr>
+      </p:pic>
+      <p:sp>
+        <p:nvSpPr>
+          <p:cNvPr id="17" name="TextBox 16">
+            <a:extLst>
+              <a:ext uri="{FF2B5EF4-FFF2-40B4-BE49-F238E27FC236}">
+                <a16:creationId xmlns:a16="http://schemas.microsoft.com/office/drawing/2014/main" id="{AF691082-AD9E-4C8C-AD4E-A43D2304EF2B}"/>
+              </a:ext>
+            </a:extLst>
+          </p:cNvPr>
+          <p:cNvSpPr txBox="1"/>
+          <p:nvPr/>
+        </p:nvSpPr>
+        <p:spPr>
+          <a:xfrm>
+            <a:off x="1611335" y="1840819"/>
+            <a:ext cx="3285065" cy="369332"/>
+          </a:xfrm>
+          <a:prstGeom prst="rect">
+            <a:avLst/>
+          </a:prstGeom>
+          <a:noFill/>
+        </p:spPr>
+        <p:txBody>
+          <a:bodyPr wrap="square" rtlCol="0">
+            <a:spAutoFit/>
+          </a:bodyPr>
+          <a:lstStyle/>
+          <a:p>
+            <a:r>
+              <a:rPr lang="ko-KR" altLang="en-US" b="1" dirty="0"/>
+              <a:t>상품 테이블</a:t>
+            </a:r>
+          </a:p>
+        </p:txBody>
+      </p:sp>
+      <p:pic>
+        <p:nvPicPr>
+          <p:cNvPr id="19" name="그림 18" descr="테이블이(가) 표시된 사진&#10;&#10;자동 생성된 설명">
+            <a:extLst>
+              <a:ext uri="{FF2B5EF4-FFF2-40B4-BE49-F238E27FC236}">
+                <a16:creationId xmlns:a16="http://schemas.microsoft.com/office/drawing/2014/main" id="{6028AA47-E8B9-43DE-8670-20A3CFD6CFF0}"/>
+              </a:ext>
+            </a:extLst>
+          </p:cNvPr>
+          <p:cNvPicPr>
+            <a:picLocks noChangeAspect="1"/>
+          </p:cNvPicPr>
+          <p:nvPr/>
+        </p:nvPicPr>
+        <p:blipFill>
+          <a:blip r:embed="rId3"/>
+          <a:stretch>
+            <a:fillRect/>
+          </a:stretch>
+        </p:blipFill>
+        <p:spPr>
+          <a:xfrm>
+            <a:off x="6941608" y="2605129"/>
+            <a:ext cx="3619500" cy="1628775"/>
+          </a:xfrm>
+          <a:prstGeom prst="rect">
+            <a:avLst/>
+          </a:prstGeom>
+        </p:spPr>
+      </p:pic>
+    </p:spTree>
+    <p:extLst>
+      <p:ext uri="{BB962C8B-B14F-4D97-AF65-F5344CB8AC3E}">
+        <p14:creationId xmlns:p14="http://schemas.microsoft.com/office/powerpoint/2010/main" val="3928177636"/>
+      </p:ext>
+    </p:extLst>
+  </p:cSld>
+  <p:clrMapOvr>
+    <a:masterClrMapping/>
+  </p:clrMapOvr>
+  <mc:AlternateContent xmlns:mc="http://schemas.openxmlformats.org/markup-compatibility/2006">
+    <mc:Choice xmlns:p159="http://schemas.microsoft.com/office/powerpoint/2015/09/main" Requires="p159">
+      <p:transition xmlns:p14="http://schemas.microsoft.com/office/powerpoint/2010/main" spd="slow" p14:dur="2000">
+        <p159:morph option="byObject"/>
+      </p:transition>
+    </mc:Choice>
+    <mc:Fallback>
+      <p:transition spd="slow">
+        <p:fade/>
+      </p:transition>
+    </mc:Fallback>
+  </mc:AlternateContent>
+</p:sld>
+</file>
+
+<file path=ppt/slides/slide14.xml><?xml version="1.0" encoding="utf-8"?>
+<p:sld xmlns:a="http://schemas.openxmlformats.org/drawingml/2006/main" xmlns:r="http://schemas.openxmlformats.org/officeDocument/2006/relationships" xmlns:p="http://schemas.openxmlformats.org/presentationml/2006/main">
+  <p:cSld>
+    <p:spTree>
+      <p:nvGrpSpPr>
+        <p:cNvPr id="1" name=""/>
+        <p:cNvGrpSpPr/>
+        <p:nvPr/>
+      </p:nvGrpSpPr>
+      <p:grpSpPr>
+        <a:xfrm>
+          <a:off x="0" y="0"/>
+          <a:ext cx="0" cy="0"/>
+          <a:chOff x="0" y="0"/>
+          <a:chExt cx="0" cy="0"/>
+        </a:xfrm>
+      </p:grpSpPr>
+      <p:sp>
+        <p:nvSpPr>
+          <p:cNvPr id="16" name="직사각형 15">
+            <a:extLst>
+              <a:ext uri="{FF2B5EF4-FFF2-40B4-BE49-F238E27FC236}">
+                <a16:creationId xmlns:a16="http://schemas.microsoft.com/office/drawing/2014/main" id="{8FC33940-E03C-45A5-8B73-C2004DE003E0}"/>
+              </a:ext>
+            </a:extLst>
+          </p:cNvPr>
+          <p:cNvSpPr/>
+          <p:nvPr/>
+        </p:nvSpPr>
+        <p:spPr>
+          <a:xfrm>
+            <a:off x="313248" y="1286540"/>
+            <a:ext cx="11565504" cy="5111068"/>
+          </a:xfrm>
+          <a:prstGeom prst="rect">
+            <a:avLst/>
+          </a:prstGeom>
+          <a:solidFill>
+            <a:srgbClr val="F7F7F7"/>
+          </a:solidFill>
+          <a:ln>
+            <a:noFill/>
+          </a:ln>
+        </p:spPr>
+        <p:style>
+          <a:lnRef idx="2">
+            <a:schemeClr val="accent1">
+              <a:shade val="50000"/>
+            </a:schemeClr>
+          </a:lnRef>
+          <a:fillRef idx="1">
+            <a:schemeClr val="accent1"/>
+          </a:fillRef>
+          <a:effectRef idx="0">
+            <a:schemeClr val="accent1"/>
+          </a:effectRef>
+          <a:fontRef idx="minor">
+            <a:schemeClr val="lt1"/>
+          </a:fontRef>
+        </p:style>
+        <p:txBody>
+          <a:bodyPr rtlCol="0" anchor="ctr"/>
+          <a:lstStyle/>
+          <a:p>
+            <a:pPr algn="ctr"/>
+            <a:endParaRPr kumimoji="1" lang="ko-KR" altLang="en-US"/>
+          </a:p>
+        </p:txBody>
+      </p:sp>
+      <p:sp>
+        <p:nvSpPr>
+          <p:cNvPr id="2" name="正方形/長方形 1"/>
+          <p:cNvSpPr/>
+          <p:nvPr/>
+        </p:nvSpPr>
+        <p:spPr>
+          <a:xfrm>
+            <a:off x="0" y="0"/>
+            <a:ext cx="12192000" cy="72000"/>
+          </a:xfrm>
+          <a:prstGeom prst="rect">
+            <a:avLst/>
+          </a:prstGeom>
+          <a:ln>
+            <a:noFill/>
+          </a:ln>
+        </p:spPr>
+        <p:style>
+          <a:lnRef idx="2">
+            <a:schemeClr val="accent1">
+              <a:shade val="50000"/>
+            </a:schemeClr>
+          </a:lnRef>
+          <a:fillRef idx="1">
+            <a:schemeClr val="accent1"/>
+          </a:fillRef>
+          <a:effectRef idx="0">
+            <a:schemeClr val="accent1"/>
+          </a:effectRef>
+          <a:fontRef idx="minor">
+            <a:schemeClr val="lt1"/>
+          </a:fontRef>
+        </p:style>
+        <p:txBody>
+          <a:bodyPr rtlCol="0" anchor="ctr"/>
+          <a:lstStyle/>
+          <a:p>
+            <a:pPr algn="ctr"/>
+            <a:endParaRPr kumimoji="1" lang="ja-JP" altLang="en-US"/>
+          </a:p>
+        </p:txBody>
+      </p:sp>
+      <p:sp>
+        <p:nvSpPr>
+          <p:cNvPr id="3" name="正方形/長方形 2"/>
+          <p:cNvSpPr/>
+          <p:nvPr/>
+        </p:nvSpPr>
+        <p:spPr>
+          <a:xfrm>
+            <a:off x="0" y="6786000"/>
+            <a:ext cx="12192000" cy="72000"/>
+          </a:xfrm>
+          <a:prstGeom prst="rect">
+            <a:avLst/>
+          </a:prstGeom>
+          <a:ln>
+            <a:noFill/>
+          </a:ln>
+        </p:spPr>
+        <p:style>
+          <a:lnRef idx="2">
+            <a:schemeClr val="accent1">
+              <a:shade val="50000"/>
+            </a:schemeClr>
+          </a:lnRef>
+          <a:fillRef idx="1">
+            <a:schemeClr val="accent1"/>
+          </a:fillRef>
+          <a:effectRef idx="0">
+            <a:schemeClr val="accent1"/>
+          </a:effectRef>
+          <a:fontRef idx="minor">
+            <a:schemeClr val="lt1"/>
+          </a:fontRef>
+        </p:style>
+        <p:txBody>
+          <a:bodyPr rtlCol="0" anchor="ctr"/>
+          <a:lstStyle/>
+          <a:p>
+            <a:pPr algn="ctr"/>
+            <a:endParaRPr kumimoji="1" lang="ja-JP" altLang="en-US"/>
+          </a:p>
+        </p:txBody>
+      </p:sp>
+      <p:sp>
+        <p:nvSpPr>
+          <p:cNvPr id="4" name="テキスト ボックス 3"/>
+          <p:cNvSpPr txBox="1"/>
+          <p:nvPr/>
+        </p:nvSpPr>
+        <p:spPr>
+          <a:xfrm>
+            <a:off x="1274182" y="460392"/>
+            <a:ext cx="8617487" cy="646331"/>
+          </a:xfrm>
+          <a:prstGeom prst="rect">
+            <a:avLst/>
+          </a:prstGeom>
+          <a:noFill/>
+        </p:spPr>
+        <p:txBody>
+          <a:bodyPr wrap="none" rtlCol="0">
+            <a:spAutoFit/>
+          </a:bodyPr>
+          <a:lstStyle/>
+          <a:p>
+            <a:r>
+              <a:rPr lang="en-US" altLang="ja-JP" sz="3600" b="1" spc="600" dirty="0">
+                <a:solidFill>
+                  <a:schemeClr val="tx1">
+                    <a:lumMod val="75000"/>
+                    <a:lumOff val="25000"/>
+                  </a:schemeClr>
+                </a:solidFill>
+              </a:rPr>
+              <a:t>DB TABLE </a:t>
+            </a:r>
+            <a:r>
+              <a:rPr lang="ko-KR" altLang="en-US" sz="3600" b="1" spc="600" dirty="0">
+                <a:solidFill>
+                  <a:schemeClr val="tx1">
+                    <a:lumMod val="75000"/>
+                    <a:lumOff val="25000"/>
+                  </a:schemeClr>
+                </a:solidFill>
+              </a:rPr>
+              <a:t>구조</a:t>
+            </a:r>
+            <a:r>
+              <a:rPr lang="en-US" altLang="ko-KR" sz="2800" b="1" spc="600" dirty="0">
+                <a:solidFill>
+                  <a:schemeClr val="tx1">
+                    <a:lumMod val="75000"/>
+                    <a:lumOff val="25000"/>
+                  </a:schemeClr>
+                </a:solidFill>
+              </a:rPr>
+              <a:t>(</a:t>
+            </a:r>
+            <a:r>
+              <a:rPr lang="ko-KR" altLang="en-US" sz="2800" b="1" spc="600" dirty="0">
+                <a:solidFill>
+                  <a:schemeClr val="tx1">
+                    <a:lumMod val="75000"/>
+                    <a:lumOff val="25000"/>
+                  </a:schemeClr>
+                </a:solidFill>
+              </a:rPr>
+              <a:t>구매신청</a:t>
+            </a:r>
+            <a:r>
+              <a:rPr lang="en-US" altLang="ko-KR" sz="2800" b="1" spc="600" dirty="0">
+                <a:solidFill>
+                  <a:schemeClr val="tx1">
+                    <a:lumMod val="75000"/>
+                    <a:lumOff val="25000"/>
+                  </a:schemeClr>
+                </a:solidFill>
+              </a:rPr>
+              <a:t>, </a:t>
+            </a:r>
+            <a:r>
+              <a:rPr lang="ko-KR" altLang="en-US" sz="2800" b="1" spc="600" dirty="0">
+                <a:solidFill>
+                  <a:schemeClr val="tx1">
+                    <a:lumMod val="75000"/>
+                    <a:lumOff val="25000"/>
+                  </a:schemeClr>
+                </a:solidFill>
+              </a:rPr>
+              <a:t>판매신청</a:t>
+            </a:r>
+            <a:r>
+              <a:rPr lang="en-US" altLang="ko-KR" sz="2800" b="1" spc="600" dirty="0">
+                <a:solidFill>
+                  <a:schemeClr val="tx1">
+                    <a:lumMod val="75000"/>
+                    <a:lumOff val="25000"/>
+                  </a:schemeClr>
+                </a:solidFill>
+              </a:rPr>
+              <a:t>)</a:t>
+            </a:r>
+            <a:endParaRPr lang="ja-JP" altLang="en-US" sz="2800" b="1" spc="600" dirty="0">
+              <a:solidFill>
+                <a:schemeClr val="tx1">
+                  <a:lumMod val="75000"/>
+                  <a:lumOff val="25000"/>
+                </a:schemeClr>
+              </a:solidFill>
+            </a:endParaRPr>
+          </a:p>
+        </p:txBody>
+      </p:sp>
+      <p:sp>
+        <p:nvSpPr>
+          <p:cNvPr id="5" name="テキスト ボックス 4"/>
+          <p:cNvSpPr txBox="1"/>
+          <p:nvPr/>
+        </p:nvSpPr>
+        <p:spPr>
+          <a:xfrm>
+            <a:off x="132523" y="198782"/>
+            <a:ext cx="3013967" cy="261610"/>
+          </a:xfrm>
+          <a:prstGeom prst="rect">
+            <a:avLst/>
+          </a:prstGeom>
+          <a:noFill/>
+        </p:spPr>
+        <p:txBody>
+          <a:bodyPr wrap="none" rtlCol="0">
+            <a:spAutoFit/>
+          </a:bodyPr>
+          <a:lstStyle/>
+          <a:p>
+            <a:r>
+              <a:rPr lang="en-US" altLang="ja-JP" sz="1100" spc="600" dirty="0">
+                <a:solidFill>
+                  <a:schemeClr val="tx1">
+                    <a:lumMod val="75000"/>
+                    <a:lumOff val="25000"/>
+                  </a:schemeClr>
+                </a:solidFill>
+              </a:rPr>
+              <a:t>PART 2 </a:t>
+            </a:r>
+            <a:r>
+              <a:rPr lang="ko-KR" altLang="en-US" sz="1100" spc="600" dirty="0">
+                <a:solidFill>
+                  <a:schemeClr val="tx1">
+                    <a:lumMod val="75000"/>
+                    <a:lumOff val="25000"/>
+                  </a:schemeClr>
+                </a:solidFill>
+              </a:rPr>
+              <a:t>개발환경 및 기획</a:t>
+            </a:r>
+            <a:endParaRPr kumimoji="1" lang="ja-JP" altLang="en-US" sz="1100" spc="600" dirty="0">
+              <a:solidFill>
+                <a:schemeClr val="tx1">
+                  <a:lumMod val="75000"/>
+                  <a:lumOff val="25000"/>
+                </a:schemeClr>
+              </a:solidFill>
+            </a:endParaRPr>
+          </a:p>
+        </p:txBody>
+      </p:sp>
+      <p:sp>
+        <p:nvSpPr>
+          <p:cNvPr id="14" name="TextBox 13"/>
+          <p:cNvSpPr txBox="1"/>
+          <p:nvPr/>
+        </p:nvSpPr>
+        <p:spPr>
+          <a:xfrm>
+            <a:off x="19969081" y="11230124"/>
+            <a:ext cx="831252" cy="854300"/>
+          </a:xfrm>
+          <a:prstGeom prst="rect">
+            <a:avLst/>
+          </a:prstGeom>
+          <a:noFill/>
+        </p:spPr>
+        <p:txBody>
+          <a:bodyPr wrap="square" rtlCol="0">
+            <a:spAutoFit/>
+          </a:bodyPr>
+          <a:lstStyle/>
+          <a:p>
+            <a:endParaRPr lang="ko-KR" altLang="en-US" dirty="0"/>
+          </a:p>
+        </p:txBody>
+      </p:sp>
+      <p:sp>
+        <p:nvSpPr>
+          <p:cNvPr id="13" name="TextBox 12">
+            <a:extLst>
+              <a:ext uri="{FF2B5EF4-FFF2-40B4-BE49-F238E27FC236}">
+                <a16:creationId xmlns:a16="http://schemas.microsoft.com/office/drawing/2014/main" id="{D2B6D917-39A1-4159-B277-E61624804244}"/>
+              </a:ext>
+            </a:extLst>
+          </p:cNvPr>
+          <p:cNvSpPr txBox="1"/>
+          <p:nvPr/>
+        </p:nvSpPr>
+        <p:spPr>
+          <a:xfrm>
+            <a:off x="6642927" y="1600672"/>
+            <a:ext cx="3285065" cy="369332"/>
+          </a:xfrm>
+          <a:prstGeom prst="rect">
+            <a:avLst/>
+          </a:prstGeom>
+          <a:noFill/>
+        </p:spPr>
+        <p:txBody>
+          <a:bodyPr wrap="square" rtlCol="0">
+            <a:spAutoFit/>
+          </a:bodyPr>
+          <a:lstStyle/>
+          <a:p>
+            <a:r>
+              <a:rPr lang="ko-KR" altLang="en-US" b="1" dirty="0"/>
+              <a:t>상품 판매신청 테이블</a:t>
+            </a:r>
+          </a:p>
+        </p:txBody>
+      </p:sp>
+      <p:sp>
+        <p:nvSpPr>
+          <p:cNvPr id="18" name="사각형: 둥근 모서리 17">
+            <a:extLst>
+              <a:ext uri="{FF2B5EF4-FFF2-40B4-BE49-F238E27FC236}">
+                <a16:creationId xmlns:a16="http://schemas.microsoft.com/office/drawing/2014/main" id="{6D493553-4F4A-49CC-9146-6B53B996CCB7}"/>
+              </a:ext>
+            </a:extLst>
+          </p:cNvPr>
+          <p:cNvSpPr/>
+          <p:nvPr/>
+        </p:nvSpPr>
+        <p:spPr>
+          <a:xfrm>
+            <a:off x="1256000" y="5281308"/>
+            <a:ext cx="9668934" cy="948267"/>
+          </a:xfrm>
+          <a:prstGeom prst="roundRect">
+            <a:avLst/>
+          </a:prstGeom>
+          <a:solidFill>
+            <a:schemeClr val="accent2"/>
+          </a:solidFill>
+          <a:ln>
+            <a:noFill/>
+          </a:ln>
+        </p:spPr>
+        <p:style>
+          <a:lnRef idx="2">
+            <a:schemeClr val="accent1">
+              <a:shade val="50000"/>
+            </a:schemeClr>
+          </a:lnRef>
+          <a:fillRef idx="1">
+            <a:schemeClr val="accent1"/>
+          </a:fillRef>
+          <a:effectRef idx="0">
+            <a:schemeClr val="accent1"/>
+          </a:effectRef>
+          <a:fontRef idx="minor">
+            <a:schemeClr val="lt1"/>
+          </a:fontRef>
+        </p:style>
+        <p:txBody>
+          <a:bodyPr rtlCol="0" anchor="ctr"/>
+          <a:lstStyle/>
+          <a:p>
+            <a:pPr lvl="1"/>
+            <a:r>
+              <a:rPr lang="ko-KR" altLang="en-US" sz="1600" dirty="0">
+                <a:solidFill>
+                  <a:schemeClr val="tx1"/>
+                </a:solidFill>
+              </a:rPr>
+              <a:t>회원이 주문신청을 넣을 경우 등록되는 테이블입니다</a:t>
+            </a:r>
+            <a:r>
+              <a:rPr lang="en-US" altLang="ko-KR" sz="1600" dirty="0">
+                <a:solidFill>
+                  <a:schemeClr val="tx1"/>
+                </a:solidFill>
+              </a:rPr>
+              <a:t>.</a:t>
+            </a:r>
+          </a:p>
+          <a:p>
+            <a:pPr lvl="1"/>
+            <a:r>
+              <a:rPr lang="ko-KR" altLang="en-US" sz="1600" dirty="0">
+                <a:solidFill>
+                  <a:schemeClr val="tx1"/>
+                </a:solidFill>
+              </a:rPr>
+              <a:t>여러 테이블의 기본키를 참고하여 신청서에 필요한 정보들을 담을 수 있게 하였습니다</a:t>
+            </a:r>
+            <a:r>
+              <a:rPr lang="en-US" altLang="ko-KR" sz="1600" dirty="0">
+                <a:solidFill>
+                  <a:schemeClr val="tx1"/>
+                </a:solidFill>
+              </a:rPr>
+              <a:t>.</a:t>
+            </a:r>
+          </a:p>
+          <a:p>
+            <a:pPr lvl="1"/>
+            <a:r>
+              <a:rPr lang="ko-KR" altLang="en-US" sz="1600" dirty="0">
+                <a:solidFill>
+                  <a:schemeClr val="tx1"/>
+                </a:solidFill>
+              </a:rPr>
+              <a:t>신청서의 진행도에 따라 </a:t>
+            </a:r>
+            <a:r>
+              <a:rPr lang="en-US" altLang="ko-KR" sz="1600" dirty="0">
+                <a:solidFill>
+                  <a:schemeClr val="tx1"/>
+                </a:solidFill>
+              </a:rPr>
+              <a:t>STATE </a:t>
+            </a:r>
+            <a:r>
+              <a:rPr lang="ko-KR" altLang="en-US" sz="1600" dirty="0">
+                <a:solidFill>
+                  <a:schemeClr val="tx1"/>
+                </a:solidFill>
+              </a:rPr>
+              <a:t>값에 변화를 주었습니다</a:t>
+            </a:r>
+            <a:r>
+              <a:rPr lang="en-US" altLang="ko-KR" sz="1600" dirty="0">
+                <a:solidFill>
+                  <a:schemeClr val="tx1"/>
+                </a:solidFill>
+              </a:rPr>
+              <a:t>.</a:t>
+            </a:r>
+            <a:endParaRPr lang="ko-KR" altLang="en-US" sz="1600" dirty="0">
+              <a:solidFill>
+                <a:schemeClr val="tx1"/>
+              </a:solidFill>
+            </a:endParaRPr>
+          </a:p>
+        </p:txBody>
+      </p:sp>
+      <p:sp>
+        <p:nvSpPr>
+          <p:cNvPr id="17" name="TextBox 16">
+            <a:extLst>
+              <a:ext uri="{FF2B5EF4-FFF2-40B4-BE49-F238E27FC236}">
+                <a16:creationId xmlns:a16="http://schemas.microsoft.com/office/drawing/2014/main" id="{AF691082-AD9E-4C8C-AD4E-A43D2304EF2B}"/>
+              </a:ext>
+            </a:extLst>
+          </p:cNvPr>
+          <p:cNvSpPr txBox="1"/>
+          <p:nvPr/>
+        </p:nvSpPr>
+        <p:spPr>
+          <a:xfrm>
+            <a:off x="1611335" y="1598891"/>
+            <a:ext cx="3285065" cy="369332"/>
+          </a:xfrm>
+          <a:prstGeom prst="rect">
+            <a:avLst/>
+          </a:prstGeom>
+          <a:noFill/>
+        </p:spPr>
+        <p:txBody>
+          <a:bodyPr wrap="square" rtlCol="0">
+            <a:spAutoFit/>
+          </a:bodyPr>
+          <a:lstStyle/>
+          <a:p>
+            <a:r>
+              <a:rPr lang="ko-KR" altLang="en-US" b="1" dirty="0"/>
+              <a:t>상품 구매신청 테이블</a:t>
+            </a:r>
+          </a:p>
+        </p:txBody>
+      </p:sp>
+      <p:pic>
+        <p:nvPicPr>
+          <p:cNvPr id="8" name="그림 7" descr="테이블이(가) 표시된 사진&#10;&#10;자동 생성된 설명">
+            <a:extLst>
+              <a:ext uri="{FF2B5EF4-FFF2-40B4-BE49-F238E27FC236}">
+                <a16:creationId xmlns:a16="http://schemas.microsoft.com/office/drawing/2014/main" id="{DAF388E9-4465-458D-B486-26D7C79ADF2D}"/>
+              </a:ext>
+            </a:extLst>
+          </p:cNvPr>
+          <p:cNvPicPr>
+            <a:picLocks noChangeAspect="1"/>
+          </p:cNvPicPr>
+          <p:nvPr/>
+        </p:nvPicPr>
+        <p:blipFill>
+          <a:blip r:embed="rId2"/>
+          <a:stretch>
+            <a:fillRect/>
+          </a:stretch>
+        </p:blipFill>
+        <p:spPr>
+          <a:xfrm>
+            <a:off x="1653796" y="1987276"/>
+            <a:ext cx="3648584" cy="3000794"/>
+          </a:xfrm>
+          <a:prstGeom prst="rect">
+            <a:avLst/>
+          </a:prstGeom>
+        </p:spPr>
+      </p:pic>
+      <p:pic>
+        <p:nvPicPr>
+          <p:cNvPr id="15" name="그림 14" descr="테이블이(가) 표시된 사진&#10;&#10;자동 생성된 설명">
+            <a:extLst>
+              <a:ext uri="{FF2B5EF4-FFF2-40B4-BE49-F238E27FC236}">
+                <a16:creationId xmlns:a16="http://schemas.microsoft.com/office/drawing/2014/main" id="{43017F66-7BCD-4C98-B246-641F59D88069}"/>
+              </a:ext>
+            </a:extLst>
+          </p:cNvPr>
+          <p:cNvPicPr>
+            <a:picLocks noChangeAspect="1"/>
+          </p:cNvPicPr>
+          <p:nvPr/>
+        </p:nvPicPr>
+        <p:blipFill>
+          <a:blip r:embed="rId3"/>
+          <a:stretch>
+            <a:fillRect/>
+          </a:stretch>
+        </p:blipFill>
+        <p:spPr>
+          <a:xfrm>
+            <a:off x="6642927" y="1989797"/>
+            <a:ext cx="3648584" cy="3267531"/>
+          </a:xfrm>
+          <a:prstGeom prst="rect">
+            <a:avLst/>
+          </a:prstGeom>
+        </p:spPr>
+      </p:pic>
+    </p:spTree>
+    <p:extLst>
+      <p:ext uri="{BB962C8B-B14F-4D97-AF65-F5344CB8AC3E}">
+        <p14:creationId xmlns:p14="http://schemas.microsoft.com/office/powerpoint/2010/main" val="2330922102"/>
+      </p:ext>
+    </p:extLst>
+  </p:cSld>
+  <p:clrMapOvr>
+    <a:masterClrMapping/>
+  </p:clrMapOvr>
+  <mc:AlternateContent xmlns:mc="http://schemas.openxmlformats.org/markup-compatibility/2006">
+    <mc:Choice xmlns:p159="http://schemas.microsoft.com/office/powerpoint/2015/09/main" Requires="p159">
+      <p:transition xmlns:p14="http://schemas.microsoft.com/office/powerpoint/2010/main" spd="slow" p14:dur="2000">
+        <p159:morph option="byObject"/>
+      </p:transition>
+    </mc:Choice>
+    <mc:Fallback>
+      <p:transition spd="slow">
+        <p:fade/>
+      </p:transition>
+    </mc:Fallback>
+  </mc:AlternateContent>
+</p:sld>
+</file>
+
+<file path=ppt/slides/slide15.xml><?xml version="1.0" encoding="utf-8"?>
+<p:sld xmlns:a="http://schemas.openxmlformats.org/drawingml/2006/main" xmlns:r="http://schemas.openxmlformats.org/officeDocument/2006/relationships" xmlns:p="http://schemas.openxmlformats.org/presentationml/2006/main">
+  <p:cSld>
+    <p:spTree>
+      <p:nvGrpSpPr>
+        <p:cNvPr id="1" name=""/>
+        <p:cNvGrpSpPr/>
+        <p:nvPr/>
+      </p:nvGrpSpPr>
+      <p:grpSpPr>
+        <a:xfrm>
+          <a:off x="0" y="0"/>
+          <a:ext cx="0" cy="0"/>
+          <a:chOff x="0" y="0"/>
+          <a:chExt cx="0" cy="0"/>
+        </a:xfrm>
+      </p:grpSpPr>
+      <p:sp>
+        <p:nvSpPr>
+          <p:cNvPr id="16" name="직사각형 15">
+            <a:extLst>
+              <a:ext uri="{FF2B5EF4-FFF2-40B4-BE49-F238E27FC236}">
+                <a16:creationId xmlns:a16="http://schemas.microsoft.com/office/drawing/2014/main" id="{8FC33940-E03C-45A5-8B73-C2004DE003E0}"/>
+              </a:ext>
+            </a:extLst>
+          </p:cNvPr>
+          <p:cNvSpPr/>
+          <p:nvPr/>
+        </p:nvSpPr>
+        <p:spPr>
+          <a:xfrm>
+            <a:off x="313248" y="1286540"/>
+            <a:ext cx="11565504" cy="5111068"/>
+          </a:xfrm>
+          <a:prstGeom prst="rect">
+            <a:avLst/>
+          </a:prstGeom>
+          <a:solidFill>
+            <a:srgbClr val="F7F7F7"/>
+          </a:solidFill>
+          <a:ln>
+            <a:noFill/>
+          </a:ln>
+        </p:spPr>
+        <p:style>
+          <a:lnRef idx="2">
+            <a:schemeClr val="accent1">
+              <a:shade val="50000"/>
+            </a:schemeClr>
+          </a:lnRef>
+          <a:fillRef idx="1">
+            <a:schemeClr val="accent1"/>
+          </a:fillRef>
+          <a:effectRef idx="0">
+            <a:schemeClr val="accent1"/>
+          </a:effectRef>
+          <a:fontRef idx="minor">
+            <a:schemeClr val="lt1"/>
+          </a:fontRef>
+        </p:style>
+        <p:txBody>
+          <a:bodyPr rtlCol="0" anchor="ctr"/>
+          <a:lstStyle/>
+          <a:p>
+            <a:pPr algn="ctr"/>
+            <a:endParaRPr kumimoji="1" lang="ko-KR" altLang="en-US"/>
+          </a:p>
+        </p:txBody>
+      </p:sp>
+      <p:sp>
+        <p:nvSpPr>
+          <p:cNvPr id="2" name="正方形/長方形 1"/>
+          <p:cNvSpPr/>
+          <p:nvPr/>
+        </p:nvSpPr>
+        <p:spPr>
+          <a:xfrm>
+            <a:off x="0" y="0"/>
+            <a:ext cx="12192000" cy="72000"/>
+          </a:xfrm>
+          <a:prstGeom prst="rect">
+            <a:avLst/>
+          </a:prstGeom>
+          <a:ln>
+            <a:noFill/>
+          </a:ln>
+        </p:spPr>
+        <p:style>
+          <a:lnRef idx="2">
+            <a:schemeClr val="accent1">
+              <a:shade val="50000"/>
+            </a:schemeClr>
+          </a:lnRef>
+          <a:fillRef idx="1">
+            <a:schemeClr val="accent1"/>
+          </a:fillRef>
+          <a:effectRef idx="0">
+            <a:schemeClr val="accent1"/>
+          </a:effectRef>
+          <a:fontRef idx="minor">
+            <a:schemeClr val="lt1"/>
+          </a:fontRef>
+        </p:style>
+        <p:txBody>
+          <a:bodyPr rtlCol="0" anchor="ctr"/>
+          <a:lstStyle/>
+          <a:p>
+            <a:pPr algn="ctr"/>
+            <a:endParaRPr kumimoji="1" lang="ja-JP" altLang="en-US"/>
+          </a:p>
+        </p:txBody>
+      </p:sp>
+      <p:sp>
+        <p:nvSpPr>
+          <p:cNvPr id="3" name="正方形/長方形 2"/>
+          <p:cNvSpPr/>
+          <p:nvPr/>
+        </p:nvSpPr>
+        <p:spPr>
+          <a:xfrm>
+            <a:off x="0" y="6786000"/>
+            <a:ext cx="12192000" cy="72000"/>
+          </a:xfrm>
+          <a:prstGeom prst="rect">
+            <a:avLst/>
+          </a:prstGeom>
+          <a:ln>
+            <a:noFill/>
+          </a:ln>
+        </p:spPr>
+        <p:style>
+          <a:lnRef idx="2">
+            <a:schemeClr val="accent1">
+              <a:shade val="50000"/>
+            </a:schemeClr>
+          </a:lnRef>
+          <a:fillRef idx="1">
+            <a:schemeClr val="accent1"/>
+          </a:fillRef>
+          <a:effectRef idx="0">
+            <a:schemeClr val="accent1"/>
+          </a:effectRef>
+          <a:fontRef idx="minor">
+            <a:schemeClr val="lt1"/>
+          </a:fontRef>
+        </p:style>
+        <p:txBody>
+          <a:bodyPr rtlCol="0" anchor="ctr"/>
+          <a:lstStyle/>
+          <a:p>
+            <a:pPr algn="ctr"/>
+            <a:endParaRPr kumimoji="1" lang="ja-JP" altLang="en-US"/>
+          </a:p>
+        </p:txBody>
+      </p:sp>
+      <p:sp>
+        <p:nvSpPr>
+          <p:cNvPr id="4" name="テキスト ボックス 3"/>
+          <p:cNvSpPr txBox="1"/>
+          <p:nvPr/>
+        </p:nvSpPr>
+        <p:spPr>
+          <a:xfrm>
+            <a:off x="1274182" y="460392"/>
+            <a:ext cx="7916398" cy="646331"/>
+          </a:xfrm>
+          <a:prstGeom prst="rect">
+            <a:avLst/>
+          </a:prstGeom>
+          <a:noFill/>
+        </p:spPr>
+        <p:txBody>
+          <a:bodyPr wrap="none" rtlCol="0">
+            <a:spAutoFit/>
+          </a:bodyPr>
+          <a:lstStyle/>
+          <a:p>
+            <a:r>
+              <a:rPr lang="en-US" altLang="ja-JP" sz="3600" b="1" spc="600" dirty="0">
+                <a:solidFill>
+                  <a:schemeClr val="tx1">
+                    <a:lumMod val="75000"/>
+                    <a:lumOff val="25000"/>
+                  </a:schemeClr>
+                </a:solidFill>
+              </a:rPr>
+              <a:t>DB TABLE </a:t>
+            </a:r>
+            <a:r>
+              <a:rPr lang="ko-KR" altLang="en-US" sz="3600" b="1" spc="600" dirty="0">
+                <a:solidFill>
+                  <a:schemeClr val="tx1">
+                    <a:lumMod val="75000"/>
+                    <a:lumOff val="25000"/>
+                  </a:schemeClr>
+                </a:solidFill>
+              </a:rPr>
+              <a:t>구조</a:t>
+            </a:r>
+            <a:r>
+              <a:rPr lang="en-US" altLang="ko-KR" sz="2800" b="1" spc="600" dirty="0">
+                <a:solidFill>
+                  <a:schemeClr val="tx1">
+                    <a:lumMod val="75000"/>
+                    <a:lumOff val="25000"/>
+                  </a:schemeClr>
+                </a:solidFill>
+              </a:rPr>
+              <a:t>(FAQ, NOTICE)</a:t>
+            </a:r>
+            <a:endParaRPr lang="ja-JP" altLang="en-US" sz="2800" b="1" spc="600" dirty="0">
+              <a:solidFill>
+                <a:schemeClr val="tx1">
+                  <a:lumMod val="75000"/>
+                  <a:lumOff val="25000"/>
+                </a:schemeClr>
+              </a:solidFill>
+            </a:endParaRPr>
+          </a:p>
+        </p:txBody>
+      </p:sp>
+      <p:sp>
+        <p:nvSpPr>
+          <p:cNvPr id="5" name="テキスト ボックス 4"/>
+          <p:cNvSpPr txBox="1"/>
+          <p:nvPr/>
+        </p:nvSpPr>
+        <p:spPr>
+          <a:xfrm>
+            <a:off x="132523" y="198782"/>
+            <a:ext cx="3013967" cy="261610"/>
+          </a:xfrm>
+          <a:prstGeom prst="rect">
+            <a:avLst/>
+          </a:prstGeom>
+          <a:noFill/>
+        </p:spPr>
+        <p:txBody>
+          <a:bodyPr wrap="none" rtlCol="0">
+            <a:spAutoFit/>
+          </a:bodyPr>
+          <a:lstStyle/>
+          <a:p>
+            <a:r>
+              <a:rPr lang="en-US" altLang="ja-JP" sz="1100" spc="600" dirty="0">
+                <a:solidFill>
+                  <a:schemeClr val="tx1">
+                    <a:lumMod val="75000"/>
+                    <a:lumOff val="25000"/>
+                  </a:schemeClr>
+                </a:solidFill>
+              </a:rPr>
+              <a:t>PART 2 </a:t>
+            </a:r>
+            <a:r>
+              <a:rPr lang="ko-KR" altLang="en-US" sz="1100" spc="600" dirty="0">
+                <a:solidFill>
+                  <a:schemeClr val="tx1">
+                    <a:lumMod val="75000"/>
+                    <a:lumOff val="25000"/>
+                  </a:schemeClr>
+                </a:solidFill>
+              </a:rPr>
+              <a:t>개발환경 및 기획</a:t>
+            </a:r>
+            <a:endParaRPr kumimoji="1" lang="ja-JP" altLang="en-US" sz="1100" spc="600" dirty="0">
+              <a:solidFill>
+                <a:schemeClr val="tx1">
+                  <a:lumMod val="75000"/>
+                  <a:lumOff val="25000"/>
+                </a:schemeClr>
+              </a:solidFill>
+            </a:endParaRPr>
+          </a:p>
+        </p:txBody>
+      </p:sp>
+      <p:sp>
+        <p:nvSpPr>
+          <p:cNvPr id="14" name="TextBox 13"/>
+          <p:cNvSpPr txBox="1"/>
+          <p:nvPr/>
+        </p:nvSpPr>
+        <p:spPr>
+          <a:xfrm>
+            <a:off x="19969081" y="11230124"/>
+            <a:ext cx="831252" cy="854300"/>
+          </a:xfrm>
+          <a:prstGeom prst="rect">
+            <a:avLst/>
+          </a:prstGeom>
+          <a:noFill/>
+        </p:spPr>
+        <p:txBody>
+          <a:bodyPr wrap="square" rtlCol="0">
+            <a:spAutoFit/>
+          </a:bodyPr>
+          <a:lstStyle/>
+          <a:p>
+            <a:endParaRPr lang="ko-KR" altLang="en-US" dirty="0"/>
+          </a:p>
+        </p:txBody>
+      </p:sp>
+      <p:sp>
+        <p:nvSpPr>
+          <p:cNvPr id="13" name="TextBox 12">
+            <a:extLst>
+              <a:ext uri="{FF2B5EF4-FFF2-40B4-BE49-F238E27FC236}">
+                <a16:creationId xmlns:a16="http://schemas.microsoft.com/office/drawing/2014/main" id="{D2B6D917-39A1-4159-B277-E61624804244}"/>
+              </a:ext>
+            </a:extLst>
+          </p:cNvPr>
+          <p:cNvSpPr txBox="1"/>
+          <p:nvPr/>
+        </p:nvSpPr>
+        <p:spPr>
+          <a:xfrm>
+            <a:off x="6642927" y="1842600"/>
+            <a:ext cx="3285065" cy="369332"/>
+          </a:xfrm>
+          <a:prstGeom prst="rect">
+            <a:avLst/>
+          </a:prstGeom>
+          <a:noFill/>
+        </p:spPr>
+        <p:txBody>
+          <a:bodyPr wrap="square" rtlCol="0">
+            <a:spAutoFit/>
+          </a:bodyPr>
+          <a:lstStyle/>
+          <a:p>
+            <a:r>
+              <a:rPr lang="ko-KR" altLang="en-US" b="1" dirty="0"/>
+              <a:t>공지사항 게시판</a:t>
+            </a:r>
+          </a:p>
+        </p:txBody>
+      </p:sp>
+      <p:sp>
+        <p:nvSpPr>
+          <p:cNvPr id="18" name="사각형: 둥근 모서리 17">
+            <a:extLst>
+              <a:ext uri="{FF2B5EF4-FFF2-40B4-BE49-F238E27FC236}">
+                <a16:creationId xmlns:a16="http://schemas.microsoft.com/office/drawing/2014/main" id="{6D493553-4F4A-49CC-9146-6B53B996CCB7}"/>
+              </a:ext>
+            </a:extLst>
+          </p:cNvPr>
+          <p:cNvSpPr/>
+          <p:nvPr/>
+        </p:nvSpPr>
+        <p:spPr>
+          <a:xfrm>
+            <a:off x="1256000" y="5281308"/>
+            <a:ext cx="9668934" cy="948267"/>
+          </a:xfrm>
+          <a:prstGeom prst="roundRect">
+            <a:avLst/>
+          </a:prstGeom>
+          <a:solidFill>
+            <a:schemeClr val="accent2"/>
+          </a:solidFill>
+          <a:ln>
+            <a:noFill/>
+          </a:ln>
+        </p:spPr>
+        <p:style>
+          <a:lnRef idx="2">
+            <a:schemeClr val="accent1">
+              <a:shade val="50000"/>
+            </a:schemeClr>
+          </a:lnRef>
+          <a:fillRef idx="1">
+            <a:schemeClr val="accent1"/>
+          </a:fillRef>
+          <a:effectRef idx="0">
+            <a:schemeClr val="accent1"/>
+          </a:effectRef>
+          <a:fontRef idx="minor">
+            <a:schemeClr val="lt1"/>
+          </a:fontRef>
+        </p:style>
+        <p:txBody>
+          <a:bodyPr rtlCol="0" anchor="ctr"/>
+          <a:lstStyle/>
+          <a:p>
+            <a:pPr lvl="1"/>
+            <a:r>
+              <a:rPr lang="ko-KR" altLang="en-US" sz="1600" dirty="0">
+                <a:solidFill>
+                  <a:schemeClr val="tx1"/>
+                </a:solidFill>
+              </a:rPr>
+              <a:t>관리자만 작성할 수 있는 자주 묻는 질문 게시판과 공지사항 게시판 입니다</a:t>
+            </a:r>
+            <a:r>
+              <a:rPr lang="en-US" altLang="ko-KR" sz="1600" dirty="0">
+                <a:solidFill>
+                  <a:schemeClr val="tx1"/>
+                </a:solidFill>
+              </a:rPr>
+              <a:t>.</a:t>
+            </a:r>
+          </a:p>
+          <a:p>
+            <a:pPr lvl="1"/>
+            <a:r>
+              <a:rPr lang="ko-KR" altLang="en-US" sz="1600" dirty="0">
+                <a:solidFill>
+                  <a:schemeClr val="tx1"/>
+                </a:solidFill>
+              </a:rPr>
+              <a:t>페이지 기능만을 생각하고 테이블을 구현하였습니다</a:t>
+            </a:r>
+            <a:r>
+              <a:rPr lang="en-US" altLang="ko-KR" sz="1600" dirty="0">
+                <a:solidFill>
+                  <a:schemeClr val="tx1"/>
+                </a:solidFill>
+              </a:rPr>
+              <a:t>.</a:t>
+            </a:r>
+            <a:endParaRPr lang="ko-KR" altLang="en-US" sz="1600" dirty="0">
+              <a:solidFill>
+                <a:schemeClr val="tx1"/>
+              </a:solidFill>
+            </a:endParaRPr>
+          </a:p>
+        </p:txBody>
+      </p:sp>
+      <p:sp>
+        <p:nvSpPr>
+          <p:cNvPr id="17" name="TextBox 16">
+            <a:extLst>
+              <a:ext uri="{FF2B5EF4-FFF2-40B4-BE49-F238E27FC236}">
+                <a16:creationId xmlns:a16="http://schemas.microsoft.com/office/drawing/2014/main" id="{AF691082-AD9E-4C8C-AD4E-A43D2304EF2B}"/>
+              </a:ext>
+            </a:extLst>
+          </p:cNvPr>
+          <p:cNvSpPr txBox="1"/>
+          <p:nvPr/>
+        </p:nvSpPr>
+        <p:spPr>
+          <a:xfrm>
+            <a:off x="1611335" y="1840819"/>
+            <a:ext cx="3285065" cy="369332"/>
+          </a:xfrm>
+          <a:prstGeom prst="rect">
+            <a:avLst/>
+          </a:prstGeom>
+          <a:noFill/>
+        </p:spPr>
+        <p:txBody>
+          <a:bodyPr wrap="square" rtlCol="0">
+            <a:spAutoFit/>
+          </a:bodyPr>
+          <a:lstStyle/>
+          <a:p>
+            <a:r>
+              <a:rPr lang="ko-KR" altLang="en-US" b="1" dirty="0"/>
+              <a:t>자주 묻는 질문 게시판</a:t>
+            </a:r>
+          </a:p>
+        </p:txBody>
+      </p:sp>
+      <p:pic>
+        <p:nvPicPr>
+          <p:cNvPr id="7" name="그림 6" descr="테이블이(가) 표시된 사진&#10;&#10;자동 생성된 설명">
+            <a:extLst>
+              <a:ext uri="{FF2B5EF4-FFF2-40B4-BE49-F238E27FC236}">
+                <a16:creationId xmlns:a16="http://schemas.microsoft.com/office/drawing/2014/main" id="{DB9DA016-B240-408F-9898-99850EEFD36B}"/>
+              </a:ext>
+            </a:extLst>
+          </p:cNvPr>
+          <p:cNvPicPr>
+            <a:picLocks noChangeAspect="1"/>
+          </p:cNvPicPr>
+          <p:nvPr/>
+        </p:nvPicPr>
+        <p:blipFill>
+          <a:blip r:embed="rId2"/>
+          <a:stretch>
+            <a:fillRect/>
+          </a:stretch>
+        </p:blipFill>
+        <p:spPr>
+          <a:xfrm>
+            <a:off x="1639506" y="2229204"/>
+            <a:ext cx="3677163" cy="2467319"/>
+          </a:xfrm>
+          <a:prstGeom prst="rect">
+            <a:avLst/>
+          </a:prstGeom>
+        </p:spPr>
+      </p:pic>
+      <p:pic>
+        <p:nvPicPr>
+          <p:cNvPr id="9" name="그림 8" descr="테이블이(가) 표시된 사진&#10;&#10;자동 생성된 설명">
+            <a:extLst>
+              <a:ext uri="{FF2B5EF4-FFF2-40B4-BE49-F238E27FC236}">
+                <a16:creationId xmlns:a16="http://schemas.microsoft.com/office/drawing/2014/main" id="{8117EB17-D636-4E85-81C0-A0231F534780}"/>
+              </a:ext>
+            </a:extLst>
+          </p:cNvPr>
+          <p:cNvPicPr>
+            <a:picLocks noChangeAspect="1"/>
+          </p:cNvPicPr>
+          <p:nvPr/>
+        </p:nvPicPr>
+        <p:blipFill>
+          <a:blip r:embed="rId3"/>
+          <a:stretch>
+            <a:fillRect/>
+          </a:stretch>
+        </p:blipFill>
+        <p:spPr>
+          <a:xfrm>
+            <a:off x="6642927" y="2258123"/>
+            <a:ext cx="3609975" cy="2438400"/>
+          </a:xfrm>
+          <a:prstGeom prst="rect">
+            <a:avLst/>
+          </a:prstGeom>
+        </p:spPr>
+      </p:pic>
+    </p:spTree>
+    <p:extLst>
+      <p:ext uri="{BB962C8B-B14F-4D97-AF65-F5344CB8AC3E}">
+        <p14:creationId xmlns:p14="http://schemas.microsoft.com/office/powerpoint/2010/main" val="1850577505"/>
+      </p:ext>
+    </p:extLst>
+  </p:cSld>
+  <p:clrMapOvr>
+    <a:masterClrMapping/>
+  </p:clrMapOvr>
+  <mc:AlternateContent xmlns:mc="http://schemas.openxmlformats.org/markup-compatibility/2006">
+    <mc:Choice xmlns:p159="http://schemas.microsoft.com/office/powerpoint/2015/09/main" Requires="p159">
+      <p:transition xmlns:p14="http://schemas.microsoft.com/office/powerpoint/2010/main" spd="slow" p14:dur="2000">
+        <p159:morph option="byObject"/>
+      </p:transition>
+    </mc:Choice>
+    <mc:Fallback>
+      <p:transition spd="slow">
+        <p:fade/>
+      </p:transition>
+    </mc:Fallback>
+  </mc:AlternateContent>
+</p:sld>
+</file>
+
+<file path=ppt/slides/slide16.xml><?xml version="1.0" encoding="utf-8"?>
+<p:sld xmlns:a="http://schemas.openxmlformats.org/drawingml/2006/main" xmlns:r="http://schemas.openxmlformats.org/officeDocument/2006/relationships" xmlns:p="http://schemas.openxmlformats.org/presentationml/2006/main">
+  <p:cSld>
+    <p:spTree>
+      <p:nvGrpSpPr>
+        <p:cNvPr id="1" name=""/>
+        <p:cNvGrpSpPr/>
+        <p:nvPr/>
+      </p:nvGrpSpPr>
+      <p:grpSpPr>
+        <a:xfrm>
+          <a:off x="0" y="0"/>
+          <a:ext cx="0" cy="0"/>
+          <a:chOff x="0" y="0"/>
+          <a:chExt cx="0" cy="0"/>
+        </a:xfrm>
+      </p:grpSpPr>
+      <p:sp>
+        <p:nvSpPr>
+          <p:cNvPr id="16" name="직사각형 15">
+            <a:extLst>
+              <a:ext uri="{FF2B5EF4-FFF2-40B4-BE49-F238E27FC236}">
+                <a16:creationId xmlns:a16="http://schemas.microsoft.com/office/drawing/2014/main" id="{8FC33940-E03C-45A5-8B73-C2004DE003E0}"/>
+              </a:ext>
+            </a:extLst>
+          </p:cNvPr>
+          <p:cNvSpPr/>
+          <p:nvPr/>
+        </p:nvSpPr>
+        <p:spPr>
+          <a:xfrm>
+            <a:off x="313248" y="1286540"/>
+            <a:ext cx="11565504" cy="5111068"/>
+          </a:xfrm>
+          <a:prstGeom prst="rect">
+            <a:avLst/>
+          </a:prstGeom>
+          <a:solidFill>
+            <a:srgbClr val="F7F7F7"/>
+          </a:solidFill>
+          <a:ln>
+            <a:noFill/>
+          </a:ln>
+        </p:spPr>
+        <p:style>
+          <a:lnRef idx="2">
+            <a:schemeClr val="accent1">
+              <a:shade val="50000"/>
+            </a:schemeClr>
+          </a:lnRef>
+          <a:fillRef idx="1">
+            <a:schemeClr val="accent1"/>
+          </a:fillRef>
+          <a:effectRef idx="0">
+            <a:schemeClr val="accent1"/>
+          </a:effectRef>
+          <a:fontRef idx="minor">
+            <a:schemeClr val="lt1"/>
+          </a:fontRef>
+        </p:style>
+        <p:txBody>
+          <a:bodyPr rtlCol="0" anchor="ctr"/>
+          <a:lstStyle/>
+          <a:p>
+            <a:pPr algn="ctr"/>
+            <a:endParaRPr kumimoji="1" lang="ko-KR" altLang="en-US"/>
+          </a:p>
+        </p:txBody>
+      </p:sp>
+      <p:sp>
+        <p:nvSpPr>
+          <p:cNvPr id="2" name="正方形/長方形 1"/>
+          <p:cNvSpPr/>
+          <p:nvPr/>
+        </p:nvSpPr>
+        <p:spPr>
+          <a:xfrm>
+            <a:off x="0" y="0"/>
+            <a:ext cx="12192000" cy="72000"/>
+          </a:xfrm>
+          <a:prstGeom prst="rect">
+            <a:avLst/>
+          </a:prstGeom>
+          <a:ln>
+            <a:noFill/>
+          </a:ln>
+        </p:spPr>
+        <p:style>
+          <a:lnRef idx="2">
+            <a:schemeClr val="accent1">
+              <a:shade val="50000"/>
+            </a:schemeClr>
+          </a:lnRef>
+          <a:fillRef idx="1">
+            <a:schemeClr val="accent1"/>
+          </a:fillRef>
+          <a:effectRef idx="0">
+            <a:schemeClr val="accent1"/>
+          </a:effectRef>
+          <a:fontRef idx="minor">
+            <a:schemeClr val="lt1"/>
+          </a:fontRef>
+        </p:style>
+        <p:txBody>
+          <a:bodyPr rtlCol="0" anchor="ctr"/>
+          <a:lstStyle/>
+          <a:p>
+            <a:pPr algn="ctr"/>
+            <a:endParaRPr kumimoji="1" lang="ja-JP" altLang="en-US"/>
+          </a:p>
+        </p:txBody>
+      </p:sp>
+      <p:sp>
+        <p:nvSpPr>
+          <p:cNvPr id="3" name="正方形/長方形 2"/>
+          <p:cNvSpPr/>
+          <p:nvPr/>
+        </p:nvSpPr>
+        <p:spPr>
+          <a:xfrm>
+            <a:off x="0" y="6786000"/>
+            <a:ext cx="12192000" cy="72000"/>
+          </a:xfrm>
+          <a:prstGeom prst="rect">
+            <a:avLst/>
+          </a:prstGeom>
+          <a:ln>
+            <a:noFill/>
+          </a:ln>
+        </p:spPr>
+        <p:style>
+          <a:lnRef idx="2">
+            <a:schemeClr val="accent1">
+              <a:shade val="50000"/>
+            </a:schemeClr>
+          </a:lnRef>
+          <a:fillRef idx="1">
+            <a:schemeClr val="accent1"/>
+          </a:fillRef>
+          <a:effectRef idx="0">
+            <a:schemeClr val="accent1"/>
+          </a:effectRef>
+          <a:fontRef idx="minor">
+            <a:schemeClr val="lt1"/>
+          </a:fontRef>
+        </p:style>
+        <p:txBody>
+          <a:bodyPr rtlCol="0" anchor="ctr"/>
+          <a:lstStyle/>
+          <a:p>
+            <a:pPr algn="ctr"/>
+            <a:endParaRPr kumimoji="1" lang="ja-JP" altLang="en-US"/>
+          </a:p>
+        </p:txBody>
+      </p:sp>
+      <p:sp>
+        <p:nvSpPr>
+          <p:cNvPr id="4" name="テキスト ボックス 3"/>
+          <p:cNvSpPr txBox="1"/>
+          <p:nvPr/>
+        </p:nvSpPr>
+        <p:spPr>
+          <a:xfrm>
+            <a:off x="1274182" y="460392"/>
+            <a:ext cx="5648726" cy="646331"/>
+          </a:xfrm>
+          <a:prstGeom prst="rect">
+            <a:avLst/>
+          </a:prstGeom>
+          <a:noFill/>
+        </p:spPr>
+        <p:txBody>
+          <a:bodyPr wrap="none" rtlCol="0">
+            <a:spAutoFit/>
+          </a:bodyPr>
+          <a:lstStyle/>
+          <a:p>
+            <a:r>
+              <a:rPr lang="en-US" altLang="ja-JP" sz="3600" b="1" spc="600" dirty="0">
+                <a:solidFill>
+                  <a:schemeClr val="tx1">
+                    <a:lumMod val="75000"/>
+                    <a:lumOff val="25000"/>
+                  </a:schemeClr>
+                </a:solidFill>
+              </a:rPr>
+              <a:t>DB TABLE </a:t>
+            </a:r>
+            <a:r>
+              <a:rPr lang="ko-KR" altLang="en-US" sz="3600" b="1" spc="600" dirty="0">
+                <a:solidFill>
+                  <a:schemeClr val="tx1">
+                    <a:lumMod val="75000"/>
+                    <a:lumOff val="25000"/>
+                  </a:schemeClr>
+                </a:solidFill>
+              </a:rPr>
+              <a:t>구조</a:t>
+            </a:r>
+            <a:r>
+              <a:rPr lang="en-US" altLang="ko-KR" sz="2800" b="1" spc="600" dirty="0">
+                <a:solidFill>
+                  <a:schemeClr val="tx1">
+                    <a:lumMod val="75000"/>
+                    <a:lumOff val="25000"/>
+                  </a:schemeClr>
+                </a:solidFill>
+              </a:rPr>
+              <a:t>(</a:t>
+            </a:r>
+            <a:r>
+              <a:rPr lang="ko-KR" altLang="en-US" sz="2800" b="1" spc="600" dirty="0">
+                <a:solidFill>
+                  <a:schemeClr val="tx1">
+                    <a:lumMod val="75000"/>
+                    <a:lumOff val="25000"/>
+                  </a:schemeClr>
+                </a:solidFill>
+              </a:rPr>
+              <a:t>후기</a:t>
+            </a:r>
+            <a:r>
+              <a:rPr lang="en-US" altLang="ko-KR" sz="2800" b="1" spc="600" dirty="0">
+                <a:solidFill>
+                  <a:schemeClr val="tx1">
+                    <a:lumMod val="75000"/>
+                    <a:lumOff val="25000"/>
+                  </a:schemeClr>
+                </a:solidFill>
+              </a:rPr>
+              <a:t>)</a:t>
+            </a:r>
+            <a:endParaRPr lang="ja-JP" altLang="en-US" sz="2800" b="1" spc="600" dirty="0">
+              <a:solidFill>
+                <a:schemeClr val="tx1">
+                  <a:lumMod val="75000"/>
+                  <a:lumOff val="25000"/>
+                </a:schemeClr>
+              </a:solidFill>
+            </a:endParaRPr>
+          </a:p>
+        </p:txBody>
+      </p:sp>
+      <p:sp>
+        <p:nvSpPr>
+          <p:cNvPr id="5" name="テキスト ボックス 4"/>
+          <p:cNvSpPr txBox="1"/>
+          <p:nvPr/>
+        </p:nvSpPr>
+        <p:spPr>
+          <a:xfrm>
+            <a:off x="132523" y="198782"/>
+            <a:ext cx="3013967" cy="261610"/>
+          </a:xfrm>
+          <a:prstGeom prst="rect">
+            <a:avLst/>
+          </a:prstGeom>
+          <a:noFill/>
+        </p:spPr>
+        <p:txBody>
+          <a:bodyPr wrap="none" rtlCol="0">
+            <a:spAutoFit/>
+          </a:bodyPr>
+          <a:lstStyle/>
+          <a:p>
+            <a:r>
+              <a:rPr lang="en-US" altLang="ja-JP" sz="1100" spc="600" dirty="0">
+                <a:solidFill>
+                  <a:schemeClr val="tx1">
+                    <a:lumMod val="75000"/>
+                    <a:lumOff val="25000"/>
+                  </a:schemeClr>
+                </a:solidFill>
+              </a:rPr>
+              <a:t>PART 2 </a:t>
+            </a:r>
+            <a:r>
+              <a:rPr lang="ko-KR" altLang="en-US" sz="1100" spc="600" dirty="0">
+                <a:solidFill>
+                  <a:schemeClr val="tx1">
+                    <a:lumMod val="75000"/>
+                    <a:lumOff val="25000"/>
+                  </a:schemeClr>
+                </a:solidFill>
+              </a:rPr>
+              <a:t>개발환경 및 기획</a:t>
+            </a:r>
+            <a:endParaRPr kumimoji="1" lang="ja-JP" altLang="en-US" sz="1100" spc="600" dirty="0">
+              <a:solidFill>
+                <a:schemeClr val="tx1">
+                  <a:lumMod val="75000"/>
+                  <a:lumOff val="25000"/>
+                </a:schemeClr>
+              </a:solidFill>
+            </a:endParaRPr>
+          </a:p>
+        </p:txBody>
+      </p:sp>
+      <p:sp>
+        <p:nvSpPr>
+          <p:cNvPr id="14" name="TextBox 13"/>
+          <p:cNvSpPr txBox="1"/>
+          <p:nvPr/>
+        </p:nvSpPr>
+        <p:spPr>
+          <a:xfrm>
+            <a:off x="19969081" y="11230124"/>
+            <a:ext cx="831252" cy="854300"/>
+          </a:xfrm>
+          <a:prstGeom prst="rect">
+            <a:avLst/>
+          </a:prstGeom>
+          <a:noFill/>
+        </p:spPr>
+        <p:txBody>
+          <a:bodyPr wrap="square" rtlCol="0">
+            <a:spAutoFit/>
+          </a:bodyPr>
+          <a:lstStyle/>
+          <a:p>
+            <a:endParaRPr lang="ko-KR" altLang="en-US" dirty="0"/>
+          </a:p>
+        </p:txBody>
+      </p:sp>
+      <p:sp>
+        <p:nvSpPr>
+          <p:cNvPr id="13" name="TextBox 12">
+            <a:extLst>
+              <a:ext uri="{FF2B5EF4-FFF2-40B4-BE49-F238E27FC236}">
+                <a16:creationId xmlns:a16="http://schemas.microsoft.com/office/drawing/2014/main" id="{D2B6D917-39A1-4159-B277-E61624804244}"/>
+              </a:ext>
+            </a:extLst>
+          </p:cNvPr>
+          <p:cNvSpPr txBox="1"/>
+          <p:nvPr/>
+        </p:nvSpPr>
+        <p:spPr>
+          <a:xfrm>
+            <a:off x="6642927" y="1842600"/>
+            <a:ext cx="3285065" cy="369332"/>
+          </a:xfrm>
+          <a:prstGeom prst="rect">
+            <a:avLst/>
+          </a:prstGeom>
+          <a:noFill/>
+        </p:spPr>
+        <p:txBody>
+          <a:bodyPr wrap="square" rtlCol="0">
+            <a:spAutoFit/>
+          </a:bodyPr>
+          <a:lstStyle/>
+          <a:p>
+            <a:r>
+              <a:rPr lang="ko-KR" altLang="en-US" b="1" dirty="0"/>
+              <a:t>후기 댓글</a:t>
+            </a:r>
+          </a:p>
+        </p:txBody>
+      </p:sp>
+      <p:sp>
+        <p:nvSpPr>
+          <p:cNvPr id="18" name="사각형: 둥근 모서리 17">
+            <a:extLst>
+              <a:ext uri="{FF2B5EF4-FFF2-40B4-BE49-F238E27FC236}">
+                <a16:creationId xmlns:a16="http://schemas.microsoft.com/office/drawing/2014/main" id="{6D493553-4F4A-49CC-9146-6B53B996CCB7}"/>
+              </a:ext>
+            </a:extLst>
+          </p:cNvPr>
+          <p:cNvSpPr/>
+          <p:nvPr/>
+        </p:nvSpPr>
+        <p:spPr>
+          <a:xfrm>
+            <a:off x="1256000" y="5281308"/>
+            <a:ext cx="9668934" cy="948267"/>
+          </a:xfrm>
+          <a:prstGeom prst="roundRect">
+            <a:avLst/>
+          </a:prstGeom>
+          <a:solidFill>
+            <a:schemeClr val="accent2"/>
+          </a:solidFill>
+          <a:ln>
+            <a:noFill/>
+          </a:ln>
+        </p:spPr>
+        <p:style>
+          <a:lnRef idx="2">
+            <a:schemeClr val="accent1">
+              <a:shade val="50000"/>
+            </a:schemeClr>
+          </a:lnRef>
+          <a:fillRef idx="1">
+            <a:schemeClr val="accent1"/>
+          </a:fillRef>
+          <a:effectRef idx="0">
+            <a:schemeClr val="accent1"/>
+          </a:effectRef>
+          <a:fontRef idx="minor">
+            <a:schemeClr val="lt1"/>
+          </a:fontRef>
+        </p:style>
+        <p:txBody>
+          <a:bodyPr rtlCol="0" anchor="ctr"/>
+          <a:lstStyle/>
+          <a:p>
+            <a:pPr lvl="1"/>
+            <a:r>
+              <a:rPr lang="ko-KR" altLang="en-US" sz="1600" dirty="0">
+                <a:solidFill>
+                  <a:schemeClr val="tx1"/>
+                </a:solidFill>
+              </a:rPr>
+              <a:t>후기 게시판의 댓글은 </a:t>
+            </a:r>
+            <a:r>
+              <a:rPr lang="ko-KR" altLang="en-US" sz="1600" dirty="0" err="1">
+                <a:solidFill>
+                  <a:schemeClr val="tx1"/>
+                </a:solidFill>
+              </a:rPr>
+              <a:t>대댓글이</a:t>
+            </a:r>
+            <a:r>
+              <a:rPr lang="ko-KR" altLang="en-US" sz="1600" dirty="0">
+                <a:solidFill>
+                  <a:schemeClr val="tx1"/>
+                </a:solidFill>
+              </a:rPr>
+              <a:t> 없다고 상정하고 테이블을 구현하였습니다</a:t>
+            </a:r>
+            <a:r>
+              <a:rPr lang="en-US" altLang="ko-KR" sz="1600" dirty="0">
+                <a:solidFill>
+                  <a:schemeClr val="tx1"/>
+                </a:solidFill>
+              </a:rPr>
+              <a:t>.</a:t>
+            </a:r>
+            <a:endParaRPr lang="ko-KR" altLang="en-US" sz="1600" dirty="0">
+              <a:solidFill>
+                <a:schemeClr val="tx1"/>
+              </a:solidFill>
+            </a:endParaRPr>
+          </a:p>
+        </p:txBody>
+      </p:sp>
+      <p:sp>
+        <p:nvSpPr>
+          <p:cNvPr id="17" name="TextBox 16">
+            <a:extLst>
+              <a:ext uri="{FF2B5EF4-FFF2-40B4-BE49-F238E27FC236}">
+                <a16:creationId xmlns:a16="http://schemas.microsoft.com/office/drawing/2014/main" id="{AF691082-AD9E-4C8C-AD4E-A43D2304EF2B}"/>
+              </a:ext>
+            </a:extLst>
+          </p:cNvPr>
+          <p:cNvSpPr txBox="1"/>
+          <p:nvPr/>
+        </p:nvSpPr>
+        <p:spPr>
+          <a:xfrm>
+            <a:off x="1835554" y="1388750"/>
+            <a:ext cx="3285065" cy="369332"/>
+          </a:xfrm>
+          <a:prstGeom prst="rect">
+            <a:avLst/>
+          </a:prstGeom>
+          <a:noFill/>
+        </p:spPr>
+        <p:txBody>
+          <a:bodyPr wrap="square" rtlCol="0">
+            <a:spAutoFit/>
+          </a:bodyPr>
+          <a:lstStyle/>
+          <a:p>
+            <a:r>
+              <a:rPr lang="ko-KR" altLang="en-US" b="1" dirty="0"/>
+              <a:t>후기 게시판</a:t>
+            </a:r>
+          </a:p>
+        </p:txBody>
+      </p:sp>
+      <p:pic>
+        <p:nvPicPr>
+          <p:cNvPr id="8" name="그림 7" descr="테이블이(가) 표시된 사진&#10;&#10;자동 생성된 설명">
+            <a:extLst>
+              <a:ext uri="{FF2B5EF4-FFF2-40B4-BE49-F238E27FC236}">
+                <a16:creationId xmlns:a16="http://schemas.microsoft.com/office/drawing/2014/main" id="{3153DDAC-BB95-4087-94A8-627E4C9DC07F}"/>
+              </a:ext>
+            </a:extLst>
+          </p:cNvPr>
+          <p:cNvPicPr>
+            <a:picLocks noChangeAspect="1"/>
+          </p:cNvPicPr>
+          <p:nvPr/>
+        </p:nvPicPr>
+        <p:blipFill>
+          <a:blip r:embed="rId2"/>
+          <a:stretch>
+            <a:fillRect/>
+          </a:stretch>
+        </p:blipFill>
+        <p:spPr>
+          <a:xfrm>
+            <a:off x="1803738" y="1741449"/>
+            <a:ext cx="3348699" cy="3471748"/>
+          </a:xfrm>
+          <a:prstGeom prst="rect">
+            <a:avLst/>
+          </a:prstGeom>
+        </p:spPr>
+      </p:pic>
+      <p:pic>
+        <p:nvPicPr>
+          <p:cNvPr id="11" name="그림 10" descr="테이블이(가) 표시된 사진&#10;&#10;자동 생성된 설명">
+            <a:extLst>
+              <a:ext uri="{FF2B5EF4-FFF2-40B4-BE49-F238E27FC236}">
+                <a16:creationId xmlns:a16="http://schemas.microsoft.com/office/drawing/2014/main" id="{D76ED884-564A-454F-8450-474A057A38D7}"/>
+              </a:ext>
+            </a:extLst>
+          </p:cNvPr>
+          <p:cNvPicPr>
+            <a:picLocks noChangeAspect="1"/>
+          </p:cNvPicPr>
+          <p:nvPr/>
+        </p:nvPicPr>
+        <p:blipFill>
+          <a:blip r:embed="rId3"/>
+          <a:stretch>
+            <a:fillRect/>
+          </a:stretch>
+        </p:blipFill>
+        <p:spPr>
+          <a:xfrm>
+            <a:off x="6642927" y="2204160"/>
+            <a:ext cx="3610479" cy="2152950"/>
+          </a:xfrm>
+          <a:prstGeom prst="rect">
+            <a:avLst/>
+          </a:prstGeom>
+        </p:spPr>
+      </p:pic>
+    </p:spTree>
+    <p:extLst>
+      <p:ext uri="{BB962C8B-B14F-4D97-AF65-F5344CB8AC3E}">
+        <p14:creationId xmlns:p14="http://schemas.microsoft.com/office/powerpoint/2010/main" val="845608097"/>
+      </p:ext>
+    </p:extLst>
+  </p:cSld>
+  <p:clrMapOvr>
+    <a:masterClrMapping/>
+  </p:clrMapOvr>
+  <mc:AlternateContent xmlns:mc="http://schemas.openxmlformats.org/markup-compatibility/2006">
+    <mc:Choice xmlns:p159="http://schemas.microsoft.com/office/powerpoint/2015/09/main" Requires="p159">
+      <p:transition xmlns:p14="http://schemas.microsoft.com/office/powerpoint/2010/main" spd="slow" p14:dur="2000">
+        <p159:morph option="byObject"/>
+      </p:transition>
+    </mc:Choice>
+    <mc:Fallback>
+      <p:transition spd="slow">
+        <p:fade/>
+      </p:transition>
+    </mc:Fallback>
+  </mc:AlternateContent>
+</p:sld>
+</file>
+
+<file path=ppt/slides/slide17.xml><?xml version="1.0" encoding="utf-8"?>
+<p:sld xmlns:a="http://schemas.openxmlformats.org/drawingml/2006/main" xmlns:r="http://schemas.openxmlformats.org/officeDocument/2006/relationships" xmlns:p="http://schemas.openxmlformats.org/presentationml/2006/main">
+  <p:cSld>
+    <p:spTree>
+      <p:nvGrpSpPr>
+        <p:cNvPr id="1" name=""/>
+        <p:cNvGrpSpPr/>
+        <p:nvPr/>
+      </p:nvGrpSpPr>
+      <p:grpSpPr>
+        <a:xfrm>
+          <a:off x="0" y="0"/>
+          <a:ext cx="0" cy="0"/>
+          <a:chOff x="0" y="0"/>
+          <a:chExt cx="0" cy="0"/>
+        </a:xfrm>
+      </p:grpSpPr>
+      <p:sp>
+        <p:nvSpPr>
           <p:cNvPr id="2" name="正方形/長方形 1"/>
           <p:cNvSpPr/>
           <p:nvPr/>
@@ -5615,7 +8524,7 @@
 </p:sld>
 </file>
 
-<file path=ppt/slides/slide13.xml><?xml version="1.0" encoding="utf-8"?>
+<file path=ppt/slides/slide18.xml><?xml version="1.0" encoding="utf-8"?>
 <p:sld xmlns:a="http://schemas.openxmlformats.org/drawingml/2006/main" xmlns:r="http://schemas.openxmlformats.org/officeDocument/2006/relationships" xmlns:p="http://schemas.openxmlformats.org/presentationml/2006/main">
   <p:cSld>
     <p:spTree>
@@ -6035,7 +8944,7 @@
 </p:sld>
 </file>
 
-<file path=ppt/slides/slide14.xml><?xml version="1.0" encoding="utf-8"?>
+<file path=ppt/slides/slide19.xml><?xml version="1.0" encoding="utf-8"?>
 <p:sld xmlns:a="http://schemas.openxmlformats.org/drawingml/2006/main" xmlns:r="http://schemas.openxmlformats.org/officeDocument/2006/relationships" xmlns:p="http://schemas.openxmlformats.org/presentationml/2006/main">
   <p:cSld>
     <p:spTree>
@@ -6691,7 +9600,760 @@
 </p:sld>
 </file>
 
-<file path=ppt/slides/slide15.xml><?xml version="1.0" encoding="utf-8"?>
+<file path=ppt/slides/slide2.xml><?xml version="1.0" encoding="utf-8"?>
+<p:sld xmlns:a="http://schemas.openxmlformats.org/drawingml/2006/main" xmlns:r="http://schemas.openxmlformats.org/officeDocument/2006/relationships" xmlns:p="http://schemas.openxmlformats.org/presentationml/2006/main">
+  <p:cSld>
+    <p:bg>
+      <p:bgPr>
+        <a:solidFill>
+          <a:srgbClr val="FC827A"/>
+        </a:solidFill>
+        <a:effectLst/>
+      </p:bgPr>
+    </p:bg>
+    <p:spTree>
+      <p:nvGrpSpPr>
+        <p:cNvPr id="1" name=""/>
+        <p:cNvGrpSpPr/>
+        <p:nvPr/>
+      </p:nvGrpSpPr>
+      <p:grpSpPr>
+        <a:xfrm>
+          <a:off x="0" y="0"/>
+          <a:ext cx="0" cy="0"/>
+          <a:chOff x="0" y="0"/>
+          <a:chExt cx="0" cy="0"/>
+        </a:xfrm>
+      </p:grpSpPr>
+      <p:pic>
+        <p:nvPicPr>
+          <p:cNvPr id="2" name="図 1"/>
+          <p:cNvPicPr>
+            <a:picLocks noChangeAspect="1"/>
+          </p:cNvPicPr>
+          <p:nvPr/>
+        </p:nvPicPr>
+        <p:blipFill rotWithShape="1">
+          <a:blip r:embed="rId2" cstate="print">
+            <a:clrChange>
+              <a:clrFrom>
+                <a:srgbClr val="FE8B84"/>
+              </a:clrFrom>
+              <a:clrTo>
+                <a:srgbClr val="FE8B84">
+                  <a:alpha val="0"/>
+                </a:srgbClr>
+              </a:clrTo>
+            </a:clrChange>
+            <a:extLst>
+              <a:ext uri="{28A0092B-C50C-407E-A947-70E740481C1C}">
+                <a14:useLocalDpi xmlns:a14="http://schemas.microsoft.com/office/drawing/2010/main" val="0"/>
+              </a:ext>
+            </a:extLst>
+          </a:blip>
+          <a:srcRect l="17243" t="16425" r="16374" b="22513"/>
+          <a:stretch/>
+        </p:blipFill>
+        <p:spPr>
+          <a:xfrm>
+            <a:off x="8760995" y="1765851"/>
+            <a:ext cx="2410512" cy="3326297"/>
+          </a:xfrm>
+          <a:prstGeom prst="rect">
+            <a:avLst/>
+          </a:prstGeom>
+        </p:spPr>
+      </p:pic>
+      <p:sp>
+        <p:nvSpPr>
+          <p:cNvPr id="3" name="テキスト ボックス 2">
+            <a:extLst>
+              <a:ext uri="{FF2B5EF4-FFF2-40B4-BE49-F238E27FC236}">
+                <a16:creationId xmlns:a16="http://schemas.microsoft.com/office/drawing/2014/main" id="{54B06272-D923-4A3E-9139-6A17E7858F83}"/>
+              </a:ext>
+            </a:extLst>
+          </p:cNvPr>
+          <p:cNvSpPr txBox="1"/>
+          <p:nvPr/>
+        </p:nvSpPr>
+        <p:spPr>
+          <a:xfrm>
+            <a:off x="1246268" y="170892"/>
+            <a:ext cx="4149277" cy="707886"/>
+          </a:xfrm>
+          <a:prstGeom prst="rect">
+            <a:avLst/>
+          </a:prstGeom>
+          <a:noFill/>
+        </p:spPr>
+        <p:txBody>
+          <a:bodyPr wrap="none" rtlCol="0">
+            <a:spAutoFit/>
+          </a:bodyPr>
+          <a:lstStyle/>
+          <a:p>
+            <a:pPr algn="ctr"/>
+            <a:r>
+              <a:rPr kumimoji="1" lang="en-US" altLang="ja-JP" sz="4000" b="1" spc="-150" dirty="0">
+                <a:solidFill>
+                  <a:schemeClr val="bg1"/>
+                </a:solidFill>
+              </a:rPr>
+              <a:t>Table of Contents</a:t>
+            </a:r>
+            <a:endParaRPr kumimoji="1" lang="ja-JP" altLang="en-US" sz="4000" b="1" spc="-150" dirty="0">
+              <a:solidFill>
+                <a:schemeClr val="bg1"/>
+              </a:solidFill>
+            </a:endParaRPr>
+          </a:p>
+        </p:txBody>
+      </p:sp>
+      <p:grpSp>
+        <p:nvGrpSpPr>
+          <p:cNvPr id="6" name="그룹 5"/>
+          <p:cNvGrpSpPr/>
+          <p:nvPr/>
+        </p:nvGrpSpPr>
+        <p:grpSpPr>
+          <a:xfrm>
+            <a:off x="572692" y="1644782"/>
+            <a:ext cx="3716070" cy="869797"/>
+            <a:chOff x="572692" y="1719596"/>
+            <a:chExt cx="3716070" cy="869797"/>
+          </a:xfrm>
+        </p:grpSpPr>
+        <p:sp>
+          <p:nvSpPr>
+            <p:cNvPr id="5" name="TextBox 4">
+              <a:extLst>
+                <a:ext uri="{FF2B5EF4-FFF2-40B4-BE49-F238E27FC236}">
+                  <a16:creationId xmlns:a16="http://schemas.microsoft.com/office/drawing/2014/main" id="{7A0F9463-4505-451F-8BF5-877E3F648D14}"/>
+                </a:ext>
+              </a:extLst>
+            </p:cNvPr>
+            <p:cNvSpPr txBox="1"/>
+            <p:nvPr/>
+          </p:nvSpPr>
+          <p:spPr>
+            <a:xfrm flipH="1">
+              <a:off x="572692" y="1719596"/>
+              <a:ext cx="737369" cy="369332"/>
+            </a:xfrm>
+            <a:prstGeom prst="rect">
+              <a:avLst/>
+            </a:prstGeom>
+            <a:noFill/>
+          </p:spPr>
+          <p:txBody>
+            <a:bodyPr wrap="square" rtlCol="0">
+              <a:spAutoFit/>
+            </a:bodyPr>
+            <a:lstStyle/>
+            <a:p>
+              <a:pPr algn="ctr"/>
+              <a:r>
+                <a:rPr lang="en-US" altLang="ko-KR" b="1" spc="300" dirty="0">
+                  <a:solidFill>
+                    <a:schemeClr val="bg1"/>
+                  </a:solidFill>
+                </a:rPr>
+                <a:t>01</a:t>
+              </a:r>
+            </a:p>
+          </p:txBody>
+        </p:sp>
+        <p:sp>
+          <p:nvSpPr>
+            <p:cNvPr id="7" name="テキスト ボックス 2">
+              <a:extLst>
+                <a:ext uri="{FF2B5EF4-FFF2-40B4-BE49-F238E27FC236}">
+                  <a16:creationId xmlns:a16="http://schemas.microsoft.com/office/drawing/2014/main" id="{7CC15B21-9934-4063-A981-1254F24D8805}"/>
+                </a:ext>
+              </a:extLst>
+            </p:cNvPr>
+            <p:cNvSpPr txBox="1"/>
+            <p:nvPr/>
+          </p:nvSpPr>
+          <p:spPr>
+            <a:xfrm>
+              <a:off x="1310061" y="1943062"/>
+              <a:ext cx="2978701" cy="646331"/>
+            </a:xfrm>
+            <a:prstGeom prst="rect">
+              <a:avLst/>
+            </a:prstGeom>
+            <a:noFill/>
+          </p:spPr>
+          <p:txBody>
+            <a:bodyPr wrap="none" rtlCol="0">
+              <a:spAutoFit/>
+            </a:bodyPr>
+            <a:lstStyle/>
+            <a:p>
+              <a:r>
+                <a:rPr kumimoji="1" lang="ko-KR" altLang="en-US" sz="3600" b="1" spc="300" dirty="0">
+                  <a:solidFill>
+                    <a:schemeClr val="bg1"/>
+                  </a:solidFill>
+                </a:rPr>
+                <a:t>소개 및 개요</a:t>
+              </a:r>
+              <a:endParaRPr kumimoji="1" lang="ja-JP" altLang="en-US" sz="3600" b="1" spc="300" dirty="0">
+                <a:solidFill>
+                  <a:schemeClr val="bg1"/>
+                </a:solidFill>
+              </a:endParaRPr>
+            </a:p>
+          </p:txBody>
+        </p:sp>
+        <p:sp>
+          <p:nvSpPr>
+            <p:cNvPr id="19" name="正方形/長方形 1">
+              <a:extLst>
+                <a:ext uri="{FF2B5EF4-FFF2-40B4-BE49-F238E27FC236}">
+                  <a16:creationId xmlns:a16="http://schemas.microsoft.com/office/drawing/2014/main" id="{CACB1BF2-EB4E-4F36-8540-C3A1A7F0AD1E}"/>
+                </a:ext>
+              </a:extLst>
+            </p:cNvPr>
+            <p:cNvSpPr/>
+            <p:nvPr/>
+          </p:nvSpPr>
+          <p:spPr>
+            <a:xfrm>
+              <a:off x="764078" y="2147201"/>
+              <a:ext cx="296326" cy="296326"/>
+            </a:xfrm>
+            <a:prstGeom prst="rect">
+              <a:avLst/>
+            </a:prstGeom>
+            <a:solidFill>
+              <a:schemeClr val="bg1"/>
+            </a:solidFill>
+            <a:ln w="152400">
+              <a:noFill/>
+            </a:ln>
+          </p:spPr>
+          <p:style>
+            <a:lnRef idx="2">
+              <a:schemeClr val="accent1">
+                <a:shade val="50000"/>
+              </a:schemeClr>
+            </a:lnRef>
+            <a:fillRef idx="1">
+              <a:schemeClr val="accent1"/>
+            </a:fillRef>
+            <a:effectRef idx="0">
+              <a:schemeClr val="accent1"/>
+            </a:effectRef>
+            <a:fontRef idx="minor">
+              <a:schemeClr val="lt1"/>
+            </a:fontRef>
+          </p:style>
+          <p:txBody>
+            <a:bodyPr rtlCol="0" anchor="ctr"/>
+            <a:lstStyle/>
+            <a:p>
+              <a:pPr algn="ctr"/>
+              <a:endParaRPr kumimoji="1" lang="ja-JP" altLang="en-US"/>
+            </a:p>
+          </p:txBody>
+        </p:sp>
+      </p:grpSp>
+      <p:grpSp>
+        <p:nvGrpSpPr>
+          <p:cNvPr id="26" name="그룹 25"/>
+          <p:cNvGrpSpPr/>
+          <p:nvPr/>
+        </p:nvGrpSpPr>
+        <p:grpSpPr>
+          <a:xfrm>
+            <a:off x="572692" y="2744591"/>
+            <a:ext cx="4700313" cy="869797"/>
+            <a:chOff x="572692" y="1719596"/>
+            <a:chExt cx="4700313" cy="869797"/>
+          </a:xfrm>
+        </p:grpSpPr>
+        <p:sp>
+          <p:nvSpPr>
+            <p:cNvPr id="27" name="TextBox 26">
+              <a:extLst>
+                <a:ext uri="{FF2B5EF4-FFF2-40B4-BE49-F238E27FC236}">
+                  <a16:creationId xmlns:a16="http://schemas.microsoft.com/office/drawing/2014/main" id="{7A0F9463-4505-451F-8BF5-877E3F648D14}"/>
+                </a:ext>
+              </a:extLst>
+            </p:cNvPr>
+            <p:cNvSpPr txBox="1"/>
+            <p:nvPr/>
+          </p:nvSpPr>
+          <p:spPr>
+            <a:xfrm flipH="1">
+              <a:off x="572692" y="1719596"/>
+              <a:ext cx="737369" cy="369332"/>
+            </a:xfrm>
+            <a:prstGeom prst="rect">
+              <a:avLst/>
+            </a:prstGeom>
+            <a:noFill/>
+          </p:spPr>
+          <p:txBody>
+            <a:bodyPr wrap="square" rtlCol="0">
+              <a:spAutoFit/>
+            </a:bodyPr>
+            <a:lstStyle/>
+            <a:p>
+              <a:pPr algn="ctr"/>
+              <a:r>
+                <a:rPr lang="en-US" altLang="ko-KR" b="1" spc="300" dirty="0">
+                  <a:solidFill>
+                    <a:schemeClr val="bg1"/>
+                  </a:solidFill>
+                </a:rPr>
+                <a:t>02</a:t>
+              </a:r>
+              <a:endParaRPr lang="ko-KR" altLang="en-US" b="1" spc="300" dirty="0">
+                <a:solidFill>
+                  <a:schemeClr val="bg1"/>
+                </a:solidFill>
+              </a:endParaRPr>
+            </a:p>
+          </p:txBody>
+        </p:sp>
+        <p:sp>
+          <p:nvSpPr>
+            <p:cNvPr id="28" name="テキスト ボックス 2">
+              <a:extLst>
+                <a:ext uri="{FF2B5EF4-FFF2-40B4-BE49-F238E27FC236}">
+                  <a16:creationId xmlns:a16="http://schemas.microsoft.com/office/drawing/2014/main" id="{7CC15B21-9934-4063-A981-1254F24D8805}"/>
+                </a:ext>
+              </a:extLst>
+            </p:cNvPr>
+            <p:cNvSpPr txBox="1"/>
+            <p:nvPr/>
+          </p:nvSpPr>
+          <p:spPr>
+            <a:xfrm>
+              <a:off x="1310061" y="1943062"/>
+              <a:ext cx="3962944" cy="646331"/>
+            </a:xfrm>
+            <a:prstGeom prst="rect">
+              <a:avLst/>
+            </a:prstGeom>
+            <a:noFill/>
+          </p:spPr>
+          <p:txBody>
+            <a:bodyPr wrap="none" rtlCol="0">
+              <a:spAutoFit/>
+            </a:bodyPr>
+            <a:lstStyle/>
+            <a:p>
+              <a:r>
+                <a:rPr kumimoji="1" lang="ko-KR" altLang="en-US" sz="3600" b="1" spc="300" dirty="0">
+                  <a:solidFill>
+                    <a:schemeClr val="bg1"/>
+                  </a:solidFill>
+                </a:rPr>
+                <a:t>개발환경 및 기획</a:t>
+              </a:r>
+              <a:endParaRPr kumimoji="1" lang="ja-JP" altLang="en-US" sz="3600" b="1" spc="300" dirty="0">
+                <a:solidFill>
+                  <a:schemeClr val="bg1"/>
+                </a:solidFill>
+              </a:endParaRPr>
+            </a:p>
+          </p:txBody>
+        </p:sp>
+        <p:sp>
+          <p:nvSpPr>
+            <p:cNvPr id="29" name="正方形/長方形 1">
+              <a:extLst>
+                <a:ext uri="{FF2B5EF4-FFF2-40B4-BE49-F238E27FC236}">
+                  <a16:creationId xmlns:a16="http://schemas.microsoft.com/office/drawing/2014/main" id="{CACB1BF2-EB4E-4F36-8540-C3A1A7F0AD1E}"/>
+                </a:ext>
+              </a:extLst>
+            </p:cNvPr>
+            <p:cNvSpPr/>
+            <p:nvPr/>
+          </p:nvSpPr>
+          <p:spPr>
+            <a:xfrm>
+              <a:off x="764078" y="2147201"/>
+              <a:ext cx="296326" cy="296326"/>
+            </a:xfrm>
+            <a:prstGeom prst="rect">
+              <a:avLst/>
+            </a:prstGeom>
+            <a:solidFill>
+              <a:schemeClr val="bg1"/>
+            </a:solidFill>
+            <a:ln w="152400">
+              <a:noFill/>
+            </a:ln>
+          </p:spPr>
+          <p:style>
+            <a:lnRef idx="2">
+              <a:schemeClr val="accent1">
+                <a:shade val="50000"/>
+              </a:schemeClr>
+            </a:lnRef>
+            <a:fillRef idx="1">
+              <a:schemeClr val="accent1"/>
+            </a:fillRef>
+            <a:effectRef idx="0">
+              <a:schemeClr val="accent1"/>
+            </a:effectRef>
+            <a:fontRef idx="minor">
+              <a:schemeClr val="lt1"/>
+            </a:fontRef>
+          </p:style>
+          <p:txBody>
+            <a:bodyPr rtlCol="0" anchor="ctr"/>
+            <a:lstStyle/>
+            <a:p>
+              <a:pPr algn="ctr"/>
+              <a:endParaRPr kumimoji="1" lang="ja-JP" altLang="en-US"/>
+            </a:p>
+          </p:txBody>
+        </p:sp>
+      </p:grpSp>
+      <p:grpSp>
+        <p:nvGrpSpPr>
+          <p:cNvPr id="46" name="그룹 45"/>
+          <p:cNvGrpSpPr/>
+          <p:nvPr/>
+        </p:nvGrpSpPr>
+        <p:grpSpPr>
+          <a:xfrm>
+            <a:off x="572692" y="3837854"/>
+            <a:ext cx="5851269" cy="869797"/>
+            <a:chOff x="572692" y="1719596"/>
+            <a:chExt cx="5851269" cy="869797"/>
+          </a:xfrm>
+        </p:grpSpPr>
+        <p:sp>
+          <p:nvSpPr>
+            <p:cNvPr id="47" name="TextBox 46">
+              <a:extLst>
+                <a:ext uri="{FF2B5EF4-FFF2-40B4-BE49-F238E27FC236}">
+                  <a16:creationId xmlns:a16="http://schemas.microsoft.com/office/drawing/2014/main" id="{7A0F9463-4505-451F-8BF5-877E3F648D14}"/>
+                </a:ext>
+              </a:extLst>
+            </p:cNvPr>
+            <p:cNvSpPr txBox="1"/>
+            <p:nvPr/>
+          </p:nvSpPr>
+          <p:spPr>
+            <a:xfrm flipH="1">
+              <a:off x="572692" y="1719596"/>
+              <a:ext cx="737369" cy="369332"/>
+            </a:xfrm>
+            <a:prstGeom prst="rect">
+              <a:avLst/>
+            </a:prstGeom>
+            <a:noFill/>
+          </p:spPr>
+          <p:txBody>
+            <a:bodyPr wrap="square" rtlCol="0">
+              <a:spAutoFit/>
+            </a:bodyPr>
+            <a:lstStyle/>
+            <a:p>
+              <a:pPr algn="ctr"/>
+              <a:r>
+                <a:rPr lang="en-US" altLang="ko-KR" b="1" spc="300" dirty="0">
+                  <a:solidFill>
+                    <a:schemeClr val="bg1"/>
+                  </a:solidFill>
+                </a:rPr>
+                <a:t>03</a:t>
+              </a:r>
+              <a:endParaRPr lang="ko-KR" altLang="en-US" b="1" spc="300" dirty="0">
+                <a:solidFill>
+                  <a:schemeClr val="bg1"/>
+                </a:solidFill>
+              </a:endParaRPr>
+            </a:p>
+          </p:txBody>
+        </p:sp>
+        <p:sp>
+          <p:nvSpPr>
+            <p:cNvPr id="48" name="テキスト ボックス 2">
+              <a:extLst>
+                <a:ext uri="{FF2B5EF4-FFF2-40B4-BE49-F238E27FC236}">
+                  <a16:creationId xmlns:a16="http://schemas.microsoft.com/office/drawing/2014/main" id="{7CC15B21-9934-4063-A981-1254F24D8805}"/>
+                </a:ext>
+              </a:extLst>
+            </p:cNvPr>
+            <p:cNvSpPr txBox="1"/>
+            <p:nvPr/>
+          </p:nvSpPr>
+          <p:spPr>
+            <a:xfrm>
+              <a:off x="1310061" y="1943062"/>
+              <a:ext cx="5113900" cy="646331"/>
+            </a:xfrm>
+            <a:prstGeom prst="rect">
+              <a:avLst/>
+            </a:prstGeom>
+            <a:noFill/>
+          </p:spPr>
+          <p:txBody>
+            <a:bodyPr wrap="none" rtlCol="0">
+              <a:spAutoFit/>
+            </a:bodyPr>
+            <a:lstStyle/>
+            <a:p>
+              <a:r>
+                <a:rPr kumimoji="1" lang="ko-KR" altLang="en-US" sz="3600" b="1" spc="300" dirty="0">
+                  <a:solidFill>
+                    <a:schemeClr val="bg1"/>
+                  </a:solidFill>
+                </a:rPr>
+                <a:t>프로젝트 구조 및 구현</a:t>
+              </a:r>
+              <a:endParaRPr kumimoji="1" lang="ja-JP" altLang="en-US" sz="3600" b="1" spc="300" dirty="0">
+                <a:solidFill>
+                  <a:schemeClr val="bg1"/>
+                </a:solidFill>
+              </a:endParaRPr>
+            </a:p>
+          </p:txBody>
+        </p:sp>
+        <p:sp>
+          <p:nvSpPr>
+            <p:cNvPr id="49" name="正方形/長方形 1">
+              <a:extLst>
+                <a:ext uri="{FF2B5EF4-FFF2-40B4-BE49-F238E27FC236}">
+                  <a16:creationId xmlns:a16="http://schemas.microsoft.com/office/drawing/2014/main" id="{CACB1BF2-EB4E-4F36-8540-C3A1A7F0AD1E}"/>
+                </a:ext>
+              </a:extLst>
+            </p:cNvPr>
+            <p:cNvSpPr/>
+            <p:nvPr/>
+          </p:nvSpPr>
+          <p:spPr>
+            <a:xfrm>
+              <a:off x="764078" y="2147201"/>
+              <a:ext cx="296326" cy="296326"/>
+            </a:xfrm>
+            <a:prstGeom prst="rect">
+              <a:avLst/>
+            </a:prstGeom>
+            <a:solidFill>
+              <a:schemeClr val="bg1"/>
+            </a:solidFill>
+            <a:ln w="152400">
+              <a:noFill/>
+            </a:ln>
+          </p:spPr>
+          <p:style>
+            <a:lnRef idx="2">
+              <a:schemeClr val="accent1">
+                <a:shade val="50000"/>
+              </a:schemeClr>
+            </a:lnRef>
+            <a:fillRef idx="1">
+              <a:schemeClr val="accent1"/>
+            </a:fillRef>
+            <a:effectRef idx="0">
+              <a:schemeClr val="accent1"/>
+            </a:effectRef>
+            <a:fontRef idx="minor">
+              <a:schemeClr val="lt1"/>
+            </a:fontRef>
+          </p:style>
+          <p:txBody>
+            <a:bodyPr rtlCol="0" anchor="ctr"/>
+            <a:lstStyle/>
+            <a:p>
+              <a:pPr algn="ctr"/>
+              <a:endParaRPr kumimoji="1" lang="ja-JP" altLang="en-US"/>
+            </a:p>
+          </p:txBody>
+        </p:sp>
+      </p:grpSp>
+      <p:grpSp>
+        <p:nvGrpSpPr>
+          <p:cNvPr id="50" name="그룹 49"/>
+          <p:cNvGrpSpPr/>
+          <p:nvPr/>
+        </p:nvGrpSpPr>
+        <p:grpSpPr>
+          <a:xfrm>
+            <a:off x="572692" y="4931117"/>
+            <a:ext cx="1906279" cy="869797"/>
+            <a:chOff x="572692" y="1719596"/>
+            <a:chExt cx="1906279" cy="869797"/>
+          </a:xfrm>
+        </p:grpSpPr>
+        <p:sp>
+          <p:nvSpPr>
+            <p:cNvPr id="51" name="TextBox 50">
+              <a:extLst>
+                <a:ext uri="{FF2B5EF4-FFF2-40B4-BE49-F238E27FC236}">
+                  <a16:creationId xmlns:a16="http://schemas.microsoft.com/office/drawing/2014/main" id="{7A0F9463-4505-451F-8BF5-877E3F648D14}"/>
+                </a:ext>
+              </a:extLst>
+            </p:cNvPr>
+            <p:cNvSpPr txBox="1"/>
+            <p:nvPr/>
+          </p:nvSpPr>
+          <p:spPr>
+            <a:xfrm flipH="1">
+              <a:off x="572692" y="1719596"/>
+              <a:ext cx="737369" cy="369332"/>
+            </a:xfrm>
+            <a:prstGeom prst="rect">
+              <a:avLst/>
+            </a:prstGeom>
+            <a:noFill/>
+          </p:spPr>
+          <p:txBody>
+            <a:bodyPr wrap="square" rtlCol="0">
+              <a:spAutoFit/>
+            </a:bodyPr>
+            <a:lstStyle/>
+            <a:p>
+              <a:pPr algn="ctr"/>
+              <a:r>
+                <a:rPr lang="en-US" altLang="ko-KR" b="1" spc="300" dirty="0">
+                  <a:solidFill>
+                    <a:schemeClr val="bg1"/>
+                  </a:solidFill>
+                </a:rPr>
+                <a:t>04</a:t>
+              </a:r>
+              <a:endParaRPr lang="ko-KR" altLang="en-US" b="1" spc="300" dirty="0">
+                <a:solidFill>
+                  <a:schemeClr val="bg1"/>
+                </a:solidFill>
+              </a:endParaRPr>
+            </a:p>
+          </p:txBody>
+        </p:sp>
+        <p:sp>
+          <p:nvSpPr>
+            <p:cNvPr id="52" name="テキスト ボックス 2">
+              <a:extLst>
+                <a:ext uri="{FF2B5EF4-FFF2-40B4-BE49-F238E27FC236}">
+                  <a16:creationId xmlns:a16="http://schemas.microsoft.com/office/drawing/2014/main" id="{7CC15B21-9934-4063-A981-1254F24D8805}"/>
+                </a:ext>
+              </a:extLst>
+            </p:cNvPr>
+            <p:cNvSpPr txBox="1"/>
+            <p:nvPr/>
+          </p:nvSpPr>
+          <p:spPr>
+            <a:xfrm>
+              <a:off x="1310061" y="1943062"/>
+              <a:ext cx="1168910" cy="646331"/>
+            </a:xfrm>
+            <a:prstGeom prst="rect">
+              <a:avLst/>
+            </a:prstGeom>
+            <a:noFill/>
+          </p:spPr>
+          <p:txBody>
+            <a:bodyPr wrap="none" rtlCol="0">
+              <a:spAutoFit/>
+            </a:bodyPr>
+            <a:lstStyle/>
+            <a:p>
+              <a:r>
+                <a:rPr kumimoji="1" lang="ko-KR" altLang="en-US" sz="3600" b="1" spc="300" dirty="0">
+                  <a:solidFill>
+                    <a:schemeClr val="bg1"/>
+                  </a:solidFill>
+                </a:rPr>
+                <a:t>시연</a:t>
+              </a:r>
+              <a:endParaRPr kumimoji="1" lang="ja-JP" altLang="en-US" sz="3600" b="1" spc="300" dirty="0">
+                <a:solidFill>
+                  <a:schemeClr val="bg1"/>
+                </a:solidFill>
+              </a:endParaRPr>
+            </a:p>
+          </p:txBody>
+        </p:sp>
+        <p:sp>
+          <p:nvSpPr>
+            <p:cNvPr id="53" name="正方形/長方形 1">
+              <a:extLst>
+                <a:ext uri="{FF2B5EF4-FFF2-40B4-BE49-F238E27FC236}">
+                  <a16:creationId xmlns:a16="http://schemas.microsoft.com/office/drawing/2014/main" id="{CACB1BF2-EB4E-4F36-8540-C3A1A7F0AD1E}"/>
+                </a:ext>
+              </a:extLst>
+            </p:cNvPr>
+            <p:cNvSpPr/>
+            <p:nvPr/>
+          </p:nvSpPr>
+          <p:spPr>
+            <a:xfrm>
+              <a:off x="764078" y="2147201"/>
+              <a:ext cx="296326" cy="296326"/>
+            </a:xfrm>
+            <a:prstGeom prst="rect">
+              <a:avLst/>
+            </a:prstGeom>
+            <a:solidFill>
+              <a:schemeClr val="bg1"/>
+            </a:solidFill>
+            <a:ln w="152400">
+              <a:noFill/>
+            </a:ln>
+          </p:spPr>
+          <p:style>
+            <a:lnRef idx="2">
+              <a:schemeClr val="accent1">
+                <a:shade val="50000"/>
+              </a:schemeClr>
+            </a:lnRef>
+            <a:fillRef idx="1">
+              <a:schemeClr val="accent1"/>
+            </a:fillRef>
+            <a:effectRef idx="0">
+              <a:schemeClr val="accent1"/>
+            </a:effectRef>
+            <a:fontRef idx="minor">
+              <a:schemeClr val="lt1"/>
+            </a:fontRef>
+          </p:style>
+          <p:txBody>
+            <a:bodyPr rtlCol="0" anchor="ctr"/>
+            <a:lstStyle/>
+            <a:p>
+              <a:pPr algn="ctr"/>
+              <a:endParaRPr kumimoji="1" lang="ja-JP" altLang="en-US"/>
+            </a:p>
+          </p:txBody>
+        </p:sp>
+      </p:grpSp>
+    </p:spTree>
+    <p:extLst>
+      <p:ext uri="{BB962C8B-B14F-4D97-AF65-F5344CB8AC3E}">
+        <p14:creationId xmlns:p14="http://schemas.microsoft.com/office/powerpoint/2010/main" val="1370597313"/>
+      </p:ext>
+    </p:extLst>
+  </p:cSld>
+  <p:clrMapOvr>
+    <a:masterClrMapping/>
+  </p:clrMapOvr>
+  <mc:AlternateContent xmlns:mc="http://schemas.openxmlformats.org/markup-compatibility/2006" xmlns:p159="http://schemas.microsoft.com/office/powerpoint/2015/09/main">
+    <mc:Choice Requires="p159">
+      <p:transition xmlns:p14="http://schemas.microsoft.com/office/powerpoint/2010/main" spd="slow" p14:dur="2000">
+        <p159:morph option="byObject"/>
+      </p:transition>
+    </mc:Choice>
+    <mc:Fallback xmlns="">
+      <p:transition spd="slow">
+        <p:fade/>
+      </p:transition>
+    </mc:Fallback>
+  </mc:AlternateContent>
+</p:sld>
+</file>
+
+<file path=ppt/slides/slide20.xml><?xml version="1.0" encoding="utf-8"?>
 <p:sld xmlns:a="http://schemas.openxmlformats.org/drawingml/2006/main" xmlns:r="http://schemas.openxmlformats.org/officeDocument/2006/relationships" xmlns:p="http://schemas.openxmlformats.org/presentationml/2006/main">
   <p:cSld>
     <p:spTree>
@@ -8180,7 +11842,7 @@
 </p:sld>
 </file>
 
-<file path=ppt/slides/slide16.xml><?xml version="1.0" encoding="utf-8"?>
+<file path=ppt/slides/slide21.xml><?xml version="1.0" encoding="utf-8"?>
 <p:sld xmlns:a="http://schemas.openxmlformats.org/drawingml/2006/main" xmlns:r="http://schemas.openxmlformats.org/officeDocument/2006/relationships" xmlns:p="http://schemas.openxmlformats.org/presentationml/2006/main">
   <p:cSld>
     <p:spTree>
@@ -9332,7 +12994,7 @@
 </p:sld>
 </file>
 
-<file path=ppt/slides/slide17.xml><?xml version="1.0" encoding="utf-8"?>
+<file path=ppt/slides/slide22.xml><?xml version="1.0" encoding="utf-8"?>
 <p:sld xmlns:a="http://schemas.openxmlformats.org/drawingml/2006/main" xmlns:r="http://schemas.openxmlformats.org/officeDocument/2006/relationships" xmlns:p="http://schemas.openxmlformats.org/presentationml/2006/main">
   <p:cSld>
     <p:bg>
@@ -9490,7 +13152,7 @@
 </p:sld>
 </file>
 
-<file path=ppt/slides/slide18.xml><?xml version="1.0" encoding="utf-8"?>
+<file path=ppt/slides/slide23.xml><?xml version="1.0" encoding="utf-8"?>
 <p:sld xmlns:a="http://schemas.openxmlformats.org/drawingml/2006/main" xmlns:r="http://schemas.openxmlformats.org/officeDocument/2006/relationships" xmlns:p="http://schemas.openxmlformats.org/presentationml/2006/main">
   <p:cSld>
     <p:bg>
@@ -9640,7 +13302,7 @@
 </p:sld>
 </file>
 
-<file path=ppt/slides/slide19.xml><?xml version="1.0" encoding="utf-8"?>
+<file path=ppt/slides/slide24.xml><?xml version="1.0" encoding="utf-8"?>
 <p:sld xmlns:a="http://schemas.openxmlformats.org/drawingml/2006/main" xmlns:r="http://schemas.openxmlformats.org/officeDocument/2006/relationships" xmlns:p="http://schemas.openxmlformats.org/presentationml/2006/main">
   <p:cSld>
     <p:bg>
@@ -9793,760 +13455,7 @@
 </p:sld>
 </file>
 
-<file path=ppt/slides/slide2.xml><?xml version="1.0" encoding="utf-8"?>
-<p:sld xmlns:a="http://schemas.openxmlformats.org/drawingml/2006/main" xmlns:r="http://schemas.openxmlformats.org/officeDocument/2006/relationships" xmlns:p="http://schemas.openxmlformats.org/presentationml/2006/main">
-  <p:cSld>
-    <p:bg>
-      <p:bgPr>
-        <a:solidFill>
-          <a:srgbClr val="FC827A"/>
-        </a:solidFill>
-        <a:effectLst/>
-      </p:bgPr>
-    </p:bg>
-    <p:spTree>
-      <p:nvGrpSpPr>
-        <p:cNvPr id="1" name=""/>
-        <p:cNvGrpSpPr/>
-        <p:nvPr/>
-      </p:nvGrpSpPr>
-      <p:grpSpPr>
-        <a:xfrm>
-          <a:off x="0" y="0"/>
-          <a:ext cx="0" cy="0"/>
-          <a:chOff x="0" y="0"/>
-          <a:chExt cx="0" cy="0"/>
-        </a:xfrm>
-      </p:grpSpPr>
-      <p:pic>
-        <p:nvPicPr>
-          <p:cNvPr id="2" name="図 1"/>
-          <p:cNvPicPr>
-            <a:picLocks noChangeAspect="1"/>
-          </p:cNvPicPr>
-          <p:nvPr/>
-        </p:nvPicPr>
-        <p:blipFill rotWithShape="1">
-          <a:blip r:embed="rId2" cstate="print">
-            <a:clrChange>
-              <a:clrFrom>
-                <a:srgbClr val="FE8B84"/>
-              </a:clrFrom>
-              <a:clrTo>
-                <a:srgbClr val="FE8B84">
-                  <a:alpha val="0"/>
-                </a:srgbClr>
-              </a:clrTo>
-            </a:clrChange>
-            <a:extLst>
-              <a:ext uri="{28A0092B-C50C-407E-A947-70E740481C1C}">
-                <a14:useLocalDpi xmlns:a14="http://schemas.microsoft.com/office/drawing/2010/main" val="0"/>
-              </a:ext>
-            </a:extLst>
-          </a:blip>
-          <a:srcRect l="17243" t="16425" r="16374" b="22513"/>
-          <a:stretch/>
-        </p:blipFill>
-        <p:spPr>
-          <a:xfrm>
-            <a:off x="8760995" y="1765851"/>
-            <a:ext cx="2410512" cy="3326297"/>
-          </a:xfrm>
-          <a:prstGeom prst="rect">
-            <a:avLst/>
-          </a:prstGeom>
-        </p:spPr>
-      </p:pic>
-      <p:sp>
-        <p:nvSpPr>
-          <p:cNvPr id="3" name="テキスト ボックス 2">
-            <a:extLst>
-              <a:ext uri="{FF2B5EF4-FFF2-40B4-BE49-F238E27FC236}">
-                <a16:creationId xmlns:a16="http://schemas.microsoft.com/office/drawing/2014/main" id="{54B06272-D923-4A3E-9139-6A17E7858F83}"/>
-              </a:ext>
-            </a:extLst>
-          </p:cNvPr>
-          <p:cNvSpPr txBox="1"/>
-          <p:nvPr/>
-        </p:nvSpPr>
-        <p:spPr>
-          <a:xfrm>
-            <a:off x="1246268" y="170892"/>
-            <a:ext cx="4149277" cy="707886"/>
-          </a:xfrm>
-          <a:prstGeom prst="rect">
-            <a:avLst/>
-          </a:prstGeom>
-          <a:noFill/>
-        </p:spPr>
-        <p:txBody>
-          <a:bodyPr wrap="none" rtlCol="0">
-            <a:spAutoFit/>
-          </a:bodyPr>
-          <a:lstStyle/>
-          <a:p>
-            <a:pPr algn="ctr"/>
-            <a:r>
-              <a:rPr kumimoji="1" lang="en-US" altLang="ja-JP" sz="4000" b="1" spc="-150" dirty="0">
-                <a:solidFill>
-                  <a:schemeClr val="bg1"/>
-                </a:solidFill>
-              </a:rPr>
-              <a:t>Table of Contents</a:t>
-            </a:r>
-            <a:endParaRPr kumimoji="1" lang="ja-JP" altLang="en-US" sz="4000" b="1" spc="-150" dirty="0">
-              <a:solidFill>
-                <a:schemeClr val="bg1"/>
-              </a:solidFill>
-            </a:endParaRPr>
-          </a:p>
-        </p:txBody>
-      </p:sp>
-      <p:grpSp>
-        <p:nvGrpSpPr>
-          <p:cNvPr id="6" name="그룹 5"/>
-          <p:cNvGrpSpPr/>
-          <p:nvPr/>
-        </p:nvGrpSpPr>
-        <p:grpSpPr>
-          <a:xfrm>
-            <a:off x="572692" y="1644782"/>
-            <a:ext cx="3716070" cy="869797"/>
-            <a:chOff x="572692" y="1719596"/>
-            <a:chExt cx="3716070" cy="869797"/>
-          </a:xfrm>
-        </p:grpSpPr>
-        <p:sp>
-          <p:nvSpPr>
-            <p:cNvPr id="5" name="TextBox 4">
-              <a:extLst>
-                <a:ext uri="{FF2B5EF4-FFF2-40B4-BE49-F238E27FC236}">
-                  <a16:creationId xmlns:a16="http://schemas.microsoft.com/office/drawing/2014/main" id="{7A0F9463-4505-451F-8BF5-877E3F648D14}"/>
-                </a:ext>
-              </a:extLst>
-            </p:cNvPr>
-            <p:cNvSpPr txBox="1"/>
-            <p:nvPr/>
-          </p:nvSpPr>
-          <p:spPr>
-            <a:xfrm flipH="1">
-              <a:off x="572692" y="1719596"/>
-              <a:ext cx="737369" cy="369332"/>
-            </a:xfrm>
-            <a:prstGeom prst="rect">
-              <a:avLst/>
-            </a:prstGeom>
-            <a:noFill/>
-          </p:spPr>
-          <p:txBody>
-            <a:bodyPr wrap="square" rtlCol="0">
-              <a:spAutoFit/>
-            </a:bodyPr>
-            <a:lstStyle/>
-            <a:p>
-              <a:pPr algn="ctr"/>
-              <a:r>
-                <a:rPr lang="en-US" altLang="ko-KR" b="1" spc="300" dirty="0">
-                  <a:solidFill>
-                    <a:schemeClr val="bg1"/>
-                  </a:solidFill>
-                </a:rPr>
-                <a:t>01</a:t>
-              </a:r>
-            </a:p>
-          </p:txBody>
-        </p:sp>
-        <p:sp>
-          <p:nvSpPr>
-            <p:cNvPr id="7" name="テキスト ボックス 2">
-              <a:extLst>
-                <a:ext uri="{FF2B5EF4-FFF2-40B4-BE49-F238E27FC236}">
-                  <a16:creationId xmlns:a16="http://schemas.microsoft.com/office/drawing/2014/main" id="{7CC15B21-9934-4063-A981-1254F24D8805}"/>
-                </a:ext>
-              </a:extLst>
-            </p:cNvPr>
-            <p:cNvSpPr txBox="1"/>
-            <p:nvPr/>
-          </p:nvSpPr>
-          <p:spPr>
-            <a:xfrm>
-              <a:off x="1310061" y="1943062"/>
-              <a:ext cx="2978701" cy="646331"/>
-            </a:xfrm>
-            <a:prstGeom prst="rect">
-              <a:avLst/>
-            </a:prstGeom>
-            <a:noFill/>
-          </p:spPr>
-          <p:txBody>
-            <a:bodyPr wrap="none" rtlCol="0">
-              <a:spAutoFit/>
-            </a:bodyPr>
-            <a:lstStyle/>
-            <a:p>
-              <a:r>
-                <a:rPr kumimoji="1" lang="ko-KR" altLang="en-US" sz="3600" b="1" spc="300" dirty="0">
-                  <a:solidFill>
-                    <a:schemeClr val="bg1"/>
-                  </a:solidFill>
-                </a:rPr>
-                <a:t>소개 및 개요</a:t>
-              </a:r>
-              <a:endParaRPr kumimoji="1" lang="ja-JP" altLang="en-US" sz="3600" b="1" spc="300" dirty="0">
-                <a:solidFill>
-                  <a:schemeClr val="bg1"/>
-                </a:solidFill>
-              </a:endParaRPr>
-            </a:p>
-          </p:txBody>
-        </p:sp>
-        <p:sp>
-          <p:nvSpPr>
-            <p:cNvPr id="19" name="正方形/長方形 1">
-              <a:extLst>
-                <a:ext uri="{FF2B5EF4-FFF2-40B4-BE49-F238E27FC236}">
-                  <a16:creationId xmlns:a16="http://schemas.microsoft.com/office/drawing/2014/main" id="{CACB1BF2-EB4E-4F36-8540-C3A1A7F0AD1E}"/>
-                </a:ext>
-              </a:extLst>
-            </p:cNvPr>
-            <p:cNvSpPr/>
-            <p:nvPr/>
-          </p:nvSpPr>
-          <p:spPr>
-            <a:xfrm>
-              <a:off x="764078" y="2147201"/>
-              <a:ext cx="296326" cy="296326"/>
-            </a:xfrm>
-            <a:prstGeom prst="rect">
-              <a:avLst/>
-            </a:prstGeom>
-            <a:solidFill>
-              <a:schemeClr val="bg1"/>
-            </a:solidFill>
-            <a:ln w="152400">
-              <a:noFill/>
-            </a:ln>
-          </p:spPr>
-          <p:style>
-            <a:lnRef idx="2">
-              <a:schemeClr val="accent1">
-                <a:shade val="50000"/>
-              </a:schemeClr>
-            </a:lnRef>
-            <a:fillRef idx="1">
-              <a:schemeClr val="accent1"/>
-            </a:fillRef>
-            <a:effectRef idx="0">
-              <a:schemeClr val="accent1"/>
-            </a:effectRef>
-            <a:fontRef idx="minor">
-              <a:schemeClr val="lt1"/>
-            </a:fontRef>
-          </p:style>
-          <p:txBody>
-            <a:bodyPr rtlCol="0" anchor="ctr"/>
-            <a:lstStyle/>
-            <a:p>
-              <a:pPr algn="ctr"/>
-              <a:endParaRPr kumimoji="1" lang="ja-JP" altLang="en-US"/>
-            </a:p>
-          </p:txBody>
-        </p:sp>
-      </p:grpSp>
-      <p:grpSp>
-        <p:nvGrpSpPr>
-          <p:cNvPr id="26" name="그룹 25"/>
-          <p:cNvGrpSpPr/>
-          <p:nvPr/>
-        </p:nvGrpSpPr>
-        <p:grpSpPr>
-          <a:xfrm>
-            <a:off x="572692" y="2744591"/>
-            <a:ext cx="4700313" cy="869797"/>
-            <a:chOff x="572692" y="1719596"/>
-            <a:chExt cx="4700313" cy="869797"/>
-          </a:xfrm>
-        </p:grpSpPr>
-        <p:sp>
-          <p:nvSpPr>
-            <p:cNvPr id="27" name="TextBox 26">
-              <a:extLst>
-                <a:ext uri="{FF2B5EF4-FFF2-40B4-BE49-F238E27FC236}">
-                  <a16:creationId xmlns:a16="http://schemas.microsoft.com/office/drawing/2014/main" id="{7A0F9463-4505-451F-8BF5-877E3F648D14}"/>
-                </a:ext>
-              </a:extLst>
-            </p:cNvPr>
-            <p:cNvSpPr txBox="1"/>
-            <p:nvPr/>
-          </p:nvSpPr>
-          <p:spPr>
-            <a:xfrm flipH="1">
-              <a:off x="572692" y="1719596"/>
-              <a:ext cx="737369" cy="369332"/>
-            </a:xfrm>
-            <a:prstGeom prst="rect">
-              <a:avLst/>
-            </a:prstGeom>
-            <a:noFill/>
-          </p:spPr>
-          <p:txBody>
-            <a:bodyPr wrap="square" rtlCol="0">
-              <a:spAutoFit/>
-            </a:bodyPr>
-            <a:lstStyle/>
-            <a:p>
-              <a:pPr algn="ctr"/>
-              <a:r>
-                <a:rPr lang="en-US" altLang="ko-KR" b="1" spc="300" dirty="0">
-                  <a:solidFill>
-                    <a:schemeClr val="bg1"/>
-                  </a:solidFill>
-                </a:rPr>
-                <a:t>02</a:t>
-              </a:r>
-              <a:endParaRPr lang="ko-KR" altLang="en-US" b="1" spc="300" dirty="0">
-                <a:solidFill>
-                  <a:schemeClr val="bg1"/>
-                </a:solidFill>
-              </a:endParaRPr>
-            </a:p>
-          </p:txBody>
-        </p:sp>
-        <p:sp>
-          <p:nvSpPr>
-            <p:cNvPr id="28" name="テキスト ボックス 2">
-              <a:extLst>
-                <a:ext uri="{FF2B5EF4-FFF2-40B4-BE49-F238E27FC236}">
-                  <a16:creationId xmlns:a16="http://schemas.microsoft.com/office/drawing/2014/main" id="{7CC15B21-9934-4063-A981-1254F24D8805}"/>
-                </a:ext>
-              </a:extLst>
-            </p:cNvPr>
-            <p:cNvSpPr txBox="1"/>
-            <p:nvPr/>
-          </p:nvSpPr>
-          <p:spPr>
-            <a:xfrm>
-              <a:off x="1310061" y="1943062"/>
-              <a:ext cx="3962944" cy="646331"/>
-            </a:xfrm>
-            <a:prstGeom prst="rect">
-              <a:avLst/>
-            </a:prstGeom>
-            <a:noFill/>
-          </p:spPr>
-          <p:txBody>
-            <a:bodyPr wrap="none" rtlCol="0">
-              <a:spAutoFit/>
-            </a:bodyPr>
-            <a:lstStyle/>
-            <a:p>
-              <a:r>
-                <a:rPr kumimoji="1" lang="ko-KR" altLang="en-US" sz="3600" b="1" spc="300" dirty="0">
-                  <a:solidFill>
-                    <a:schemeClr val="bg1"/>
-                  </a:solidFill>
-                </a:rPr>
-                <a:t>개발환경 및 기획</a:t>
-              </a:r>
-              <a:endParaRPr kumimoji="1" lang="ja-JP" altLang="en-US" sz="3600" b="1" spc="300" dirty="0">
-                <a:solidFill>
-                  <a:schemeClr val="bg1"/>
-                </a:solidFill>
-              </a:endParaRPr>
-            </a:p>
-          </p:txBody>
-        </p:sp>
-        <p:sp>
-          <p:nvSpPr>
-            <p:cNvPr id="29" name="正方形/長方形 1">
-              <a:extLst>
-                <a:ext uri="{FF2B5EF4-FFF2-40B4-BE49-F238E27FC236}">
-                  <a16:creationId xmlns:a16="http://schemas.microsoft.com/office/drawing/2014/main" id="{CACB1BF2-EB4E-4F36-8540-C3A1A7F0AD1E}"/>
-                </a:ext>
-              </a:extLst>
-            </p:cNvPr>
-            <p:cNvSpPr/>
-            <p:nvPr/>
-          </p:nvSpPr>
-          <p:spPr>
-            <a:xfrm>
-              <a:off x="764078" y="2147201"/>
-              <a:ext cx="296326" cy="296326"/>
-            </a:xfrm>
-            <a:prstGeom prst="rect">
-              <a:avLst/>
-            </a:prstGeom>
-            <a:solidFill>
-              <a:schemeClr val="bg1"/>
-            </a:solidFill>
-            <a:ln w="152400">
-              <a:noFill/>
-            </a:ln>
-          </p:spPr>
-          <p:style>
-            <a:lnRef idx="2">
-              <a:schemeClr val="accent1">
-                <a:shade val="50000"/>
-              </a:schemeClr>
-            </a:lnRef>
-            <a:fillRef idx="1">
-              <a:schemeClr val="accent1"/>
-            </a:fillRef>
-            <a:effectRef idx="0">
-              <a:schemeClr val="accent1"/>
-            </a:effectRef>
-            <a:fontRef idx="minor">
-              <a:schemeClr val="lt1"/>
-            </a:fontRef>
-          </p:style>
-          <p:txBody>
-            <a:bodyPr rtlCol="0" anchor="ctr"/>
-            <a:lstStyle/>
-            <a:p>
-              <a:pPr algn="ctr"/>
-              <a:endParaRPr kumimoji="1" lang="ja-JP" altLang="en-US"/>
-            </a:p>
-          </p:txBody>
-        </p:sp>
-      </p:grpSp>
-      <p:grpSp>
-        <p:nvGrpSpPr>
-          <p:cNvPr id="46" name="그룹 45"/>
-          <p:cNvGrpSpPr/>
-          <p:nvPr/>
-        </p:nvGrpSpPr>
-        <p:grpSpPr>
-          <a:xfrm>
-            <a:off x="572692" y="3837854"/>
-            <a:ext cx="5851269" cy="869797"/>
-            <a:chOff x="572692" y="1719596"/>
-            <a:chExt cx="5851269" cy="869797"/>
-          </a:xfrm>
-        </p:grpSpPr>
-        <p:sp>
-          <p:nvSpPr>
-            <p:cNvPr id="47" name="TextBox 46">
-              <a:extLst>
-                <a:ext uri="{FF2B5EF4-FFF2-40B4-BE49-F238E27FC236}">
-                  <a16:creationId xmlns:a16="http://schemas.microsoft.com/office/drawing/2014/main" id="{7A0F9463-4505-451F-8BF5-877E3F648D14}"/>
-                </a:ext>
-              </a:extLst>
-            </p:cNvPr>
-            <p:cNvSpPr txBox="1"/>
-            <p:nvPr/>
-          </p:nvSpPr>
-          <p:spPr>
-            <a:xfrm flipH="1">
-              <a:off x="572692" y="1719596"/>
-              <a:ext cx="737369" cy="369332"/>
-            </a:xfrm>
-            <a:prstGeom prst="rect">
-              <a:avLst/>
-            </a:prstGeom>
-            <a:noFill/>
-          </p:spPr>
-          <p:txBody>
-            <a:bodyPr wrap="square" rtlCol="0">
-              <a:spAutoFit/>
-            </a:bodyPr>
-            <a:lstStyle/>
-            <a:p>
-              <a:pPr algn="ctr"/>
-              <a:r>
-                <a:rPr lang="en-US" altLang="ko-KR" b="1" spc="300" dirty="0">
-                  <a:solidFill>
-                    <a:schemeClr val="bg1"/>
-                  </a:solidFill>
-                </a:rPr>
-                <a:t>03</a:t>
-              </a:r>
-              <a:endParaRPr lang="ko-KR" altLang="en-US" b="1" spc="300" dirty="0">
-                <a:solidFill>
-                  <a:schemeClr val="bg1"/>
-                </a:solidFill>
-              </a:endParaRPr>
-            </a:p>
-          </p:txBody>
-        </p:sp>
-        <p:sp>
-          <p:nvSpPr>
-            <p:cNvPr id="48" name="テキスト ボックス 2">
-              <a:extLst>
-                <a:ext uri="{FF2B5EF4-FFF2-40B4-BE49-F238E27FC236}">
-                  <a16:creationId xmlns:a16="http://schemas.microsoft.com/office/drawing/2014/main" id="{7CC15B21-9934-4063-A981-1254F24D8805}"/>
-                </a:ext>
-              </a:extLst>
-            </p:cNvPr>
-            <p:cNvSpPr txBox="1"/>
-            <p:nvPr/>
-          </p:nvSpPr>
-          <p:spPr>
-            <a:xfrm>
-              <a:off x="1310061" y="1943062"/>
-              <a:ext cx="5113900" cy="646331"/>
-            </a:xfrm>
-            <a:prstGeom prst="rect">
-              <a:avLst/>
-            </a:prstGeom>
-            <a:noFill/>
-          </p:spPr>
-          <p:txBody>
-            <a:bodyPr wrap="none" rtlCol="0">
-              <a:spAutoFit/>
-            </a:bodyPr>
-            <a:lstStyle/>
-            <a:p>
-              <a:r>
-                <a:rPr kumimoji="1" lang="ko-KR" altLang="en-US" sz="3600" b="1" spc="300" dirty="0">
-                  <a:solidFill>
-                    <a:schemeClr val="bg1"/>
-                  </a:solidFill>
-                </a:rPr>
-                <a:t>프로젝트 구조 및 구현</a:t>
-              </a:r>
-              <a:endParaRPr kumimoji="1" lang="ja-JP" altLang="en-US" sz="3600" b="1" spc="300" dirty="0">
-                <a:solidFill>
-                  <a:schemeClr val="bg1"/>
-                </a:solidFill>
-              </a:endParaRPr>
-            </a:p>
-          </p:txBody>
-        </p:sp>
-        <p:sp>
-          <p:nvSpPr>
-            <p:cNvPr id="49" name="正方形/長方形 1">
-              <a:extLst>
-                <a:ext uri="{FF2B5EF4-FFF2-40B4-BE49-F238E27FC236}">
-                  <a16:creationId xmlns:a16="http://schemas.microsoft.com/office/drawing/2014/main" id="{CACB1BF2-EB4E-4F36-8540-C3A1A7F0AD1E}"/>
-                </a:ext>
-              </a:extLst>
-            </p:cNvPr>
-            <p:cNvSpPr/>
-            <p:nvPr/>
-          </p:nvSpPr>
-          <p:spPr>
-            <a:xfrm>
-              <a:off x="764078" y="2147201"/>
-              <a:ext cx="296326" cy="296326"/>
-            </a:xfrm>
-            <a:prstGeom prst="rect">
-              <a:avLst/>
-            </a:prstGeom>
-            <a:solidFill>
-              <a:schemeClr val="bg1"/>
-            </a:solidFill>
-            <a:ln w="152400">
-              <a:noFill/>
-            </a:ln>
-          </p:spPr>
-          <p:style>
-            <a:lnRef idx="2">
-              <a:schemeClr val="accent1">
-                <a:shade val="50000"/>
-              </a:schemeClr>
-            </a:lnRef>
-            <a:fillRef idx="1">
-              <a:schemeClr val="accent1"/>
-            </a:fillRef>
-            <a:effectRef idx="0">
-              <a:schemeClr val="accent1"/>
-            </a:effectRef>
-            <a:fontRef idx="minor">
-              <a:schemeClr val="lt1"/>
-            </a:fontRef>
-          </p:style>
-          <p:txBody>
-            <a:bodyPr rtlCol="0" anchor="ctr"/>
-            <a:lstStyle/>
-            <a:p>
-              <a:pPr algn="ctr"/>
-              <a:endParaRPr kumimoji="1" lang="ja-JP" altLang="en-US"/>
-            </a:p>
-          </p:txBody>
-        </p:sp>
-      </p:grpSp>
-      <p:grpSp>
-        <p:nvGrpSpPr>
-          <p:cNvPr id="50" name="그룹 49"/>
-          <p:cNvGrpSpPr/>
-          <p:nvPr/>
-        </p:nvGrpSpPr>
-        <p:grpSpPr>
-          <a:xfrm>
-            <a:off x="572692" y="4931117"/>
-            <a:ext cx="1906279" cy="869797"/>
-            <a:chOff x="572692" y="1719596"/>
-            <a:chExt cx="1906279" cy="869797"/>
-          </a:xfrm>
-        </p:grpSpPr>
-        <p:sp>
-          <p:nvSpPr>
-            <p:cNvPr id="51" name="TextBox 50">
-              <a:extLst>
-                <a:ext uri="{FF2B5EF4-FFF2-40B4-BE49-F238E27FC236}">
-                  <a16:creationId xmlns:a16="http://schemas.microsoft.com/office/drawing/2014/main" id="{7A0F9463-4505-451F-8BF5-877E3F648D14}"/>
-                </a:ext>
-              </a:extLst>
-            </p:cNvPr>
-            <p:cNvSpPr txBox="1"/>
-            <p:nvPr/>
-          </p:nvSpPr>
-          <p:spPr>
-            <a:xfrm flipH="1">
-              <a:off x="572692" y="1719596"/>
-              <a:ext cx="737369" cy="369332"/>
-            </a:xfrm>
-            <a:prstGeom prst="rect">
-              <a:avLst/>
-            </a:prstGeom>
-            <a:noFill/>
-          </p:spPr>
-          <p:txBody>
-            <a:bodyPr wrap="square" rtlCol="0">
-              <a:spAutoFit/>
-            </a:bodyPr>
-            <a:lstStyle/>
-            <a:p>
-              <a:pPr algn="ctr"/>
-              <a:r>
-                <a:rPr lang="en-US" altLang="ko-KR" b="1" spc="300" dirty="0">
-                  <a:solidFill>
-                    <a:schemeClr val="bg1"/>
-                  </a:solidFill>
-                </a:rPr>
-                <a:t>04</a:t>
-              </a:r>
-              <a:endParaRPr lang="ko-KR" altLang="en-US" b="1" spc="300" dirty="0">
-                <a:solidFill>
-                  <a:schemeClr val="bg1"/>
-                </a:solidFill>
-              </a:endParaRPr>
-            </a:p>
-          </p:txBody>
-        </p:sp>
-        <p:sp>
-          <p:nvSpPr>
-            <p:cNvPr id="52" name="テキスト ボックス 2">
-              <a:extLst>
-                <a:ext uri="{FF2B5EF4-FFF2-40B4-BE49-F238E27FC236}">
-                  <a16:creationId xmlns:a16="http://schemas.microsoft.com/office/drawing/2014/main" id="{7CC15B21-9934-4063-A981-1254F24D8805}"/>
-                </a:ext>
-              </a:extLst>
-            </p:cNvPr>
-            <p:cNvSpPr txBox="1"/>
-            <p:nvPr/>
-          </p:nvSpPr>
-          <p:spPr>
-            <a:xfrm>
-              <a:off x="1310061" y="1943062"/>
-              <a:ext cx="1168910" cy="646331"/>
-            </a:xfrm>
-            <a:prstGeom prst="rect">
-              <a:avLst/>
-            </a:prstGeom>
-            <a:noFill/>
-          </p:spPr>
-          <p:txBody>
-            <a:bodyPr wrap="none" rtlCol="0">
-              <a:spAutoFit/>
-            </a:bodyPr>
-            <a:lstStyle/>
-            <a:p>
-              <a:r>
-                <a:rPr kumimoji="1" lang="ko-KR" altLang="en-US" sz="3600" b="1" spc="300" dirty="0">
-                  <a:solidFill>
-                    <a:schemeClr val="bg1"/>
-                  </a:solidFill>
-                </a:rPr>
-                <a:t>시연</a:t>
-              </a:r>
-              <a:endParaRPr kumimoji="1" lang="ja-JP" altLang="en-US" sz="3600" b="1" spc="300" dirty="0">
-                <a:solidFill>
-                  <a:schemeClr val="bg1"/>
-                </a:solidFill>
-              </a:endParaRPr>
-            </a:p>
-          </p:txBody>
-        </p:sp>
-        <p:sp>
-          <p:nvSpPr>
-            <p:cNvPr id="53" name="正方形/長方形 1">
-              <a:extLst>
-                <a:ext uri="{FF2B5EF4-FFF2-40B4-BE49-F238E27FC236}">
-                  <a16:creationId xmlns:a16="http://schemas.microsoft.com/office/drawing/2014/main" id="{CACB1BF2-EB4E-4F36-8540-C3A1A7F0AD1E}"/>
-                </a:ext>
-              </a:extLst>
-            </p:cNvPr>
-            <p:cNvSpPr/>
-            <p:nvPr/>
-          </p:nvSpPr>
-          <p:spPr>
-            <a:xfrm>
-              <a:off x="764078" y="2147201"/>
-              <a:ext cx="296326" cy="296326"/>
-            </a:xfrm>
-            <a:prstGeom prst="rect">
-              <a:avLst/>
-            </a:prstGeom>
-            <a:solidFill>
-              <a:schemeClr val="bg1"/>
-            </a:solidFill>
-            <a:ln w="152400">
-              <a:noFill/>
-            </a:ln>
-          </p:spPr>
-          <p:style>
-            <a:lnRef idx="2">
-              <a:schemeClr val="accent1">
-                <a:shade val="50000"/>
-              </a:schemeClr>
-            </a:lnRef>
-            <a:fillRef idx="1">
-              <a:schemeClr val="accent1"/>
-            </a:fillRef>
-            <a:effectRef idx="0">
-              <a:schemeClr val="accent1"/>
-            </a:effectRef>
-            <a:fontRef idx="minor">
-              <a:schemeClr val="lt1"/>
-            </a:fontRef>
-          </p:style>
-          <p:txBody>
-            <a:bodyPr rtlCol="0" anchor="ctr"/>
-            <a:lstStyle/>
-            <a:p>
-              <a:pPr algn="ctr"/>
-              <a:endParaRPr kumimoji="1" lang="ja-JP" altLang="en-US"/>
-            </a:p>
-          </p:txBody>
-        </p:sp>
-      </p:grpSp>
-    </p:spTree>
-    <p:extLst>
-      <p:ext uri="{BB962C8B-B14F-4D97-AF65-F5344CB8AC3E}">
-        <p14:creationId xmlns:p14="http://schemas.microsoft.com/office/powerpoint/2010/main" val="1370597313"/>
-      </p:ext>
-    </p:extLst>
-  </p:cSld>
-  <p:clrMapOvr>
-    <a:masterClrMapping/>
-  </p:clrMapOvr>
-  <mc:AlternateContent xmlns:mc="http://schemas.openxmlformats.org/markup-compatibility/2006" xmlns:p159="http://schemas.microsoft.com/office/powerpoint/2015/09/main">
-    <mc:Choice Requires="p159">
-      <p:transition xmlns:p14="http://schemas.microsoft.com/office/powerpoint/2010/main" spd="slow" p14:dur="2000">
-        <p159:morph option="byObject"/>
-      </p:transition>
-    </mc:Choice>
-    <mc:Fallback xmlns="">
-      <p:transition spd="slow">
-        <p:fade/>
-      </p:transition>
-    </mc:Fallback>
-  </mc:AlternateContent>
-</p:sld>
-</file>
-
-<file path=ppt/slides/slide20.xml><?xml version="1.0" encoding="utf-8"?>
+<file path=ppt/slides/slide25.xml><?xml version="1.0" encoding="utf-8"?>
 <p:sld xmlns:a="http://schemas.openxmlformats.org/drawingml/2006/main" xmlns:r="http://schemas.openxmlformats.org/officeDocument/2006/relationships" xmlns:p="http://schemas.openxmlformats.org/presentationml/2006/main">
   <p:cSld>
     <p:bg>
@@ -10699,7 +13608,7 @@
 </p:sld>
 </file>
 
-<file path=ppt/slides/slide21.xml><?xml version="1.0" encoding="utf-8"?>
+<file path=ppt/slides/slide26.xml><?xml version="1.0" encoding="utf-8"?>
 <p:sld xmlns:a="http://schemas.openxmlformats.org/drawingml/2006/main" xmlns:r="http://schemas.openxmlformats.org/officeDocument/2006/relationships" xmlns:p="http://schemas.openxmlformats.org/presentationml/2006/main">
   <p:cSld>
     <p:bg>
@@ -10849,7 +13758,7 @@
 </p:sld>
 </file>
 
-<file path=ppt/slides/slide22.xml><?xml version="1.0" encoding="utf-8"?>
+<file path=ppt/slides/slide27.xml><?xml version="1.0" encoding="utf-8"?>
 <p:sld xmlns:a="http://schemas.openxmlformats.org/drawingml/2006/main" xmlns:r="http://schemas.openxmlformats.org/officeDocument/2006/relationships" xmlns:p="http://schemas.openxmlformats.org/presentationml/2006/main">
   <p:cSld>
     <p:bg>
@@ -11002,7 +13911,7 @@
 </p:sld>
 </file>
 
-<file path=ppt/slides/slide23.xml><?xml version="1.0" encoding="utf-8"?>
+<file path=ppt/slides/slide28.xml><?xml version="1.0" encoding="utf-8"?>
 <p:sld xmlns:a="http://schemas.openxmlformats.org/drawingml/2006/main" xmlns:r="http://schemas.openxmlformats.org/officeDocument/2006/relationships" xmlns:p="http://schemas.openxmlformats.org/presentationml/2006/main">
   <p:cSld>
     <p:spTree>
@@ -12160,7 +15069,7 @@
 </p:sld>
 </file>
 
-<file path=ppt/slides/slide24.xml><?xml version="1.0" encoding="utf-8"?>
+<file path=ppt/slides/slide29.xml><?xml version="1.0" encoding="utf-8"?>
 <p:sld xmlns:a="http://schemas.openxmlformats.org/drawingml/2006/main" xmlns:r="http://schemas.openxmlformats.org/officeDocument/2006/relationships" xmlns:p="http://schemas.openxmlformats.org/presentationml/2006/main">
   <p:cSld>
     <p:bg>
@@ -13288,7 +16197,7 @@
         </p:nvCxnSpPr>
         <p:spPr>
           <a:xfrm>
-            <a:off x="1120638" y="4994581"/>
+            <a:off x="1120638" y="4969642"/>
             <a:ext cx="1488558" cy="0"/>
           </a:xfrm>
           <a:prstGeom prst="line">
@@ -18638,13 +21547,13 @@
   <p:clrMapOvr>
     <a:masterClrMapping/>
   </p:clrMapOvr>
-  <mc:AlternateContent xmlns:mc="http://schemas.openxmlformats.org/markup-compatibility/2006">
-    <mc:Choice xmlns:p159="http://schemas.microsoft.com/office/powerpoint/2015/09/main" Requires="p159">
+  <mc:AlternateContent xmlns:mc="http://schemas.openxmlformats.org/markup-compatibility/2006" xmlns:p159="http://schemas.microsoft.com/office/powerpoint/2015/09/main">
+    <mc:Choice Requires="p159">
       <p:transition xmlns:p14="http://schemas.microsoft.com/office/powerpoint/2010/main" spd="slow" p14:dur="2000">
         <p159:morph option="byObject"/>
       </p:transition>
     </mc:Choice>
-    <mc:Fallback>
+    <mc:Fallback xmlns="">
       <p:transition spd="slow">
         <p:fade/>
       </p:transition>
@@ -18855,6 +21764,36 @@
           </a:p>
         </p:txBody>
       </p:sp>
+      <p:pic>
+        <p:nvPicPr>
+          <p:cNvPr id="7" name="그림 6" descr="테이블이(가) 표시된 사진&#10;&#10;자동 생성된 설명">
+            <a:extLst>
+              <a:ext uri="{FF2B5EF4-FFF2-40B4-BE49-F238E27FC236}">
+                <a16:creationId xmlns:a16="http://schemas.microsoft.com/office/drawing/2014/main" id="{D59FCFCD-B9A4-415B-B3B1-9303905AC07E}"/>
+              </a:ext>
+            </a:extLst>
+          </p:cNvPr>
+          <p:cNvPicPr>
+            <a:picLocks noChangeAspect="1"/>
+          </p:cNvPicPr>
+          <p:nvPr/>
+        </p:nvPicPr>
+        <p:blipFill>
+          <a:blip r:embed="rId2"/>
+          <a:stretch>
+            <a:fillRect/>
+          </a:stretch>
+        </p:blipFill>
+        <p:spPr>
+          <a:xfrm>
+            <a:off x="1055716" y="1263964"/>
+            <a:ext cx="10365971" cy="5430726"/>
+          </a:xfrm>
+          <a:prstGeom prst="rect">
+            <a:avLst/>
+          </a:prstGeom>
+        </p:spPr>
+      </p:pic>
     </p:spTree>
     <p:extLst>
       <p:ext uri="{BB962C8B-B14F-4D97-AF65-F5344CB8AC3E}">

--- a/project/B조_프로젝트_SHOEFLY.pptx
+++ b/project/B조_프로젝트_SHOEFLY.pptx
@@ -15,25 +15,28 @@
     <p:sldId id="292" r:id="rId9"/>
     <p:sldId id="290" r:id="rId10"/>
     <p:sldId id="291" r:id="rId11"/>
-    <p:sldId id="287" r:id="rId12"/>
-    <p:sldId id="293" r:id="rId13"/>
-    <p:sldId id="295" r:id="rId14"/>
-    <p:sldId id="298" r:id="rId15"/>
-    <p:sldId id="296" r:id="rId16"/>
-    <p:sldId id="299" r:id="rId17"/>
-    <p:sldId id="283" r:id="rId18"/>
-    <p:sldId id="266" r:id="rId19"/>
-    <p:sldId id="272" r:id="rId20"/>
-    <p:sldId id="271" r:id="rId21"/>
-    <p:sldId id="279" r:id="rId22"/>
-    <p:sldId id="278" r:id="rId23"/>
-    <p:sldId id="260" r:id="rId24"/>
-    <p:sldId id="261" r:id="rId25"/>
-    <p:sldId id="262" r:id="rId26"/>
-    <p:sldId id="263" r:id="rId27"/>
-    <p:sldId id="264" r:id="rId28"/>
-    <p:sldId id="267" r:id="rId29"/>
-    <p:sldId id="280" r:id="rId30"/>
+    <p:sldId id="302" r:id="rId12"/>
+    <p:sldId id="287" r:id="rId13"/>
+    <p:sldId id="293" r:id="rId14"/>
+    <p:sldId id="295" r:id="rId15"/>
+    <p:sldId id="298" r:id="rId16"/>
+    <p:sldId id="296" r:id="rId17"/>
+    <p:sldId id="299" r:id="rId18"/>
+    <p:sldId id="300" r:id="rId19"/>
+    <p:sldId id="301" r:id="rId20"/>
+    <p:sldId id="283" r:id="rId21"/>
+    <p:sldId id="266" r:id="rId22"/>
+    <p:sldId id="272" r:id="rId23"/>
+    <p:sldId id="271" r:id="rId24"/>
+    <p:sldId id="279" r:id="rId25"/>
+    <p:sldId id="278" r:id="rId26"/>
+    <p:sldId id="260" r:id="rId27"/>
+    <p:sldId id="261" r:id="rId28"/>
+    <p:sldId id="262" r:id="rId29"/>
+    <p:sldId id="263" r:id="rId30"/>
+    <p:sldId id="264" r:id="rId31"/>
+    <p:sldId id="267" r:id="rId32"/>
+    <p:sldId id="280" r:id="rId33"/>
   </p:sldIdLst>
   <p:sldSz cx="12192000" cy="6858000"/>
   <p:notesSz cx="7104063" cy="10234613"/>
@@ -1280,7 +1283,7 @@
           <a:p>
             <a:fld id="{881E6E86-9C0A-4A2D-8618-9781F5C54702}" type="datetimeFigureOut">
               <a:rPr kumimoji="1" lang="ja-JP" altLang="en-US" smtClean="0"/>
-              <a:t>2021/7/31</a:t>
+              <a:t>2021/8/1</a:t>
             </a:fld>
             <a:endParaRPr kumimoji="1" lang="ja-JP" altLang="en-US"/>
           </a:p>
@@ -1480,7 +1483,7 @@
           <a:p>
             <a:fld id="{881E6E86-9C0A-4A2D-8618-9781F5C54702}" type="datetimeFigureOut">
               <a:rPr kumimoji="1" lang="ja-JP" altLang="en-US" smtClean="0"/>
-              <a:t>2021/7/31</a:t>
+              <a:t>2021/8/1</a:t>
             </a:fld>
             <a:endParaRPr kumimoji="1" lang="ja-JP" altLang="en-US"/>
           </a:p>
@@ -1690,7 +1693,7 @@
           <a:p>
             <a:fld id="{881E6E86-9C0A-4A2D-8618-9781F5C54702}" type="datetimeFigureOut">
               <a:rPr kumimoji="1" lang="ja-JP" altLang="en-US" smtClean="0"/>
-              <a:t>2021/7/31</a:t>
+              <a:t>2021/8/1</a:t>
             </a:fld>
             <a:endParaRPr kumimoji="1" lang="ja-JP" altLang="en-US"/>
           </a:p>
@@ -1890,7 +1893,7 @@
           <a:p>
             <a:fld id="{881E6E86-9C0A-4A2D-8618-9781F5C54702}" type="datetimeFigureOut">
               <a:rPr kumimoji="1" lang="ja-JP" altLang="en-US" smtClean="0"/>
-              <a:t>2021/7/31</a:t>
+              <a:t>2021/8/1</a:t>
             </a:fld>
             <a:endParaRPr kumimoji="1" lang="ja-JP" altLang="en-US"/>
           </a:p>
@@ -2135,7 +2138,7 @@
           <a:p>
             <a:fld id="{881E6E86-9C0A-4A2D-8618-9781F5C54702}" type="datetimeFigureOut">
               <a:rPr kumimoji="1" lang="ja-JP" altLang="en-US" smtClean="0"/>
-              <a:t>2021/7/31</a:t>
+              <a:t>2021/8/1</a:t>
             </a:fld>
             <a:endParaRPr kumimoji="1" lang="ja-JP" altLang="en-US"/>
           </a:p>
@@ -2428,7 +2431,7 @@
           <a:p>
             <a:fld id="{881E6E86-9C0A-4A2D-8618-9781F5C54702}" type="datetimeFigureOut">
               <a:rPr kumimoji="1" lang="ja-JP" altLang="en-US" smtClean="0"/>
-              <a:t>2021/7/31</a:t>
+              <a:t>2021/8/1</a:t>
             </a:fld>
             <a:endParaRPr kumimoji="1" lang="ja-JP" altLang="en-US"/>
           </a:p>
@@ -2856,7 +2859,7 @@
           <a:p>
             <a:fld id="{881E6E86-9C0A-4A2D-8618-9781F5C54702}" type="datetimeFigureOut">
               <a:rPr kumimoji="1" lang="ja-JP" altLang="en-US" smtClean="0"/>
-              <a:t>2021/7/31</a:t>
+              <a:t>2021/8/1</a:t>
             </a:fld>
             <a:endParaRPr kumimoji="1" lang="ja-JP" altLang="en-US"/>
           </a:p>
@@ -2973,7 +2976,7 @@
           <a:p>
             <a:fld id="{881E6E86-9C0A-4A2D-8618-9781F5C54702}" type="datetimeFigureOut">
               <a:rPr kumimoji="1" lang="ja-JP" altLang="en-US" smtClean="0"/>
-              <a:t>2021/7/31</a:t>
+              <a:t>2021/8/1</a:t>
             </a:fld>
             <a:endParaRPr kumimoji="1" lang="ja-JP" altLang="en-US"/>
           </a:p>
@@ -3068,7 +3071,7 @@
           <a:p>
             <a:fld id="{881E6E86-9C0A-4A2D-8618-9781F5C54702}" type="datetimeFigureOut">
               <a:rPr kumimoji="1" lang="ja-JP" altLang="en-US" smtClean="0"/>
-              <a:t>2021/7/31</a:t>
+              <a:t>2021/8/1</a:t>
             </a:fld>
             <a:endParaRPr kumimoji="1" lang="ja-JP" altLang="en-US"/>
           </a:p>
@@ -3375,7 +3378,7 @@
           <a:p>
             <a:fld id="{881E6E86-9C0A-4A2D-8618-9781F5C54702}" type="datetimeFigureOut">
               <a:rPr kumimoji="1" lang="ja-JP" altLang="en-US" smtClean="0"/>
-              <a:t>2021/7/31</a:t>
+              <a:t>2021/8/1</a:t>
             </a:fld>
             <a:endParaRPr kumimoji="1" lang="ja-JP" altLang="en-US"/>
           </a:p>
@@ -3627,7 +3630,7 @@
           <a:p>
             <a:fld id="{881E6E86-9C0A-4A2D-8618-9781F5C54702}" type="datetimeFigureOut">
               <a:rPr kumimoji="1" lang="ja-JP" altLang="en-US" smtClean="0"/>
-              <a:t>2021/7/31</a:t>
+              <a:t>2021/8/1</a:t>
             </a:fld>
             <a:endParaRPr kumimoji="1" lang="ja-JP" altLang="en-US"/>
           </a:p>
@@ -3870,7 +3873,7 @@
           <a:p>
             <a:fld id="{881E6E86-9C0A-4A2D-8618-9781F5C54702}" type="datetimeFigureOut">
               <a:rPr kumimoji="1" lang="ja-JP" altLang="en-US" smtClean="0"/>
-              <a:t>2021/7/31</a:t>
+              <a:t>2021/8/1</a:t>
             </a:fld>
             <a:endParaRPr kumimoji="1" lang="ja-JP" altLang="en-US"/>
           </a:p>
@@ -4692,6 +4695,412 @@
       </p:grpSpPr>
       <p:sp>
         <p:nvSpPr>
+          <p:cNvPr id="16" name="직사각형 15">
+            <a:extLst>
+              <a:ext uri="{FF2B5EF4-FFF2-40B4-BE49-F238E27FC236}">
+                <a16:creationId xmlns:a16="http://schemas.microsoft.com/office/drawing/2014/main" id="{8FC33940-E03C-45A5-8B73-C2004DE003E0}"/>
+              </a:ext>
+            </a:extLst>
+          </p:cNvPr>
+          <p:cNvSpPr/>
+          <p:nvPr/>
+        </p:nvSpPr>
+        <p:spPr>
+          <a:xfrm>
+            <a:off x="313248" y="1286540"/>
+            <a:ext cx="11565504" cy="5111068"/>
+          </a:xfrm>
+          <a:prstGeom prst="rect">
+            <a:avLst/>
+          </a:prstGeom>
+          <a:solidFill>
+            <a:srgbClr val="F7F7F7"/>
+          </a:solidFill>
+          <a:ln>
+            <a:noFill/>
+          </a:ln>
+        </p:spPr>
+        <p:style>
+          <a:lnRef idx="2">
+            <a:schemeClr val="accent1">
+              <a:shade val="50000"/>
+            </a:schemeClr>
+          </a:lnRef>
+          <a:fillRef idx="1">
+            <a:schemeClr val="accent1"/>
+          </a:fillRef>
+          <a:effectRef idx="0">
+            <a:schemeClr val="accent1"/>
+          </a:effectRef>
+          <a:fontRef idx="minor">
+            <a:schemeClr val="lt1"/>
+          </a:fontRef>
+        </p:style>
+        <p:txBody>
+          <a:bodyPr rtlCol="0" anchor="ctr"/>
+          <a:lstStyle/>
+          <a:p>
+            <a:pPr algn="ctr"/>
+            <a:endParaRPr kumimoji="1" lang="ko-KR" altLang="en-US"/>
+          </a:p>
+        </p:txBody>
+      </p:sp>
+      <p:sp>
+        <p:nvSpPr>
+          <p:cNvPr id="2" name="正方形/長方形 1"/>
+          <p:cNvSpPr/>
+          <p:nvPr/>
+        </p:nvSpPr>
+        <p:spPr>
+          <a:xfrm>
+            <a:off x="0" y="0"/>
+            <a:ext cx="12192000" cy="72000"/>
+          </a:xfrm>
+          <a:prstGeom prst="rect">
+            <a:avLst/>
+          </a:prstGeom>
+          <a:ln>
+            <a:noFill/>
+          </a:ln>
+        </p:spPr>
+        <p:style>
+          <a:lnRef idx="2">
+            <a:schemeClr val="accent1">
+              <a:shade val="50000"/>
+            </a:schemeClr>
+          </a:lnRef>
+          <a:fillRef idx="1">
+            <a:schemeClr val="accent1"/>
+          </a:fillRef>
+          <a:effectRef idx="0">
+            <a:schemeClr val="accent1"/>
+          </a:effectRef>
+          <a:fontRef idx="minor">
+            <a:schemeClr val="lt1"/>
+          </a:fontRef>
+        </p:style>
+        <p:txBody>
+          <a:bodyPr rtlCol="0" anchor="ctr"/>
+          <a:lstStyle/>
+          <a:p>
+            <a:pPr algn="ctr"/>
+            <a:endParaRPr kumimoji="1" lang="ja-JP" altLang="en-US"/>
+          </a:p>
+        </p:txBody>
+      </p:sp>
+      <p:sp>
+        <p:nvSpPr>
+          <p:cNvPr id="3" name="正方形/長方形 2"/>
+          <p:cNvSpPr/>
+          <p:nvPr/>
+        </p:nvSpPr>
+        <p:spPr>
+          <a:xfrm>
+            <a:off x="0" y="6786000"/>
+            <a:ext cx="12192000" cy="72000"/>
+          </a:xfrm>
+          <a:prstGeom prst="rect">
+            <a:avLst/>
+          </a:prstGeom>
+          <a:ln>
+            <a:noFill/>
+          </a:ln>
+        </p:spPr>
+        <p:style>
+          <a:lnRef idx="2">
+            <a:schemeClr val="accent1">
+              <a:shade val="50000"/>
+            </a:schemeClr>
+          </a:lnRef>
+          <a:fillRef idx="1">
+            <a:schemeClr val="accent1"/>
+          </a:fillRef>
+          <a:effectRef idx="0">
+            <a:schemeClr val="accent1"/>
+          </a:effectRef>
+          <a:fontRef idx="minor">
+            <a:schemeClr val="lt1"/>
+          </a:fontRef>
+        </p:style>
+        <p:txBody>
+          <a:bodyPr rtlCol="0" anchor="ctr"/>
+          <a:lstStyle/>
+          <a:p>
+            <a:pPr algn="ctr"/>
+            <a:endParaRPr kumimoji="1" lang="ja-JP" altLang="en-US"/>
+          </a:p>
+        </p:txBody>
+      </p:sp>
+      <p:sp>
+        <p:nvSpPr>
+          <p:cNvPr id="4" name="テキスト ボックス 3"/>
+          <p:cNvSpPr txBox="1"/>
+          <p:nvPr/>
+        </p:nvSpPr>
+        <p:spPr>
+          <a:xfrm>
+            <a:off x="1274182" y="460392"/>
+            <a:ext cx="2877711" cy="646331"/>
+          </a:xfrm>
+          <a:prstGeom prst="rect">
+            <a:avLst/>
+          </a:prstGeom>
+          <a:noFill/>
+        </p:spPr>
+        <p:txBody>
+          <a:bodyPr wrap="none" rtlCol="0">
+            <a:spAutoFit/>
+          </a:bodyPr>
+          <a:lstStyle/>
+          <a:p>
+            <a:r>
+              <a:rPr lang="ko-KR" altLang="en-US" sz="3600" b="1" spc="600" dirty="0">
+                <a:solidFill>
+                  <a:schemeClr val="tx1">
+                    <a:lumMod val="75000"/>
+                    <a:lumOff val="25000"/>
+                  </a:schemeClr>
+                </a:solidFill>
+              </a:rPr>
+              <a:t>스토리보드</a:t>
+            </a:r>
+            <a:endParaRPr lang="ja-JP" altLang="en-US" sz="2800" b="1" spc="600" dirty="0">
+              <a:solidFill>
+                <a:schemeClr val="tx1">
+                  <a:lumMod val="75000"/>
+                  <a:lumOff val="25000"/>
+                </a:schemeClr>
+              </a:solidFill>
+            </a:endParaRPr>
+          </a:p>
+        </p:txBody>
+      </p:sp>
+      <p:sp>
+        <p:nvSpPr>
+          <p:cNvPr id="18" name="사각형: 둥근 모서리 17">
+            <a:extLst>
+              <a:ext uri="{FF2B5EF4-FFF2-40B4-BE49-F238E27FC236}">
+                <a16:creationId xmlns:a16="http://schemas.microsoft.com/office/drawing/2014/main" id="{6D493553-4F4A-49CC-9146-6B53B996CCB7}"/>
+              </a:ext>
+            </a:extLst>
+          </p:cNvPr>
+          <p:cNvSpPr/>
+          <p:nvPr/>
+        </p:nvSpPr>
+        <p:spPr>
+          <a:xfrm>
+            <a:off x="1256000" y="5281308"/>
+            <a:ext cx="9668934" cy="948267"/>
+          </a:xfrm>
+          <a:prstGeom prst="roundRect">
+            <a:avLst/>
+          </a:prstGeom>
+          <a:solidFill>
+            <a:schemeClr val="accent2"/>
+          </a:solidFill>
+          <a:ln>
+            <a:noFill/>
+          </a:ln>
+        </p:spPr>
+        <p:style>
+          <a:lnRef idx="2">
+            <a:schemeClr val="accent1">
+              <a:shade val="50000"/>
+            </a:schemeClr>
+          </a:lnRef>
+          <a:fillRef idx="1">
+            <a:schemeClr val="accent1"/>
+          </a:fillRef>
+          <a:effectRef idx="0">
+            <a:schemeClr val="accent1"/>
+          </a:effectRef>
+          <a:fontRef idx="minor">
+            <a:schemeClr val="lt1"/>
+          </a:fontRef>
+        </p:style>
+        <p:txBody>
+          <a:bodyPr rtlCol="0" anchor="ctr"/>
+          <a:lstStyle/>
+          <a:p>
+            <a:pPr lvl="1"/>
+            <a:endParaRPr lang="ko-KR" altLang="en-US" sz="1600" dirty="0">
+              <a:solidFill>
+                <a:schemeClr val="tx1"/>
+              </a:solidFill>
+            </a:endParaRPr>
+          </a:p>
+        </p:txBody>
+      </p:sp>
+      <p:pic>
+        <p:nvPicPr>
+          <p:cNvPr id="7" name="그림 6" descr="텍스트이(가) 표시된 사진&#10;&#10;자동 생성된 설명">
+            <a:extLst>
+              <a:ext uri="{FF2B5EF4-FFF2-40B4-BE49-F238E27FC236}">
+                <a16:creationId xmlns:a16="http://schemas.microsoft.com/office/drawing/2014/main" id="{911A3B35-51FB-44D0-820F-DF7A780B9728}"/>
+              </a:ext>
+            </a:extLst>
+          </p:cNvPr>
+          <p:cNvPicPr>
+            <a:picLocks noChangeAspect="1"/>
+          </p:cNvPicPr>
+          <p:nvPr/>
+        </p:nvPicPr>
+        <p:blipFill>
+          <a:blip r:embed="rId2"/>
+          <a:stretch>
+            <a:fillRect/>
+          </a:stretch>
+        </p:blipFill>
+        <p:spPr>
+          <a:xfrm>
+            <a:off x="1509355" y="1741131"/>
+            <a:ext cx="4741817" cy="2987345"/>
+          </a:xfrm>
+          <a:prstGeom prst="rect">
+            <a:avLst/>
+          </a:prstGeom>
+        </p:spPr>
+      </p:pic>
+      <p:sp>
+        <p:nvSpPr>
+          <p:cNvPr id="10" name="TextBox 9">
+            <a:extLst>
+              <a:ext uri="{FF2B5EF4-FFF2-40B4-BE49-F238E27FC236}">
+                <a16:creationId xmlns:a16="http://schemas.microsoft.com/office/drawing/2014/main" id="{997A259E-71FE-4CC8-A8A9-0B9A0885BA4A}"/>
+              </a:ext>
+            </a:extLst>
+          </p:cNvPr>
+          <p:cNvSpPr txBox="1"/>
+          <p:nvPr/>
+        </p:nvSpPr>
+        <p:spPr>
+          <a:xfrm>
+            <a:off x="1652674" y="1370310"/>
+            <a:ext cx="3285065" cy="369332"/>
+          </a:xfrm>
+          <a:prstGeom prst="rect">
+            <a:avLst/>
+          </a:prstGeom>
+          <a:noFill/>
+        </p:spPr>
+        <p:txBody>
+          <a:bodyPr wrap="square" rtlCol="0">
+            <a:spAutoFit/>
+          </a:bodyPr>
+          <a:lstStyle/>
+          <a:p>
+            <a:r>
+              <a:rPr lang="ko-KR" altLang="en-US" b="1" dirty="0"/>
+              <a:t>후기 게시판</a:t>
+            </a:r>
+          </a:p>
+        </p:txBody>
+      </p:sp>
+      <p:sp>
+        <p:nvSpPr>
+          <p:cNvPr id="11" name="テキスト ボックス 4">
+            <a:extLst>
+              <a:ext uri="{FF2B5EF4-FFF2-40B4-BE49-F238E27FC236}">
+                <a16:creationId xmlns:a16="http://schemas.microsoft.com/office/drawing/2014/main" id="{F3DA7456-B6B0-4725-A797-A6CA209BD77C}"/>
+              </a:ext>
+            </a:extLst>
+          </p:cNvPr>
+          <p:cNvSpPr txBox="1"/>
+          <p:nvPr/>
+        </p:nvSpPr>
+        <p:spPr>
+          <a:xfrm>
+            <a:off x="132523" y="198782"/>
+            <a:ext cx="3013967" cy="261610"/>
+          </a:xfrm>
+          <a:prstGeom prst="rect">
+            <a:avLst/>
+          </a:prstGeom>
+          <a:noFill/>
+        </p:spPr>
+        <p:txBody>
+          <a:bodyPr wrap="none" rtlCol="0">
+            <a:spAutoFit/>
+          </a:bodyPr>
+          <a:lstStyle/>
+          <a:p>
+            <a:r>
+              <a:rPr lang="en-US" altLang="ja-JP" sz="1100" spc="600" dirty="0">
+                <a:solidFill>
+                  <a:schemeClr val="tx1">
+                    <a:lumMod val="75000"/>
+                    <a:lumOff val="25000"/>
+                  </a:schemeClr>
+                </a:solidFill>
+              </a:rPr>
+              <a:t>PART 2 </a:t>
+            </a:r>
+            <a:r>
+              <a:rPr lang="ko-KR" altLang="en-US" sz="1100" spc="600" dirty="0">
+                <a:solidFill>
+                  <a:schemeClr val="tx1">
+                    <a:lumMod val="75000"/>
+                    <a:lumOff val="25000"/>
+                  </a:schemeClr>
+                </a:solidFill>
+              </a:rPr>
+              <a:t>개발환경 및 기획</a:t>
+            </a:r>
+            <a:endParaRPr kumimoji="1" lang="ja-JP" altLang="en-US" sz="1100" spc="600" dirty="0">
+              <a:solidFill>
+                <a:schemeClr val="tx1">
+                  <a:lumMod val="75000"/>
+                  <a:lumOff val="25000"/>
+                </a:schemeClr>
+              </a:solidFill>
+            </a:endParaRPr>
+          </a:p>
+        </p:txBody>
+      </p:sp>
+    </p:spTree>
+    <p:extLst>
+      <p:ext uri="{BB962C8B-B14F-4D97-AF65-F5344CB8AC3E}">
+        <p14:creationId xmlns:p14="http://schemas.microsoft.com/office/powerpoint/2010/main" val="4208685880"/>
+      </p:ext>
+    </p:extLst>
+  </p:cSld>
+  <p:clrMapOvr>
+    <a:masterClrMapping/>
+  </p:clrMapOvr>
+  <mc:AlternateContent xmlns:mc="http://schemas.openxmlformats.org/markup-compatibility/2006">
+    <mc:Choice xmlns:p159="http://schemas.microsoft.com/office/powerpoint/2015/09/main" Requires="p159">
+      <p:transition xmlns:p14="http://schemas.microsoft.com/office/powerpoint/2010/main" spd="slow" p14:dur="2000">
+        <p159:morph option="byObject"/>
+      </p:transition>
+    </mc:Choice>
+    <mc:Fallback>
+      <p:transition spd="slow">
+        <p:fade/>
+      </p:transition>
+    </mc:Fallback>
+  </mc:AlternateContent>
+</p:sld>
+</file>
+
+<file path=ppt/slides/slide12.xml><?xml version="1.0" encoding="utf-8"?>
+<p:sld xmlns:a="http://schemas.openxmlformats.org/drawingml/2006/main" xmlns:r="http://schemas.openxmlformats.org/officeDocument/2006/relationships" xmlns:p="http://schemas.openxmlformats.org/presentationml/2006/main">
+  <p:cSld>
+    <p:spTree>
+      <p:nvGrpSpPr>
+        <p:cNvPr id="1" name=""/>
+        <p:cNvGrpSpPr/>
+        <p:nvPr/>
+      </p:nvGrpSpPr>
+      <p:grpSpPr>
+        <a:xfrm>
+          <a:off x="0" y="0"/>
+          <a:ext cx="0" cy="0"/>
+          <a:chOff x="0" y="0"/>
+          <a:chExt cx="0" cy="0"/>
+        </a:xfrm>
+      </p:grpSpPr>
+      <p:sp>
+        <p:nvSpPr>
           <p:cNvPr id="2" name="正方形/長方形 1"/>
           <p:cNvSpPr/>
           <p:nvPr/>
@@ -4912,32 +5321,6 @@
                 </a:schemeClr>
               </a:solidFill>
             </a:endParaRPr>
-          </a:p>
-        </p:txBody>
-      </p:sp>
-      <p:sp>
-        <p:nvSpPr>
-          <p:cNvPr id="14" name="TextBox 13"/>
-          <p:cNvSpPr txBox="1"/>
-          <p:nvPr/>
-        </p:nvSpPr>
-        <p:spPr>
-          <a:xfrm>
-            <a:off x="19969081" y="11230124"/>
-            <a:ext cx="831252" cy="854300"/>
-          </a:xfrm>
-          <a:prstGeom prst="rect">
-            <a:avLst/>
-          </a:prstGeom>
-          <a:noFill/>
-        </p:spPr>
-        <p:txBody>
-          <a:bodyPr wrap="square" rtlCol="0">
-            <a:spAutoFit/>
-          </a:bodyPr>
-          <a:lstStyle/>
-          <a:p>
-            <a:endParaRPr lang="ko-KR" altLang="en-US" dirty="0"/>
           </a:p>
         </p:txBody>
       </p:sp>
@@ -4966,573 +5349,6 @@
 </p:sld>
 </file>
 
-<file path=ppt/slides/slide12.xml><?xml version="1.0" encoding="utf-8"?>
-<p:sld xmlns:a="http://schemas.openxmlformats.org/drawingml/2006/main" xmlns:r="http://schemas.openxmlformats.org/officeDocument/2006/relationships" xmlns:p="http://schemas.openxmlformats.org/presentationml/2006/main">
-  <p:cSld>
-    <p:spTree>
-      <p:nvGrpSpPr>
-        <p:cNvPr id="1" name=""/>
-        <p:cNvGrpSpPr/>
-        <p:nvPr/>
-      </p:nvGrpSpPr>
-      <p:grpSpPr>
-        <a:xfrm>
-          <a:off x="0" y="0"/>
-          <a:ext cx="0" cy="0"/>
-          <a:chOff x="0" y="0"/>
-          <a:chExt cx="0" cy="0"/>
-        </a:xfrm>
-      </p:grpSpPr>
-      <p:sp>
-        <p:nvSpPr>
-          <p:cNvPr id="16" name="직사각형 15">
-            <a:extLst>
-              <a:ext uri="{FF2B5EF4-FFF2-40B4-BE49-F238E27FC236}">
-                <a16:creationId xmlns:a16="http://schemas.microsoft.com/office/drawing/2014/main" id="{8FC33940-E03C-45A5-8B73-C2004DE003E0}"/>
-              </a:ext>
-            </a:extLst>
-          </p:cNvPr>
-          <p:cNvSpPr/>
-          <p:nvPr/>
-        </p:nvSpPr>
-        <p:spPr>
-          <a:xfrm>
-            <a:off x="313248" y="1286540"/>
-            <a:ext cx="11565504" cy="5111068"/>
-          </a:xfrm>
-          <a:prstGeom prst="rect">
-            <a:avLst/>
-          </a:prstGeom>
-          <a:solidFill>
-            <a:srgbClr val="F7F7F7"/>
-          </a:solidFill>
-          <a:ln>
-            <a:noFill/>
-          </a:ln>
-        </p:spPr>
-        <p:style>
-          <a:lnRef idx="2">
-            <a:schemeClr val="accent1">
-              <a:shade val="50000"/>
-            </a:schemeClr>
-          </a:lnRef>
-          <a:fillRef idx="1">
-            <a:schemeClr val="accent1"/>
-          </a:fillRef>
-          <a:effectRef idx="0">
-            <a:schemeClr val="accent1"/>
-          </a:effectRef>
-          <a:fontRef idx="minor">
-            <a:schemeClr val="lt1"/>
-          </a:fontRef>
-        </p:style>
-        <p:txBody>
-          <a:bodyPr rtlCol="0" anchor="ctr"/>
-          <a:lstStyle/>
-          <a:p>
-            <a:pPr algn="ctr"/>
-            <a:endParaRPr kumimoji="1" lang="ko-KR" altLang="en-US"/>
-          </a:p>
-        </p:txBody>
-      </p:sp>
-      <p:sp>
-        <p:nvSpPr>
-          <p:cNvPr id="2" name="正方形/長方形 1"/>
-          <p:cNvSpPr/>
-          <p:nvPr/>
-        </p:nvSpPr>
-        <p:spPr>
-          <a:xfrm>
-            <a:off x="0" y="0"/>
-            <a:ext cx="12192000" cy="72000"/>
-          </a:xfrm>
-          <a:prstGeom prst="rect">
-            <a:avLst/>
-          </a:prstGeom>
-          <a:ln>
-            <a:noFill/>
-          </a:ln>
-        </p:spPr>
-        <p:style>
-          <a:lnRef idx="2">
-            <a:schemeClr val="accent1">
-              <a:shade val="50000"/>
-            </a:schemeClr>
-          </a:lnRef>
-          <a:fillRef idx="1">
-            <a:schemeClr val="accent1"/>
-          </a:fillRef>
-          <a:effectRef idx="0">
-            <a:schemeClr val="accent1"/>
-          </a:effectRef>
-          <a:fontRef idx="minor">
-            <a:schemeClr val="lt1"/>
-          </a:fontRef>
-        </p:style>
-        <p:txBody>
-          <a:bodyPr rtlCol="0" anchor="ctr"/>
-          <a:lstStyle/>
-          <a:p>
-            <a:pPr algn="ctr"/>
-            <a:endParaRPr kumimoji="1" lang="ja-JP" altLang="en-US"/>
-          </a:p>
-        </p:txBody>
-      </p:sp>
-      <p:sp>
-        <p:nvSpPr>
-          <p:cNvPr id="3" name="正方形/長方形 2"/>
-          <p:cNvSpPr/>
-          <p:nvPr/>
-        </p:nvSpPr>
-        <p:spPr>
-          <a:xfrm>
-            <a:off x="0" y="6786000"/>
-            <a:ext cx="12192000" cy="72000"/>
-          </a:xfrm>
-          <a:prstGeom prst="rect">
-            <a:avLst/>
-          </a:prstGeom>
-          <a:ln>
-            <a:noFill/>
-          </a:ln>
-        </p:spPr>
-        <p:style>
-          <a:lnRef idx="2">
-            <a:schemeClr val="accent1">
-              <a:shade val="50000"/>
-            </a:schemeClr>
-          </a:lnRef>
-          <a:fillRef idx="1">
-            <a:schemeClr val="accent1"/>
-          </a:fillRef>
-          <a:effectRef idx="0">
-            <a:schemeClr val="accent1"/>
-          </a:effectRef>
-          <a:fontRef idx="minor">
-            <a:schemeClr val="lt1"/>
-          </a:fontRef>
-        </p:style>
-        <p:txBody>
-          <a:bodyPr rtlCol="0" anchor="ctr"/>
-          <a:lstStyle/>
-          <a:p>
-            <a:pPr algn="ctr"/>
-            <a:endParaRPr kumimoji="1" lang="ja-JP" altLang="en-US"/>
-          </a:p>
-        </p:txBody>
-      </p:sp>
-      <p:sp>
-        <p:nvSpPr>
-          <p:cNvPr id="4" name="テキスト ボックス 3"/>
-          <p:cNvSpPr txBox="1"/>
-          <p:nvPr/>
-        </p:nvSpPr>
-        <p:spPr>
-          <a:xfrm>
-            <a:off x="1274182" y="460392"/>
-            <a:ext cx="5648726" cy="646331"/>
-          </a:xfrm>
-          <a:prstGeom prst="rect">
-            <a:avLst/>
-          </a:prstGeom>
-          <a:noFill/>
-        </p:spPr>
-        <p:txBody>
-          <a:bodyPr wrap="none" rtlCol="0">
-            <a:spAutoFit/>
-          </a:bodyPr>
-          <a:lstStyle/>
-          <a:p>
-            <a:r>
-              <a:rPr lang="en-US" altLang="ja-JP" sz="3600" b="1" spc="600" dirty="0">
-                <a:solidFill>
-                  <a:schemeClr val="tx1">
-                    <a:lumMod val="75000"/>
-                    <a:lumOff val="25000"/>
-                  </a:schemeClr>
-                </a:solidFill>
-              </a:rPr>
-              <a:t>DB TABLE </a:t>
-            </a:r>
-            <a:r>
-              <a:rPr lang="ko-KR" altLang="en-US" sz="3600" b="1" spc="600" dirty="0">
-                <a:solidFill>
-                  <a:schemeClr val="tx1">
-                    <a:lumMod val="75000"/>
-                    <a:lumOff val="25000"/>
-                  </a:schemeClr>
-                </a:solidFill>
-              </a:rPr>
-              <a:t>구조</a:t>
-            </a:r>
-            <a:r>
-              <a:rPr lang="en-US" altLang="ko-KR" sz="2800" b="1" spc="600" dirty="0">
-                <a:solidFill>
-                  <a:schemeClr val="tx1">
-                    <a:lumMod val="75000"/>
-                    <a:lumOff val="25000"/>
-                  </a:schemeClr>
-                </a:solidFill>
-              </a:rPr>
-              <a:t>(</a:t>
-            </a:r>
-            <a:r>
-              <a:rPr lang="ko-KR" altLang="en-US" sz="2800" b="1" spc="600" dirty="0">
-                <a:solidFill>
-                  <a:schemeClr val="tx1">
-                    <a:lumMod val="75000"/>
-                    <a:lumOff val="25000"/>
-                  </a:schemeClr>
-                </a:solidFill>
-              </a:rPr>
-              <a:t>회원</a:t>
-            </a:r>
-            <a:r>
-              <a:rPr lang="en-US" altLang="ko-KR" sz="2800" b="1" spc="600" dirty="0">
-                <a:solidFill>
-                  <a:schemeClr val="tx1">
-                    <a:lumMod val="75000"/>
-                    <a:lumOff val="25000"/>
-                  </a:schemeClr>
-                </a:solidFill>
-              </a:rPr>
-              <a:t>)</a:t>
-            </a:r>
-            <a:endParaRPr lang="ja-JP" altLang="en-US" sz="2800" b="1" spc="600" dirty="0">
-              <a:solidFill>
-                <a:schemeClr val="tx1">
-                  <a:lumMod val="75000"/>
-                  <a:lumOff val="25000"/>
-                </a:schemeClr>
-              </a:solidFill>
-            </a:endParaRPr>
-          </a:p>
-        </p:txBody>
-      </p:sp>
-      <p:sp>
-        <p:nvSpPr>
-          <p:cNvPr id="5" name="テキスト ボックス 4"/>
-          <p:cNvSpPr txBox="1"/>
-          <p:nvPr/>
-        </p:nvSpPr>
-        <p:spPr>
-          <a:xfrm>
-            <a:off x="132523" y="198782"/>
-            <a:ext cx="3013967" cy="261610"/>
-          </a:xfrm>
-          <a:prstGeom prst="rect">
-            <a:avLst/>
-          </a:prstGeom>
-          <a:noFill/>
-        </p:spPr>
-        <p:txBody>
-          <a:bodyPr wrap="none" rtlCol="0">
-            <a:spAutoFit/>
-          </a:bodyPr>
-          <a:lstStyle/>
-          <a:p>
-            <a:r>
-              <a:rPr lang="en-US" altLang="ja-JP" sz="1100" spc="600" dirty="0">
-                <a:solidFill>
-                  <a:schemeClr val="tx1">
-                    <a:lumMod val="75000"/>
-                    <a:lumOff val="25000"/>
-                  </a:schemeClr>
-                </a:solidFill>
-              </a:rPr>
-              <a:t>PART 2 </a:t>
-            </a:r>
-            <a:r>
-              <a:rPr lang="ko-KR" altLang="en-US" sz="1100" spc="600" dirty="0">
-                <a:solidFill>
-                  <a:schemeClr val="tx1">
-                    <a:lumMod val="75000"/>
-                    <a:lumOff val="25000"/>
-                  </a:schemeClr>
-                </a:solidFill>
-              </a:rPr>
-              <a:t>개발환경 및 기획</a:t>
-            </a:r>
-            <a:endParaRPr kumimoji="1" lang="ja-JP" altLang="en-US" sz="1100" spc="600" dirty="0">
-              <a:solidFill>
-                <a:schemeClr val="tx1">
-                  <a:lumMod val="75000"/>
-                  <a:lumOff val="25000"/>
-                </a:schemeClr>
-              </a:solidFill>
-            </a:endParaRPr>
-          </a:p>
-        </p:txBody>
-      </p:sp>
-      <p:sp>
-        <p:nvSpPr>
-          <p:cNvPr id="14" name="TextBox 13"/>
-          <p:cNvSpPr txBox="1"/>
-          <p:nvPr/>
-        </p:nvSpPr>
-        <p:spPr>
-          <a:xfrm>
-            <a:off x="19969081" y="11230124"/>
-            <a:ext cx="831252" cy="854300"/>
-          </a:xfrm>
-          <a:prstGeom prst="rect">
-            <a:avLst/>
-          </a:prstGeom>
-          <a:noFill/>
-        </p:spPr>
-        <p:txBody>
-          <a:bodyPr wrap="square" rtlCol="0">
-            <a:spAutoFit/>
-          </a:bodyPr>
-          <a:lstStyle/>
-          <a:p>
-            <a:endParaRPr lang="ko-KR" altLang="en-US" dirty="0"/>
-          </a:p>
-        </p:txBody>
-      </p:sp>
-      <p:pic>
-        <p:nvPicPr>
-          <p:cNvPr id="8" name="그림 7" descr="테이블이(가) 표시된 사진&#10;&#10;자동 생성된 설명">
-            <a:extLst>
-              <a:ext uri="{FF2B5EF4-FFF2-40B4-BE49-F238E27FC236}">
-                <a16:creationId xmlns:a16="http://schemas.microsoft.com/office/drawing/2014/main" id="{E539EF22-18E1-4B8F-AEE0-BE55851EBB63}"/>
-              </a:ext>
-            </a:extLst>
-          </p:cNvPr>
-          <p:cNvPicPr>
-            <a:picLocks noChangeAspect="1"/>
-          </p:cNvPicPr>
-          <p:nvPr/>
-        </p:nvPicPr>
-        <p:blipFill>
-          <a:blip r:embed="rId2"/>
-          <a:stretch>
-            <a:fillRect/>
-          </a:stretch>
-        </p:blipFill>
-        <p:spPr>
-          <a:xfrm>
-            <a:off x="1704975" y="1830580"/>
-            <a:ext cx="3600450" cy="2952750"/>
-          </a:xfrm>
-          <a:prstGeom prst="rect">
-            <a:avLst/>
-          </a:prstGeom>
-        </p:spPr>
-      </p:pic>
-      <p:pic>
-        <p:nvPicPr>
-          <p:cNvPr id="10" name="그림 9" descr="테이블이(가) 표시된 사진&#10;&#10;자동 생성된 설명">
-            <a:extLst>
-              <a:ext uri="{FF2B5EF4-FFF2-40B4-BE49-F238E27FC236}">
-                <a16:creationId xmlns:a16="http://schemas.microsoft.com/office/drawing/2014/main" id="{2E73D41E-A5ED-4B1A-88FC-B93EC79A5FB6}"/>
-              </a:ext>
-            </a:extLst>
-          </p:cNvPr>
-          <p:cNvPicPr>
-            <a:picLocks noChangeAspect="1"/>
-          </p:cNvPicPr>
-          <p:nvPr/>
-        </p:nvPicPr>
-        <p:blipFill>
-          <a:blip r:embed="rId3"/>
-          <a:stretch>
-            <a:fillRect/>
-          </a:stretch>
-        </p:blipFill>
-        <p:spPr>
-          <a:xfrm>
-            <a:off x="6831541" y="2316355"/>
-            <a:ext cx="3676650" cy="2466975"/>
-          </a:xfrm>
-          <a:prstGeom prst="rect">
-            <a:avLst/>
-          </a:prstGeom>
-        </p:spPr>
-      </p:pic>
-      <p:sp>
-        <p:nvSpPr>
-          <p:cNvPr id="11" name="TextBox 10">
-            <a:extLst>
-              <a:ext uri="{FF2B5EF4-FFF2-40B4-BE49-F238E27FC236}">
-                <a16:creationId xmlns:a16="http://schemas.microsoft.com/office/drawing/2014/main" id="{7D65871B-E2A9-4CB8-839D-6CF5404B043A}"/>
-              </a:ext>
-            </a:extLst>
-          </p:cNvPr>
-          <p:cNvSpPr txBox="1"/>
-          <p:nvPr/>
-        </p:nvSpPr>
-        <p:spPr>
-          <a:xfrm>
-            <a:off x="1744133" y="1461248"/>
-            <a:ext cx="3285065" cy="369332"/>
-          </a:xfrm>
-          <a:prstGeom prst="rect">
-            <a:avLst/>
-          </a:prstGeom>
-          <a:noFill/>
-        </p:spPr>
-        <p:txBody>
-          <a:bodyPr wrap="square" rtlCol="0">
-            <a:spAutoFit/>
-          </a:bodyPr>
-          <a:lstStyle/>
-          <a:p>
-            <a:r>
-              <a:rPr lang="ko-KR" altLang="en-US" b="1" dirty="0"/>
-              <a:t>회원 테이블</a:t>
-            </a:r>
-          </a:p>
-        </p:txBody>
-      </p:sp>
-      <p:sp>
-        <p:nvSpPr>
-          <p:cNvPr id="13" name="TextBox 12">
-            <a:extLst>
-              <a:ext uri="{FF2B5EF4-FFF2-40B4-BE49-F238E27FC236}">
-                <a16:creationId xmlns:a16="http://schemas.microsoft.com/office/drawing/2014/main" id="{D2B6D917-39A1-4159-B277-E61624804244}"/>
-              </a:ext>
-            </a:extLst>
-          </p:cNvPr>
-          <p:cNvSpPr txBox="1"/>
-          <p:nvPr/>
-        </p:nvSpPr>
-        <p:spPr>
-          <a:xfrm>
-            <a:off x="6941608" y="1947023"/>
-            <a:ext cx="3285065" cy="369332"/>
-          </a:xfrm>
-          <a:prstGeom prst="rect">
-            <a:avLst/>
-          </a:prstGeom>
-          <a:noFill/>
-        </p:spPr>
-        <p:txBody>
-          <a:bodyPr wrap="square" rtlCol="0">
-            <a:spAutoFit/>
-          </a:bodyPr>
-          <a:lstStyle/>
-          <a:p>
-            <a:r>
-              <a:rPr lang="ko-KR" altLang="en-US" b="1" dirty="0"/>
-              <a:t>회원 주소 테이블</a:t>
-            </a:r>
-          </a:p>
-        </p:txBody>
-      </p:sp>
-      <p:sp>
-        <p:nvSpPr>
-          <p:cNvPr id="18" name="사각형: 둥근 모서리 17">
-            <a:extLst>
-              <a:ext uri="{FF2B5EF4-FFF2-40B4-BE49-F238E27FC236}">
-                <a16:creationId xmlns:a16="http://schemas.microsoft.com/office/drawing/2014/main" id="{6D493553-4F4A-49CC-9146-6B53B996CCB7}"/>
-              </a:ext>
-            </a:extLst>
-          </p:cNvPr>
-          <p:cNvSpPr/>
-          <p:nvPr/>
-        </p:nvSpPr>
-        <p:spPr>
-          <a:xfrm>
-            <a:off x="1256000" y="5281308"/>
-            <a:ext cx="9668934" cy="948267"/>
-          </a:xfrm>
-          <a:prstGeom prst="roundRect">
-            <a:avLst/>
-          </a:prstGeom>
-          <a:solidFill>
-            <a:schemeClr val="accent2"/>
-          </a:solidFill>
-          <a:ln>
-            <a:noFill/>
-          </a:ln>
-        </p:spPr>
-        <p:style>
-          <a:lnRef idx="2">
-            <a:schemeClr val="accent1">
-              <a:shade val="50000"/>
-            </a:schemeClr>
-          </a:lnRef>
-          <a:fillRef idx="1">
-            <a:schemeClr val="accent1"/>
-          </a:fillRef>
-          <a:effectRef idx="0">
-            <a:schemeClr val="accent1"/>
-          </a:effectRef>
-          <a:fontRef idx="minor">
-            <a:schemeClr val="lt1"/>
-          </a:fontRef>
-        </p:style>
-        <p:txBody>
-          <a:bodyPr rtlCol="0" anchor="ctr"/>
-          <a:lstStyle/>
-          <a:p>
-            <a:pPr lvl="1"/>
-            <a:r>
-              <a:rPr lang="ko-KR" altLang="en-US" sz="1600" dirty="0">
-                <a:solidFill>
-                  <a:schemeClr val="tx1"/>
-                </a:solidFill>
-              </a:rPr>
-              <a:t>회원이 여러 개의 주소를 가질 수 있도록 하기 위해</a:t>
-            </a:r>
-            <a:endParaRPr lang="en-US" altLang="ko-KR" sz="1600" dirty="0">
-              <a:solidFill>
-                <a:schemeClr val="tx1"/>
-              </a:solidFill>
-            </a:endParaRPr>
-          </a:p>
-          <a:p>
-            <a:pPr lvl="1"/>
-            <a:r>
-              <a:rPr lang="ko-KR" altLang="en-US" sz="1600" dirty="0">
-                <a:solidFill>
-                  <a:schemeClr val="tx1"/>
-                </a:solidFill>
-              </a:rPr>
-              <a:t>회원 주소 테이블로 분리하였습니다</a:t>
-            </a:r>
-            <a:r>
-              <a:rPr lang="en-US" altLang="ko-KR" sz="1600" dirty="0">
-                <a:solidFill>
-                  <a:schemeClr val="tx1"/>
-                </a:solidFill>
-              </a:rPr>
-              <a:t>.</a:t>
-            </a:r>
-            <a:endParaRPr lang="ko-KR" altLang="en-US" sz="1600" dirty="0">
-              <a:solidFill>
-                <a:schemeClr val="tx1"/>
-              </a:solidFill>
-            </a:endParaRPr>
-          </a:p>
-        </p:txBody>
-      </p:sp>
-    </p:spTree>
-    <p:extLst>
-      <p:ext uri="{BB962C8B-B14F-4D97-AF65-F5344CB8AC3E}">
-        <p14:creationId xmlns:p14="http://schemas.microsoft.com/office/powerpoint/2010/main" val="814525511"/>
-      </p:ext>
-    </p:extLst>
-  </p:cSld>
-  <p:clrMapOvr>
-    <a:masterClrMapping/>
-  </p:clrMapOvr>
-  <mc:AlternateContent xmlns:mc="http://schemas.openxmlformats.org/markup-compatibility/2006">
-    <mc:Choice xmlns:p159="http://schemas.microsoft.com/office/powerpoint/2015/09/main" Requires="p159">
-      <p:transition xmlns:p14="http://schemas.microsoft.com/office/powerpoint/2010/main" spd="slow" p14:dur="2000">
-        <p159:morph option="byObject"/>
-      </p:transition>
-    </mc:Choice>
-    <mc:Fallback>
-      <p:transition spd="slow">
-        <p:fade/>
-      </p:transition>
-    </mc:Fallback>
-  </mc:AlternateContent>
-</p:sld>
-</file>
-
 <file path=ppt/slides/slide13.xml><?xml version="1.0" encoding="utf-8"?>
 <p:sld xmlns:a="http://schemas.openxmlformats.org/drawingml/2006/main" xmlns:r="http://schemas.openxmlformats.org/officeDocument/2006/relationships" xmlns:p="http://schemas.openxmlformats.org/presentationml/2006/main">
   <p:cSld>
@@ -5752,7 +5568,7 @@
                   </a:schemeClr>
                 </a:solidFill>
               </a:rPr>
-              <a:t>상품</a:t>
+              <a:t>회원</a:t>
             </a:r>
             <a:r>
               <a:rPr lang="en-US" altLang="ko-KR" sz="2800" b="1" spc="600" dirty="0">
@@ -5831,16 +5647,82 @@
           </a:p>
         </p:txBody>
       </p:sp>
-      <p:sp>
-        <p:nvSpPr>
-          <p:cNvPr id="14" name="TextBox 13"/>
+      <p:pic>
+        <p:nvPicPr>
+          <p:cNvPr id="8" name="그림 7" descr="테이블이(가) 표시된 사진&#10;&#10;자동 생성된 설명">
+            <a:extLst>
+              <a:ext uri="{FF2B5EF4-FFF2-40B4-BE49-F238E27FC236}">
+                <a16:creationId xmlns:a16="http://schemas.microsoft.com/office/drawing/2014/main" id="{E539EF22-18E1-4B8F-AEE0-BE55851EBB63}"/>
+              </a:ext>
+            </a:extLst>
+          </p:cNvPr>
+          <p:cNvPicPr>
+            <a:picLocks noChangeAspect="1"/>
+          </p:cNvPicPr>
+          <p:nvPr/>
+        </p:nvPicPr>
+        <p:blipFill>
+          <a:blip r:embed="rId2"/>
+          <a:stretch>
+            <a:fillRect/>
+          </a:stretch>
+        </p:blipFill>
+        <p:spPr>
+          <a:xfrm>
+            <a:off x="1704975" y="1830580"/>
+            <a:ext cx="3600450" cy="2952750"/>
+          </a:xfrm>
+          <a:prstGeom prst="rect">
+            <a:avLst/>
+          </a:prstGeom>
+        </p:spPr>
+      </p:pic>
+      <p:pic>
+        <p:nvPicPr>
+          <p:cNvPr id="10" name="그림 9" descr="테이블이(가) 표시된 사진&#10;&#10;자동 생성된 설명">
+            <a:extLst>
+              <a:ext uri="{FF2B5EF4-FFF2-40B4-BE49-F238E27FC236}">
+                <a16:creationId xmlns:a16="http://schemas.microsoft.com/office/drawing/2014/main" id="{2E73D41E-A5ED-4B1A-88FC-B93EC79A5FB6}"/>
+              </a:ext>
+            </a:extLst>
+          </p:cNvPr>
+          <p:cNvPicPr>
+            <a:picLocks noChangeAspect="1"/>
+          </p:cNvPicPr>
+          <p:nvPr/>
+        </p:nvPicPr>
+        <p:blipFill>
+          <a:blip r:embed="rId3"/>
+          <a:stretch>
+            <a:fillRect/>
+          </a:stretch>
+        </p:blipFill>
+        <p:spPr>
+          <a:xfrm>
+            <a:off x="6831541" y="2316355"/>
+            <a:ext cx="3676650" cy="2466975"/>
+          </a:xfrm>
+          <a:prstGeom prst="rect">
+            <a:avLst/>
+          </a:prstGeom>
+        </p:spPr>
+      </p:pic>
+      <p:sp>
+        <p:nvSpPr>
+          <p:cNvPr id="11" name="TextBox 10">
+            <a:extLst>
+              <a:ext uri="{FF2B5EF4-FFF2-40B4-BE49-F238E27FC236}">
+                <a16:creationId xmlns:a16="http://schemas.microsoft.com/office/drawing/2014/main" id="{7D65871B-E2A9-4CB8-839D-6CF5404B043A}"/>
+              </a:ext>
+            </a:extLst>
+          </p:cNvPr>
           <p:cNvSpPr txBox="1"/>
           <p:nvPr/>
         </p:nvSpPr>
         <p:spPr>
           <a:xfrm>
-            <a:off x="19969081" y="11230124"/>
-            <a:ext cx="831252" cy="854300"/>
+            <a:off x="1744133" y="1461248"/>
+            <a:ext cx="3285065" cy="369332"/>
           </a:xfrm>
           <a:prstGeom prst="rect">
             <a:avLst/>
@@ -5853,7 +5735,10 @@
           </a:bodyPr>
           <a:lstStyle/>
           <a:p>
-            <a:endParaRPr lang="ko-KR" altLang="en-US" dirty="0"/>
+            <a:r>
+              <a:rPr lang="ko-KR" altLang="en-US" b="1" dirty="0"/>
+              <a:t>회원 테이블</a:t>
+            </a:r>
           </a:p>
         </p:txBody>
       </p:sp>
@@ -5871,7 +5756,7 @@
         </p:nvSpPr>
         <p:spPr>
           <a:xfrm>
-            <a:off x="6941608" y="2181566"/>
+            <a:off x="6941608" y="1947023"/>
             <a:ext cx="3285065" cy="369332"/>
           </a:xfrm>
           <a:prstGeom prst="rect">
@@ -5887,21 +5772,8 @@
           <a:p>
             <a:r>
               <a:rPr lang="ko-KR" altLang="en-US" b="1" dirty="0"/>
-              <a:t>상품 상세 테이블 </a:t>
-            </a:r>
-            <a:r>
-              <a:rPr lang="en-US" altLang="ko-KR" b="1" dirty="0"/>
-              <a:t>(</a:t>
-            </a:r>
-            <a:r>
-              <a:rPr lang="ko-KR" altLang="en-US" b="1" dirty="0"/>
-              <a:t>사이즈</a:t>
-            </a:r>
-            <a:r>
-              <a:rPr lang="en-US" altLang="ko-KR" b="1" dirty="0"/>
-              <a:t>)</a:t>
-            </a:r>
-            <a:endParaRPr lang="ko-KR" altLang="en-US" b="1" dirty="0"/>
+              <a:t>회원 주소 테이블</a:t>
+            </a:r>
           </a:p>
         </p:txBody>
       </p:sp>
@@ -5959,39 +5831,23 @@
                   <a:schemeClr val="tx1"/>
                 </a:solidFill>
               </a:rPr>
-              <a:t>상품 사이즈 별로 상품 구매신청</a:t>
-            </a:r>
-            <a:r>
-              <a:rPr lang="en-US" altLang="ko-KR" sz="1600" dirty="0">
-                <a:solidFill>
-                  <a:schemeClr val="tx1"/>
-                </a:solidFill>
-              </a:rPr>
-              <a:t>, </a:t>
-            </a:r>
+              <a:t>회원이 여러 개의 주소를 가질 수 있도록 하기 위해</a:t>
+            </a:r>
+            <a:endParaRPr lang="en-US" altLang="ko-KR" sz="1600" dirty="0">
+              <a:solidFill>
+                <a:schemeClr val="tx1"/>
+              </a:solidFill>
+            </a:endParaRPr>
+          </a:p>
+          <a:p>
+            <a:pPr lvl="1"/>
             <a:r>
               <a:rPr lang="ko-KR" altLang="en-US" sz="1600" dirty="0">
                 <a:solidFill>
                   <a:schemeClr val="tx1"/>
                 </a:solidFill>
               </a:rPr>
-              <a:t>판매신청을 받기 위해</a:t>
-            </a:r>
-            <a:endParaRPr lang="en-US" altLang="ko-KR" sz="1600" dirty="0">
-              <a:solidFill>
-                <a:schemeClr val="tx1"/>
-              </a:solidFill>
-            </a:endParaRPr>
-          </a:p>
-          <a:p>
-            <a:pPr lvl="1"/>
-            <a:r>
-              <a:rPr lang="ko-KR" altLang="en-US" sz="1600" dirty="0">
-                <a:solidFill>
-                  <a:schemeClr val="tx1"/>
-                </a:solidFill>
-              </a:rPr>
-              <a:t>상품 상세 테이블을 만들었습니다</a:t>
+              <a:t>회원 주소 테이블로 분리하였습니다</a:t>
             </a:r>
             <a:r>
               <a:rPr lang="en-US" altLang="ko-KR" sz="1600" dirty="0">
@@ -6009,118 +5865,23 @@
           </a:p>
         </p:txBody>
       </p:sp>
-      <p:pic>
-        <p:nvPicPr>
-          <p:cNvPr id="15" name="그림 14" descr="테이블이(가) 표시된 사진&#10;&#10;자동 생성된 설명">
-            <a:extLst>
-              <a:ext uri="{FF2B5EF4-FFF2-40B4-BE49-F238E27FC236}">
-                <a16:creationId xmlns:a16="http://schemas.microsoft.com/office/drawing/2014/main" id="{8059DDB1-4C4C-4A9F-81E1-089FF93DD443}"/>
-              </a:ext>
-            </a:extLst>
-          </p:cNvPr>
-          <p:cNvPicPr>
-            <a:picLocks noChangeAspect="1"/>
-          </p:cNvPicPr>
-          <p:nvPr/>
-        </p:nvPicPr>
-        <p:blipFill>
-          <a:blip r:embed="rId2"/>
-          <a:stretch>
-            <a:fillRect/>
-          </a:stretch>
-        </p:blipFill>
-        <p:spPr>
-          <a:xfrm>
-            <a:off x="1611335" y="2210151"/>
-            <a:ext cx="3639058" cy="2486372"/>
-          </a:xfrm>
-          <a:prstGeom prst="rect">
-            <a:avLst/>
-          </a:prstGeom>
-        </p:spPr>
-      </p:pic>
-      <p:sp>
-        <p:nvSpPr>
-          <p:cNvPr id="17" name="TextBox 16">
-            <a:extLst>
-              <a:ext uri="{FF2B5EF4-FFF2-40B4-BE49-F238E27FC236}">
-                <a16:creationId xmlns:a16="http://schemas.microsoft.com/office/drawing/2014/main" id="{AF691082-AD9E-4C8C-AD4E-A43D2304EF2B}"/>
-              </a:ext>
-            </a:extLst>
-          </p:cNvPr>
-          <p:cNvSpPr txBox="1"/>
-          <p:nvPr/>
-        </p:nvSpPr>
-        <p:spPr>
-          <a:xfrm>
-            <a:off x="1611335" y="1840819"/>
-            <a:ext cx="3285065" cy="369332"/>
-          </a:xfrm>
-          <a:prstGeom prst="rect">
-            <a:avLst/>
-          </a:prstGeom>
-          <a:noFill/>
-        </p:spPr>
-        <p:txBody>
-          <a:bodyPr wrap="square" rtlCol="0">
-            <a:spAutoFit/>
-          </a:bodyPr>
-          <a:lstStyle/>
-          <a:p>
-            <a:r>
-              <a:rPr lang="ko-KR" altLang="en-US" b="1" dirty="0"/>
-              <a:t>상품 테이블</a:t>
-            </a:r>
-          </a:p>
-        </p:txBody>
-      </p:sp>
-      <p:pic>
-        <p:nvPicPr>
-          <p:cNvPr id="19" name="그림 18" descr="테이블이(가) 표시된 사진&#10;&#10;자동 생성된 설명">
-            <a:extLst>
-              <a:ext uri="{FF2B5EF4-FFF2-40B4-BE49-F238E27FC236}">
-                <a16:creationId xmlns:a16="http://schemas.microsoft.com/office/drawing/2014/main" id="{6028AA47-E8B9-43DE-8670-20A3CFD6CFF0}"/>
-              </a:ext>
-            </a:extLst>
-          </p:cNvPr>
-          <p:cNvPicPr>
-            <a:picLocks noChangeAspect="1"/>
-          </p:cNvPicPr>
-          <p:nvPr/>
-        </p:nvPicPr>
-        <p:blipFill>
-          <a:blip r:embed="rId3"/>
-          <a:stretch>
-            <a:fillRect/>
-          </a:stretch>
-        </p:blipFill>
-        <p:spPr>
-          <a:xfrm>
-            <a:off x="6941608" y="2605129"/>
-            <a:ext cx="3619500" cy="1628775"/>
-          </a:xfrm>
-          <a:prstGeom prst="rect">
-            <a:avLst/>
-          </a:prstGeom>
-        </p:spPr>
-      </p:pic>
     </p:spTree>
     <p:extLst>
       <p:ext uri="{BB962C8B-B14F-4D97-AF65-F5344CB8AC3E}">
-        <p14:creationId xmlns:p14="http://schemas.microsoft.com/office/powerpoint/2010/main" val="3928177636"/>
+        <p14:creationId xmlns:p14="http://schemas.microsoft.com/office/powerpoint/2010/main" val="814525511"/>
       </p:ext>
     </p:extLst>
   </p:cSld>
   <p:clrMapOvr>
     <a:masterClrMapping/>
   </p:clrMapOvr>
-  <mc:AlternateContent xmlns:mc="http://schemas.openxmlformats.org/markup-compatibility/2006">
-    <mc:Choice xmlns:p159="http://schemas.microsoft.com/office/powerpoint/2015/09/main" Requires="p159">
+  <mc:AlternateContent xmlns:mc="http://schemas.openxmlformats.org/markup-compatibility/2006" xmlns:p159="http://schemas.microsoft.com/office/powerpoint/2015/09/main">
+    <mc:Choice Requires="p159">
       <p:transition xmlns:p14="http://schemas.microsoft.com/office/powerpoint/2010/main" spd="slow" p14:dur="2000">
         <p159:morph option="byObject"/>
       </p:transition>
     </mc:Choice>
-    <mc:Fallback>
+    <mc:Fallback xmlns="">
       <p:transition spd="slow">
         <p:fade/>
       </p:transition>
@@ -6293,7 +6054,7 @@
         <p:spPr>
           <a:xfrm>
             <a:off x="1274182" y="460392"/>
-            <a:ext cx="8617487" cy="646331"/>
+            <a:ext cx="5648726" cy="646331"/>
           </a:xfrm>
           <a:prstGeom prst="rect">
             <a:avLst/>
@@ -6348,29 +6109,7 @@
                   </a:schemeClr>
                 </a:solidFill>
               </a:rPr>
-              <a:t>구매신청</a:t>
-            </a:r>
-            <a:r>
-              <a:rPr lang="en-US" altLang="ko-KR" sz="2800" b="1" spc="600" dirty="0">
-                <a:solidFill>
-                  <a:schemeClr val="tx1">
-                    <a:lumMod val="75000"/>
-                    <a:lumOff val="25000"/>
-                  </a:schemeClr>
-                </a:solidFill>
-              </a:rPr>
-              <a:t>, </a:t>
-            </a:r>
-            <a:r>
-              <a:rPr lang="ko-KR" altLang="en-US" sz="2800" b="1" spc="600" dirty="0">
-                <a:solidFill>
-                  <a:schemeClr val="tx1">
-                    <a:lumMod val="75000"/>
-                    <a:lumOff val="25000"/>
-                  </a:schemeClr>
-                </a:solidFill>
-              </a:rPr>
-              <a:t>판매신청</a:t>
+              <a:t>상품</a:t>
             </a:r>
             <a:r>
               <a:rPr lang="en-US" altLang="ko-KR" sz="2800" b="1" spc="600" dirty="0">
@@ -6451,32 +6190,6 @@
       </p:sp>
       <p:sp>
         <p:nvSpPr>
-          <p:cNvPr id="14" name="TextBox 13"/>
-          <p:cNvSpPr txBox="1"/>
-          <p:nvPr/>
-        </p:nvSpPr>
-        <p:spPr>
-          <a:xfrm>
-            <a:off x="19969081" y="11230124"/>
-            <a:ext cx="831252" cy="854300"/>
-          </a:xfrm>
-          <a:prstGeom prst="rect">
-            <a:avLst/>
-          </a:prstGeom>
-          <a:noFill/>
-        </p:spPr>
-        <p:txBody>
-          <a:bodyPr wrap="square" rtlCol="0">
-            <a:spAutoFit/>
-          </a:bodyPr>
-          <a:lstStyle/>
-          <a:p>
-            <a:endParaRPr lang="ko-KR" altLang="en-US" dirty="0"/>
-          </a:p>
-        </p:txBody>
-      </p:sp>
-      <p:sp>
-        <p:nvSpPr>
           <p:cNvPr id="13" name="TextBox 12">
             <a:extLst>
               <a:ext uri="{FF2B5EF4-FFF2-40B4-BE49-F238E27FC236}">
@@ -6489,7 +6202,7 @@
         </p:nvSpPr>
         <p:spPr>
           <a:xfrm>
-            <a:off x="6642927" y="1600672"/>
+            <a:off x="6941608" y="2181566"/>
             <a:ext cx="3285065" cy="369332"/>
           </a:xfrm>
           <a:prstGeom prst="rect">
@@ -6505,8 +6218,21 @@
           <a:p>
             <a:r>
               <a:rPr lang="ko-KR" altLang="en-US" b="1" dirty="0"/>
-              <a:t>상품 판매신청 테이블</a:t>
-            </a:r>
+              <a:t>상품 상세 테이블 </a:t>
+            </a:r>
+            <a:r>
+              <a:rPr lang="en-US" altLang="ko-KR" b="1" dirty="0"/>
+              <a:t>(</a:t>
+            </a:r>
+            <a:r>
+              <a:rPr lang="ko-KR" altLang="en-US" b="1" dirty="0"/>
+              <a:t>사이즈</a:t>
+            </a:r>
+            <a:r>
+              <a:rPr lang="en-US" altLang="ko-KR" b="1" dirty="0"/>
+              <a:t>)</a:t>
+            </a:r>
+            <a:endParaRPr lang="ko-KR" altLang="en-US" b="1" dirty="0"/>
           </a:p>
         </p:txBody>
       </p:sp>
@@ -6564,7 +6290,39 @@
                   <a:schemeClr val="tx1"/>
                 </a:solidFill>
               </a:rPr>
-              <a:t>회원이 주문신청을 넣을 경우 등록되는 테이블입니다</a:t>
+              <a:t>상품 사이즈 별로 상품 구매신청</a:t>
+            </a:r>
+            <a:r>
+              <a:rPr lang="en-US" altLang="ko-KR" sz="1600" dirty="0">
+                <a:solidFill>
+                  <a:schemeClr val="tx1"/>
+                </a:solidFill>
+              </a:rPr>
+              <a:t>, </a:t>
+            </a:r>
+            <a:r>
+              <a:rPr lang="ko-KR" altLang="en-US" sz="1600" dirty="0">
+                <a:solidFill>
+                  <a:schemeClr val="tx1"/>
+                </a:solidFill>
+              </a:rPr>
+              <a:t>판매신청을 받기 위해</a:t>
+            </a:r>
+            <a:endParaRPr lang="en-US" altLang="ko-KR" sz="1600" dirty="0">
+              <a:solidFill>
+                <a:schemeClr val="tx1"/>
+              </a:solidFill>
+            </a:endParaRPr>
+          </a:p>
+          <a:p>
+            <a:pPr lvl="1"/>
+            <a:r>
+              <a:rPr lang="ko-KR" altLang="en-US" sz="1600" dirty="0">
+                <a:solidFill>
+                  <a:schemeClr val="tx1"/>
+                </a:solidFill>
+              </a:rPr>
+              <a:t>상품 상세 테이블을 만들었습니다</a:t>
             </a:r>
             <a:r>
               <a:rPr lang="en-US" altLang="ko-KR" sz="1600" dirty="0">
@@ -6574,60 +6332,6 @@
               </a:rPr>
               <a:t>.</a:t>
             </a:r>
-          </a:p>
-          <a:p>
-            <a:pPr lvl="1"/>
-            <a:r>
-              <a:rPr lang="ko-KR" altLang="en-US" sz="1600" dirty="0">
-                <a:solidFill>
-                  <a:schemeClr val="tx1"/>
-                </a:solidFill>
-              </a:rPr>
-              <a:t>여러 테이블의 기본키를 참고하여 신청서에 필요한 정보들을 담을 수 있게 하였습니다</a:t>
-            </a:r>
-            <a:r>
-              <a:rPr lang="en-US" altLang="ko-KR" sz="1600" dirty="0">
-                <a:solidFill>
-                  <a:schemeClr val="tx1"/>
-                </a:solidFill>
-              </a:rPr>
-              <a:t>.</a:t>
-            </a:r>
-          </a:p>
-          <a:p>
-            <a:pPr lvl="1"/>
-            <a:r>
-              <a:rPr lang="ko-KR" altLang="en-US" sz="1600" dirty="0">
-                <a:solidFill>
-                  <a:schemeClr val="tx1"/>
-                </a:solidFill>
-              </a:rPr>
-              <a:t>신청서의 진행도에 따라 </a:t>
-            </a:r>
-            <a:r>
-              <a:rPr lang="en-US" altLang="ko-KR" sz="1600" dirty="0">
-                <a:solidFill>
-                  <a:schemeClr val="tx1"/>
-                </a:solidFill>
-              </a:rPr>
-              <a:t>STATE </a:t>
-            </a:r>
-            <a:r>
-              <a:rPr lang="ko-KR" altLang="en-US" sz="1600" dirty="0">
-                <a:solidFill>
-                  <a:schemeClr val="tx1"/>
-                </a:solidFill>
-              </a:rPr>
-              <a:t>값에 변화를 주었습니다</a:t>
-            </a:r>
-            <a:r>
-              <a:rPr lang="en-US" altLang="ko-KR" sz="1600" dirty="0">
-                <a:solidFill>
-                  <a:schemeClr val="tx1"/>
-                </a:solidFill>
-              </a:rPr>
-              <a:t>.</a:t>
-            </a:r>
             <a:endParaRPr lang="ko-KR" altLang="en-US" sz="1600" dirty="0">
               <a:solidFill>
                 <a:schemeClr val="tx1"/>
@@ -6636,6 +6340,36 @@
           </a:p>
         </p:txBody>
       </p:sp>
+      <p:pic>
+        <p:nvPicPr>
+          <p:cNvPr id="15" name="그림 14" descr="테이블이(가) 표시된 사진&#10;&#10;자동 생성된 설명">
+            <a:extLst>
+              <a:ext uri="{FF2B5EF4-FFF2-40B4-BE49-F238E27FC236}">
+                <a16:creationId xmlns:a16="http://schemas.microsoft.com/office/drawing/2014/main" id="{8059DDB1-4C4C-4A9F-81E1-089FF93DD443}"/>
+              </a:ext>
+            </a:extLst>
+          </p:cNvPr>
+          <p:cNvPicPr>
+            <a:picLocks noChangeAspect="1"/>
+          </p:cNvPicPr>
+          <p:nvPr/>
+        </p:nvPicPr>
+        <p:blipFill>
+          <a:blip r:embed="rId2"/>
+          <a:stretch>
+            <a:fillRect/>
+          </a:stretch>
+        </p:blipFill>
+        <p:spPr>
+          <a:xfrm>
+            <a:off x="1611335" y="2210151"/>
+            <a:ext cx="3639058" cy="2486372"/>
+          </a:xfrm>
+          <a:prstGeom prst="rect">
+            <a:avLst/>
+          </a:prstGeom>
+        </p:spPr>
+      </p:pic>
       <p:sp>
         <p:nvSpPr>
           <p:cNvPr id="17" name="TextBox 16">
@@ -6650,7 +6384,7 @@
         </p:nvSpPr>
         <p:spPr>
           <a:xfrm>
-            <a:off x="1611335" y="1598891"/>
+            <a:off x="1611335" y="1840819"/>
             <a:ext cx="3285065" cy="369332"/>
           </a:xfrm>
           <a:prstGeom prst="rect">
@@ -6666,47 +6400,17 @@
           <a:p>
             <a:r>
               <a:rPr lang="ko-KR" altLang="en-US" b="1" dirty="0"/>
-              <a:t>상품 구매신청 테이블</a:t>
+              <a:t>상품 테이블</a:t>
             </a:r>
           </a:p>
         </p:txBody>
       </p:sp>
       <p:pic>
         <p:nvPicPr>
-          <p:cNvPr id="8" name="그림 7" descr="테이블이(가) 표시된 사진&#10;&#10;자동 생성된 설명">
+          <p:cNvPr id="19" name="그림 18" descr="테이블이(가) 표시된 사진&#10;&#10;자동 생성된 설명">
             <a:extLst>
               <a:ext uri="{FF2B5EF4-FFF2-40B4-BE49-F238E27FC236}">
-                <a16:creationId xmlns:a16="http://schemas.microsoft.com/office/drawing/2014/main" id="{DAF388E9-4465-458D-B486-26D7C79ADF2D}"/>
-              </a:ext>
-            </a:extLst>
-          </p:cNvPr>
-          <p:cNvPicPr>
-            <a:picLocks noChangeAspect="1"/>
-          </p:cNvPicPr>
-          <p:nvPr/>
-        </p:nvPicPr>
-        <p:blipFill>
-          <a:blip r:embed="rId2"/>
-          <a:stretch>
-            <a:fillRect/>
-          </a:stretch>
-        </p:blipFill>
-        <p:spPr>
-          <a:xfrm>
-            <a:off x="1653796" y="1987276"/>
-            <a:ext cx="3648584" cy="3000794"/>
-          </a:xfrm>
-          <a:prstGeom prst="rect">
-            <a:avLst/>
-          </a:prstGeom>
-        </p:spPr>
-      </p:pic>
-      <p:pic>
-        <p:nvPicPr>
-          <p:cNvPr id="15" name="그림 14" descr="테이블이(가) 표시된 사진&#10;&#10;자동 생성된 설명">
-            <a:extLst>
-              <a:ext uri="{FF2B5EF4-FFF2-40B4-BE49-F238E27FC236}">
-                <a16:creationId xmlns:a16="http://schemas.microsoft.com/office/drawing/2014/main" id="{43017F66-7BCD-4C98-B246-641F59D88069}"/>
+                <a16:creationId xmlns:a16="http://schemas.microsoft.com/office/drawing/2014/main" id="{6028AA47-E8B9-43DE-8670-20A3CFD6CFF0}"/>
               </a:ext>
             </a:extLst>
           </p:cNvPr>
@@ -6723,8 +6427,8 @@
         </p:blipFill>
         <p:spPr>
           <a:xfrm>
-            <a:off x="6642927" y="1989797"/>
-            <a:ext cx="3648584" cy="3267531"/>
+            <a:off x="6941608" y="2605129"/>
+            <a:ext cx="3619500" cy="1628775"/>
           </a:xfrm>
           <a:prstGeom prst="rect">
             <a:avLst/>
@@ -6734,20 +6438,20 @@
     </p:spTree>
     <p:extLst>
       <p:ext uri="{BB962C8B-B14F-4D97-AF65-F5344CB8AC3E}">
-        <p14:creationId xmlns:p14="http://schemas.microsoft.com/office/powerpoint/2010/main" val="2330922102"/>
+        <p14:creationId xmlns:p14="http://schemas.microsoft.com/office/powerpoint/2010/main" val="3928177636"/>
       </p:ext>
     </p:extLst>
   </p:cSld>
   <p:clrMapOvr>
     <a:masterClrMapping/>
   </p:clrMapOvr>
-  <mc:AlternateContent xmlns:mc="http://schemas.openxmlformats.org/markup-compatibility/2006">
-    <mc:Choice xmlns:p159="http://schemas.microsoft.com/office/powerpoint/2015/09/main" Requires="p159">
+  <mc:AlternateContent xmlns:mc="http://schemas.openxmlformats.org/markup-compatibility/2006" xmlns:p159="http://schemas.microsoft.com/office/powerpoint/2015/09/main">
+    <mc:Choice Requires="p159">
       <p:transition xmlns:p14="http://schemas.microsoft.com/office/powerpoint/2010/main" spd="slow" p14:dur="2000">
         <p159:morph option="byObject"/>
       </p:transition>
     </mc:Choice>
-    <mc:Fallback>
+    <mc:Fallback xmlns="">
       <p:transition spd="slow">
         <p:fade/>
       </p:transition>
@@ -6920,7 +6624,7 @@
         <p:spPr>
           <a:xfrm>
             <a:off x="1274182" y="460392"/>
-            <a:ext cx="7916398" cy="646331"/>
+            <a:ext cx="8617487" cy="646331"/>
           </a:xfrm>
           <a:prstGeom prst="rect">
             <a:avLst/>
@@ -6964,7 +6668,51 @@
                   </a:schemeClr>
                 </a:solidFill>
               </a:rPr>
-              <a:t>(FAQ, NOTICE)</a:t>
+              <a:t>(</a:t>
+            </a:r>
+            <a:r>
+              <a:rPr lang="ko-KR" altLang="en-US" sz="2800" b="1" spc="600" dirty="0">
+                <a:solidFill>
+                  <a:schemeClr val="tx1">
+                    <a:lumMod val="75000"/>
+                    <a:lumOff val="25000"/>
+                  </a:schemeClr>
+                </a:solidFill>
+              </a:rPr>
+              <a:t>구매신청</a:t>
+            </a:r>
+            <a:r>
+              <a:rPr lang="en-US" altLang="ko-KR" sz="2800" b="1" spc="600" dirty="0">
+                <a:solidFill>
+                  <a:schemeClr val="tx1">
+                    <a:lumMod val="75000"/>
+                    <a:lumOff val="25000"/>
+                  </a:schemeClr>
+                </a:solidFill>
+              </a:rPr>
+              <a:t>, </a:t>
+            </a:r>
+            <a:r>
+              <a:rPr lang="ko-KR" altLang="en-US" sz="2800" b="1" spc="600" dirty="0">
+                <a:solidFill>
+                  <a:schemeClr val="tx1">
+                    <a:lumMod val="75000"/>
+                    <a:lumOff val="25000"/>
+                  </a:schemeClr>
+                </a:solidFill>
+              </a:rPr>
+              <a:t>판매신청</a:t>
+            </a:r>
+            <a:r>
+              <a:rPr lang="en-US" altLang="ko-KR" sz="2800" b="1" spc="600" dirty="0">
+                <a:solidFill>
+                  <a:schemeClr val="tx1">
+                    <a:lumMod val="75000"/>
+                    <a:lumOff val="25000"/>
+                  </a:schemeClr>
+                </a:solidFill>
+              </a:rPr>
+              <a:t>)</a:t>
             </a:r>
             <a:endParaRPr lang="ja-JP" altLang="en-US" sz="2800" b="1" spc="600" dirty="0">
               <a:solidFill>
@@ -7034,32 +6782,6 @@
       </p:sp>
       <p:sp>
         <p:nvSpPr>
-          <p:cNvPr id="14" name="TextBox 13"/>
-          <p:cNvSpPr txBox="1"/>
-          <p:nvPr/>
-        </p:nvSpPr>
-        <p:spPr>
-          <a:xfrm>
-            <a:off x="19969081" y="11230124"/>
-            <a:ext cx="831252" cy="854300"/>
-          </a:xfrm>
-          <a:prstGeom prst="rect">
-            <a:avLst/>
-          </a:prstGeom>
-          <a:noFill/>
-        </p:spPr>
-        <p:txBody>
-          <a:bodyPr wrap="square" rtlCol="0">
-            <a:spAutoFit/>
-          </a:bodyPr>
-          <a:lstStyle/>
-          <a:p>
-            <a:endParaRPr lang="ko-KR" altLang="en-US" dirty="0"/>
-          </a:p>
-        </p:txBody>
-      </p:sp>
-      <p:sp>
-        <p:nvSpPr>
           <p:cNvPr id="13" name="TextBox 12">
             <a:extLst>
               <a:ext uri="{FF2B5EF4-FFF2-40B4-BE49-F238E27FC236}">
@@ -7072,7 +6794,7 @@
         </p:nvSpPr>
         <p:spPr>
           <a:xfrm>
-            <a:off x="6642927" y="1842600"/>
+            <a:off x="6642927" y="1600672"/>
             <a:ext cx="3285065" cy="369332"/>
           </a:xfrm>
           <a:prstGeom prst="rect">
@@ -7088,7 +6810,7 @@
           <a:p>
             <a:r>
               <a:rPr lang="ko-KR" altLang="en-US" b="1" dirty="0"/>
-              <a:t>공지사항 게시판</a:t>
+              <a:t>상품 판매신청 테이블</a:t>
             </a:r>
           </a:p>
         </p:txBody>
@@ -7147,7 +6869,7 @@
                   <a:schemeClr val="tx1"/>
                 </a:solidFill>
               </a:rPr>
-              <a:t>관리자만 작성할 수 있는 자주 묻는 질문 게시판과 공지사항 게시판 입니다</a:t>
+              <a:t>회원이 주문신청을 넣을 경우 등록되는 테이블입니다</a:t>
             </a:r>
             <a:r>
               <a:rPr lang="en-US" altLang="ko-KR" sz="1600" dirty="0">
@@ -7166,7 +6888,42 @@
                   <a:schemeClr val="tx1"/>
                 </a:solidFill>
               </a:rPr>
-              <a:t>페이지 기능만을 생각하고 테이블을 구현하였습니다</a:t>
+              <a:t>여러 테이블의 기본키를 참고하여 신청서에 필요한 정보들을 담을 수 있게 하였습니다</a:t>
+            </a:r>
+            <a:r>
+              <a:rPr lang="en-US" altLang="ko-KR" sz="1600" dirty="0">
+                <a:solidFill>
+                  <a:schemeClr val="tx1"/>
+                </a:solidFill>
+              </a:rPr>
+              <a:t>.</a:t>
+            </a:r>
+          </a:p>
+          <a:p>
+            <a:pPr lvl="1"/>
+            <a:r>
+              <a:rPr lang="ko-KR" altLang="en-US" sz="1600" dirty="0">
+                <a:solidFill>
+                  <a:schemeClr val="tx1"/>
+                </a:solidFill>
+              </a:rPr>
+              <a:t>신청서의 진행도에 따라 </a:t>
+            </a:r>
+            <a:r>
+              <a:rPr lang="en-US" altLang="ko-KR" sz="1600" dirty="0">
+                <a:solidFill>
+                  <a:schemeClr val="tx1"/>
+                </a:solidFill>
+              </a:rPr>
+              <a:t>STATE </a:t>
+            </a:r>
+            <a:r>
+              <a:rPr lang="ko-KR" altLang="en-US" sz="1600" dirty="0">
+                <a:solidFill>
+                  <a:schemeClr val="tx1"/>
+                </a:solidFill>
+              </a:rPr>
+              <a:t>값에 변화를 주었습니다</a:t>
             </a:r>
             <a:r>
               <a:rPr lang="en-US" altLang="ko-KR" sz="1600" dirty="0">
@@ -7198,7 +6955,7 @@
         </p:nvSpPr>
         <p:spPr>
           <a:xfrm>
-            <a:off x="1611335" y="1840819"/>
+            <a:off x="1611335" y="1598891"/>
             <a:ext cx="3285065" cy="369332"/>
           </a:xfrm>
           <a:prstGeom prst="rect">
@@ -7214,17 +6971,17 @@
           <a:p>
             <a:r>
               <a:rPr lang="ko-KR" altLang="en-US" b="1" dirty="0"/>
-              <a:t>자주 묻는 질문 게시판</a:t>
+              <a:t>상품 구매신청 테이블</a:t>
             </a:r>
           </a:p>
         </p:txBody>
       </p:sp>
       <p:pic>
         <p:nvPicPr>
-          <p:cNvPr id="7" name="그림 6" descr="테이블이(가) 표시된 사진&#10;&#10;자동 생성된 설명">
+          <p:cNvPr id="8" name="그림 7" descr="테이블이(가) 표시된 사진&#10;&#10;자동 생성된 설명">
             <a:extLst>
               <a:ext uri="{FF2B5EF4-FFF2-40B4-BE49-F238E27FC236}">
-                <a16:creationId xmlns:a16="http://schemas.microsoft.com/office/drawing/2014/main" id="{DB9DA016-B240-408F-9898-99850EEFD36B}"/>
+                <a16:creationId xmlns:a16="http://schemas.microsoft.com/office/drawing/2014/main" id="{DAF388E9-4465-458D-B486-26D7C79ADF2D}"/>
               </a:ext>
             </a:extLst>
           </p:cNvPr>
@@ -7241,8 +6998,8 @@
         </p:blipFill>
         <p:spPr>
           <a:xfrm>
-            <a:off x="1639506" y="2229204"/>
-            <a:ext cx="3677163" cy="2467319"/>
+            <a:off x="1653796" y="1987276"/>
+            <a:ext cx="3648584" cy="3000794"/>
           </a:xfrm>
           <a:prstGeom prst="rect">
             <a:avLst/>
@@ -7251,10 +7008,10 @@
       </p:pic>
       <p:pic>
         <p:nvPicPr>
-          <p:cNvPr id="9" name="그림 8" descr="테이블이(가) 표시된 사진&#10;&#10;자동 생성된 설명">
+          <p:cNvPr id="15" name="그림 14" descr="테이블이(가) 표시된 사진&#10;&#10;자동 생성된 설명">
             <a:extLst>
               <a:ext uri="{FF2B5EF4-FFF2-40B4-BE49-F238E27FC236}">
-                <a16:creationId xmlns:a16="http://schemas.microsoft.com/office/drawing/2014/main" id="{8117EB17-D636-4E85-81C0-A0231F534780}"/>
+                <a16:creationId xmlns:a16="http://schemas.microsoft.com/office/drawing/2014/main" id="{43017F66-7BCD-4C98-B246-641F59D88069}"/>
               </a:ext>
             </a:extLst>
           </p:cNvPr>
@@ -7271,8 +7028,8 @@
         </p:blipFill>
         <p:spPr>
           <a:xfrm>
-            <a:off x="6642927" y="2258123"/>
-            <a:ext cx="3609975" cy="2438400"/>
+            <a:off x="6642927" y="1989797"/>
+            <a:ext cx="3648584" cy="3267531"/>
           </a:xfrm>
           <a:prstGeom prst="rect">
             <a:avLst/>
@@ -7282,20 +7039,20 @@
     </p:spTree>
     <p:extLst>
       <p:ext uri="{BB962C8B-B14F-4D97-AF65-F5344CB8AC3E}">
-        <p14:creationId xmlns:p14="http://schemas.microsoft.com/office/powerpoint/2010/main" val="1850577505"/>
+        <p14:creationId xmlns:p14="http://schemas.microsoft.com/office/powerpoint/2010/main" val="2330922102"/>
       </p:ext>
     </p:extLst>
   </p:cSld>
   <p:clrMapOvr>
     <a:masterClrMapping/>
   </p:clrMapOvr>
-  <mc:AlternateContent xmlns:mc="http://schemas.openxmlformats.org/markup-compatibility/2006">
-    <mc:Choice xmlns:p159="http://schemas.microsoft.com/office/powerpoint/2015/09/main" Requires="p159">
+  <mc:AlternateContent xmlns:mc="http://schemas.openxmlformats.org/markup-compatibility/2006" xmlns:p159="http://schemas.microsoft.com/office/powerpoint/2015/09/main">
+    <mc:Choice Requires="p159">
       <p:transition xmlns:p14="http://schemas.microsoft.com/office/powerpoint/2010/main" spd="slow" p14:dur="2000">
         <p159:morph option="byObject"/>
       </p:transition>
     </mc:Choice>
-    <mc:Fallback>
+    <mc:Fallback xmlns="">
       <p:transition spd="slow">
         <p:fade/>
       </p:transition>
@@ -7468,7 +7225,7 @@
         <p:spPr>
           <a:xfrm>
             <a:off x="1274182" y="460392"/>
-            <a:ext cx="5648726" cy="646331"/>
+            <a:ext cx="7916398" cy="646331"/>
           </a:xfrm>
           <a:prstGeom prst="rect">
             <a:avLst/>
@@ -7512,29 +7269,7 @@
                   </a:schemeClr>
                 </a:solidFill>
               </a:rPr>
-              <a:t>(</a:t>
-            </a:r>
-            <a:r>
-              <a:rPr lang="ko-KR" altLang="en-US" sz="2800" b="1" spc="600" dirty="0">
-                <a:solidFill>
-                  <a:schemeClr val="tx1">
-                    <a:lumMod val="75000"/>
-                    <a:lumOff val="25000"/>
-                  </a:schemeClr>
-                </a:solidFill>
-              </a:rPr>
-              <a:t>후기</a:t>
-            </a:r>
-            <a:r>
-              <a:rPr lang="en-US" altLang="ko-KR" sz="2800" b="1" spc="600" dirty="0">
-                <a:solidFill>
-                  <a:schemeClr val="tx1">
-                    <a:lumMod val="75000"/>
-                    <a:lumOff val="25000"/>
-                  </a:schemeClr>
-                </a:solidFill>
-              </a:rPr>
-              <a:t>)</a:t>
+              <a:t>(FAQ, NOTICE)</a:t>
             </a:r>
             <a:endParaRPr lang="ja-JP" altLang="en-US" sz="2800" b="1" spc="600" dirty="0">
               <a:solidFill>
@@ -7604,32 +7339,6 @@
       </p:sp>
       <p:sp>
         <p:nvSpPr>
-          <p:cNvPr id="14" name="TextBox 13"/>
-          <p:cNvSpPr txBox="1"/>
-          <p:nvPr/>
-        </p:nvSpPr>
-        <p:spPr>
-          <a:xfrm>
-            <a:off x="19969081" y="11230124"/>
-            <a:ext cx="831252" cy="854300"/>
-          </a:xfrm>
-          <a:prstGeom prst="rect">
-            <a:avLst/>
-          </a:prstGeom>
-          <a:noFill/>
-        </p:spPr>
-        <p:txBody>
-          <a:bodyPr wrap="square" rtlCol="0">
-            <a:spAutoFit/>
-          </a:bodyPr>
-          <a:lstStyle/>
-          <a:p>
-            <a:endParaRPr lang="ko-KR" altLang="en-US" dirty="0"/>
-          </a:p>
-        </p:txBody>
-      </p:sp>
-      <p:sp>
-        <p:nvSpPr>
           <p:cNvPr id="13" name="TextBox 12">
             <a:extLst>
               <a:ext uri="{FF2B5EF4-FFF2-40B4-BE49-F238E27FC236}">
@@ -7658,7 +7367,7 @@
           <a:p>
             <a:r>
               <a:rPr lang="ko-KR" altLang="en-US" b="1" dirty="0"/>
-              <a:t>후기 댓글</a:t>
+              <a:t>공지사항 게시판</a:t>
             </a:r>
           </a:p>
         </p:txBody>
@@ -7717,23 +7426,26 @@
                   <a:schemeClr val="tx1"/>
                 </a:solidFill>
               </a:rPr>
-              <a:t>후기 게시판의 댓글은 </a:t>
-            </a:r>
-            <a:r>
-              <a:rPr lang="ko-KR" altLang="en-US" sz="1600" dirty="0" err="1">
+              <a:t>관리자만 작성할 수 있는 자주 묻는 질문 게시판과 공지사항 게시판 입니다</a:t>
+            </a:r>
+            <a:r>
+              <a:rPr lang="en-US" altLang="ko-KR" sz="1600" dirty="0">
                 <a:solidFill>
                   <a:schemeClr val="tx1"/>
                 </a:solidFill>
               </a:rPr>
-              <a:t>대댓글이</a:t>
-            </a:r>
+              <a:t>.</a:t>
+            </a:r>
+          </a:p>
+          <a:p>
+            <a:pPr lvl="1"/>
             <a:r>
               <a:rPr lang="ko-KR" altLang="en-US" sz="1600" dirty="0">
                 <a:solidFill>
                   <a:schemeClr val="tx1"/>
                 </a:solidFill>
               </a:rPr>
-              <a:t> 없다고 상정하고 테이블을 구현하였습니다</a:t>
+              <a:t>페이지 기능만을 생각하고 테이블을 구현하였습니다</a:t>
             </a:r>
             <a:r>
               <a:rPr lang="en-US" altLang="ko-KR" sz="1600" dirty="0">
@@ -7765,7 +7477,7 @@
         </p:nvSpPr>
         <p:spPr>
           <a:xfrm>
-            <a:off x="1835554" y="1388750"/>
+            <a:off x="1611335" y="1840819"/>
             <a:ext cx="3285065" cy="369332"/>
           </a:xfrm>
           <a:prstGeom prst="rect">
@@ -7781,17 +7493,17 @@
           <a:p>
             <a:r>
               <a:rPr lang="ko-KR" altLang="en-US" b="1" dirty="0"/>
-              <a:t>후기 게시판</a:t>
+              <a:t>자주 묻는 질문 게시판</a:t>
             </a:r>
           </a:p>
         </p:txBody>
       </p:sp>
       <p:pic>
         <p:nvPicPr>
-          <p:cNvPr id="8" name="그림 7" descr="테이블이(가) 표시된 사진&#10;&#10;자동 생성된 설명">
+          <p:cNvPr id="7" name="그림 6" descr="테이블이(가) 표시된 사진&#10;&#10;자동 생성된 설명">
             <a:extLst>
               <a:ext uri="{FF2B5EF4-FFF2-40B4-BE49-F238E27FC236}">
-                <a16:creationId xmlns:a16="http://schemas.microsoft.com/office/drawing/2014/main" id="{3153DDAC-BB95-4087-94A8-627E4C9DC07F}"/>
+                <a16:creationId xmlns:a16="http://schemas.microsoft.com/office/drawing/2014/main" id="{DB9DA016-B240-408F-9898-99850EEFD36B}"/>
               </a:ext>
             </a:extLst>
           </p:cNvPr>
@@ -7808,8 +7520,8 @@
         </p:blipFill>
         <p:spPr>
           <a:xfrm>
-            <a:off x="1803738" y="1741449"/>
-            <a:ext cx="3348699" cy="3471748"/>
+            <a:off x="1639506" y="2229204"/>
+            <a:ext cx="3677163" cy="2467319"/>
           </a:xfrm>
           <a:prstGeom prst="rect">
             <a:avLst/>
@@ -7818,10 +7530,10 @@
       </p:pic>
       <p:pic>
         <p:nvPicPr>
-          <p:cNvPr id="11" name="그림 10" descr="테이블이(가) 표시된 사진&#10;&#10;자동 생성된 설명">
+          <p:cNvPr id="9" name="그림 8" descr="테이블이(가) 표시된 사진&#10;&#10;자동 생성된 설명">
             <a:extLst>
               <a:ext uri="{FF2B5EF4-FFF2-40B4-BE49-F238E27FC236}">
-                <a16:creationId xmlns:a16="http://schemas.microsoft.com/office/drawing/2014/main" id="{D76ED884-564A-454F-8450-474A057A38D7}"/>
+                <a16:creationId xmlns:a16="http://schemas.microsoft.com/office/drawing/2014/main" id="{8117EB17-D636-4E85-81C0-A0231F534780}"/>
               </a:ext>
             </a:extLst>
           </p:cNvPr>
@@ -7838,8 +7550,8 @@
         </p:blipFill>
         <p:spPr>
           <a:xfrm>
-            <a:off x="6642927" y="2204160"/>
-            <a:ext cx="3610479" cy="2152950"/>
+            <a:off x="6642927" y="2258123"/>
+            <a:ext cx="3609975" cy="2438400"/>
           </a:xfrm>
           <a:prstGeom prst="rect">
             <a:avLst/>
@@ -7849,20 +7561,20 @@
     </p:spTree>
     <p:extLst>
       <p:ext uri="{BB962C8B-B14F-4D97-AF65-F5344CB8AC3E}">
-        <p14:creationId xmlns:p14="http://schemas.microsoft.com/office/powerpoint/2010/main" val="845608097"/>
+        <p14:creationId xmlns:p14="http://schemas.microsoft.com/office/powerpoint/2010/main" val="1850577505"/>
       </p:ext>
     </p:extLst>
   </p:cSld>
   <p:clrMapOvr>
     <a:masterClrMapping/>
   </p:clrMapOvr>
-  <mc:AlternateContent xmlns:mc="http://schemas.openxmlformats.org/markup-compatibility/2006">
-    <mc:Choice xmlns:p159="http://schemas.microsoft.com/office/powerpoint/2015/09/main" Requires="p159">
+  <mc:AlternateContent xmlns:mc="http://schemas.openxmlformats.org/markup-compatibility/2006" xmlns:p159="http://schemas.microsoft.com/office/powerpoint/2015/09/main">
+    <mc:Choice Requires="p159">
       <p:transition xmlns:p14="http://schemas.microsoft.com/office/powerpoint/2010/main" spd="slow" p14:dur="2000">
         <p159:morph option="byObject"/>
       </p:transition>
     </mc:Choice>
-    <mc:Fallback>
+    <mc:Fallback xmlns="">
       <p:transition spd="slow">
         <p:fade/>
       </p:transition>
@@ -7890,6 +7602,1878 @@
       </p:grpSpPr>
       <p:sp>
         <p:nvSpPr>
+          <p:cNvPr id="16" name="직사각형 15">
+            <a:extLst>
+              <a:ext uri="{FF2B5EF4-FFF2-40B4-BE49-F238E27FC236}">
+                <a16:creationId xmlns:a16="http://schemas.microsoft.com/office/drawing/2014/main" id="{8FC33940-E03C-45A5-8B73-C2004DE003E0}"/>
+              </a:ext>
+            </a:extLst>
+          </p:cNvPr>
+          <p:cNvSpPr/>
+          <p:nvPr/>
+        </p:nvSpPr>
+        <p:spPr>
+          <a:xfrm>
+            <a:off x="313248" y="1286540"/>
+            <a:ext cx="11565504" cy="5111068"/>
+          </a:xfrm>
+          <a:prstGeom prst="rect">
+            <a:avLst/>
+          </a:prstGeom>
+          <a:solidFill>
+            <a:srgbClr val="F7F7F7"/>
+          </a:solidFill>
+          <a:ln>
+            <a:noFill/>
+          </a:ln>
+        </p:spPr>
+        <p:style>
+          <a:lnRef idx="2">
+            <a:schemeClr val="accent1">
+              <a:shade val="50000"/>
+            </a:schemeClr>
+          </a:lnRef>
+          <a:fillRef idx="1">
+            <a:schemeClr val="accent1"/>
+          </a:fillRef>
+          <a:effectRef idx="0">
+            <a:schemeClr val="accent1"/>
+          </a:effectRef>
+          <a:fontRef idx="minor">
+            <a:schemeClr val="lt1"/>
+          </a:fontRef>
+        </p:style>
+        <p:txBody>
+          <a:bodyPr rtlCol="0" anchor="ctr"/>
+          <a:lstStyle/>
+          <a:p>
+            <a:pPr algn="ctr"/>
+            <a:endParaRPr kumimoji="1" lang="ko-KR" altLang="en-US"/>
+          </a:p>
+        </p:txBody>
+      </p:sp>
+      <p:sp>
+        <p:nvSpPr>
+          <p:cNvPr id="2" name="正方形/長方形 1"/>
+          <p:cNvSpPr/>
+          <p:nvPr/>
+        </p:nvSpPr>
+        <p:spPr>
+          <a:xfrm>
+            <a:off x="0" y="0"/>
+            <a:ext cx="12192000" cy="72000"/>
+          </a:xfrm>
+          <a:prstGeom prst="rect">
+            <a:avLst/>
+          </a:prstGeom>
+          <a:ln>
+            <a:noFill/>
+          </a:ln>
+        </p:spPr>
+        <p:style>
+          <a:lnRef idx="2">
+            <a:schemeClr val="accent1">
+              <a:shade val="50000"/>
+            </a:schemeClr>
+          </a:lnRef>
+          <a:fillRef idx="1">
+            <a:schemeClr val="accent1"/>
+          </a:fillRef>
+          <a:effectRef idx="0">
+            <a:schemeClr val="accent1"/>
+          </a:effectRef>
+          <a:fontRef idx="minor">
+            <a:schemeClr val="lt1"/>
+          </a:fontRef>
+        </p:style>
+        <p:txBody>
+          <a:bodyPr rtlCol="0" anchor="ctr"/>
+          <a:lstStyle/>
+          <a:p>
+            <a:pPr algn="ctr"/>
+            <a:endParaRPr kumimoji="1" lang="ja-JP" altLang="en-US"/>
+          </a:p>
+        </p:txBody>
+      </p:sp>
+      <p:sp>
+        <p:nvSpPr>
+          <p:cNvPr id="3" name="正方形/長方形 2"/>
+          <p:cNvSpPr/>
+          <p:nvPr/>
+        </p:nvSpPr>
+        <p:spPr>
+          <a:xfrm>
+            <a:off x="0" y="6786000"/>
+            <a:ext cx="12192000" cy="72000"/>
+          </a:xfrm>
+          <a:prstGeom prst="rect">
+            <a:avLst/>
+          </a:prstGeom>
+          <a:ln>
+            <a:noFill/>
+          </a:ln>
+        </p:spPr>
+        <p:style>
+          <a:lnRef idx="2">
+            <a:schemeClr val="accent1">
+              <a:shade val="50000"/>
+            </a:schemeClr>
+          </a:lnRef>
+          <a:fillRef idx="1">
+            <a:schemeClr val="accent1"/>
+          </a:fillRef>
+          <a:effectRef idx="0">
+            <a:schemeClr val="accent1"/>
+          </a:effectRef>
+          <a:fontRef idx="minor">
+            <a:schemeClr val="lt1"/>
+          </a:fontRef>
+        </p:style>
+        <p:txBody>
+          <a:bodyPr rtlCol="0" anchor="ctr"/>
+          <a:lstStyle/>
+          <a:p>
+            <a:pPr algn="ctr"/>
+            <a:endParaRPr kumimoji="1" lang="ja-JP" altLang="en-US"/>
+          </a:p>
+        </p:txBody>
+      </p:sp>
+      <p:sp>
+        <p:nvSpPr>
+          <p:cNvPr id="4" name="テキスト ボックス 3"/>
+          <p:cNvSpPr txBox="1"/>
+          <p:nvPr/>
+        </p:nvSpPr>
+        <p:spPr>
+          <a:xfrm>
+            <a:off x="1274182" y="460392"/>
+            <a:ext cx="5648726" cy="646331"/>
+          </a:xfrm>
+          <a:prstGeom prst="rect">
+            <a:avLst/>
+          </a:prstGeom>
+          <a:noFill/>
+        </p:spPr>
+        <p:txBody>
+          <a:bodyPr wrap="none" rtlCol="0">
+            <a:spAutoFit/>
+          </a:bodyPr>
+          <a:lstStyle/>
+          <a:p>
+            <a:r>
+              <a:rPr lang="en-US" altLang="ja-JP" sz="3600" b="1" spc="600" dirty="0">
+                <a:solidFill>
+                  <a:schemeClr val="tx1">
+                    <a:lumMod val="75000"/>
+                    <a:lumOff val="25000"/>
+                  </a:schemeClr>
+                </a:solidFill>
+              </a:rPr>
+              <a:t>DB TABLE </a:t>
+            </a:r>
+            <a:r>
+              <a:rPr lang="ko-KR" altLang="en-US" sz="3600" b="1" spc="600" dirty="0">
+                <a:solidFill>
+                  <a:schemeClr val="tx1">
+                    <a:lumMod val="75000"/>
+                    <a:lumOff val="25000"/>
+                  </a:schemeClr>
+                </a:solidFill>
+              </a:rPr>
+              <a:t>구조</a:t>
+            </a:r>
+            <a:r>
+              <a:rPr lang="en-US" altLang="ko-KR" sz="2800" b="1" spc="600" dirty="0">
+                <a:solidFill>
+                  <a:schemeClr val="tx1">
+                    <a:lumMod val="75000"/>
+                    <a:lumOff val="25000"/>
+                  </a:schemeClr>
+                </a:solidFill>
+              </a:rPr>
+              <a:t>(</a:t>
+            </a:r>
+            <a:r>
+              <a:rPr lang="ko-KR" altLang="en-US" sz="2800" b="1" spc="600" dirty="0">
+                <a:solidFill>
+                  <a:schemeClr val="tx1">
+                    <a:lumMod val="75000"/>
+                    <a:lumOff val="25000"/>
+                  </a:schemeClr>
+                </a:solidFill>
+              </a:rPr>
+              <a:t>후기</a:t>
+            </a:r>
+            <a:r>
+              <a:rPr lang="en-US" altLang="ko-KR" sz="2800" b="1" spc="600" dirty="0">
+                <a:solidFill>
+                  <a:schemeClr val="tx1">
+                    <a:lumMod val="75000"/>
+                    <a:lumOff val="25000"/>
+                  </a:schemeClr>
+                </a:solidFill>
+              </a:rPr>
+              <a:t>)</a:t>
+            </a:r>
+            <a:endParaRPr lang="ja-JP" altLang="en-US" sz="2800" b="1" spc="600" dirty="0">
+              <a:solidFill>
+                <a:schemeClr val="tx1">
+                  <a:lumMod val="75000"/>
+                  <a:lumOff val="25000"/>
+                </a:schemeClr>
+              </a:solidFill>
+            </a:endParaRPr>
+          </a:p>
+        </p:txBody>
+      </p:sp>
+      <p:sp>
+        <p:nvSpPr>
+          <p:cNvPr id="5" name="テキスト ボックス 4"/>
+          <p:cNvSpPr txBox="1"/>
+          <p:nvPr/>
+        </p:nvSpPr>
+        <p:spPr>
+          <a:xfrm>
+            <a:off x="132523" y="198782"/>
+            <a:ext cx="3013967" cy="261610"/>
+          </a:xfrm>
+          <a:prstGeom prst="rect">
+            <a:avLst/>
+          </a:prstGeom>
+          <a:noFill/>
+        </p:spPr>
+        <p:txBody>
+          <a:bodyPr wrap="none" rtlCol="0">
+            <a:spAutoFit/>
+          </a:bodyPr>
+          <a:lstStyle/>
+          <a:p>
+            <a:r>
+              <a:rPr lang="en-US" altLang="ja-JP" sz="1100" spc="600" dirty="0">
+                <a:solidFill>
+                  <a:schemeClr val="tx1">
+                    <a:lumMod val="75000"/>
+                    <a:lumOff val="25000"/>
+                  </a:schemeClr>
+                </a:solidFill>
+              </a:rPr>
+              <a:t>PART 2 </a:t>
+            </a:r>
+            <a:r>
+              <a:rPr lang="ko-KR" altLang="en-US" sz="1100" spc="600" dirty="0">
+                <a:solidFill>
+                  <a:schemeClr val="tx1">
+                    <a:lumMod val="75000"/>
+                    <a:lumOff val="25000"/>
+                  </a:schemeClr>
+                </a:solidFill>
+              </a:rPr>
+              <a:t>개발환경 및 기획</a:t>
+            </a:r>
+            <a:endParaRPr kumimoji="1" lang="ja-JP" altLang="en-US" sz="1100" spc="600" dirty="0">
+              <a:solidFill>
+                <a:schemeClr val="tx1">
+                  <a:lumMod val="75000"/>
+                  <a:lumOff val="25000"/>
+                </a:schemeClr>
+              </a:solidFill>
+            </a:endParaRPr>
+          </a:p>
+        </p:txBody>
+      </p:sp>
+      <p:sp>
+        <p:nvSpPr>
+          <p:cNvPr id="13" name="TextBox 12">
+            <a:extLst>
+              <a:ext uri="{FF2B5EF4-FFF2-40B4-BE49-F238E27FC236}">
+                <a16:creationId xmlns:a16="http://schemas.microsoft.com/office/drawing/2014/main" id="{D2B6D917-39A1-4159-B277-E61624804244}"/>
+              </a:ext>
+            </a:extLst>
+          </p:cNvPr>
+          <p:cNvSpPr txBox="1"/>
+          <p:nvPr/>
+        </p:nvSpPr>
+        <p:spPr>
+          <a:xfrm>
+            <a:off x="6642927" y="1842600"/>
+            <a:ext cx="3285065" cy="369332"/>
+          </a:xfrm>
+          <a:prstGeom prst="rect">
+            <a:avLst/>
+          </a:prstGeom>
+          <a:noFill/>
+        </p:spPr>
+        <p:txBody>
+          <a:bodyPr wrap="square" rtlCol="0">
+            <a:spAutoFit/>
+          </a:bodyPr>
+          <a:lstStyle/>
+          <a:p>
+            <a:r>
+              <a:rPr lang="ko-KR" altLang="en-US" b="1" dirty="0"/>
+              <a:t>후기 댓글</a:t>
+            </a:r>
+          </a:p>
+        </p:txBody>
+      </p:sp>
+      <p:sp>
+        <p:nvSpPr>
+          <p:cNvPr id="18" name="사각형: 둥근 모서리 17">
+            <a:extLst>
+              <a:ext uri="{FF2B5EF4-FFF2-40B4-BE49-F238E27FC236}">
+                <a16:creationId xmlns:a16="http://schemas.microsoft.com/office/drawing/2014/main" id="{6D493553-4F4A-49CC-9146-6B53B996CCB7}"/>
+              </a:ext>
+            </a:extLst>
+          </p:cNvPr>
+          <p:cNvSpPr/>
+          <p:nvPr/>
+        </p:nvSpPr>
+        <p:spPr>
+          <a:xfrm>
+            <a:off x="1256000" y="5281308"/>
+            <a:ext cx="9668934" cy="948267"/>
+          </a:xfrm>
+          <a:prstGeom prst="roundRect">
+            <a:avLst/>
+          </a:prstGeom>
+          <a:solidFill>
+            <a:schemeClr val="accent2"/>
+          </a:solidFill>
+          <a:ln>
+            <a:noFill/>
+          </a:ln>
+        </p:spPr>
+        <p:style>
+          <a:lnRef idx="2">
+            <a:schemeClr val="accent1">
+              <a:shade val="50000"/>
+            </a:schemeClr>
+          </a:lnRef>
+          <a:fillRef idx="1">
+            <a:schemeClr val="accent1"/>
+          </a:fillRef>
+          <a:effectRef idx="0">
+            <a:schemeClr val="accent1"/>
+          </a:effectRef>
+          <a:fontRef idx="minor">
+            <a:schemeClr val="lt1"/>
+          </a:fontRef>
+        </p:style>
+        <p:txBody>
+          <a:bodyPr rtlCol="0" anchor="ctr"/>
+          <a:lstStyle/>
+          <a:p>
+            <a:pPr lvl="1"/>
+            <a:r>
+              <a:rPr lang="ko-KR" altLang="en-US" sz="1600" dirty="0">
+                <a:solidFill>
+                  <a:schemeClr val="tx1"/>
+                </a:solidFill>
+              </a:rPr>
+              <a:t>후기 게시판의 댓글은 </a:t>
+            </a:r>
+            <a:r>
+              <a:rPr lang="ko-KR" altLang="en-US" sz="1600" dirty="0" err="1">
+                <a:solidFill>
+                  <a:schemeClr val="tx1"/>
+                </a:solidFill>
+              </a:rPr>
+              <a:t>대댓글이</a:t>
+            </a:r>
+            <a:r>
+              <a:rPr lang="ko-KR" altLang="en-US" sz="1600" dirty="0">
+                <a:solidFill>
+                  <a:schemeClr val="tx1"/>
+                </a:solidFill>
+              </a:rPr>
+              <a:t> 없다고 상정하고 테이블을 구현하였습니다</a:t>
+            </a:r>
+            <a:r>
+              <a:rPr lang="en-US" altLang="ko-KR" sz="1600" dirty="0">
+                <a:solidFill>
+                  <a:schemeClr val="tx1"/>
+                </a:solidFill>
+              </a:rPr>
+              <a:t>.</a:t>
+            </a:r>
+            <a:endParaRPr lang="ko-KR" altLang="en-US" sz="1600" dirty="0">
+              <a:solidFill>
+                <a:schemeClr val="tx1"/>
+              </a:solidFill>
+            </a:endParaRPr>
+          </a:p>
+        </p:txBody>
+      </p:sp>
+      <p:sp>
+        <p:nvSpPr>
+          <p:cNvPr id="17" name="TextBox 16">
+            <a:extLst>
+              <a:ext uri="{FF2B5EF4-FFF2-40B4-BE49-F238E27FC236}">
+                <a16:creationId xmlns:a16="http://schemas.microsoft.com/office/drawing/2014/main" id="{AF691082-AD9E-4C8C-AD4E-A43D2304EF2B}"/>
+              </a:ext>
+            </a:extLst>
+          </p:cNvPr>
+          <p:cNvSpPr txBox="1"/>
+          <p:nvPr/>
+        </p:nvSpPr>
+        <p:spPr>
+          <a:xfrm>
+            <a:off x="1835554" y="1388750"/>
+            <a:ext cx="3285065" cy="369332"/>
+          </a:xfrm>
+          <a:prstGeom prst="rect">
+            <a:avLst/>
+          </a:prstGeom>
+          <a:noFill/>
+        </p:spPr>
+        <p:txBody>
+          <a:bodyPr wrap="square" rtlCol="0">
+            <a:spAutoFit/>
+          </a:bodyPr>
+          <a:lstStyle/>
+          <a:p>
+            <a:r>
+              <a:rPr lang="ko-KR" altLang="en-US" b="1" dirty="0"/>
+              <a:t>후기 게시판</a:t>
+            </a:r>
+          </a:p>
+        </p:txBody>
+      </p:sp>
+      <p:pic>
+        <p:nvPicPr>
+          <p:cNvPr id="8" name="그림 7" descr="테이블이(가) 표시된 사진&#10;&#10;자동 생성된 설명">
+            <a:extLst>
+              <a:ext uri="{FF2B5EF4-FFF2-40B4-BE49-F238E27FC236}">
+                <a16:creationId xmlns:a16="http://schemas.microsoft.com/office/drawing/2014/main" id="{3153DDAC-BB95-4087-94A8-627E4C9DC07F}"/>
+              </a:ext>
+            </a:extLst>
+          </p:cNvPr>
+          <p:cNvPicPr>
+            <a:picLocks noChangeAspect="1"/>
+          </p:cNvPicPr>
+          <p:nvPr/>
+        </p:nvPicPr>
+        <p:blipFill>
+          <a:blip r:embed="rId2"/>
+          <a:stretch>
+            <a:fillRect/>
+          </a:stretch>
+        </p:blipFill>
+        <p:spPr>
+          <a:xfrm>
+            <a:off x="1803738" y="1741449"/>
+            <a:ext cx="3348699" cy="3471748"/>
+          </a:xfrm>
+          <a:prstGeom prst="rect">
+            <a:avLst/>
+          </a:prstGeom>
+        </p:spPr>
+      </p:pic>
+      <p:pic>
+        <p:nvPicPr>
+          <p:cNvPr id="11" name="그림 10" descr="테이블이(가) 표시된 사진&#10;&#10;자동 생성된 설명">
+            <a:extLst>
+              <a:ext uri="{FF2B5EF4-FFF2-40B4-BE49-F238E27FC236}">
+                <a16:creationId xmlns:a16="http://schemas.microsoft.com/office/drawing/2014/main" id="{D76ED884-564A-454F-8450-474A057A38D7}"/>
+              </a:ext>
+            </a:extLst>
+          </p:cNvPr>
+          <p:cNvPicPr>
+            <a:picLocks noChangeAspect="1"/>
+          </p:cNvPicPr>
+          <p:nvPr/>
+        </p:nvPicPr>
+        <p:blipFill>
+          <a:blip r:embed="rId3"/>
+          <a:stretch>
+            <a:fillRect/>
+          </a:stretch>
+        </p:blipFill>
+        <p:spPr>
+          <a:xfrm>
+            <a:off x="6642927" y="2204160"/>
+            <a:ext cx="3610479" cy="2152950"/>
+          </a:xfrm>
+          <a:prstGeom prst="rect">
+            <a:avLst/>
+          </a:prstGeom>
+        </p:spPr>
+      </p:pic>
+    </p:spTree>
+    <p:extLst>
+      <p:ext uri="{BB962C8B-B14F-4D97-AF65-F5344CB8AC3E}">
+        <p14:creationId xmlns:p14="http://schemas.microsoft.com/office/powerpoint/2010/main" val="845608097"/>
+      </p:ext>
+    </p:extLst>
+  </p:cSld>
+  <p:clrMapOvr>
+    <a:masterClrMapping/>
+  </p:clrMapOvr>
+  <mc:AlternateContent xmlns:mc="http://schemas.openxmlformats.org/markup-compatibility/2006" xmlns:p159="http://schemas.microsoft.com/office/powerpoint/2015/09/main">
+    <mc:Choice Requires="p159">
+      <p:transition xmlns:p14="http://schemas.microsoft.com/office/powerpoint/2010/main" spd="slow" p14:dur="2000">
+        <p159:morph option="byObject"/>
+      </p:transition>
+    </mc:Choice>
+    <mc:Fallback xmlns="">
+      <p:transition spd="slow">
+        <p:fade/>
+      </p:transition>
+    </mc:Fallback>
+  </mc:AlternateContent>
+</p:sld>
+</file>
+
+<file path=ppt/slides/slide18.xml><?xml version="1.0" encoding="utf-8"?>
+<p:sld xmlns:a="http://schemas.openxmlformats.org/drawingml/2006/main" xmlns:r="http://schemas.openxmlformats.org/officeDocument/2006/relationships" xmlns:p="http://schemas.openxmlformats.org/presentationml/2006/main">
+  <p:cSld>
+    <p:bg>
+      <p:bgPr>
+        <a:gradFill flip="none" rotWithShape="1">
+          <a:gsLst>
+            <a:gs pos="0">
+              <a:srgbClr val="FD767B"/>
+            </a:gs>
+            <a:gs pos="30000">
+              <a:srgbClr val="F8ADA8"/>
+            </a:gs>
+            <a:gs pos="78000">
+              <a:srgbClr val="D8C9C6"/>
+            </a:gs>
+            <a:gs pos="100000">
+              <a:srgbClr val="AFD7D9"/>
+            </a:gs>
+          </a:gsLst>
+          <a:lin ang="16200000" scaled="1"/>
+          <a:tileRect/>
+        </a:gradFill>
+        <a:effectLst/>
+      </p:bgPr>
+    </p:bg>
+    <p:spTree>
+      <p:nvGrpSpPr>
+        <p:cNvPr id="1" name=""/>
+        <p:cNvGrpSpPr/>
+        <p:nvPr/>
+      </p:nvGrpSpPr>
+      <p:grpSpPr>
+        <a:xfrm>
+          <a:off x="0" y="0"/>
+          <a:ext cx="0" cy="0"/>
+          <a:chOff x="0" y="0"/>
+          <a:chExt cx="0" cy="0"/>
+        </a:xfrm>
+      </p:grpSpPr>
+      <p:pic>
+        <p:nvPicPr>
+          <p:cNvPr id="2" name="図 1"/>
+          <p:cNvPicPr>
+            <a:picLocks noChangeAspect="1"/>
+          </p:cNvPicPr>
+          <p:nvPr/>
+        </p:nvPicPr>
+        <p:blipFill>
+          <a:blip r:embed="rId2" cstate="print">
+            <a:extLst>
+              <a:ext uri="{28A0092B-C50C-407E-A947-70E740481C1C}">
+                <a14:useLocalDpi xmlns:a14="http://schemas.microsoft.com/office/drawing/2010/main" val="0"/>
+              </a:ext>
+            </a:extLst>
+          </a:blip>
+          <a:stretch>
+            <a:fillRect/>
+          </a:stretch>
+        </p:blipFill>
+        <p:spPr>
+          <a:xfrm>
+            <a:off x="0" y="0"/>
+            <a:ext cx="5486400" cy="6858000"/>
+          </a:xfrm>
+          <a:prstGeom prst="rect">
+            <a:avLst/>
+          </a:prstGeom>
+        </p:spPr>
+      </p:pic>
+      <p:sp>
+        <p:nvSpPr>
+          <p:cNvPr id="4" name="正方形/長方形 1">
+            <a:extLst>
+              <a:ext uri="{FF2B5EF4-FFF2-40B4-BE49-F238E27FC236}">
+                <a16:creationId xmlns:a16="http://schemas.microsoft.com/office/drawing/2014/main" id="{06958DF4-BC45-4BE1-8480-5FD300E27B59}"/>
+              </a:ext>
+            </a:extLst>
+          </p:cNvPr>
+          <p:cNvSpPr/>
+          <p:nvPr/>
+        </p:nvSpPr>
+        <p:spPr>
+          <a:xfrm>
+            <a:off x="7324367" y="1849332"/>
+            <a:ext cx="3159336" cy="3159336"/>
+          </a:xfrm>
+          <a:prstGeom prst="rect">
+            <a:avLst/>
+          </a:prstGeom>
+          <a:noFill/>
+          <a:ln w="165100">
+            <a:solidFill>
+              <a:schemeClr val="bg1"/>
+            </a:solidFill>
+          </a:ln>
+        </p:spPr>
+        <p:style>
+          <a:lnRef idx="2">
+            <a:schemeClr val="accent1">
+              <a:shade val="50000"/>
+            </a:schemeClr>
+          </a:lnRef>
+          <a:fillRef idx="1">
+            <a:schemeClr val="accent1"/>
+          </a:fillRef>
+          <a:effectRef idx="0">
+            <a:schemeClr val="accent1"/>
+          </a:effectRef>
+          <a:fontRef idx="minor">
+            <a:schemeClr val="lt1"/>
+          </a:fontRef>
+        </p:style>
+        <p:txBody>
+          <a:bodyPr rtlCol="0" anchor="ctr"/>
+          <a:lstStyle/>
+          <a:p>
+            <a:pPr algn="ctr"/>
+            <a:endParaRPr lang="ja-JP" altLang="en-US"/>
+          </a:p>
+        </p:txBody>
+      </p:sp>
+      <p:sp>
+        <p:nvSpPr>
+          <p:cNvPr id="5" name="TextBox 4">
+            <a:extLst>
+              <a:ext uri="{FF2B5EF4-FFF2-40B4-BE49-F238E27FC236}">
+                <a16:creationId xmlns:a16="http://schemas.microsoft.com/office/drawing/2014/main" id="{FA8B381D-9A50-4C58-9438-A7AA511FA1FD}"/>
+              </a:ext>
+            </a:extLst>
+          </p:cNvPr>
+          <p:cNvSpPr txBox="1"/>
+          <p:nvPr/>
+        </p:nvSpPr>
+        <p:spPr>
+          <a:xfrm>
+            <a:off x="7661336" y="3157878"/>
+            <a:ext cx="2464136" cy="1077218"/>
+          </a:xfrm>
+          <a:prstGeom prst="rect">
+            <a:avLst/>
+          </a:prstGeom>
+          <a:noFill/>
+        </p:spPr>
+        <p:txBody>
+          <a:bodyPr wrap="none" rtlCol="0">
+            <a:spAutoFit/>
+          </a:bodyPr>
+          <a:lstStyle/>
+          <a:p>
+            <a:pPr algn="ctr"/>
+            <a:r>
+              <a:rPr lang="ko-KR" altLang="en-US" sz="3200" b="1" dirty="0">
+                <a:solidFill>
+                  <a:schemeClr val="bg1"/>
+                </a:solidFill>
+              </a:rPr>
+              <a:t>프로젝트 </a:t>
+            </a:r>
+            <a:endParaRPr lang="en-US" altLang="ko-KR" sz="3200" b="1" dirty="0">
+              <a:solidFill>
+                <a:schemeClr val="bg1"/>
+              </a:solidFill>
+            </a:endParaRPr>
+          </a:p>
+          <a:p>
+            <a:pPr algn="ctr"/>
+            <a:r>
+              <a:rPr lang="ko-KR" altLang="en-US" sz="3200" b="1" dirty="0">
+                <a:solidFill>
+                  <a:schemeClr val="bg1"/>
+                </a:solidFill>
+              </a:rPr>
+              <a:t>구조 및 구현</a:t>
+            </a:r>
+          </a:p>
+        </p:txBody>
+      </p:sp>
+      <p:sp>
+        <p:nvSpPr>
+          <p:cNvPr id="7" name="TextBox 6">
+            <a:extLst>
+              <a:ext uri="{FF2B5EF4-FFF2-40B4-BE49-F238E27FC236}">
+                <a16:creationId xmlns:a16="http://schemas.microsoft.com/office/drawing/2014/main" id="{7A0F9463-4505-451F-8BF5-877E3F648D14}"/>
+              </a:ext>
+            </a:extLst>
+          </p:cNvPr>
+          <p:cNvSpPr txBox="1"/>
+          <p:nvPr/>
+        </p:nvSpPr>
+        <p:spPr>
+          <a:xfrm flipH="1">
+            <a:off x="8535350" y="2573103"/>
+            <a:ext cx="737369" cy="584775"/>
+          </a:xfrm>
+          <a:prstGeom prst="rect">
+            <a:avLst/>
+          </a:prstGeom>
+          <a:noFill/>
+        </p:spPr>
+        <p:txBody>
+          <a:bodyPr wrap="square" rtlCol="0">
+            <a:spAutoFit/>
+          </a:bodyPr>
+          <a:lstStyle/>
+          <a:p>
+            <a:pPr algn="ctr"/>
+            <a:r>
+              <a:rPr lang="en-US" altLang="ko-KR" sz="3200" b="1" spc="300" dirty="0">
+                <a:solidFill>
+                  <a:schemeClr val="bg1"/>
+                </a:solidFill>
+              </a:rPr>
+              <a:t>03</a:t>
+            </a:r>
+          </a:p>
+        </p:txBody>
+      </p:sp>
+    </p:spTree>
+    <p:extLst>
+      <p:ext uri="{BB962C8B-B14F-4D97-AF65-F5344CB8AC3E}">
+        <p14:creationId xmlns:p14="http://schemas.microsoft.com/office/powerpoint/2010/main" val="3132518704"/>
+      </p:ext>
+    </p:extLst>
+  </p:cSld>
+  <p:clrMapOvr>
+    <a:masterClrMapping/>
+  </p:clrMapOvr>
+  <mc:AlternateContent xmlns:mc="http://schemas.openxmlformats.org/markup-compatibility/2006">
+    <mc:Choice xmlns:p159="http://schemas.microsoft.com/office/powerpoint/2015/09/main" Requires="p159">
+      <p:transition xmlns:p14="http://schemas.microsoft.com/office/powerpoint/2010/main" spd="slow" p14:dur="2000">
+        <p159:morph option="byObject"/>
+      </p:transition>
+    </mc:Choice>
+    <mc:Fallback>
+      <p:transition spd="slow">
+        <p:fade/>
+      </p:transition>
+    </mc:Fallback>
+  </mc:AlternateContent>
+</p:sld>
+</file>
+
+<file path=ppt/slides/slide19.xml><?xml version="1.0" encoding="utf-8"?>
+<p:sld xmlns:a="http://schemas.openxmlformats.org/drawingml/2006/main" xmlns:r="http://schemas.openxmlformats.org/officeDocument/2006/relationships" xmlns:p="http://schemas.openxmlformats.org/presentationml/2006/main">
+  <p:cSld>
+    <p:spTree>
+      <p:nvGrpSpPr>
+        <p:cNvPr id="1" name=""/>
+        <p:cNvGrpSpPr/>
+        <p:nvPr/>
+      </p:nvGrpSpPr>
+      <p:grpSpPr>
+        <a:xfrm>
+          <a:off x="0" y="0"/>
+          <a:ext cx="0" cy="0"/>
+          <a:chOff x="0" y="0"/>
+          <a:chExt cx="0" cy="0"/>
+        </a:xfrm>
+      </p:grpSpPr>
+      <p:sp>
+        <p:nvSpPr>
+          <p:cNvPr id="16" name="직사각형 15">
+            <a:extLst>
+              <a:ext uri="{FF2B5EF4-FFF2-40B4-BE49-F238E27FC236}">
+                <a16:creationId xmlns:a16="http://schemas.microsoft.com/office/drawing/2014/main" id="{8FC33940-E03C-45A5-8B73-C2004DE003E0}"/>
+              </a:ext>
+            </a:extLst>
+          </p:cNvPr>
+          <p:cNvSpPr/>
+          <p:nvPr/>
+        </p:nvSpPr>
+        <p:spPr>
+          <a:xfrm>
+            <a:off x="313248" y="1286540"/>
+            <a:ext cx="11565504" cy="5111068"/>
+          </a:xfrm>
+          <a:prstGeom prst="rect">
+            <a:avLst/>
+          </a:prstGeom>
+          <a:solidFill>
+            <a:srgbClr val="F7F7F7"/>
+          </a:solidFill>
+          <a:ln>
+            <a:noFill/>
+          </a:ln>
+        </p:spPr>
+        <p:style>
+          <a:lnRef idx="2">
+            <a:schemeClr val="accent1">
+              <a:shade val="50000"/>
+            </a:schemeClr>
+          </a:lnRef>
+          <a:fillRef idx="1">
+            <a:schemeClr val="accent1"/>
+          </a:fillRef>
+          <a:effectRef idx="0">
+            <a:schemeClr val="accent1"/>
+          </a:effectRef>
+          <a:fontRef idx="minor">
+            <a:schemeClr val="lt1"/>
+          </a:fontRef>
+        </p:style>
+        <p:txBody>
+          <a:bodyPr rtlCol="0" anchor="ctr"/>
+          <a:lstStyle/>
+          <a:p>
+            <a:pPr algn="ctr"/>
+            <a:endParaRPr kumimoji="1" lang="ko-KR" altLang="en-US"/>
+          </a:p>
+        </p:txBody>
+      </p:sp>
+      <p:sp>
+        <p:nvSpPr>
+          <p:cNvPr id="2" name="正方形/長方形 1"/>
+          <p:cNvSpPr/>
+          <p:nvPr/>
+        </p:nvSpPr>
+        <p:spPr>
+          <a:xfrm>
+            <a:off x="0" y="0"/>
+            <a:ext cx="12192000" cy="72000"/>
+          </a:xfrm>
+          <a:prstGeom prst="rect">
+            <a:avLst/>
+          </a:prstGeom>
+          <a:ln>
+            <a:noFill/>
+          </a:ln>
+        </p:spPr>
+        <p:style>
+          <a:lnRef idx="2">
+            <a:schemeClr val="accent1">
+              <a:shade val="50000"/>
+            </a:schemeClr>
+          </a:lnRef>
+          <a:fillRef idx="1">
+            <a:schemeClr val="accent1"/>
+          </a:fillRef>
+          <a:effectRef idx="0">
+            <a:schemeClr val="accent1"/>
+          </a:effectRef>
+          <a:fontRef idx="minor">
+            <a:schemeClr val="lt1"/>
+          </a:fontRef>
+        </p:style>
+        <p:txBody>
+          <a:bodyPr rtlCol="0" anchor="ctr"/>
+          <a:lstStyle/>
+          <a:p>
+            <a:pPr algn="ctr"/>
+            <a:endParaRPr kumimoji="1" lang="ja-JP" altLang="en-US"/>
+          </a:p>
+        </p:txBody>
+      </p:sp>
+      <p:sp>
+        <p:nvSpPr>
+          <p:cNvPr id="3" name="正方形/長方形 2"/>
+          <p:cNvSpPr/>
+          <p:nvPr/>
+        </p:nvSpPr>
+        <p:spPr>
+          <a:xfrm>
+            <a:off x="0" y="6786000"/>
+            <a:ext cx="12192000" cy="72000"/>
+          </a:xfrm>
+          <a:prstGeom prst="rect">
+            <a:avLst/>
+          </a:prstGeom>
+          <a:ln>
+            <a:noFill/>
+          </a:ln>
+        </p:spPr>
+        <p:style>
+          <a:lnRef idx="2">
+            <a:schemeClr val="accent1">
+              <a:shade val="50000"/>
+            </a:schemeClr>
+          </a:lnRef>
+          <a:fillRef idx="1">
+            <a:schemeClr val="accent1"/>
+          </a:fillRef>
+          <a:effectRef idx="0">
+            <a:schemeClr val="accent1"/>
+          </a:effectRef>
+          <a:fontRef idx="minor">
+            <a:schemeClr val="lt1"/>
+          </a:fontRef>
+        </p:style>
+        <p:txBody>
+          <a:bodyPr rtlCol="0" anchor="ctr"/>
+          <a:lstStyle/>
+          <a:p>
+            <a:pPr algn="ctr"/>
+            <a:endParaRPr kumimoji="1" lang="ja-JP" altLang="en-US"/>
+          </a:p>
+        </p:txBody>
+      </p:sp>
+      <p:sp>
+        <p:nvSpPr>
+          <p:cNvPr id="4" name="テキスト ボックス 3"/>
+          <p:cNvSpPr txBox="1"/>
+          <p:nvPr/>
+        </p:nvSpPr>
+        <p:spPr>
+          <a:xfrm>
+            <a:off x="1274182" y="460392"/>
+            <a:ext cx="4698722" cy="646331"/>
+          </a:xfrm>
+          <a:prstGeom prst="rect">
+            <a:avLst/>
+          </a:prstGeom>
+          <a:noFill/>
+        </p:spPr>
+        <p:txBody>
+          <a:bodyPr wrap="none" rtlCol="0">
+            <a:spAutoFit/>
+          </a:bodyPr>
+          <a:lstStyle/>
+          <a:p>
+            <a:r>
+              <a:rPr lang="ko-KR" altLang="en-US" sz="3600" b="1" spc="600" dirty="0">
+                <a:solidFill>
+                  <a:schemeClr val="tx1">
+                    <a:lumMod val="75000"/>
+                    <a:lumOff val="25000"/>
+                  </a:schemeClr>
+                </a:solidFill>
+              </a:rPr>
+              <a:t>클래스 다이어그램</a:t>
+            </a:r>
+            <a:endParaRPr lang="ja-JP" altLang="en-US" sz="2800" b="1" spc="600" dirty="0">
+              <a:solidFill>
+                <a:schemeClr val="tx1">
+                  <a:lumMod val="75000"/>
+                  <a:lumOff val="25000"/>
+                </a:schemeClr>
+              </a:solidFill>
+            </a:endParaRPr>
+          </a:p>
+        </p:txBody>
+      </p:sp>
+      <p:sp>
+        <p:nvSpPr>
+          <p:cNvPr id="5" name="テキスト ボックス 4"/>
+          <p:cNvSpPr txBox="1"/>
+          <p:nvPr/>
+        </p:nvSpPr>
+        <p:spPr>
+          <a:xfrm>
+            <a:off x="132523" y="198782"/>
+            <a:ext cx="3565400" cy="261610"/>
+          </a:xfrm>
+          <a:prstGeom prst="rect">
+            <a:avLst/>
+          </a:prstGeom>
+          <a:noFill/>
+        </p:spPr>
+        <p:txBody>
+          <a:bodyPr wrap="none" rtlCol="0">
+            <a:spAutoFit/>
+          </a:bodyPr>
+          <a:lstStyle/>
+          <a:p>
+            <a:r>
+              <a:rPr lang="en-US" altLang="ja-JP" sz="1100" spc="600" dirty="0">
+                <a:solidFill>
+                  <a:schemeClr val="tx1">
+                    <a:lumMod val="75000"/>
+                    <a:lumOff val="25000"/>
+                  </a:schemeClr>
+                </a:solidFill>
+              </a:rPr>
+              <a:t>PART 3 </a:t>
+            </a:r>
+            <a:r>
+              <a:rPr lang="ko-KR" altLang="en-US" sz="1100" spc="600" dirty="0">
+                <a:solidFill>
+                  <a:schemeClr val="tx1">
+                    <a:lumMod val="75000"/>
+                    <a:lumOff val="25000"/>
+                  </a:schemeClr>
+                </a:solidFill>
+              </a:rPr>
+              <a:t>프로젝트 구조 및 구현</a:t>
+            </a:r>
+            <a:endParaRPr kumimoji="1" lang="ja-JP" altLang="en-US" sz="1100" spc="600" dirty="0">
+              <a:solidFill>
+                <a:schemeClr val="tx1">
+                  <a:lumMod val="75000"/>
+                  <a:lumOff val="25000"/>
+                </a:schemeClr>
+              </a:solidFill>
+            </a:endParaRPr>
+          </a:p>
+        </p:txBody>
+      </p:sp>
+      <p:sp>
+        <p:nvSpPr>
+          <p:cNvPr id="18" name="사각형: 둥근 모서리 17">
+            <a:extLst>
+              <a:ext uri="{FF2B5EF4-FFF2-40B4-BE49-F238E27FC236}">
+                <a16:creationId xmlns:a16="http://schemas.microsoft.com/office/drawing/2014/main" id="{6D493553-4F4A-49CC-9146-6B53B996CCB7}"/>
+              </a:ext>
+            </a:extLst>
+          </p:cNvPr>
+          <p:cNvSpPr/>
+          <p:nvPr/>
+        </p:nvSpPr>
+        <p:spPr>
+          <a:xfrm>
+            <a:off x="1256000" y="5281308"/>
+            <a:ext cx="9668934" cy="948267"/>
+          </a:xfrm>
+          <a:prstGeom prst="roundRect">
+            <a:avLst/>
+          </a:prstGeom>
+          <a:solidFill>
+            <a:schemeClr val="accent2"/>
+          </a:solidFill>
+          <a:ln>
+            <a:noFill/>
+          </a:ln>
+        </p:spPr>
+        <p:style>
+          <a:lnRef idx="2">
+            <a:schemeClr val="accent1">
+              <a:shade val="50000"/>
+            </a:schemeClr>
+          </a:lnRef>
+          <a:fillRef idx="1">
+            <a:schemeClr val="accent1"/>
+          </a:fillRef>
+          <a:effectRef idx="0">
+            <a:schemeClr val="accent1"/>
+          </a:effectRef>
+          <a:fontRef idx="minor">
+            <a:schemeClr val="lt1"/>
+          </a:fontRef>
+        </p:style>
+        <p:txBody>
+          <a:bodyPr rtlCol="0" anchor="ctr"/>
+          <a:lstStyle/>
+          <a:p>
+            <a:pPr lvl="1"/>
+            <a:endParaRPr lang="ko-KR" altLang="en-US" sz="1600" dirty="0">
+              <a:solidFill>
+                <a:schemeClr val="tx1"/>
+              </a:solidFill>
+            </a:endParaRPr>
+          </a:p>
+        </p:txBody>
+      </p:sp>
+    </p:spTree>
+    <p:extLst>
+      <p:ext uri="{BB962C8B-B14F-4D97-AF65-F5344CB8AC3E}">
+        <p14:creationId xmlns:p14="http://schemas.microsoft.com/office/powerpoint/2010/main" val="308453571"/>
+      </p:ext>
+    </p:extLst>
+  </p:cSld>
+  <p:clrMapOvr>
+    <a:masterClrMapping/>
+  </p:clrMapOvr>
+  <mc:AlternateContent xmlns:mc="http://schemas.openxmlformats.org/markup-compatibility/2006" xmlns:p159="http://schemas.microsoft.com/office/powerpoint/2015/09/main">
+    <mc:Choice Requires="p159">
+      <p:transition xmlns:p14="http://schemas.microsoft.com/office/powerpoint/2010/main" spd="slow" p14:dur="2000">
+        <p159:morph option="byObject"/>
+      </p:transition>
+    </mc:Choice>
+    <mc:Fallback xmlns="">
+      <p:transition spd="slow">
+        <p:fade/>
+      </p:transition>
+    </mc:Fallback>
+  </mc:AlternateContent>
+</p:sld>
+</file>
+
+<file path=ppt/slides/slide2.xml><?xml version="1.0" encoding="utf-8"?>
+<p:sld xmlns:a="http://schemas.openxmlformats.org/drawingml/2006/main" xmlns:r="http://schemas.openxmlformats.org/officeDocument/2006/relationships" xmlns:p="http://schemas.openxmlformats.org/presentationml/2006/main">
+  <p:cSld>
+    <p:bg>
+      <p:bgPr>
+        <a:solidFill>
+          <a:srgbClr val="FC827A"/>
+        </a:solidFill>
+        <a:effectLst/>
+      </p:bgPr>
+    </p:bg>
+    <p:spTree>
+      <p:nvGrpSpPr>
+        <p:cNvPr id="1" name=""/>
+        <p:cNvGrpSpPr/>
+        <p:nvPr/>
+      </p:nvGrpSpPr>
+      <p:grpSpPr>
+        <a:xfrm>
+          <a:off x="0" y="0"/>
+          <a:ext cx="0" cy="0"/>
+          <a:chOff x="0" y="0"/>
+          <a:chExt cx="0" cy="0"/>
+        </a:xfrm>
+      </p:grpSpPr>
+      <p:pic>
+        <p:nvPicPr>
+          <p:cNvPr id="2" name="図 1"/>
+          <p:cNvPicPr>
+            <a:picLocks noChangeAspect="1"/>
+          </p:cNvPicPr>
+          <p:nvPr/>
+        </p:nvPicPr>
+        <p:blipFill rotWithShape="1">
+          <a:blip r:embed="rId2" cstate="print">
+            <a:clrChange>
+              <a:clrFrom>
+                <a:srgbClr val="FE8B84"/>
+              </a:clrFrom>
+              <a:clrTo>
+                <a:srgbClr val="FE8B84">
+                  <a:alpha val="0"/>
+                </a:srgbClr>
+              </a:clrTo>
+            </a:clrChange>
+            <a:extLst>
+              <a:ext uri="{28A0092B-C50C-407E-A947-70E740481C1C}">
+                <a14:useLocalDpi xmlns:a14="http://schemas.microsoft.com/office/drawing/2010/main" val="0"/>
+              </a:ext>
+            </a:extLst>
+          </a:blip>
+          <a:srcRect l="17243" t="16425" r="16374" b="22513"/>
+          <a:stretch/>
+        </p:blipFill>
+        <p:spPr>
+          <a:xfrm>
+            <a:off x="8760995" y="1765851"/>
+            <a:ext cx="2410512" cy="3326297"/>
+          </a:xfrm>
+          <a:prstGeom prst="rect">
+            <a:avLst/>
+          </a:prstGeom>
+        </p:spPr>
+      </p:pic>
+      <p:sp>
+        <p:nvSpPr>
+          <p:cNvPr id="3" name="テキスト ボックス 2">
+            <a:extLst>
+              <a:ext uri="{FF2B5EF4-FFF2-40B4-BE49-F238E27FC236}">
+                <a16:creationId xmlns:a16="http://schemas.microsoft.com/office/drawing/2014/main" id="{54B06272-D923-4A3E-9139-6A17E7858F83}"/>
+              </a:ext>
+            </a:extLst>
+          </p:cNvPr>
+          <p:cNvSpPr txBox="1"/>
+          <p:nvPr/>
+        </p:nvSpPr>
+        <p:spPr>
+          <a:xfrm>
+            <a:off x="1246268" y="170892"/>
+            <a:ext cx="4149277" cy="707886"/>
+          </a:xfrm>
+          <a:prstGeom prst="rect">
+            <a:avLst/>
+          </a:prstGeom>
+          <a:noFill/>
+        </p:spPr>
+        <p:txBody>
+          <a:bodyPr wrap="none" rtlCol="0">
+            <a:spAutoFit/>
+          </a:bodyPr>
+          <a:lstStyle/>
+          <a:p>
+            <a:pPr algn="ctr"/>
+            <a:r>
+              <a:rPr kumimoji="1" lang="en-US" altLang="ja-JP" sz="4000" b="1" spc="-150" dirty="0">
+                <a:solidFill>
+                  <a:schemeClr val="bg1"/>
+                </a:solidFill>
+              </a:rPr>
+              <a:t>Table of Contents</a:t>
+            </a:r>
+            <a:endParaRPr kumimoji="1" lang="ja-JP" altLang="en-US" sz="4000" b="1" spc="-150" dirty="0">
+              <a:solidFill>
+                <a:schemeClr val="bg1"/>
+              </a:solidFill>
+            </a:endParaRPr>
+          </a:p>
+        </p:txBody>
+      </p:sp>
+      <p:grpSp>
+        <p:nvGrpSpPr>
+          <p:cNvPr id="6" name="그룹 5"/>
+          <p:cNvGrpSpPr/>
+          <p:nvPr/>
+        </p:nvGrpSpPr>
+        <p:grpSpPr>
+          <a:xfrm>
+            <a:off x="572692" y="1644782"/>
+            <a:ext cx="3716070" cy="869797"/>
+            <a:chOff x="572692" y="1719596"/>
+            <a:chExt cx="3716070" cy="869797"/>
+          </a:xfrm>
+        </p:grpSpPr>
+        <p:sp>
+          <p:nvSpPr>
+            <p:cNvPr id="5" name="TextBox 4">
+              <a:extLst>
+                <a:ext uri="{FF2B5EF4-FFF2-40B4-BE49-F238E27FC236}">
+                  <a16:creationId xmlns:a16="http://schemas.microsoft.com/office/drawing/2014/main" id="{7A0F9463-4505-451F-8BF5-877E3F648D14}"/>
+                </a:ext>
+              </a:extLst>
+            </p:cNvPr>
+            <p:cNvSpPr txBox="1"/>
+            <p:nvPr/>
+          </p:nvSpPr>
+          <p:spPr>
+            <a:xfrm flipH="1">
+              <a:off x="572692" y="1719596"/>
+              <a:ext cx="737369" cy="369332"/>
+            </a:xfrm>
+            <a:prstGeom prst="rect">
+              <a:avLst/>
+            </a:prstGeom>
+            <a:noFill/>
+          </p:spPr>
+          <p:txBody>
+            <a:bodyPr wrap="square" rtlCol="0">
+              <a:spAutoFit/>
+            </a:bodyPr>
+            <a:lstStyle/>
+            <a:p>
+              <a:pPr algn="ctr"/>
+              <a:r>
+                <a:rPr lang="en-US" altLang="ko-KR" b="1" spc="300" dirty="0">
+                  <a:solidFill>
+                    <a:schemeClr val="bg1"/>
+                  </a:solidFill>
+                </a:rPr>
+                <a:t>01</a:t>
+              </a:r>
+            </a:p>
+          </p:txBody>
+        </p:sp>
+        <p:sp>
+          <p:nvSpPr>
+            <p:cNvPr id="7" name="テキスト ボックス 2">
+              <a:extLst>
+                <a:ext uri="{FF2B5EF4-FFF2-40B4-BE49-F238E27FC236}">
+                  <a16:creationId xmlns:a16="http://schemas.microsoft.com/office/drawing/2014/main" id="{7CC15B21-9934-4063-A981-1254F24D8805}"/>
+                </a:ext>
+              </a:extLst>
+            </p:cNvPr>
+            <p:cNvSpPr txBox="1"/>
+            <p:nvPr/>
+          </p:nvSpPr>
+          <p:spPr>
+            <a:xfrm>
+              <a:off x="1310061" y="1943062"/>
+              <a:ext cx="2978701" cy="646331"/>
+            </a:xfrm>
+            <a:prstGeom prst="rect">
+              <a:avLst/>
+            </a:prstGeom>
+            <a:noFill/>
+          </p:spPr>
+          <p:txBody>
+            <a:bodyPr wrap="none" rtlCol="0">
+              <a:spAutoFit/>
+            </a:bodyPr>
+            <a:lstStyle/>
+            <a:p>
+              <a:r>
+                <a:rPr kumimoji="1" lang="ko-KR" altLang="en-US" sz="3600" b="1" spc="300" dirty="0">
+                  <a:solidFill>
+                    <a:schemeClr val="bg1"/>
+                  </a:solidFill>
+                </a:rPr>
+                <a:t>소개 및 개요</a:t>
+              </a:r>
+              <a:endParaRPr kumimoji="1" lang="ja-JP" altLang="en-US" sz="3600" b="1" spc="300" dirty="0">
+                <a:solidFill>
+                  <a:schemeClr val="bg1"/>
+                </a:solidFill>
+              </a:endParaRPr>
+            </a:p>
+          </p:txBody>
+        </p:sp>
+        <p:sp>
+          <p:nvSpPr>
+            <p:cNvPr id="19" name="正方形/長方形 1">
+              <a:extLst>
+                <a:ext uri="{FF2B5EF4-FFF2-40B4-BE49-F238E27FC236}">
+                  <a16:creationId xmlns:a16="http://schemas.microsoft.com/office/drawing/2014/main" id="{CACB1BF2-EB4E-4F36-8540-C3A1A7F0AD1E}"/>
+                </a:ext>
+              </a:extLst>
+            </p:cNvPr>
+            <p:cNvSpPr/>
+            <p:nvPr/>
+          </p:nvSpPr>
+          <p:spPr>
+            <a:xfrm>
+              <a:off x="764078" y="2147201"/>
+              <a:ext cx="296326" cy="296326"/>
+            </a:xfrm>
+            <a:prstGeom prst="rect">
+              <a:avLst/>
+            </a:prstGeom>
+            <a:solidFill>
+              <a:schemeClr val="bg1"/>
+            </a:solidFill>
+            <a:ln w="152400">
+              <a:noFill/>
+            </a:ln>
+          </p:spPr>
+          <p:style>
+            <a:lnRef idx="2">
+              <a:schemeClr val="accent1">
+                <a:shade val="50000"/>
+              </a:schemeClr>
+            </a:lnRef>
+            <a:fillRef idx="1">
+              <a:schemeClr val="accent1"/>
+            </a:fillRef>
+            <a:effectRef idx="0">
+              <a:schemeClr val="accent1"/>
+            </a:effectRef>
+            <a:fontRef idx="minor">
+              <a:schemeClr val="lt1"/>
+            </a:fontRef>
+          </p:style>
+          <p:txBody>
+            <a:bodyPr rtlCol="0" anchor="ctr"/>
+            <a:lstStyle/>
+            <a:p>
+              <a:pPr algn="ctr"/>
+              <a:endParaRPr kumimoji="1" lang="ja-JP" altLang="en-US"/>
+            </a:p>
+          </p:txBody>
+        </p:sp>
+      </p:grpSp>
+      <p:grpSp>
+        <p:nvGrpSpPr>
+          <p:cNvPr id="26" name="그룹 25"/>
+          <p:cNvGrpSpPr/>
+          <p:nvPr/>
+        </p:nvGrpSpPr>
+        <p:grpSpPr>
+          <a:xfrm>
+            <a:off x="572692" y="2744591"/>
+            <a:ext cx="4700313" cy="869797"/>
+            <a:chOff x="572692" y="1719596"/>
+            <a:chExt cx="4700313" cy="869797"/>
+          </a:xfrm>
+        </p:grpSpPr>
+        <p:sp>
+          <p:nvSpPr>
+            <p:cNvPr id="27" name="TextBox 26">
+              <a:extLst>
+                <a:ext uri="{FF2B5EF4-FFF2-40B4-BE49-F238E27FC236}">
+                  <a16:creationId xmlns:a16="http://schemas.microsoft.com/office/drawing/2014/main" id="{7A0F9463-4505-451F-8BF5-877E3F648D14}"/>
+                </a:ext>
+              </a:extLst>
+            </p:cNvPr>
+            <p:cNvSpPr txBox="1"/>
+            <p:nvPr/>
+          </p:nvSpPr>
+          <p:spPr>
+            <a:xfrm flipH="1">
+              <a:off x="572692" y="1719596"/>
+              <a:ext cx="737369" cy="369332"/>
+            </a:xfrm>
+            <a:prstGeom prst="rect">
+              <a:avLst/>
+            </a:prstGeom>
+            <a:noFill/>
+          </p:spPr>
+          <p:txBody>
+            <a:bodyPr wrap="square" rtlCol="0">
+              <a:spAutoFit/>
+            </a:bodyPr>
+            <a:lstStyle/>
+            <a:p>
+              <a:pPr algn="ctr"/>
+              <a:r>
+                <a:rPr lang="en-US" altLang="ko-KR" b="1" spc="300" dirty="0">
+                  <a:solidFill>
+                    <a:schemeClr val="bg1"/>
+                  </a:solidFill>
+                </a:rPr>
+                <a:t>02</a:t>
+              </a:r>
+              <a:endParaRPr lang="ko-KR" altLang="en-US" b="1" spc="300" dirty="0">
+                <a:solidFill>
+                  <a:schemeClr val="bg1"/>
+                </a:solidFill>
+              </a:endParaRPr>
+            </a:p>
+          </p:txBody>
+        </p:sp>
+        <p:sp>
+          <p:nvSpPr>
+            <p:cNvPr id="28" name="テキスト ボックス 2">
+              <a:extLst>
+                <a:ext uri="{FF2B5EF4-FFF2-40B4-BE49-F238E27FC236}">
+                  <a16:creationId xmlns:a16="http://schemas.microsoft.com/office/drawing/2014/main" id="{7CC15B21-9934-4063-A981-1254F24D8805}"/>
+                </a:ext>
+              </a:extLst>
+            </p:cNvPr>
+            <p:cNvSpPr txBox="1"/>
+            <p:nvPr/>
+          </p:nvSpPr>
+          <p:spPr>
+            <a:xfrm>
+              <a:off x="1310061" y="1943062"/>
+              <a:ext cx="3962944" cy="646331"/>
+            </a:xfrm>
+            <a:prstGeom prst="rect">
+              <a:avLst/>
+            </a:prstGeom>
+            <a:noFill/>
+          </p:spPr>
+          <p:txBody>
+            <a:bodyPr wrap="none" rtlCol="0">
+              <a:spAutoFit/>
+            </a:bodyPr>
+            <a:lstStyle/>
+            <a:p>
+              <a:r>
+                <a:rPr kumimoji="1" lang="ko-KR" altLang="en-US" sz="3600" b="1" spc="300" dirty="0">
+                  <a:solidFill>
+                    <a:schemeClr val="bg1"/>
+                  </a:solidFill>
+                </a:rPr>
+                <a:t>개발환경 및 기획</a:t>
+              </a:r>
+              <a:endParaRPr kumimoji="1" lang="ja-JP" altLang="en-US" sz="3600" b="1" spc="300" dirty="0">
+                <a:solidFill>
+                  <a:schemeClr val="bg1"/>
+                </a:solidFill>
+              </a:endParaRPr>
+            </a:p>
+          </p:txBody>
+        </p:sp>
+        <p:sp>
+          <p:nvSpPr>
+            <p:cNvPr id="29" name="正方形/長方形 1">
+              <a:extLst>
+                <a:ext uri="{FF2B5EF4-FFF2-40B4-BE49-F238E27FC236}">
+                  <a16:creationId xmlns:a16="http://schemas.microsoft.com/office/drawing/2014/main" id="{CACB1BF2-EB4E-4F36-8540-C3A1A7F0AD1E}"/>
+                </a:ext>
+              </a:extLst>
+            </p:cNvPr>
+            <p:cNvSpPr/>
+            <p:nvPr/>
+          </p:nvSpPr>
+          <p:spPr>
+            <a:xfrm>
+              <a:off x="764078" y="2147201"/>
+              <a:ext cx="296326" cy="296326"/>
+            </a:xfrm>
+            <a:prstGeom prst="rect">
+              <a:avLst/>
+            </a:prstGeom>
+            <a:solidFill>
+              <a:schemeClr val="bg1"/>
+            </a:solidFill>
+            <a:ln w="152400">
+              <a:noFill/>
+            </a:ln>
+          </p:spPr>
+          <p:style>
+            <a:lnRef idx="2">
+              <a:schemeClr val="accent1">
+                <a:shade val="50000"/>
+              </a:schemeClr>
+            </a:lnRef>
+            <a:fillRef idx="1">
+              <a:schemeClr val="accent1"/>
+            </a:fillRef>
+            <a:effectRef idx="0">
+              <a:schemeClr val="accent1"/>
+            </a:effectRef>
+            <a:fontRef idx="minor">
+              <a:schemeClr val="lt1"/>
+            </a:fontRef>
+          </p:style>
+          <p:txBody>
+            <a:bodyPr rtlCol="0" anchor="ctr"/>
+            <a:lstStyle/>
+            <a:p>
+              <a:pPr algn="ctr"/>
+              <a:endParaRPr kumimoji="1" lang="ja-JP" altLang="en-US"/>
+            </a:p>
+          </p:txBody>
+        </p:sp>
+      </p:grpSp>
+      <p:grpSp>
+        <p:nvGrpSpPr>
+          <p:cNvPr id="46" name="그룹 45"/>
+          <p:cNvGrpSpPr/>
+          <p:nvPr/>
+        </p:nvGrpSpPr>
+        <p:grpSpPr>
+          <a:xfrm>
+            <a:off x="572692" y="3837854"/>
+            <a:ext cx="5851269" cy="869797"/>
+            <a:chOff x="572692" y="1719596"/>
+            <a:chExt cx="5851269" cy="869797"/>
+          </a:xfrm>
+        </p:grpSpPr>
+        <p:sp>
+          <p:nvSpPr>
+            <p:cNvPr id="47" name="TextBox 46">
+              <a:extLst>
+                <a:ext uri="{FF2B5EF4-FFF2-40B4-BE49-F238E27FC236}">
+                  <a16:creationId xmlns:a16="http://schemas.microsoft.com/office/drawing/2014/main" id="{7A0F9463-4505-451F-8BF5-877E3F648D14}"/>
+                </a:ext>
+              </a:extLst>
+            </p:cNvPr>
+            <p:cNvSpPr txBox="1"/>
+            <p:nvPr/>
+          </p:nvSpPr>
+          <p:spPr>
+            <a:xfrm flipH="1">
+              <a:off x="572692" y="1719596"/>
+              <a:ext cx="737369" cy="369332"/>
+            </a:xfrm>
+            <a:prstGeom prst="rect">
+              <a:avLst/>
+            </a:prstGeom>
+            <a:noFill/>
+          </p:spPr>
+          <p:txBody>
+            <a:bodyPr wrap="square" rtlCol="0">
+              <a:spAutoFit/>
+            </a:bodyPr>
+            <a:lstStyle/>
+            <a:p>
+              <a:pPr algn="ctr"/>
+              <a:r>
+                <a:rPr lang="en-US" altLang="ko-KR" b="1" spc="300" dirty="0">
+                  <a:solidFill>
+                    <a:schemeClr val="bg1"/>
+                  </a:solidFill>
+                </a:rPr>
+                <a:t>03</a:t>
+              </a:r>
+              <a:endParaRPr lang="ko-KR" altLang="en-US" b="1" spc="300" dirty="0">
+                <a:solidFill>
+                  <a:schemeClr val="bg1"/>
+                </a:solidFill>
+              </a:endParaRPr>
+            </a:p>
+          </p:txBody>
+        </p:sp>
+        <p:sp>
+          <p:nvSpPr>
+            <p:cNvPr id="48" name="テキスト ボックス 2">
+              <a:extLst>
+                <a:ext uri="{FF2B5EF4-FFF2-40B4-BE49-F238E27FC236}">
+                  <a16:creationId xmlns:a16="http://schemas.microsoft.com/office/drawing/2014/main" id="{7CC15B21-9934-4063-A981-1254F24D8805}"/>
+                </a:ext>
+              </a:extLst>
+            </p:cNvPr>
+            <p:cNvSpPr txBox="1"/>
+            <p:nvPr/>
+          </p:nvSpPr>
+          <p:spPr>
+            <a:xfrm>
+              <a:off x="1310061" y="1943062"/>
+              <a:ext cx="5113900" cy="646331"/>
+            </a:xfrm>
+            <a:prstGeom prst="rect">
+              <a:avLst/>
+            </a:prstGeom>
+            <a:noFill/>
+          </p:spPr>
+          <p:txBody>
+            <a:bodyPr wrap="none" rtlCol="0">
+              <a:spAutoFit/>
+            </a:bodyPr>
+            <a:lstStyle/>
+            <a:p>
+              <a:r>
+                <a:rPr kumimoji="1" lang="ko-KR" altLang="en-US" sz="3600" b="1" spc="300" dirty="0">
+                  <a:solidFill>
+                    <a:schemeClr val="bg1"/>
+                  </a:solidFill>
+                </a:rPr>
+                <a:t>프로젝트 구조 및 구현</a:t>
+              </a:r>
+              <a:endParaRPr kumimoji="1" lang="ja-JP" altLang="en-US" sz="3600" b="1" spc="300" dirty="0">
+                <a:solidFill>
+                  <a:schemeClr val="bg1"/>
+                </a:solidFill>
+              </a:endParaRPr>
+            </a:p>
+          </p:txBody>
+        </p:sp>
+        <p:sp>
+          <p:nvSpPr>
+            <p:cNvPr id="49" name="正方形/長方形 1">
+              <a:extLst>
+                <a:ext uri="{FF2B5EF4-FFF2-40B4-BE49-F238E27FC236}">
+                  <a16:creationId xmlns:a16="http://schemas.microsoft.com/office/drawing/2014/main" id="{CACB1BF2-EB4E-4F36-8540-C3A1A7F0AD1E}"/>
+                </a:ext>
+              </a:extLst>
+            </p:cNvPr>
+            <p:cNvSpPr/>
+            <p:nvPr/>
+          </p:nvSpPr>
+          <p:spPr>
+            <a:xfrm>
+              <a:off x="764078" y="2147201"/>
+              <a:ext cx="296326" cy="296326"/>
+            </a:xfrm>
+            <a:prstGeom prst="rect">
+              <a:avLst/>
+            </a:prstGeom>
+            <a:solidFill>
+              <a:schemeClr val="bg1"/>
+            </a:solidFill>
+            <a:ln w="152400">
+              <a:noFill/>
+            </a:ln>
+          </p:spPr>
+          <p:style>
+            <a:lnRef idx="2">
+              <a:schemeClr val="accent1">
+                <a:shade val="50000"/>
+              </a:schemeClr>
+            </a:lnRef>
+            <a:fillRef idx="1">
+              <a:schemeClr val="accent1"/>
+            </a:fillRef>
+            <a:effectRef idx="0">
+              <a:schemeClr val="accent1"/>
+            </a:effectRef>
+            <a:fontRef idx="minor">
+              <a:schemeClr val="lt1"/>
+            </a:fontRef>
+          </p:style>
+          <p:txBody>
+            <a:bodyPr rtlCol="0" anchor="ctr"/>
+            <a:lstStyle/>
+            <a:p>
+              <a:pPr algn="ctr"/>
+              <a:endParaRPr kumimoji="1" lang="ja-JP" altLang="en-US"/>
+            </a:p>
+          </p:txBody>
+        </p:sp>
+      </p:grpSp>
+      <p:grpSp>
+        <p:nvGrpSpPr>
+          <p:cNvPr id="50" name="그룹 49"/>
+          <p:cNvGrpSpPr/>
+          <p:nvPr/>
+        </p:nvGrpSpPr>
+        <p:grpSpPr>
+          <a:xfrm>
+            <a:off x="572692" y="4931117"/>
+            <a:ext cx="1906279" cy="869797"/>
+            <a:chOff x="572692" y="1719596"/>
+            <a:chExt cx="1906279" cy="869797"/>
+          </a:xfrm>
+        </p:grpSpPr>
+        <p:sp>
+          <p:nvSpPr>
+            <p:cNvPr id="51" name="TextBox 50">
+              <a:extLst>
+                <a:ext uri="{FF2B5EF4-FFF2-40B4-BE49-F238E27FC236}">
+                  <a16:creationId xmlns:a16="http://schemas.microsoft.com/office/drawing/2014/main" id="{7A0F9463-4505-451F-8BF5-877E3F648D14}"/>
+                </a:ext>
+              </a:extLst>
+            </p:cNvPr>
+            <p:cNvSpPr txBox="1"/>
+            <p:nvPr/>
+          </p:nvSpPr>
+          <p:spPr>
+            <a:xfrm flipH="1">
+              <a:off x="572692" y="1719596"/>
+              <a:ext cx="737369" cy="369332"/>
+            </a:xfrm>
+            <a:prstGeom prst="rect">
+              <a:avLst/>
+            </a:prstGeom>
+            <a:noFill/>
+          </p:spPr>
+          <p:txBody>
+            <a:bodyPr wrap="square" rtlCol="0">
+              <a:spAutoFit/>
+            </a:bodyPr>
+            <a:lstStyle/>
+            <a:p>
+              <a:pPr algn="ctr"/>
+              <a:r>
+                <a:rPr lang="en-US" altLang="ko-KR" b="1" spc="300" dirty="0">
+                  <a:solidFill>
+                    <a:schemeClr val="bg1"/>
+                  </a:solidFill>
+                </a:rPr>
+                <a:t>04</a:t>
+              </a:r>
+              <a:endParaRPr lang="ko-KR" altLang="en-US" b="1" spc="300" dirty="0">
+                <a:solidFill>
+                  <a:schemeClr val="bg1"/>
+                </a:solidFill>
+              </a:endParaRPr>
+            </a:p>
+          </p:txBody>
+        </p:sp>
+        <p:sp>
+          <p:nvSpPr>
+            <p:cNvPr id="52" name="テキスト ボックス 2">
+              <a:extLst>
+                <a:ext uri="{FF2B5EF4-FFF2-40B4-BE49-F238E27FC236}">
+                  <a16:creationId xmlns:a16="http://schemas.microsoft.com/office/drawing/2014/main" id="{7CC15B21-9934-4063-A981-1254F24D8805}"/>
+                </a:ext>
+              </a:extLst>
+            </p:cNvPr>
+            <p:cNvSpPr txBox="1"/>
+            <p:nvPr/>
+          </p:nvSpPr>
+          <p:spPr>
+            <a:xfrm>
+              <a:off x="1310061" y="1943062"/>
+              <a:ext cx="1168910" cy="646331"/>
+            </a:xfrm>
+            <a:prstGeom prst="rect">
+              <a:avLst/>
+            </a:prstGeom>
+            <a:noFill/>
+          </p:spPr>
+          <p:txBody>
+            <a:bodyPr wrap="none" rtlCol="0">
+              <a:spAutoFit/>
+            </a:bodyPr>
+            <a:lstStyle/>
+            <a:p>
+              <a:r>
+                <a:rPr kumimoji="1" lang="ko-KR" altLang="en-US" sz="3600" b="1" spc="300" dirty="0">
+                  <a:solidFill>
+                    <a:schemeClr val="bg1"/>
+                  </a:solidFill>
+                </a:rPr>
+                <a:t>시연</a:t>
+              </a:r>
+              <a:endParaRPr kumimoji="1" lang="ja-JP" altLang="en-US" sz="3600" b="1" spc="300" dirty="0">
+                <a:solidFill>
+                  <a:schemeClr val="bg1"/>
+                </a:solidFill>
+              </a:endParaRPr>
+            </a:p>
+          </p:txBody>
+        </p:sp>
+        <p:sp>
+          <p:nvSpPr>
+            <p:cNvPr id="53" name="正方形/長方形 1">
+              <a:extLst>
+                <a:ext uri="{FF2B5EF4-FFF2-40B4-BE49-F238E27FC236}">
+                  <a16:creationId xmlns:a16="http://schemas.microsoft.com/office/drawing/2014/main" id="{CACB1BF2-EB4E-4F36-8540-C3A1A7F0AD1E}"/>
+                </a:ext>
+              </a:extLst>
+            </p:cNvPr>
+            <p:cNvSpPr/>
+            <p:nvPr/>
+          </p:nvSpPr>
+          <p:spPr>
+            <a:xfrm>
+              <a:off x="764078" y="2147201"/>
+              <a:ext cx="296326" cy="296326"/>
+            </a:xfrm>
+            <a:prstGeom prst="rect">
+              <a:avLst/>
+            </a:prstGeom>
+            <a:solidFill>
+              <a:schemeClr val="bg1"/>
+            </a:solidFill>
+            <a:ln w="152400">
+              <a:noFill/>
+            </a:ln>
+          </p:spPr>
+          <p:style>
+            <a:lnRef idx="2">
+              <a:schemeClr val="accent1">
+                <a:shade val="50000"/>
+              </a:schemeClr>
+            </a:lnRef>
+            <a:fillRef idx="1">
+              <a:schemeClr val="accent1"/>
+            </a:fillRef>
+            <a:effectRef idx="0">
+              <a:schemeClr val="accent1"/>
+            </a:effectRef>
+            <a:fontRef idx="minor">
+              <a:schemeClr val="lt1"/>
+            </a:fontRef>
+          </p:style>
+          <p:txBody>
+            <a:bodyPr rtlCol="0" anchor="ctr"/>
+            <a:lstStyle/>
+            <a:p>
+              <a:pPr algn="ctr"/>
+              <a:endParaRPr kumimoji="1" lang="ja-JP" altLang="en-US"/>
+            </a:p>
+          </p:txBody>
+        </p:sp>
+      </p:grpSp>
+    </p:spTree>
+    <p:extLst>
+      <p:ext uri="{BB962C8B-B14F-4D97-AF65-F5344CB8AC3E}">
+        <p14:creationId xmlns:p14="http://schemas.microsoft.com/office/powerpoint/2010/main" val="1370597313"/>
+      </p:ext>
+    </p:extLst>
+  </p:cSld>
+  <p:clrMapOvr>
+    <a:masterClrMapping/>
+  </p:clrMapOvr>
+  <mc:AlternateContent xmlns:mc="http://schemas.openxmlformats.org/markup-compatibility/2006" xmlns:p159="http://schemas.microsoft.com/office/powerpoint/2015/09/main">
+    <mc:Choice Requires="p159">
+      <p:transition xmlns:p14="http://schemas.microsoft.com/office/powerpoint/2010/main" spd="slow" p14:dur="2000">
+        <p159:morph option="byObject"/>
+      </p:transition>
+    </mc:Choice>
+    <mc:Fallback xmlns="">
+      <p:transition spd="slow">
+        <p:fade/>
+      </p:transition>
+    </mc:Fallback>
+  </mc:AlternateContent>
+</p:sld>
+</file>
+
+<file path=ppt/slides/slide20.xml><?xml version="1.0" encoding="utf-8"?>
+<p:sld xmlns:a="http://schemas.openxmlformats.org/drawingml/2006/main" xmlns:r="http://schemas.openxmlformats.org/officeDocument/2006/relationships" xmlns:p="http://schemas.openxmlformats.org/presentationml/2006/main">
+  <p:cSld>
+    <p:spTree>
+      <p:nvGrpSpPr>
+        <p:cNvPr id="1" name=""/>
+        <p:cNvGrpSpPr/>
+        <p:nvPr/>
+      </p:nvGrpSpPr>
+      <p:grpSpPr>
+        <a:xfrm>
+          <a:off x="0" y="0"/>
+          <a:ext cx="0" cy="0"/>
+          <a:chOff x="0" y="0"/>
+          <a:chExt cx="0" cy="0"/>
+        </a:xfrm>
+      </p:grpSpPr>
+      <p:sp>
+        <p:nvSpPr>
           <p:cNvPr id="2" name="正方形/長方形 1"/>
           <p:cNvSpPr/>
           <p:nvPr/>
@@ -8524,7 +10108,7 @@
 </p:sld>
 </file>
 
-<file path=ppt/slides/slide18.xml><?xml version="1.0" encoding="utf-8"?>
+<file path=ppt/slides/slide21.xml><?xml version="1.0" encoding="utf-8"?>
 <p:sld xmlns:a="http://schemas.openxmlformats.org/drawingml/2006/main" xmlns:r="http://schemas.openxmlformats.org/officeDocument/2006/relationships" xmlns:p="http://schemas.openxmlformats.org/presentationml/2006/main">
   <p:cSld>
     <p:spTree>
@@ -8944,7 +10528,7 @@
 </p:sld>
 </file>
 
-<file path=ppt/slides/slide19.xml><?xml version="1.0" encoding="utf-8"?>
+<file path=ppt/slides/slide22.xml><?xml version="1.0" encoding="utf-8"?>
 <p:sld xmlns:a="http://schemas.openxmlformats.org/drawingml/2006/main" xmlns:r="http://schemas.openxmlformats.org/officeDocument/2006/relationships" xmlns:p="http://schemas.openxmlformats.org/presentationml/2006/main">
   <p:cSld>
     <p:spTree>
@@ -9600,760 +11184,7 @@
 </p:sld>
 </file>
 
-<file path=ppt/slides/slide2.xml><?xml version="1.0" encoding="utf-8"?>
-<p:sld xmlns:a="http://schemas.openxmlformats.org/drawingml/2006/main" xmlns:r="http://schemas.openxmlformats.org/officeDocument/2006/relationships" xmlns:p="http://schemas.openxmlformats.org/presentationml/2006/main">
-  <p:cSld>
-    <p:bg>
-      <p:bgPr>
-        <a:solidFill>
-          <a:srgbClr val="FC827A"/>
-        </a:solidFill>
-        <a:effectLst/>
-      </p:bgPr>
-    </p:bg>
-    <p:spTree>
-      <p:nvGrpSpPr>
-        <p:cNvPr id="1" name=""/>
-        <p:cNvGrpSpPr/>
-        <p:nvPr/>
-      </p:nvGrpSpPr>
-      <p:grpSpPr>
-        <a:xfrm>
-          <a:off x="0" y="0"/>
-          <a:ext cx="0" cy="0"/>
-          <a:chOff x="0" y="0"/>
-          <a:chExt cx="0" cy="0"/>
-        </a:xfrm>
-      </p:grpSpPr>
-      <p:pic>
-        <p:nvPicPr>
-          <p:cNvPr id="2" name="図 1"/>
-          <p:cNvPicPr>
-            <a:picLocks noChangeAspect="1"/>
-          </p:cNvPicPr>
-          <p:nvPr/>
-        </p:nvPicPr>
-        <p:blipFill rotWithShape="1">
-          <a:blip r:embed="rId2" cstate="print">
-            <a:clrChange>
-              <a:clrFrom>
-                <a:srgbClr val="FE8B84"/>
-              </a:clrFrom>
-              <a:clrTo>
-                <a:srgbClr val="FE8B84">
-                  <a:alpha val="0"/>
-                </a:srgbClr>
-              </a:clrTo>
-            </a:clrChange>
-            <a:extLst>
-              <a:ext uri="{28A0092B-C50C-407E-A947-70E740481C1C}">
-                <a14:useLocalDpi xmlns:a14="http://schemas.microsoft.com/office/drawing/2010/main" val="0"/>
-              </a:ext>
-            </a:extLst>
-          </a:blip>
-          <a:srcRect l="17243" t="16425" r="16374" b="22513"/>
-          <a:stretch/>
-        </p:blipFill>
-        <p:spPr>
-          <a:xfrm>
-            <a:off x="8760995" y="1765851"/>
-            <a:ext cx="2410512" cy="3326297"/>
-          </a:xfrm>
-          <a:prstGeom prst="rect">
-            <a:avLst/>
-          </a:prstGeom>
-        </p:spPr>
-      </p:pic>
-      <p:sp>
-        <p:nvSpPr>
-          <p:cNvPr id="3" name="テキスト ボックス 2">
-            <a:extLst>
-              <a:ext uri="{FF2B5EF4-FFF2-40B4-BE49-F238E27FC236}">
-                <a16:creationId xmlns:a16="http://schemas.microsoft.com/office/drawing/2014/main" id="{54B06272-D923-4A3E-9139-6A17E7858F83}"/>
-              </a:ext>
-            </a:extLst>
-          </p:cNvPr>
-          <p:cNvSpPr txBox="1"/>
-          <p:nvPr/>
-        </p:nvSpPr>
-        <p:spPr>
-          <a:xfrm>
-            <a:off x="1246268" y="170892"/>
-            <a:ext cx="4149277" cy="707886"/>
-          </a:xfrm>
-          <a:prstGeom prst="rect">
-            <a:avLst/>
-          </a:prstGeom>
-          <a:noFill/>
-        </p:spPr>
-        <p:txBody>
-          <a:bodyPr wrap="none" rtlCol="0">
-            <a:spAutoFit/>
-          </a:bodyPr>
-          <a:lstStyle/>
-          <a:p>
-            <a:pPr algn="ctr"/>
-            <a:r>
-              <a:rPr kumimoji="1" lang="en-US" altLang="ja-JP" sz="4000" b="1" spc="-150" dirty="0">
-                <a:solidFill>
-                  <a:schemeClr val="bg1"/>
-                </a:solidFill>
-              </a:rPr>
-              <a:t>Table of Contents</a:t>
-            </a:r>
-            <a:endParaRPr kumimoji="1" lang="ja-JP" altLang="en-US" sz="4000" b="1" spc="-150" dirty="0">
-              <a:solidFill>
-                <a:schemeClr val="bg1"/>
-              </a:solidFill>
-            </a:endParaRPr>
-          </a:p>
-        </p:txBody>
-      </p:sp>
-      <p:grpSp>
-        <p:nvGrpSpPr>
-          <p:cNvPr id="6" name="그룹 5"/>
-          <p:cNvGrpSpPr/>
-          <p:nvPr/>
-        </p:nvGrpSpPr>
-        <p:grpSpPr>
-          <a:xfrm>
-            <a:off x="572692" y="1644782"/>
-            <a:ext cx="3716070" cy="869797"/>
-            <a:chOff x="572692" y="1719596"/>
-            <a:chExt cx="3716070" cy="869797"/>
-          </a:xfrm>
-        </p:grpSpPr>
-        <p:sp>
-          <p:nvSpPr>
-            <p:cNvPr id="5" name="TextBox 4">
-              <a:extLst>
-                <a:ext uri="{FF2B5EF4-FFF2-40B4-BE49-F238E27FC236}">
-                  <a16:creationId xmlns:a16="http://schemas.microsoft.com/office/drawing/2014/main" id="{7A0F9463-4505-451F-8BF5-877E3F648D14}"/>
-                </a:ext>
-              </a:extLst>
-            </p:cNvPr>
-            <p:cNvSpPr txBox="1"/>
-            <p:nvPr/>
-          </p:nvSpPr>
-          <p:spPr>
-            <a:xfrm flipH="1">
-              <a:off x="572692" y="1719596"/>
-              <a:ext cx="737369" cy="369332"/>
-            </a:xfrm>
-            <a:prstGeom prst="rect">
-              <a:avLst/>
-            </a:prstGeom>
-            <a:noFill/>
-          </p:spPr>
-          <p:txBody>
-            <a:bodyPr wrap="square" rtlCol="0">
-              <a:spAutoFit/>
-            </a:bodyPr>
-            <a:lstStyle/>
-            <a:p>
-              <a:pPr algn="ctr"/>
-              <a:r>
-                <a:rPr lang="en-US" altLang="ko-KR" b="1" spc="300" dirty="0">
-                  <a:solidFill>
-                    <a:schemeClr val="bg1"/>
-                  </a:solidFill>
-                </a:rPr>
-                <a:t>01</a:t>
-              </a:r>
-            </a:p>
-          </p:txBody>
-        </p:sp>
-        <p:sp>
-          <p:nvSpPr>
-            <p:cNvPr id="7" name="テキスト ボックス 2">
-              <a:extLst>
-                <a:ext uri="{FF2B5EF4-FFF2-40B4-BE49-F238E27FC236}">
-                  <a16:creationId xmlns:a16="http://schemas.microsoft.com/office/drawing/2014/main" id="{7CC15B21-9934-4063-A981-1254F24D8805}"/>
-                </a:ext>
-              </a:extLst>
-            </p:cNvPr>
-            <p:cNvSpPr txBox="1"/>
-            <p:nvPr/>
-          </p:nvSpPr>
-          <p:spPr>
-            <a:xfrm>
-              <a:off x="1310061" y="1943062"/>
-              <a:ext cx="2978701" cy="646331"/>
-            </a:xfrm>
-            <a:prstGeom prst="rect">
-              <a:avLst/>
-            </a:prstGeom>
-            <a:noFill/>
-          </p:spPr>
-          <p:txBody>
-            <a:bodyPr wrap="none" rtlCol="0">
-              <a:spAutoFit/>
-            </a:bodyPr>
-            <a:lstStyle/>
-            <a:p>
-              <a:r>
-                <a:rPr kumimoji="1" lang="ko-KR" altLang="en-US" sz="3600" b="1" spc="300" dirty="0">
-                  <a:solidFill>
-                    <a:schemeClr val="bg1"/>
-                  </a:solidFill>
-                </a:rPr>
-                <a:t>소개 및 개요</a:t>
-              </a:r>
-              <a:endParaRPr kumimoji="1" lang="ja-JP" altLang="en-US" sz="3600" b="1" spc="300" dirty="0">
-                <a:solidFill>
-                  <a:schemeClr val="bg1"/>
-                </a:solidFill>
-              </a:endParaRPr>
-            </a:p>
-          </p:txBody>
-        </p:sp>
-        <p:sp>
-          <p:nvSpPr>
-            <p:cNvPr id="19" name="正方形/長方形 1">
-              <a:extLst>
-                <a:ext uri="{FF2B5EF4-FFF2-40B4-BE49-F238E27FC236}">
-                  <a16:creationId xmlns:a16="http://schemas.microsoft.com/office/drawing/2014/main" id="{CACB1BF2-EB4E-4F36-8540-C3A1A7F0AD1E}"/>
-                </a:ext>
-              </a:extLst>
-            </p:cNvPr>
-            <p:cNvSpPr/>
-            <p:nvPr/>
-          </p:nvSpPr>
-          <p:spPr>
-            <a:xfrm>
-              <a:off x="764078" y="2147201"/>
-              <a:ext cx="296326" cy="296326"/>
-            </a:xfrm>
-            <a:prstGeom prst="rect">
-              <a:avLst/>
-            </a:prstGeom>
-            <a:solidFill>
-              <a:schemeClr val="bg1"/>
-            </a:solidFill>
-            <a:ln w="152400">
-              <a:noFill/>
-            </a:ln>
-          </p:spPr>
-          <p:style>
-            <a:lnRef idx="2">
-              <a:schemeClr val="accent1">
-                <a:shade val="50000"/>
-              </a:schemeClr>
-            </a:lnRef>
-            <a:fillRef idx="1">
-              <a:schemeClr val="accent1"/>
-            </a:fillRef>
-            <a:effectRef idx="0">
-              <a:schemeClr val="accent1"/>
-            </a:effectRef>
-            <a:fontRef idx="minor">
-              <a:schemeClr val="lt1"/>
-            </a:fontRef>
-          </p:style>
-          <p:txBody>
-            <a:bodyPr rtlCol="0" anchor="ctr"/>
-            <a:lstStyle/>
-            <a:p>
-              <a:pPr algn="ctr"/>
-              <a:endParaRPr kumimoji="1" lang="ja-JP" altLang="en-US"/>
-            </a:p>
-          </p:txBody>
-        </p:sp>
-      </p:grpSp>
-      <p:grpSp>
-        <p:nvGrpSpPr>
-          <p:cNvPr id="26" name="그룹 25"/>
-          <p:cNvGrpSpPr/>
-          <p:nvPr/>
-        </p:nvGrpSpPr>
-        <p:grpSpPr>
-          <a:xfrm>
-            <a:off x="572692" y="2744591"/>
-            <a:ext cx="4700313" cy="869797"/>
-            <a:chOff x="572692" y="1719596"/>
-            <a:chExt cx="4700313" cy="869797"/>
-          </a:xfrm>
-        </p:grpSpPr>
-        <p:sp>
-          <p:nvSpPr>
-            <p:cNvPr id="27" name="TextBox 26">
-              <a:extLst>
-                <a:ext uri="{FF2B5EF4-FFF2-40B4-BE49-F238E27FC236}">
-                  <a16:creationId xmlns:a16="http://schemas.microsoft.com/office/drawing/2014/main" id="{7A0F9463-4505-451F-8BF5-877E3F648D14}"/>
-                </a:ext>
-              </a:extLst>
-            </p:cNvPr>
-            <p:cNvSpPr txBox="1"/>
-            <p:nvPr/>
-          </p:nvSpPr>
-          <p:spPr>
-            <a:xfrm flipH="1">
-              <a:off x="572692" y="1719596"/>
-              <a:ext cx="737369" cy="369332"/>
-            </a:xfrm>
-            <a:prstGeom prst="rect">
-              <a:avLst/>
-            </a:prstGeom>
-            <a:noFill/>
-          </p:spPr>
-          <p:txBody>
-            <a:bodyPr wrap="square" rtlCol="0">
-              <a:spAutoFit/>
-            </a:bodyPr>
-            <a:lstStyle/>
-            <a:p>
-              <a:pPr algn="ctr"/>
-              <a:r>
-                <a:rPr lang="en-US" altLang="ko-KR" b="1" spc="300" dirty="0">
-                  <a:solidFill>
-                    <a:schemeClr val="bg1"/>
-                  </a:solidFill>
-                </a:rPr>
-                <a:t>02</a:t>
-              </a:r>
-              <a:endParaRPr lang="ko-KR" altLang="en-US" b="1" spc="300" dirty="0">
-                <a:solidFill>
-                  <a:schemeClr val="bg1"/>
-                </a:solidFill>
-              </a:endParaRPr>
-            </a:p>
-          </p:txBody>
-        </p:sp>
-        <p:sp>
-          <p:nvSpPr>
-            <p:cNvPr id="28" name="テキスト ボックス 2">
-              <a:extLst>
-                <a:ext uri="{FF2B5EF4-FFF2-40B4-BE49-F238E27FC236}">
-                  <a16:creationId xmlns:a16="http://schemas.microsoft.com/office/drawing/2014/main" id="{7CC15B21-9934-4063-A981-1254F24D8805}"/>
-                </a:ext>
-              </a:extLst>
-            </p:cNvPr>
-            <p:cNvSpPr txBox="1"/>
-            <p:nvPr/>
-          </p:nvSpPr>
-          <p:spPr>
-            <a:xfrm>
-              <a:off x="1310061" y="1943062"/>
-              <a:ext cx="3962944" cy="646331"/>
-            </a:xfrm>
-            <a:prstGeom prst="rect">
-              <a:avLst/>
-            </a:prstGeom>
-            <a:noFill/>
-          </p:spPr>
-          <p:txBody>
-            <a:bodyPr wrap="none" rtlCol="0">
-              <a:spAutoFit/>
-            </a:bodyPr>
-            <a:lstStyle/>
-            <a:p>
-              <a:r>
-                <a:rPr kumimoji="1" lang="ko-KR" altLang="en-US" sz="3600" b="1" spc="300" dirty="0">
-                  <a:solidFill>
-                    <a:schemeClr val="bg1"/>
-                  </a:solidFill>
-                </a:rPr>
-                <a:t>개발환경 및 기획</a:t>
-              </a:r>
-              <a:endParaRPr kumimoji="1" lang="ja-JP" altLang="en-US" sz="3600" b="1" spc="300" dirty="0">
-                <a:solidFill>
-                  <a:schemeClr val="bg1"/>
-                </a:solidFill>
-              </a:endParaRPr>
-            </a:p>
-          </p:txBody>
-        </p:sp>
-        <p:sp>
-          <p:nvSpPr>
-            <p:cNvPr id="29" name="正方形/長方形 1">
-              <a:extLst>
-                <a:ext uri="{FF2B5EF4-FFF2-40B4-BE49-F238E27FC236}">
-                  <a16:creationId xmlns:a16="http://schemas.microsoft.com/office/drawing/2014/main" id="{CACB1BF2-EB4E-4F36-8540-C3A1A7F0AD1E}"/>
-                </a:ext>
-              </a:extLst>
-            </p:cNvPr>
-            <p:cNvSpPr/>
-            <p:nvPr/>
-          </p:nvSpPr>
-          <p:spPr>
-            <a:xfrm>
-              <a:off x="764078" y="2147201"/>
-              <a:ext cx="296326" cy="296326"/>
-            </a:xfrm>
-            <a:prstGeom prst="rect">
-              <a:avLst/>
-            </a:prstGeom>
-            <a:solidFill>
-              <a:schemeClr val="bg1"/>
-            </a:solidFill>
-            <a:ln w="152400">
-              <a:noFill/>
-            </a:ln>
-          </p:spPr>
-          <p:style>
-            <a:lnRef idx="2">
-              <a:schemeClr val="accent1">
-                <a:shade val="50000"/>
-              </a:schemeClr>
-            </a:lnRef>
-            <a:fillRef idx="1">
-              <a:schemeClr val="accent1"/>
-            </a:fillRef>
-            <a:effectRef idx="0">
-              <a:schemeClr val="accent1"/>
-            </a:effectRef>
-            <a:fontRef idx="minor">
-              <a:schemeClr val="lt1"/>
-            </a:fontRef>
-          </p:style>
-          <p:txBody>
-            <a:bodyPr rtlCol="0" anchor="ctr"/>
-            <a:lstStyle/>
-            <a:p>
-              <a:pPr algn="ctr"/>
-              <a:endParaRPr kumimoji="1" lang="ja-JP" altLang="en-US"/>
-            </a:p>
-          </p:txBody>
-        </p:sp>
-      </p:grpSp>
-      <p:grpSp>
-        <p:nvGrpSpPr>
-          <p:cNvPr id="46" name="그룹 45"/>
-          <p:cNvGrpSpPr/>
-          <p:nvPr/>
-        </p:nvGrpSpPr>
-        <p:grpSpPr>
-          <a:xfrm>
-            <a:off x="572692" y="3837854"/>
-            <a:ext cx="5851269" cy="869797"/>
-            <a:chOff x="572692" y="1719596"/>
-            <a:chExt cx="5851269" cy="869797"/>
-          </a:xfrm>
-        </p:grpSpPr>
-        <p:sp>
-          <p:nvSpPr>
-            <p:cNvPr id="47" name="TextBox 46">
-              <a:extLst>
-                <a:ext uri="{FF2B5EF4-FFF2-40B4-BE49-F238E27FC236}">
-                  <a16:creationId xmlns:a16="http://schemas.microsoft.com/office/drawing/2014/main" id="{7A0F9463-4505-451F-8BF5-877E3F648D14}"/>
-                </a:ext>
-              </a:extLst>
-            </p:cNvPr>
-            <p:cNvSpPr txBox="1"/>
-            <p:nvPr/>
-          </p:nvSpPr>
-          <p:spPr>
-            <a:xfrm flipH="1">
-              <a:off x="572692" y="1719596"/>
-              <a:ext cx="737369" cy="369332"/>
-            </a:xfrm>
-            <a:prstGeom prst="rect">
-              <a:avLst/>
-            </a:prstGeom>
-            <a:noFill/>
-          </p:spPr>
-          <p:txBody>
-            <a:bodyPr wrap="square" rtlCol="0">
-              <a:spAutoFit/>
-            </a:bodyPr>
-            <a:lstStyle/>
-            <a:p>
-              <a:pPr algn="ctr"/>
-              <a:r>
-                <a:rPr lang="en-US" altLang="ko-KR" b="1" spc="300" dirty="0">
-                  <a:solidFill>
-                    <a:schemeClr val="bg1"/>
-                  </a:solidFill>
-                </a:rPr>
-                <a:t>03</a:t>
-              </a:r>
-              <a:endParaRPr lang="ko-KR" altLang="en-US" b="1" spc="300" dirty="0">
-                <a:solidFill>
-                  <a:schemeClr val="bg1"/>
-                </a:solidFill>
-              </a:endParaRPr>
-            </a:p>
-          </p:txBody>
-        </p:sp>
-        <p:sp>
-          <p:nvSpPr>
-            <p:cNvPr id="48" name="テキスト ボックス 2">
-              <a:extLst>
-                <a:ext uri="{FF2B5EF4-FFF2-40B4-BE49-F238E27FC236}">
-                  <a16:creationId xmlns:a16="http://schemas.microsoft.com/office/drawing/2014/main" id="{7CC15B21-9934-4063-A981-1254F24D8805}"/>
-                </a:ext>
-              </a:extLst>
-            </p:cNvPr>
-            <p:cNvSpPr txBox="1"/>
-            <p:nvPr/>
-          </p:nvSpPr>
-          <p:spPr>
-            <a:xfrm>
-              <a:off x="1310061" y="1943062"/>
-              <a:ext cx="5113900" cy="646331"/>
-            </a:xfrm>
-            <a:prstGeom prst="rect">
-              <a:avLst/>
-            </a:prstGeom>
-            <a:noFill/>
-          </p:spPr>
-          <p:txBody>
-            <a:bodyPr wrap="none" rtlCol="0">
-              <a:spAutoFit/>
-            </a:bodyPr>
-            <a:lstStyle/>
-            <a:p>
-              <a:r>
-                <a:rPr kumimoji="1" lang="ko-KR" altLang="en-US" sz="3600" b="1" spc="300" dirty="0">
-                  <a:solidFill>
-                    <a:schemeClr val="bg1"/>
-                  </a:solidFill>
-                </a:rPr>
-                <a:t>프로젝트 구조 및 구현</a:t>
-              </a:r>
-              <a:endParaRPr kumimoji="1" lang="ja-JP" altLang="en-US" sz="3600" b="1" spc="300" dirty="0">
-                <a:solidFill>
-                  <a:schemeClr val="bg1"/>
-                </a:solidFill>
-              </a:endParaRPr>
-            </a:p>
-          </p:txBody>
-        </p:sp>
-        <p:sp>
-          <p:nvSpPr>
-            <p:cNvPr id="49" name="正方形/長方形 1">
-              <a:extLst>
-                <a:ext uri="{FF2B5EF4-FFF2-40B4-BE49-F238E27FC236}">
-                  <a16:creationId xmlns:a16="http://schemas.microsoft.com/office/drawing/2014/main" id="{CACB1BF2-EB4E-4F36-8540-C3A1A7F0AD1E}"/>
-                </a:ext>
-              </a:extLst>
-            </p:cNvPr>
-            <p:cNvSpPr/>
-            <p:nvPr/>
-          </p:nvSpPr>
-          <p:spPr>
-            <a:xfrm>
-              <a:off x="764078" y="2147201"/>
-              <a:ext cx="296326" cy="296326"/>
-            </a:xfrm>
-            <a:prstGeom prst="rect">
-              <a:avLst/>
-            </a:prstGeom>
-            <a:solidFill>
-              <a:schemeClr val="bg1"/>
-            </a:solidFill>
-            <a:ln w="152400">
-              <a:noFill/>
-            </a:ln>
-          </p:spPr>
-          <p:style>
-            <a:lnRef idx="2">
-              <a:schemeClr val="accent1">
-                <a:shade val="50000"/>
-              </a:schemeClr>
-            </a:lnRef>
-            <a:fillRef idx="1">
-              <a:schemeClr val="accent1"/>
-            </a:fillRef>
-            <a:effectRef idx="0">
-              <a:schemeClr val="accent1"/>
-            </a:effectRef>
-            <a:fontRef idx="minor">
-              <a:schemeClr val="lt1"/>
-            </a:fontRef>
-          </p:style>
-          <p:txBody>
-            <a:bodyPr rtlCol="0" anchor="ctr"/>
-            <a:lstStyle/>
-            <a:p>
-              <a:pPr algn="ctr"/>
-              <a:endParaRPr kumimoji="1" lang="ja-JP" altLang="en-US"/>
-            </a:p>
-          </p:txBody>
-        </p:sp>
-      </p:grpSp>
-      <p:grpSp>
-        <p:nvGrpSpPr>
-          <p:cNvPr id="50" name="그룹 49"/>
-          <p:cNvGrpSpPr/>
-          <p:nvPr/>
-        </p:nvGrpSpPr>
-        <p:grpSpPr>
-          <a:xfrm>
-            <a:off x="572692" y="4931117"/>
-            <a:ext cx="1906279" cy="869797"/>
-            <a:chOff x="572692" y="1719596"/>
-            <a:chExt cx="1906279" cy="869797"/>
-          </a:xfrm>
-        </p:grpSpPr>
-        <p:sp>
-          <p:nvSpPr>
-            <p:cNvPr id="51" name="TextBox 50">
-              <a:extLst>
-                <a:ext uri="{FF2B5EF4-FFF2-40B4-BE49-F238E27FC236}">
-                  <a16:creationId xmlns:a16="http://schemas.microsoft.com/office/drawing/2014/main" id="{7A0F9463-4505-451F-8BF5-877E3F648D14}"/>
-                </a:ext>
-              </a:extLst>
-            </p:cNvPr>
-            <p:cNvSpPr txBox="1"/>
-            <p:nvPr/>
-          </p:nvSpPr>
-          <p:spPr>
-            <a:xfrm flipH="1">
-              <a:off x="572692" y="1719596"/>
-              <a:ext cx="737369" cy="369332"/>
-            </a:xfrm>
-            <a:prstGeom prst="rect">
-              <a:avLst/>
-            </a:prstGeom>
-            <a:noFill/>
-          </p:spPr>
-          <p:txBody>
-            <a:bodyPr wrap="square" rtlCol="0">
-              <a:spAutoFit/>
-            </a:bodyPr>
-            <a:lstStyle/>
-            <a:p>
-              <a:pPr algn="ctr"/>
-              <a:r>
-                <a:rPr lang="en-US" altLang="ko-KR" b="1" spc="300" dirty="0">
-                  <a:solidFill>
-                    <a:schemeClr val="bg1"/>
-                  </a:solidFill>
-                </a:rPr>
-                <a:t>04</a:t>
-              </a:r>
-              <a:endParaRPr lang="ko-KR" altLang="en-US" b="1" spc="300" dirty="0">
-                <a:solidFill>
-                  <a:schemeClr val="bg1"/>
-                </a:solidFill>
-              </a:endParaRPr>
-            </a:p>
-          </p:txBody>
-        </p:sp>
-        <p:sp>
-          <p:nvSpPr>
-            <p:cNvPr id="52" name="テキスト ボックス 2">
-              <a:extLst>
-                <a:ext uri="{FF2B5EF4-FFF2-40B4-BE49-F238E27FC236}">
-                  <a16:creationId xmlns:a16="http://schemas.microsoft.com/office/drawing/2014/main" id="{7CC15B21-9934-4063-A981-1254F24D8805}"/>
-                </a:ext>
-              </a:extLst>
-            </p:cNvPr>
-            <p:cNvSpPr txBox="1"/>
-            <p:nvPr/>
-          </p:nvSpPr>
-          <p:spPr>
-            <a:xfrm>
-              <a:off x="1310061" y="1943062"/>
-              <a:ext cx="1168910" cy="646331"/>
-            </a:xfrm>
-            <a:prstGeom prst="rect">
-              <a:avLst/>
-            </a:prstGeom>
-            <a:noFill/>
-          </p:spPr>
-          <p:txBody>
-            <a:bodyPr wrap="none" rtlCol="0">
-              <a:spAutoFit/>
-            </a:bodyPr>
-            <a:lstStyle/>
-            <a:p>
-              <a:r>
-                <a:rPr kumimoji="1" lang="ko-KR" altLang="en-US" sz="3600" b="1" spc="300" dirty="0">
-                  <a:solidFill>
-                    <a:schemeClr val="bg1"/>
-                  </a:solidFill>
-                </a:rPr>
-                <a:t>시연</a:t>
-              </a:r>
-              <a:endParaRPr kumimoji="1" lang="ja-JP" altLang="en-US" sz="3600" b="1" spc="300" dirty="0">
-                <a:solidFill>
-                  <a:schemeClr val="bg1"/>
-                </a:solidFill>
-              </a:endParaRPr>
-            </a:p>
-          </p:txBody>
-        </p:sp>
-        <p:sp>
-          <p:nvSpPr>
-            <p:cNvPr id="53" name="正方形/長方形 1">
-              <a:extLst>
-                <a:ext uri="{FF2B5EF4-FFF2-40B4-BE49-F238E27FC236}">
-                  <a16:creationId xmlns:a16="http://schemas.microsoft.com/office/drawing/2014/main" id="{CACB1BF2-EB4E-4F36-8540-C3A1A7F0AD1E}"/>
-                </a:ext>
-              </a:extLst>
-            </p:cNvPr>
-            <p:cNvSpPr/>
-            <p:nvPr/>
-          </p:nvSpPr>
-          <p:spPr>
-            <a:xfrm>
-              <a:off x="764078" y="2147201"/>
-              <a:ext cx="296326" cy="296326"/>
-            </a:xfrm>
-            <a:prstGeom prst="rect">
-              <a:avLst/>
-            </a:prstGeom>
-            <a:solidFill>
-              <a:schemeClr val="bg1"/>
-            </a:solidFill>
-            <a:ln w="152400">
-              <a:noFill/>
-            </a:ln>
-          </p:spPr>
-          <p:style>
-            <a:lnRef idx="2">
-              <a:schemeClr val="accent1">
-                <a:shade val="50000"/>
-              </a:schemeClr>
-            </a:lnRef>
-            <a:fillRef idx="1">
-              <a:schemeClr val="accent1"/>
-            </a:fillRef>
-            <a:effectRef idx="0">
-              <a:schemeClr val="accent1"/>
-            </a:effectRef>
-            <a:fontRef idx="minor">
-              <a:schemeClr val="lt1"/>
-            </a:fontRef>
-          </p:style>
-          <p:txBody>
-            <a:bodyPr rtlCol="0" anchor="ctr"/>
-            <a:lstStyle/>
-            <a:p>
-              <a:pPr algn="ctr"/>
-              <a:endParaRPr kumimoji="1" lang="ja-JP" altLang="en-US"/>
-            </a:p>
-          </p:txBody>
-        </p:sp>
-      </p:grpSp>
-    </p:spTree>
-    <p:extLst>
-      <p:ext uri="{BB962C8B-B14F-4D97-AF65-F5344CB8AC3E}">
-        <p14:creationId xmlns:p14="http://schemas.microsoft.com/office/powerpoint/2010/main" val="1370597313"/>
-      </p:ext>
-    </p:extLst>
-  </p:cSld>
-  <p:clrMapOvr>
-    <a:masterClrMapping/>
-  </p:clrMapOvr>
-  <mc:AlternateContent xmlns:mc="http://schemas.openxmlformats.org/markup-compatibility/2006" xmlns:p159="http://schemas.microsoft.com/office/powerpoint/2015/09/main">
-    <mc:Choice Requires="p159">
-      <p:transition xmlns:p14="http://schemas.microsoft.com/office/powerpoint/2010/main" spd="slow" p14:dur="2000">
-        <p159:morph option="byObject"/>
-      </p:transition>
-    </mc:Choice>
-    <mc:Fallback xmlns="">
-      <p:transition spd="slow">
-        <p:fade/>
-      </p:transition>
-    </mc:Fallback>
-  </mc:AlternateContent>
-</p:sld>
-</file>
-
-<file path=ppt/slides/slide20.xml><?xml version="1.0" encoding="utf-8"?>
+<file path=ppt/slides/slide23.xml><?xml version="1.0" encoding="utf-8"?>
 <p:sld xmlns:a="http://schemas.openxmlformats.org/drawingml/2006/main" xmlns:r="http://schemas.openxmlformats.org/officeDocument/2006/relationships" xmlns:p="http://schemas.openxmlformats.org/presentationml/2006/main">
   <p:cSld>
     <p:spTree>
@@ -11842,7 +12673,7 @@
 </p:sld>
 </file>
 
-<file path=ppt/slides/slide21.xml><?xml version="1.0" encoding="utf-8"?>
+<file path=ppt/slides/slide24.xml><?xml version="1.0" encoding="utf-8"?>
 <p:sld xmlns:a="http://schemas.openxmlformats.org/drawingml/2006/main" xmlns:r="http://schemas.openxmlformats.org/officeDocument/2006/relationships" xmlns:p="http://schemas.openxmlformats.org/presentationml/2006/main">
   <p:cSld>
     <p:spTree>
@@ -12994,7 +13825,7 @@
 </p:sld>
 </file>
 
-<file path=ppt/slides/slide22.xml><?xml version="1.0" encoding="utf-8"?>
+<file path=ppt/slides/slide25.xml><?xml version="1.0" encoding="utf-8"?>
 <p:sld xmlns:a="http://schemas.openxmlformats.org/drawingml/2006/main" xmlns:r="http://schemas.openxmlformats.org/officeDocument/2006/relationships" xmlns:p="http://schemas.openxmlformats.org/presentationml/2006/main">
   <p:cSld>
     <p:bg>
@@ -13152,7 +13983,7 @@
 </p:sld>
 </file>
 
-<file path=ppt/slides/slide23.xml><?xml version="1.0" encoding="utf-8"?>
+<file path=ppt/slides/slide26.xml><?xml version="1.0" encoding="utf-8"?>
 <p:sld xmlns:a="http://schemas.openxmlformats.org/drawingml/2006/main" xmlns:r="http://schemas.openxmlformats.org/officeDocument/2006/relationships" xmlns:p="http://schemas.openxmlformats.org/presentationml/2006/main">
   <p:cSld>
     <p:bg>
@@ -13281,462 +14112,6 @@
     <p:extLst>
       <p:ext uri="{BB962C8B-B14F-4D97-AF65-F5344CB8AC3E}">
         <p14:creationId xmlns:p14="http://schemas.microsoft.com/office/powerpoint/2010/main" val="42458474"/>
-      </p:ext>
-    </p:extLst>
-  </p:cSld>
-  <p:clrMapOvr>
-    <a:masterClrMapping/>
-  </p:clrMapOvr>
-  <mc:AlternateContent xmlns:mc="http://schemas.openxmlformats.org/markup-compatibility/2006" xmlns:p159="http://schemas.microsoft.com/office/powerpoint/2015/09/main">
-    <mc:Choice Requires="p159">
-      <p:transition xmlns:p14="http://schemas.microsoft.com/office/powerpoint/2010/main" spd="slow" p14:dur="2000">
-        <p159:morph option="byObject"/>
-      </p:transition>
-    </mc:Choice>
-    <mc:Fallback xmlns="">
-      <p:transition spd="slow">
-        <p:fade/>
-      </p:transition>
-    </mc:Fallback>
-  </mc:AlternateContent>
-</p:sld>
-</file>
-
-<file path=ppt/slides/slide24.xml><?xml version="1.0" encoding="utf-8"?>
-<p:sld xmlns:a="http://schemas.openxmlformats.org/drawingml/2006/main" xmlns:r="http://schemas.openxmlformats.org/officeDocument/2006/relationships" xmlns:p="http://schemas.openxmlformats.org/presentationml/2006/main">
-  <p:cSld>
-    <p:bg>
-      <p:bgPr>
-        <a:solidFill>
-          <a:schemeClr val="accent3"/>
-        </a:solidFill>
-        <a:effectLst/>
-      </p:bgPr>
-    </p:bg>
-    <p:spTree>
-      <p:nvGrpSpPr>
-        <p:cNvPr id="1" name=""/>
-        <p:cNvGrpSpPr/>
-        <p:nvPr/>
-      </p:nvGrpSpPr>
-      <p:grpSpPr>
-        <a:xfrm>
-          <a:off x="0" y="0"/>
-          <a:ext cx="0" cy="0"/>
-          <a:chOff x="0" y="0"/>
-          <a:chExt cx="0" cy="0"/>
-        </a:xfrm>
-      </p:grpSpPr>
-      <p:sp>
-        <p:nvSpPr>
-          <p:cNvPr id="2" name="TextBox 1">
-            <a:extLst>
-              <a:ext uri="{FF2B5EF4-FFF2-40B4-BE49-F238E27FC236}">
-                <a16:creationId xmlns:a16="http://schemas.microsoft.com/office/drawing/2014/main" id="{F72F83EF-7ACF-4D34-AB7A-61368AEC4367}"/>
-              </a:ext>
-            </a:extLst>
-          </p:cNvPr>
-          <p:cNvSpPr txBox="1"/>
-          <p:nvPr/>
-        </p:nvSpPr>
-        <p:spPr>
-          <a:xfrm>
-            <a:off x="4463181" y="2921168"/>
-            <a:ext cx="3265638" cy="1015663"/>
-          </a:xfrm>
-          <a:prstGeom prst="rect">
-            <a:avLst/>
-          </a:prstGeom>
-          <a:noFill/>
-        </p:spPr>
-        <p:txBody>
-          <a:bodyPr wrap="none" rtlCol="0">
-            <a:spAutoFit/>
-          </a:bodyPr>
-          <a:lstStyle/>
-          <a:p>
-            <a:pPr algn="ctr"/>
-            <a:r>
-              <a:rPr lang="en-US" altLang="ko-KR" sz="6000" dirty="0">
-                <a:solidFill>
-                  <a:schemeClr val="accent3">
-                    <a:lumMod val="20000"/>
-                    <a:lumOff val="80000"/>
-                  </a:schemeClr>
-                </a:solidFill>
-              </a:rPr>
-              <a:t>#colorize</a:t>
-            </a:r>
-            <a:endParaRPr lang="ko-KR" altLang="en-US" sz="6000" dirty="0">
-              <a:solidFill>
-                <a:schemeClr val="accent3">
-                  <a:lumMod val="20000"/>
-                  <a:lumOff val="80000"/>
-                </a:schemeClr>
-              </a:solidFill>
-            </a:endParaRPr>
-          </a:p>
-        </p:txBody>
-      </p:sp>
-      <p:sp>
-        <p:nvSpPr>
-          <p:cNvPr id="3" name="양쪽 대괄호 2">
-            <a:extLst>
-              <a:ext uri="{FF2B5EF4-FFF2-40B4-BE49-F238E27FC236}">
-                <a16:creationId xmlns:a16="http://schemas.microsoft.com/office/drawing/2014/main" id="{0652D7BA-A1E8-435B-93C2-914AC626F57D}"/>
-              </a:ext>
-            </a:extLst>
-          </p:cNvPr>
-          <p:cNvSpPr/>
-          <p:nvPr/>
-        </p:nvSpPr>
-        <p:spPr>
-          <a:xfrm>
-            <a:off x="1539949" y="2291316"/>
-            <a:ext cx="9112102" cy="2275367"/>
-          </a:xfrm>
-          <a:prstGeom prst="bracketPair">
-            <a:avLst/>
-          </a:prstGeom>
-          <a:ln>
-            <a:solidFill>
-              <a:schemeClr val="accent3">
-                <a:lumMod val="20000"/>
-                <a:lumOff val="80000"/>
-              </a:schemeClr>
-            </a:solidFill>
-          </a:ln>
-        </p:spPr>
-        <p:style>
-          <a:lnRef idx="1">
-            <a:schemeClr val="accent1"/>
-          </a:lnRef>
-          <a:fillRef idx="0">
-            <a:schemeClr val="accent1"/>
-          </a:fillRef>
-          <a:effectRef idx="0">
-            <a:schemeClr val="accent1"/>
-          </a:effectRef>
-          <a:fontRef idx="minor">
-            <a:schemeClr val="tx1"/>
-          </a:fontRef>
-        </p:style>
-        <p:txBody>
-          <a:bodyPr rtlCol="0" anchor="ctr"/>
-          <a:lstStyle/>
-          <a:p>
-            <a:pPr algn="ctr"/>
-            <a:endParaRPr lang="ko-KR" altLang="en-US"/>
-          </a:p>
-        </p:txBody>
-      </p:sp>
-    </p:spTree>
-    <p:extLst>
-      <p:ext uri="{BB962C8B-B14F-4D97-AF65-F5344CB8AC3E}">
-        <p14:creationId xmlns:p14="http://schemas.microsoft.com/office/powerpoint/2010/main" val="1642361146"/>
-      </p:ext>
-    </p:extLst>
-  </p:cSld>
-  <p:clrMapOvr>
-    <a:masterClrMapping/>
-  </p:clrMapOvr>
-  <mc:AlternateContent xmlns:mc="http://schemas.openxmlformats.org/markup-compatibility/2006" xmlns:p159="http://schemas.microsoft.com/office/powerpoint/2015/09/main">
-    <mc:Choice Requires="p159">
-      <p:transition xmlns:p14="http://schemas.microsoft.com/office/powerpoint/2010/main" spd="slow" p14:dur="2000">
-        <p159:morph option="byObject"/>
-      </p:transition>
-    </mc:Choice>
-    <mc:Fallback xmlns="">
-      <p:transition spd="slow">
-        <p:fade/>
-      </p:transition>
-    </mc:Fallback>
-  </mc:AlternateContent>
-</p:sld>
-</file>
-
-<file path=ppt/slides/slide25.xml><?xml version="1.0" encoding="utf-8"?>
-<p:sld xmlns:a="http://schemas.openxmlformats.org/drawingml/2006/main" xmlns:r="http://schemas.openxmlformats.org/officeDocument/2006/relationships" xmlns:p="http://schemas.openxmlformats.org/presentationml/2006/main">
-  <p:cSld>
-    <p:bg>
-      <p:bgPr>
-        <a:solidFill>
-          <a:schemeClr val="accent4"/>
-        </a:solidFill>
-        <a:effectLst/>
-      </p:bgPr>
-    </p:bg>
-    <p:spTree>
-      <p:nvGrpSpPr>
-        <p:cNvPr id="1" name=""/>
-        <p:cNvGrpSpPr/>
-        <p:nvPr/>
-      </p:nvGrpSpPr>
-      <p:grpSpPr>
-        <a:xfrm>
-          <a:off x="0" y="0"/>
-          <a:ext cx="0" cy="0"/>
-          <a:chOff x="0" y="0"/>
-          <a:chExt cx="0" cy="0"/>
-        </a:xfrm>
-      </p:grpSpPr>
-      <p:sp>
-        <p:nvSpPr>
-          <p:cNvPr id="2" name="TextBox 1">
-            <a:extLst>
-              <a:ext uri="{FF2B5EF4-FFF2-40B4-BE49-F238E27FC236}">
-                <a16:creationId xmlns:a16="http://schemas.microsoft.com/office/drawing/2014/main" id="{4DC4BA9A-1E1F-494C-B13C-A74AB56F5903}"/>
-              </a:ext>
-            </a:extLst>
-          </p:cNvPr>
-          <p:cNvSpPr txBox="1"/>
-          <p:nvPr/>
-        </p:nvSpPr>
-        <p:spPr>
-          <a:xfrm>
-            <a:off x="4463181" y="2921168"/>
-            <a:ext cx="3265638" cy="1015663"/>
-          </a:xfrm>
-          <a:prstGeom prst="rect">
-            <a:avLst/>
-          </a:prstGeom>
-          <a:noFill/>
-        </p:spPr>
-        <p:txBody>
-          <a:bodyPr wrap="none" rtlCol="0">
-            <a:spAutoFit/>
-          </a:bodyPr>
-          <a:lstStyle/>
-          <a:p>
-            <a:pPr algn="ctr"/>
-            <a:r>
-              <a:rPr lang="en-US" altLang="ko-KR" sz="6000" dirty="0">
-                <a:solidFill>
-                  <a:schemeClr val="accent4">
-                    <a:lumMod val="20000"/>
-                    <a:lumOff val="80000"/>
-                  </a:schemeClr>
-                </a:solidFill>
-              </a:rPr>
-              <a:t>#colorize</a:t>
-            </a:r>
-            <a:endParaRPr lang="ko-KR" altLang="en-US" sz="6000" dirty="0">
-              <a:solidFill>
-                <a:schemeClr val="accent4">
-                  <a:lumMod val="20000"/>
-                  <a:lumOff val="80000"/>
-                </a:schemeClr>
-              </a:solidFill>
-            </a:endParaRPr>
-          </a:p>
-        </p:txBody>
-      </p:sp>
-      <p:sp>
-        <p:nvSpPr>
-          <p:cNvPr id="3" name="양쪽 대괄호 2">
-            <a:extLst>
-              <a:ext uri="{FF2B5EF4-FFF2-40B4-BE49-F238E27FC236}">
-                <a16:creationId xmlns:a16="http://schemas.microsoft.com/office/drawing/2014/main" id="{4C49ABC6-E01A-444E-AF74-103B1E239E5D}"/>
-              </a:ext>
-            </a:extLst>
-          </p:cNvPr>
-          <p:cNvSpPr/>
-          <p:nvPr/>
-        </p:nvSpPr>
-        <p:spPr>
-          <a:xfrm>
-            <a:off x="1539949" y="2291316"/>
-            <a:ext cx="9112102" cy="2275367"/>
-          </a:xfrm>
-          <a:prstGeom prst="bracketPair">
-            <a:avLst/>
-          </a:prstGeom>
-          <a:ln>
-            <a:solidFill>
-              <a:schemeClr val="accent4">
-                <a:lumMod val="20000"/>
-                <a:lumOff val="80000"/>
-              </a:schemeClr>
-            </a:solidFill>
-          </a:ln>
-        </p:spPr>
-        <p:style>
-          <a:lnRef idx="1">
-            <a:schemeClr val="accent1"/>
-          </a:lnRef>
-          <a:fillRef idx="0">
-            <a:schemeClr val="accent1"/>
-          </a:fillRef>
-          <a:effectRef idx="0">
-            <a:schemeClr val="accent1"/>
-          </a:effectRef>
-          <a:fontRef idx="minor">
-            <a:schemeClr val="tx1"/>
-          </a:fontRef>
-        </p:style>
-        <p:txBody>
-          <a:bodyPr rtlCol="0" anchor="ctr"/>
-          <a:lstStyle/>
-          <a:p>
-            <a:pPr algn="ctr"/>
-            <a:endParaRPr lang="ko-KR" altLang="en-US"/>
-          </a:p>
-        </p:txBody>
-      </p:sp>
-    </p:spTree>
-    <p:extLst>
-      <p:ext uri="{BB962C8B-B14F-4D97-AF65-F5344CB8AC3E}">
-        <p14:creationId xmlns:p14="http://schemas.microsoft.com/office/powerpoint/2010/main" val="3559718117"/>
-      </p:ext>
-    </p:extLst>
-  </p:cSld>
-  <p:clrMapOvr>
-    <a:masterClrMapping/>
-  </p:clrMapOvr>
-  <mc:AlternateContent xmlns:mc="http://schemas.openxmlformats.org/markup-compatibility/2006" xmlns:p159="http://schemas.microsoft.com/office/powerpoint/2015/09/main">
-    <mc:Choice Requires="p159">
-      <p:transition xmlns:p14="http://schemas.microsoft.com/office/powerpoint/2010/main" spd="slow" p14:dur="2000">
-        <p159:morph option="byObject"/>
-      </p:transition>
-    </mc:Choice>
-    <mc:Fallback xmlns="">
-      <p:transition spd="slow">
-        <p:fade/>
-      </p:transition>
-    </mc:Fallback>
-  </mc:AlternateContent>
-</p:sld>
-</file>
-
-<file path=ppt/slides/slide26.xml><?xml version="1.0" encoding="utf-8"?>
-<p:sld xmlns:a="http://schemas.openxmlformats.org/drawingml/2006/main" xmlns:r="http://schemas.openxmlformats.org/officeDocument/2006/relationships" xmlns:p="http://schemas.openxmlformats.org/presentationml/2006/main">
-  <p:cSld>
-    <p:bg>
-      <p:bgPr>
-        <a:solidFill>
-          <a:schemeClr val="accent5"/>
-        </a:solidFill>
-        <a:effectLst/>
-      </p:bgPr>
-    </p:bg>
-    <p:spTree>
-      <p:nvGrpSpPr>
-        <p:cNvPr id="1" name=""/>
-        <p:cNvGrpSpPr/>
-        <p:nvPr/>
-      </p:nvGrpSpPr>
-      <p:grpSpPr>
-        <a:xfrm>
-          <a:off x="0" y="0"/>
-          <a:ext cx="0" cy="0"/>
-          <a:chOff x="0" y="0"/>
-          <a:chExt cx="0" cy="0"/>
-        </a:xfrm>
-      </p:grpSpPr>
-      <p:sp>
-        <p:nvSpPr>
-          <p:cNvPr id="2" name="TextBox 1">
-            <a:extLst>
-              <a:ext uri="{FF2B5EF4-FFF2-40B4-BE49-F238E27FC236}">
-                <a16:creationId xmlns:a16="http://schemas.microsoft.com/office/drawing/2014/main" id="{E3D5A8D0-4FA8-496B-A77D-A5FB9858569C}"/>
-              </a:ext>
-            </a:extLst>
-          </p:cNvPr>
-          <p:cNvSpPr txBox="1"/>
-          <p:nvPr/>
-        </p:nvSpPr>
-        <p:spPr>
-          <a:xfrm>
-            <a:off x="4463181" y="2921168"/>
-            <a:ext cx="3265638" cy="1015663"/>
-          </a:xfrm>
-          <a:prstGeom prst="rect">
-            <a:avLst/>
-          </a:prstGeom>
-          <a:noFill/>
-        </p:spPr>
-        <p:txBody>
-          <a:bodyPr wrap="none" rtlCol="0">
-            <a:spAutoFit/>
-          </a:bodyPr>
-          <a:lstStyle/>
-          <a:p>
-            <a:pPr algn="ctr"/>
-            <a:r>
-              <a:rPr lang="en-US" altLang="ko-KR" sz="6000" dirty="0">
-                <a:solidFill>
-                  <a:schemeClr val="accent5">
-                    <a:lumMod val="50000"/>
-                  </a:schemeClr>
-                </a:solidFill>
-              </a:rPr>
-              <a:t>#colorize</a:t>
-            </a:r>
-            <a:endParaRPr lang="ko-KR" altLang="en-US" sz="6000" dirty="0">
-              <a:solidFill>
-                <a:schemeClr val="accent5">
-                  <a:lumMod val="50000"/>
-                </a:schemeClr>
-              </a:solidFill>
-            </a:endParaRPr>
-          </a:p>
-        </p:txBody>
-      </p:sp>
-      <p:sp>
-        <p:nvSpPr>
-          <p:cNvPr id="3" name="양쪽 대괄호 2">
-            <a:extLst>
-              <a:ext uri="{FF2B5EF4-FFF2-40B4-BE49-F238E27FC236}">
-                <a16:creationId xmlns:a16="http://schemas.microsoft.com/office/drawing/2014/main" id="{F97C5775-2AB3-4A31-96CE-1B076D78B67D}"/>
-              </a:ext>
-            </a:extLst>
-          </p:cNvPr>
-          <p:cNvSpPr/>
-          <p:nvPr/>
-        </p:nvSpPr>
-        <p:spPr>
-          <a:xfrm>
-            <a:off x="1539949" y="2291316"/>
-            <a:ext cx="9112102" cy="2275367"/>
-          </a:xfrm>
-          <a:prstGeom prst="bracketPair">
-            <a:avLst/>
-          </a:prstGeom>
-          <a:ln>
-            <a:solidFill>
-              <a:schemeClr val="accent5">
-                <a:lumMod val="25000"/>
-              </a:schemeClr>
-            </a:solidFill>
-          </a:ln>
-        </p:spPr>
-        <p:style>
-          <a:lnRef idx="1">
-            <a:schemeClr val="accent1"/>
-          </a:lnRef>
-          <a:fillRef idx="0">
-            <a:schemeClr val="accent1"/>
-          </a:fillRef>
-          <a:effectRef idx="0">
-            <a:schemeClr val="accent1"/>
-          </a:effectRef>
-          <a:fontRef idx="minor">
-            <a:schemeClr val="tx1"/>
-          </a:fontRef>
-        </p:style>
-        <p:txBody>
-          <a:bodyPr rtlCol="0" anchor="ctr"/>
-          <a:lstStyle/>
-          <a:p>
-            <a:pPr algn="ctr"/>
-            <a:endParaRPr lang="ko-KR" altLang="en-US"/>
-          </a:p>
-        </p:txBody>
-      </p:sp>
-    </p:spTree>
-    <p:extLst>
-      <p:ext uri="{BB962C8B-B14F-4D97-AF65-F5344CB8AC3E}">
-        <p14:creationId xmlns:p14="http://schemas.microsoft.com/office/powerpoint/2010/main" val="97387058"/>
       </p:ext>
     </p:extLst>
   </p:cSld>
@@ -13764,6 +14139,689 @@
     <p:bg>
       <p:bgPr>
         <a:solidFill>
+          <a:schemeClr val="accent3"/>
+        </a:solidFill>
+        <a:effectLst/>
+      </p:bgPr>
+    </p:bg>
+    <p:spTree>
+      <p:nvGrpSpPr>
+        <p:cNvPr id="1" name=""/>
+        <p:cNvGrpSpPr/>
+        <p:nvPr/>
+      </p:nvGrpSpPr>
+      <p:grpSpPr>
+        <a:xfrm>
+          <a:off x="0" y="0"/>
+          <a:ext cx="0" cy="0"/>
+          <a:chOff x="0" y="0"/>
+          <a:chExt cx="0" cy="0"/>
+        </a:xfrm>
+      </p:grpSpPr>
+      <p:sp>
+        <p:nvSpPr>
+          <p:cNvPr id="2" name="TextBox 1">
+            <a:extLst>
+              <a:ext uri="{FF2B5EF4-FFF2-40B4-BE49-F238E27FC236}">
+                <a16:creationId xmlns:a16="http://schemas.microsoft.com/office/drawing/2014/main" id="{F72F83EF-7ACF-4D34-AB7A-61368AEC4367}"/>
+              </a:ext>
+            </a:extLst>
+          </p:cNvPr>
+          <p:cNvSpPr txBox="1"/>
+          <p:nvPr/>
+        </p:nvSpPr>
+        <p:spPr>
+          <a:xfrm>
+            <a:off x="4463181" y="2921168"/>
+            <a:ext cx="3265638" cy="1015663"/>
+          </a:xfrm>
+          <a:prstGeom prst="rect">
+            <a:avLst/>
+          </a:prstGeom>
+          <a:noFill/>
+        </p:spPr>
+        <p:txBody>
+          <a:bodyPr wrap="none" rtlCol="0">
+            <a:spAutoFit/>
+          </a:bodyPr>
+          <a:lstStyle/>
+          <a:p>
+            <a:pPr algn="ctr"/>
+            <a:r>
+              <a:rPr lang="en-US" altLang="ko-KR" sz="6000" dirty="0">
+                <a:solidFill>
+                  <a:schemeClr val="accent3">
+                    <a:lumMod val="20000"/>
+                    <a:lumOff val="80000"/>
+                  </a:schemeClr>
+                </a:solidFill>
+              </a:rPr>
+              <a:t>#colorize</a:t>
+            </a:r>
+            <a:endParaRPr lang="ko-KR" altLang="en-US" sz="6000" dirty="0">
+              <a:solidFill>
+                <a:schemeClr val="accent3">
+                  <a:lumMod val="20000"/>
+                  <a:lumOff val="80000"/>
+                </a:schemeClr>
+              </a:solidFill>
+            </a:endParaRPr>
+          </a:p>
+        </p:txBody>
+      </p:sp>
+      <p:sp>
+        <p:nvSpPr>
+          <p:cNvPr id="3" name="양쪽 대괄호 2">
+            <a:extLst>
+              <a:ext uri="{FF2B5EF4-FFF2-40B4-BE49-F238E27FC236}">
+                <a16:creationId xmlns:a16="http://schemas.microsoft.com/office/drawing/2014/main" id="{0652D7BA-A1E8-435B-93C2-914AC626F57D}"/>
+              </a:ext>
+            </a:extLst>
+          </p:cNvPr>
+          <p:cNvSpPr/>
+          <p:nvPr/>
+        </p:nvSpPr>
+        <p:spPr>
+          <a:xfrm>
+            <a:off x="1539949" y="2291316"/>
+            <a:ext cx="9112102" cy="2275367"/>
+          </a:xfrm>
+          <a:prstGeom prst="bracketPair">
+            <a:avLst/>
+          </a:prstGeom>
+          <a:ln>
+            <a:solidFill>
+              <a:schemeClr val="accent3">
+                <a:lumMod val="20000"/>
+                <a:lumOff val="80000"/>
+              </a:schemeClr>
+            </a:solidFill>
+          </a:ln>
+        </p:spPr>
+        <p:style>
+          <a:lnRef idx="1">
+            <a:schemeClr val="accent1"/>
+          </a:lnRef>
+          <a:fillRef idx="0">
+            <a:schemeClr val="accent1"/>
+          </a:fillRef>
+          <a:effectRef idx="0">
+            <a:schemeClr val="accent1"/>
+          </a:effectRef>
+          <a:fontRef idx="minor">
+            <a:schemeClr val="tx1"/>
+          </a:fontRef>
+        </p:style>
+        <p:txBody>
+          <a:bodyPr rtlCol="0" anchor="ctr"/>
+          <a:lstStyle/>
+          <a:p>
+            <a:pPr algn="ctr"/>
+            <a:endParaRPr lang="ko-KR" altLang="en-US"/>
+          </a:p>
+        </p:txBody>
+      </p:sp>
+    </p:spTree>
+    <p:extLst>
+      <p:ext uri="{BB962C8B-B14F-4D97-AF65-F5344CB8AC3E}">
+        <p14:creationId xmlns:p14="http://schemas.microsoft.com/office/powerpoint/2010/main" val="1642361146"/>
+      </p:ext>
+    </p:extLst>
+  </p:cSld>
+  <p:clrMapOvr>
+    <a:masterClrMapping/>
+  </p:clrMapOvr>
+  <mc:AlternateContent xmlns:mc="http://schemas.openxmlformats.org/markup-compatibility/2006" xmlns:p159="http://schemas.microsoft.com/office/powerpoint/2015/09/main">
+    <mc:Choice Requires="p159">
+      <p:transition xmlns:p14="http://schemas.microsoft.com/office/powerpoint/2010/main" spd="slow" p14:dur="2000">
+        <p159:morph option="byObject"/>
+      </p:transition>
+    </mc:Choice>
+    <mc:Fallback xmlns="">
+      <p:transition spd="slow">
+        <p:fade/>
+      </p:transition>
+    </mc:Fallback>
+  </mc:AlternateContent>
+</p:sld>
+</file>
+
+<file path=ppt/slides/slide28.xml><?xml version="1.0" encoding="utf-8"?>
+<p:sld xmlns:a="http://schemas.openxmlformats.org/drawingml/2006/main" xmlns:r="http://schemas.openxmlformats.org/officeDocument/2006/relationships" xmlns:p="http://schemas.openxmlformats.org/presentationml/2006/main">
+  <p:cSld>
+    <p:bg>
+      <p:bgPr>
+        <a:solidFill>
+          <a:schemeClr val="accent4"/>
+        </a:solidFill>
+        <a:effectLst/>
+      </p:bgPr>
+    </p:bg>
+    <p:spTree>
+      <p:nvGrpSpPr>
+        <p:cNvPr id="1" name=""/>
+        <p:cNvGrpSpPr/>
+        <p:nvPr/>
+      </p:nvGrpSpPr>
+      <p:grpSpPr>
+        <a:xfrm>
+          <a:off x="0" y="0"/>
+          <a:ext cx="0" cy="0"/>
+          <a:chOff x="0" y="0"/>
+          <a:chExt cx="0" cy="0"/>
+        </a:xfrm>
+      </p:grpSpPr>
+      <p:sp>
+        <p:nvSpPr>
+          <p:cNvPr id="2" name="TextBox 1">
+            <a:extLst>
+              <a:ext uri="{FF2B5EF4-FFF2-40B4-BE49-F238E27FC236}">
+                <a16:creationId xmlns:a16="http://schemas.microsoft.com/office/drawing/2014/main" id="{4DC4BA9A-1E1F-494C-B13C-A74AB56F5903}"/>
+              </a:ext>
+            </a:extLst>
+          </p:cNvPr>
+          <p:cNvSpPr txBox="1"/>
+          <p:nvPr/>
+        </p:nvSpPr>
+        <p:spPr>
+          <a:xfrm>
+            <a:off x="4463181" y="2921168"/>
+            <a:ext cx="3265638" cy="1015663"/>
+          </a:xfrm>
+          <a:prstGeom prst="rect">
+            <a:avLst/>
+          </a:prstGeom>
+          <a:noFill/>
+        </p:spPr>
+        <p:txBody>
+          <a:bodyPr wrap="none" rtlCol="0">
+            <a:spAutoFit/>
+          </a:bodyPr>
+          <a:lstStyle/>
+          <a:p>
+            <a:pPr algn="ctr"/>
+            <a:r>
+              <a:rPr lang="en-US" altLang="ko-KR" sz="6000" dirty="0">
+                <a:solidFill>
+                  <a:schemeClr val="accent4">
+                    <a:lumMod val="20000"/>
+                    <a:lumOff val="80000"/>
+                  </a:schemeClr>
+                </a:solidFill>
+              </a:rPr>
+              <a:t>#colorize</a:t>
+            </a:r>
+            <a:endParaRPr lang="ko-KR" altLang="en-US" sz="6000" dirty="0">
+              <a:solidFill>
+                <a:schemeClr val="accent4">
+                  <a:lumMod val="20000"/>
+                  <a:lumOff val="80000"/>
+                </a:schemeClr>
+              </a:solidFill>
+            </a:endParaRPr>
+          </a:p>
+        </p:txBody>
+      </p:sp>
+      <p:sp>
+        <p:nvSpPr>
+          <p:cNvPr id="3" name="양쪽 대괄호 2">
+            <a:extLst>
+              <a:ext uri="{FF2B5EF4-FFF2-40B4-BE49-F238E27FC236}">
+                <a16:creationId xmlns:a16="http://schemas.microsoft.com/office/drawing/2014/main" id="{4C49ABC6-E01A-444E-AF74-103B1E239E5D}"/>
+              </a:ext>
+            </a:extLst>
+          </p:cNvPr>
+          <p:cNvSpPr/>
+          <p:nvPr/>
+        </p:nvSpPr>
+        <p:spPr>
+          <a:xfrm>
+            <a:off x="1539949" y="2291316"/>
+            <a:ext cx="9112102" cy="2275367"/>
+          </a:xfrm>
+          <a:prstGeom prst="bracketPair">
+            <a:avLst/>
+          </a:prstGeom>
+          <a:ln>
+            <a:solidFill>
+              <a:schemeClr val="accent4">
+                <a:lumMod val="20000"/>
+                <a:lumOff val="80000"/>
+              </a:schemeClr>
+            </a:solidFill>
+          </a:ln>
+        </p:spPr>
+        <p:style>
+          <a:lnRef idx="1">
+            <a:schemeClr val="accent1"/>
+          </a:lnRef>
+          <a:fillRef idx="0">
+            <a:schemeClr val="accent1"/>
+          </a:fillRef>
+          <a:effectRef idx="0">
+            <a:schemeClr val="accent1"/>
+          </a:effectRef>
+          <a:fontRef idx="minor">
+            <a:schemeClr val="tx1"/>
+          </a:fontRef>
+        </p:style>
+        <p:txBody>
+          <a:bodyPr rtlCol="0" anchor="ctr"/>
+          <a:lstStyle/>
+          <a:p>
+            <a:pPr algn="ctr"/>
+            <a:endParaRPr lang="ko-KR" altLang="en-US"/>
+          </a:p>
+        </p:txBody>
+      </p:sp>
+    </p:spTree>
+    <p:extLst>
+      <p:ext uri="{BB962C8B-B14F-4D97-AF65-F5344CB8AC3E}">
+        <p14:creationId xmlns:p14="http://schemas.microsoft.com/office/powerpoint/2010/main" val="3559718117"/>
+      </p:ext>
+    </p:extLst>
+  </p:cSld>
+  <p:clrMapOvr>
+    <a:masterClrMapping/>
+  </p:clrMapOvr>
+  <mc:AlternateContent xmlns:mc="http://schemas.openxmlformats.org/markup-compatibility/2006" xmlns:p159="http://schemas.microsoft.com/office/powerpoint/2015/09/main">
+    <mc:Choice Requires="p159">
+      <p:transition xmlns:p14="http://schemas.microsoft.com/office/powerpoint/2010/main" spd="slow" p14:dur="2000">
+        <p159:morph option="byObject"/>
+      </p:transition>
+    </mc:Choice>
+    <mc:Fallback xmlns="">
+      <p:transition spd="slow">
+        <p:fade/>
+      </p:transition>
+    </mc:Fallback>
+  </mc:AlternateContent>
+</p:sld>
+</file>
+
+<file path=ppt/slides/slide29.xml><?xml version="1.0" encoding="utf-8"?>
+<p:sld xmlns:a="http://schemas.openxmlformats.org/drawingml/2006/main" xmlns:r="http://schemas.openxmlformats.org/officeDocument/2006/relationships" xmlns:p="http://schemas.openxmlformats.org/presentationml/2006/main">
+  <p:cSld>
+    <p:bg>
+      <p:bgPr>
+        <a:solidFill>
+          <a:schemeClr val="accent5"/>
+        </a:solidFill>
+        <a:effectLst/>
+      </p:bgPr>
+    </p:bg>
+    <p:spTree>
+      <p:nvGrpSpPr>
+        <p:cNvPr id="1" name=""/>
+        <p:cNvGrpSpPr/>
+        <p:nvPr/>
+      </p:nvGrpSpPr>
+      <p:grpSpPr>
+        <a:xfrm>
+          <a:off x="0" y="0"/>
+          <a:ext cx="0" cy="0"/>
+          <a:chOff x="0" y="0"/>
+          <a:chExt cx="0" cy="0"/>
+        </a:xfrm>
+      </p:grpSpPr>
+      <p:sp>
+        <p:nvSpPr>
+          <p:cNvPr id="2" name="TextBox 1">
+            <a:extLst>
+              <a:ext uri="{FF2B5EF4-FFF2-40B4-BE49-F238E27FC236}">
+                <a16:creationId xmlns:a16="http://schemas.microsoft.com/office/drawing/2014/main" id="{E3D5A8D0-4FA8-496B-A77D-A5FB9858569C}"/>
+              </a:ext>
+            </a:extLst>
+          </p:cNvPr>
+          <p:cNvSpPr txBox="1"/>
+          <p:nvPr/>
+        </p:nvSpPr>
+        <p:spPr>
+          <a:xfrm>
+            <a:off x="4463181" y="2921168"/>
+            <a:ext cx="3265638" cy="1015663"/>
+          </a:xfrm>
+          <a:prstGeom prst="rect">
+            <a:avLst/>
+          </a:prstGeom>
+          <a:noFill/>
+        </p:spPr>
+        <p:txBody>
+          <a:bodyPr wrap="none" rtlCol="0">
+            <a:spAutoFit/>
+          </a:bodyPr>
+          <a:lstStyle/>
+          <a:p>
+            <a:pPr algn="ctr"/>
+            <a:r>
+              <a:rPr lang="en-US" altLang="ko-KR" sz="6000" dirty="0">
+                <a:solidFill>
+                  <a:schemeClr val="accent5">
+                    <a:lumMod val="50000"/>
+                  </a:schemeClr>
+                </a:solidFill>
+              </a:rPr>
+              <a:t>#colorize</a:t>
+            </a:r>
+            <a:endParaRPr lang="ko-KR" altLang="en-US" sz="6000" dirty="0">
+              <a:solidFill>
+                <a:schemeClr val="accent5">
+                  <a:lumMod val="50000"/>
+                </a:schemeClr>
+              </a:solidFill>
+            </a:endParaRPr>
+          </a:p>
+        </p:txBody>
+      </p:sp>
+      <p:sp>
+        <p:nvSpPr>
+          <p:cNvPr id="3" name="양쪽 대괄호 2">
+            <a:extLst>
+              <a:ext uri="{FF2B5EF4-FFF2-40B4-BE49-F238E27FC236}">
+                <a16:creationId xmlns:a16="http://schemas.microsoft.com/office/drawing/2014/main" id="{F97C5775-2AB3-4A31-96CE-1B076D78B67D}"/>
+              </a:ext>
+            </a:extLst>
+          </p:cNvPr>
+          <p:cNvSpPr/>
+          <p:nvPr/>
+        </p:nvSpPr>
+        <p:spPr>
+          <a:xfrm>
+            <a:off x="1539949" y="2291316"/>
+            <a:ext cx="9112102" cy="2275367"/>
+          </a:xfrm>
+          <a:prstGeom prst="bracketPair">
+            <a:avLst/>
+          </a:prstGeom>
+          <a:ln>
+            <a:solidFill>
+              <a:schemeClr val="accent5">
+                <a:lumMod val="25000"/>
+              </a:schemeClr>
+            </a:solidFill>
+          </a:ln>
+        </p:spPr>
+        <p:style>
+          <a:lnRef idx="1">
+            <a:schemeClr val="accent1"/>
+          </a:lnRef>
+          <a:fillRef idx="0">
+            <a:schemeClr val="accent1"/>
+          </a:fillRef>
+          <a:effectRef idx="0">
+            <a:schemeClr val="accent1"/>
+          </a:effectRef>
+          <a:fontRef idx="minor">
+            <a:schemeClr val="tx1"/>
+          </a:fontRef>
+        </p:style>
+        <p:txBody>
+          <a:bodyPr rtlCol="0" anchor="ctr"/>
+          <a:lstStyle/>
+          <a:p>
+            <a:pPr algn="ctr"/>
+            <a:endParaRPr lang="ko-KR" altLang="en-US"/>
+          </a:p>
+        </p:txBody>
+      </p:sp>
+    </p:spTree>
+    <p:extLst>
+      <p:ext uri="{BB962C8B-B14F-4D97-AF65-F5344CB8AC3E}">
+        <p14:creationId xmlns:p14="http://schemas.microsoft.com/office/powerpoint/2010/main" val="97387058"/>
+      </p:ext>
+    </p:extLst>
+  </p:cSld>
+  <p:clrMapOvr>
+    <a:masterClrMapping/>
+  </p:clrMapOvr>
+  <mc:AlternateContent xmlns:mc="http://schemas.openxmlformats.org/markup-compatibility/2006" xmlns:p159="http://schemas.microsoft.com/office/powerpoint/2015/09/main">
+    <mc:Choice Requires="p159">
+      <p:transition xmlns:p14="http://schemas.microsoft.com/office/powerpoint/2010/main" spd="slow" p14:dur="2000">
+        <p159:morph option="byObject"/>
+      </p:transition>
+    </mc:Choice>
+    <mc:Fallback xmlns="">
+      <p:transition spd="slow">
+        <p:fade/>
+      </p:transition>
+    </mc:Fallback>
+  </mc:AlternateContent>
+</p:sld>
+</file>
+
+<file path=ppt/slides/slide3.xml><?xml version="1.0" encoding="utf-8"?>
+<p:sld xmlns:a="http://schemas.openxmlformats.org/drawingml/2006/main" xmlns:r="http://schemas.openxmlformats.org/officeDocument/2006/relationships" xmlns:p="http://schemas.openxmlformats.org/presentationml/2006/main">
+  <p:cSld>
+    <p:bg>
+      <p:bgPr>
+        <a:gradFill flip="none" rotWithShape="1">
+          <a:gsLst>
+            <a:gs pos="0">
+              <a:srgbClr val="FD767B"/>
+            </a:gs>
+            <a:gs pos="30000">
+              <a:srgbClr val="F8ADA8"/>
+            </a:gs>
+            <a:gs pos="78000">
+              <a:srgbClr val="D8C9C6"/>
+            </a:gs>
+            <a:gs pos="100000">
+              <a:srgbClr val="AFD7D9"/>
+            </a:gs>
+          </a:gsLst>
+          <a:lin ang="16200000" scaled="1"/>
+          <a:tileRect/>
+        </a:gradFill>
+        <a:effectLst/>
+      </p:bgPr>
+    </p:bg>
+    <p:spTree>
+      <p:nvGrpSpPr>
+        <p:cNvPr id="1" name=""/>
+        <p:cNvGrpSpPr/>
+        <p:nvPr/>
+      </p:nvGrpSpPr>
+      <p:grpSpPr>
+        <a:xfrm>
+          <a:off x="0" y="0"/>
+          <a:ext cx="0" cy="0"/>
+          <a:chOff x="0" y="0"/>
+          <a:chExt cx="0" cy="0"/>
+        </a:xfrm>
+      </p:grpSpPr>
+      <p:pic>
+        <p:nvPicPr>
+          <p:cNvPr id="2" name="図 1"/>
+          <p:cNvPicPr>
+            <a:picLocks noChangeAspect="1"/>
+          </p:cNvPicPr>
+          <p:nvPr/>
+        </p:nvPicPr>
+        <p:blipFill>
+          <a:blip r:embed="rId2" cstate="print">
+            <a:extLst>
+              <a:ext uri="{28A0092B-C50C-407E-A947-70E740481C1C}">
+                <a14:useLocalDpi xmlns:a14="http://schemas.microsoft.com/office/drawing/2010/main" val="0"/>
+              </a:ext>
+            </a:extLst>
+          </a:blip>
+          <a:stretch>
+            <a:fillRect/>
+          </a:stretch>
+        </p:blipFill>
+        <p:spPr>
+          <a:xfrm>
+            <a:off x="0" y="0"/>
+            <a:ext cx="5486400" cy="6858000"/>
+          </a:xfrm>
+          <a:prstGeom prst="rect">
+            <a:avLst/>
+          </a:prstGeom>
+        </p:spPr>
+      </p:pic>
+      <p:sp>
+        <p:nvSpPr>
+          <p:cNvPr id="4" name="正方形/長方形 1">
+            <a:extLst>
+              <a:ext uri="{FF2B5EF4-FFF2-40B4-BE49-F238E27FC236}">
+                <a16:creationId xmlns:a16="http://schemas.microsoft.com/office/drawing/2014/main" id="{06958DF4-BC45-4BE1-8480-5FD300E27B59}"/>
+              </a:ext>
+            </a:extLst>
+          </p:cNvPr>
+          <p:cNvSpPr/>
+          <p:nvPr/>
+        </p:nvSpPr>
+        <p:spPr>
+          <a:xfrm>
+            <a:off x="7324367" y="1849332"/>
+            <a:ext cx="3159336" cy="3159336"/>
+          </a:xfrm>
+          <a:prstGeom prst="rect">
+            <a:avLst/>
+          </a:prstGeom>
+          <a:noFill/>
+          <a:ln w="165100">
+            <a:solidFill>
+              <a:schemeClr val="bg1"/>
+            </a:solidFill>
+          </a:ln>
+        </p:spPr>
+        <p:style>
+          <a:lnRef idx="2">
+            <a:schemeClr val="accent1">
+              <a:shade val="50000"/>
+            </a:schemeClr>
+          </a:lnRef>
+          <a:fillRef idx="1">
+            <a:schemeClr val="accent1"/>
+          </a:fillRef>
+          <a:effectRef idx="0">
+            <a:schemeClr val="accent1"/>
+          </a:effectRef>
+          <a:fontRef idx="minor">
+            <a:schemeClr val="lt1"/>
+          </a:fontRef>
+        </p:style>
+        <p:txBody>
+          <a:bodyPr rtlCol="0" anchor="ctr"/>
+          <a:lstStyle/>
+          <a:p>
+            <a:pPr algn="ctr"/>
+            <a:endParaRPr lang="ja-JP" altLang="en-US"/>
+          </a:p>
+        </p:txBody>
+      </p:sp>
+      <p:sp>
+        <p:nvSpPr>
+          <p:cNvPr id="5" name="TextBox 4">
+            <a:extLst>
+              <a:ext uri="{FF2B5EF4-FFF2-40B4-BE49-F238E27FC236}">
+                <a16:creationId xmlns:a16="http://schemas.microsoft.com/office/drawing/2014/main" id="{FA8B381D-9A50-4C58-9438-A7AA511FA1FD}"/>
+              </a:ext>
+            </a:extLst>
+          </p:cNvPr>
+          <p:cNvSpPr txBox="1"/>
+          <p:nvPr/>
+        </p:nvSpPr>
+        <p:spPr>
+          <a:xfrm>
+            <a:off x="7681371" y="3157878"/>
+            <a:ext cx="2424062" cy="584775"/>
+          </a:xfrm>
+          <a:prstGeom prst="rect">
+            <a:avLst/>
+          </a:prstGeom>
+          <a:noFill/>
+        </p:spPr>
+        <p:txBody>
+          <a:bodyPr wrap="none" rtlCol="0">
+            <a:spAutoFit/>
+          </a:bodyPr>
+          <a:lstStyle/>
+          <a:p>
+            <a:pPr algn="ctr"/>
+            <a:r>
+              <a:rPr lang="ko-KR" altLang="en-US" sz="3200" b="1" dirty="0">
+                <a:solidFill>
+                  <a:schemeClr val="bg1"/>
+                </a:solidFill>
+              </a:rPr>
+              <a:t>소개 및 개요</a:t>
+            </a:r>
+          </a:p>
+        </p:txBody>
+      </p:sp>
+      <p:sp>
+        <p:nvSpPr>
+          <p:cNvPr id="7" name="TextBox 6">
+            <a:extLst>
+              <a:ext uri="{FF2B5EF4-FFF2-40B4-BE49-F238E27FC236}">
+                <a16:creationId xmlns:a16="http://schemas.microsoft.com/office/drawing/2014/main" id="{7A0F9463-4505-451F-8BF5-877E3F648D14}"/>
+              </a:ext>
+            </a:extLst>
+          </p:cNvPr>
+          <p:cNvSpPr txBox="1"/>
+          <p:nvPr/>
+        </p:nvSpPr>
+        <p:spPr>
+          <a:xfrm flipH="1">
+            <a:off x="8535350" y="2573103"/>
+            <a:ext cx="737369" cy="584775"/>
+          </a:xfrm>
+          <a:prstGeom prst="rect">
+            <a:avLst/>
+          </a:prstGeom>
+          <a:noFill/>
+        </p:spPr>
+        <p:txBody>
+          <a:bodyPr wrap="square" rtlCol="0">
+            <a:spAutoFit/>
+          </a:bodyPr>
+          <a:lstStyle/>
+          <a:p>
+            <a:pPr algn="ctr"/>
+            <a:r>
+              <a:rPr lang="en-US" altLang="ko-KR" sz="3200" b="1" spc="300" dirty="0">
+                <a:solidFill>
+                  <a:schemeClr val="bg1"/>
+                </a:solidFill>
+              </a:rPr>
+              <a:t>01</a:t>
+            </a:r>
+          </a:p>
+        </p:txBody>
+      </p:sp>
+    </p:spTree>
+    <p:extLst>
+      <p:ext uri="{BB962C8B-B14F-4D97-AF65-F5344CB8AC3E}">
+        <p14:creationId xmlns:p14="http://schemas.microsoft.com/office/powerpoint/2010/main" val="2463353371"/>
+      </p:ext>
+    </p:extLst>
+  </p:cSld>
+  <p:clrMapOvr>
+    <a:masterClrMapping/>
+  </p:clrMapOvr>
+  <mc:AlternateContent xmlns:mc="http://schemas.openxmlformats.org/markup-compatibility/2006" xmlns:p159="http://schemas.microsoft.com/office/powerpoint/2015/09/main">
+    <mc:Choice Requires="p159">
+      <p:transition xmlns:p14="http://schemas.microsoft.com/office/powerpoint/2010/main" spd="slow" p14:dur="2000">
+        <p159:morph option="byObject"/>
+      </p:transition>
+    </mc:Choice>
+    <mc:Fallback xmlns="">
+      <p:transition spd="slow">
+        <p:fade/>
+      </p:transition>
+    </mc:Fallback>
+  </mc:AlternateContent>
+</p:sld>
+</file>
+
+<file path=ppt/slides/slide30.xml><?xml version="1.0" encoding="utf-8"?>
+<p:sld xmlns:a="http://schemas.openxmlformats.org/drawingml/2006/main" xmlns:r="http://schemas.openxmlformats.org/officeDocument/2006/relationships" xmlns:p="http://schemas.openxmlformats.org/presentationml/2006/main">
+  <p:cSld>
+    <p:bg>
+      <p:bgPr>
+        <a:solidFill>
           <a:schemeClr val="accent6"/>
         </a:solidFill>
         <a:effectLst/>
@@ -13911,7 +14969,7 @@
 </p:sld>
 </file>
 
-<file path=ppt/slides/slide28.xml><?xml version="1.0" encoding="utf-8"?>
+<file path=ppt/slides/slide31.xml><?xml version="1.0" encoding="utf-8"?>
 <p:sld xmlns:a="http://schemas.openxmlformats.org/drawingml/2006/main" xmlns:r="http://schemas.openxmlformats.org/officeDocument/2006/relationships" xmlns:p="http://schemas.openxmlformats.org/presentationml/2006/main">
   <p:cSld>
     <p:spTree>
@@ -15069,7 +16127,7 @@
 </p:sld>
 </file>
 
-<file path=ppt/slides/slide29.xml><?xml version="1.0" encoding="utf-8"?>
+<file path=ppt/slides/slide32.xml><?xml version="1.0" encoding="utf-8"?>
 <p:sld xmlns:a="http://schemas.openxmlformats.org/drawingml/2006/main" xmlns:r="http://schemas.openxmlformats.org/officeDocument/2006/relationships" xmlns:p="http://schemas.openxmlformats.org/presentationml/2006/main">
   <p:cSld>
     <p:bg>
@@ -15185,233 +16243,6 @@
     <p:extLst>
       <p:ext uri="{BB962C8B-B14F-4D97-AF65-F5344CB8AC3E}">
         <p14:creationId xmlns:p14="http://schemas.microsoft.com/office/powerpoint/2010/main" val="3463277454"/>
-      </p:ext>
-    </p:extLst>
-  </p:cSld>
-  <p:clrMapOvr>
-    <a:masterClrMapping/>
-  </p:clrMapOvr>
-  <mc:AlternateContent xmlns:mc="http://schemas.openxmlformats.org/markup-compatibility/2006" xmlns:p159="http://schemas.microsoft.com/office/powerpoint/2015/09/main">
-    <mc:Choice Requires="p159">
-      <p:transition xmlns:p14="http://schemas.microsoft.com/office/powerpoint/2010/main" spd="slow" p14:dur="2000">
-        <p159:morph option="byObject"/>
-      </p:transition>
-    </mc:Choice>
-    <mc:Fallback xmlns="">
-      <p:transition spd="slow">
-        <p:fade/>
-      </p:transition>
-    </mc:Fallback>
-  </mc:AlternateContent>
-</p:sld>
-</file>
-
-<file path=ppt/slides/slide3.xml><?xml version="1.0" encoding="utf-8"?>
-<p:sld xmlns:a="http://schemas.openxmlformats.org/drawingml/2006/main" xmlns:r="http://schemas.openxmlformats.org/officeDocument/2006/relationships" xmlns:p="http://schemas.openxmlformats.org/presentationml/2006/main">
-  <p:cSld>
-    <p:bg>
-      <p:bgPr>
-        <a:gradFill flip="none" rotWithShape="1">
-          <a:gsLst>
-            <a:gs pos="0">
-              <a:srgbClr val="FD767B"/>
-            </a:gs>
-            <a:gs pos="30000">
-              <a:srgbClr val="F8ADA8"/>
-            </a:gs>
-            <a:gs pos="78000">
-              <a:srgbClr val="D8C9C6"/>
-            </a:gs>
-            <a:gs pos="100000">
-              <a:srgbClr val="AFD7D9"/>
-            </a:gs>
-          </a:gsLst>
-          <a:lin ang="16200000" scaled="1"/>
-          <a:tileRect/>
-        </a:gradFill>
-        <a:effectLst/>
-      </p:bgPr>
-    </p:bg>
-    <p:spTree>
-      <p:nvGrpSpPr>
-        <p:cNvPr id="1" name=""/>
-        <p:cNvGrpSpPr/>
-        <p:nvPr/>
-      </p:nvGrpSpPr>
-      <p:grpSpPr>
-        <a:xfrm>
-          <a:off x="0" y="0"/>
-          <a:ext cx="0" cy="0"/>
-          <a:chOff x="0" y="0"/>
-          <a:chExt cx="0" cy="0"/>
-        </a:xfrm>
-      </p:grpSpPr>
-      <p:pic>
-        <p:nvPicPr>
-          <p:cNvPr id="2" name="図 1"/>
-          <p:cNvPicPr>
-            <a:picLocks noChangeAspect="1"/>
-          </p:cNvPicPr>
-          <p:nvPr/>
-        </p:nvPicPr>
-        <p:blipFill>
-          <a:blip r:embed="rId2" cstate="print">
-            <a:extLst>
-              <a:ext uri="{28A0092B-C50C-407E-A947-70E740481C1C}">
-                <a14:useLocalDpi xmlns:a14="http://schemas.microsoft.com/office/drawing/2010/main" val="0"/>
-              </a:ext>
-            </a:extLst>
-          </a:blip>
-          <a:stretch>
-            <a:fillRect/>
-          </a:stretch>
-        </p:blipFill>
-        <p:spPr>
-          <a:xfrm>
-            <a:off x="0" y="0"/>
-            <a:ext cx="5486400" cy="6858000"/>
-          </a:xfrm>
-          <a:prstGeom prst="rect">
-            <a:avLst/>
-          </a:prstGeom>
-        </p:spPr>
-      </p:pic>
-      <p:sp>
-        <p:nvSpPr>
-          <p:cNvPr id="4" name="正方形/長方形 1">
-            <a:extLst>
-              <a:ext uri="{FF2B5EF4-FFF2-40B4-BE49-F238E27FC236}">
-                <a16:creationId xmlns:a16="http://schemas.microsoft.com/office/drawing/2014/main" id="{06958DF4-BC45-4BE1-8480-5FD300E27B59}"/>
-              </a:ext>
-            </a:extLst>
-          </p:cNvPr>
-          <p:cNvSpPr/>
-          <p:nvPr/>
-        </p:nvSpPr>
-        <p:spPr>
-          <a:xfrm>
-            <a:off x="7324367" y="1849332"/>
-            <a:ext cx="3159336" cy="3159336"/>
-          </a:xfrm>
-          <a:prstGeom prst="rect">
-            <a:avLst/>
-          </a:prstGeom>
-          <a:noFill/>
-          <a:ln w="165100">
-            <a:solidFill>
-              <a:schemeClr val="bg1"/>
-            </a:solidFill>
-          </a:ln>
-        </p:spPr>
-        <p:style>
-          <a:lnRef idx="2">
-            <a:schemeClr val="accent1">
-              <a:shade val="50000"/>
-            </a:schemeClr>
-          </a:lnRef>
-          <a:fillRef idx="1">
-            <a:schemeClr val="accent1"/>
-          </a:fillRef>
-          <a:effectRef idx="0">
-            <a:schemeClr val="accent1"/>
-          </a:effectRef>
-          <a:fontRef idx="minor">
-            <a:schemeClr val="lt1"/>
-          </a:fontRef>
-        </p:style>
-        <p:txBody>
-          <a:bodyPr rtlCol="0" anchor="ctr"/>
-          <a:lstStyle/>
-          <a:p>
-            <a:pPr algn="ctr"/>
-            <a:endParaRPr lang="ja-JP" altLang="en-US"/>
-          </a:p>
-        </p:txBody>
-      </p:sp>
-      <p:sp>
-        <p:nvSpPr>
-          <p:cNvPr id="5" name="TextBox 4">
-            <a:extLst>
-              <a:ext uri="{FF2B5EF4-FFF2-40B4-BE49-F238E27FC236}">
-                <a16:creationId xmlns:a16="http://schemas.microsoft.com/office/drawing/2014/main" id="{FA8B381D-9A50-4C58-9438-A7AA511FA1FD}"/>
-              </a:ext>
-            </a:extLst>
-          </p:cNvPr>
-          <p:cNvSpPr txBox="1"/>
-          <p:nvPr/>
-        </p:nvSpPr>
-        <p:spPr>
-          <a:xfrm>
-            <a:off x="7681371" y="3157878"/>
-            <a:ext cx="2424062" cy="584775"/>
-          </a:xfrm>
-          <a:prstGeom prst="rect">
-            <a:avLst/>
-          </a:prstGeom>
-          <a:noFill/>
-        </p:spPr>
-        <p:txBody>
-          <a:bodyPr wrap="none" rtlCol="0">
-            <a:spAutoFit/>
-          </a:bodyPr>
-          <a:lstStyle/>
-          <a:p>
-            <a:pPr algn="ctr"/>
-            <a:r>
-              <a:rPr lang="ko-KR" altLang="en-US" sz="3200" b="1" dirty="0">
-                <a:solidFill>
-                  <a:schemeClr val="bg1"/>
-                </a:solidFill>
-              </a:rPr>
-              <a:t>소개 및 개요</a:t>
-            </a:r>
-          </a:p>
-        </p:txBody>
-      </p:sp>
-      <p:sp>
-        <p:nvSpPr>
-          <p:cNvPr id="7" name="TextBox 6">
-            <a:extLst>
-              <a:ext uri="{FF2B5EF4-FFF2-40B4-BE49-F238E27FC236}">
-                <a16:creationId xmlns:a16="http://schemas.microsoft.com/office/drawing/2014/main" id="{7A0F9463-4505-451F-8BF5-877E3F648D14}"/>
-              </a:ext>
-            </a:extLst>
-          </p:cNvPr>
-          <p:cNvSpPr txBox="1"/>
-          <p:nvPr/>
-        </p:nvSpPr>
-        <p:spPr>
-          <a:xfrm flipH="1">
-            <a:off x="8535350" y="2573103"/>
-            <a:ext cx="737369" cy="584775"/>
-          </a:xfrm>
-          <a:prstGeom prst="rect">
-            <a:avLst/>
-          </a:prstGeom>
-          <a:noFill/>
-        </p:spPr>
-        <p:txBody>
-          <a:bodyPr wrap="square" rtlCol="0">
-            <a:spAutoFit/>
-          </a:bodyPr>
-          <a:lstStyle/>
-          <a:p>
-            <a:pPr algn="ctr"/>
-            <a:r>
-              <a:rPr lang="en-US" altLang="ko-KR" sz="3200" b="1" spc="300" dirty="0">
-                <a:solidFill>
-                  <a:schemeClr val="bg1"/>
-                </a:solidFill>
-              </a:rPr>
-              <a:t>01</a:t>
-            </a:r>
-          </a:p>
-        </p:txBody>
-      </p:sp>
-    </p:spTree>
-    <p:extLst>
-      <p:ext uri="{BB962C8B-B14F-4D97-AF65-F5344CB8AC3E}">
-        <p14:creationId xmlns:p14="http://schemas.microsoft.com/office/powerpoint/2010/main" val="2463353371"/>
       </p:ext>
     </p:extLst>
   </p:cSld>
@@ -17133,7 +17964,7 @@
           <p:spPr>
             <a:xfrm>
               <a:off x="903610" y="3218342"/>
-              <a:ext cx="2381460" cy="2585323"/>
+              <a:ext cx="2381460" cy="1892954"/>
             </a:xfrm>
             <a:prstGeom prst="rect">
               <a:avLst/>
@@ -17154,7 +17985,7 @@
                 <a:buChar char="•"/>
               </a:pPr>
               <a:r>
-                <a:rPr lang="ko-KR" altLang="en-US" dirty="0">
+                <a:rPr lang="ko-KR" altLang="en-US" sz="1600" dirty="0">
                   <a:solidFill>
                     <a:schemeClr val="tx1">
                       <a:lumMod val="85000"/>
@@ -17165,7 +17996,7 @@
                 <a:t>공지사항</a:t>
               </a:r>
               <a:r>
-                <a:rPr lang="en-US" altLang="ko-KR" dirty="0">
+                <a:rPr lang="en-US" altLang="ko-KR" sz="1600" dirty="0">
                   <a:solidFill>
                     <a:schemeClr val="tx1">
                       <a:lumMod val="85000"/>
@@ -17176,7 +18007,7 @@
                 <a:t>, FAQ, </a:t>
               </a:r>
               <a:r>
-                <a:rPr lang="ko-KR" altLang="en-US" dirty="0">
+                <a:rPr lang="ko-KR" altLang="en-US" sz="1600" dirty="0">
                   <a:solidFill>
                     <a:schemeClr val="tx1">
                       <a:lumMod val="85000"/>
@@ -17186,7 +18017,7 @@
                 </a:rPr>
                 <a:t>관리자페이지</a:t>
               </a:r>
-              <a:endParaRPr lang="en-US" altLang="ko-KR" dirty="0">
+              <a:endParaRPr lang="en-US" altLang="ko-KR" sz="1600" dirty="0">
                 <a:solidFill>
                   <a:schemeClr val="tx1">
                     <a:lumMod val="85000"/>
@@ -17204,7 +18035,7 @@
                 <a:buChar char="•"/>
               </a:pPr>
               <a:r>
-                <a:rPr lang="en-US" altLang="ko-KR" dirty="0">
+                <a:rPr lang="en-US" altLang="ko-KR" sz="1600" dirty="0">
                   <a:solidFill>
                     <a:schemeClr val="tx1">
                       <a:lumMod val="85000"/>
@@ -17215,7 +18046,7 @@
                 <a:t>DB</a:t>
               </a:r>
               <a:r>
-                <a:rPr lang="ko-KR" altLang="en-US" dirty="0">
+                <a:rPr lang="ko-KR" altLang="en-US" sz="1600" dirty="0">
                   <a:solidFill>
                     <a:schemeClr val="tx1">
                       <a:lumMod val="85000"/>
@@ -17226,7 +18057,7 @@
                 <a:t>설계 </a:t>
               </a:r>
               <a:r>
-                <a:rPr lang="en-US" altLang="ko-KR" dirty="0">
+                <a:rPr lang="en-US" altLang="ko-KR" sz="1600" dirty="0">
                   <a:solidFill>
                     <a:schemeClr val="tx1">
                       <a:lumMod val="85000"/>
@@ -17237,7 +18068,7 @@
                 <a:t>(</a:t>
               </a:r>
               <a:r>
-                <a:rPr lang="ko-KR" altLang="en-US" dirty="0">
+                <a:rPr lang="ko-KR" altLang="en-US" sz="1600" dirty="0">
                   <a:solidFill>
                     <a:schemeClr val="tx1">
                       <a:lumMod val="85000"/>
@@ -17248,7 +18079,7 @@
                 <a:t>총괄</a:t>
               </a:r>
               <a:r>
-                <a:rPr lang="en-US" altLang="ko-KR" dirty="0">
+                <a:rPr lang="en-US" altLang="ko-KR" sz="1600" dirty="0">
                   <a:solidFill>
                     <a:schemeClr val="tx1">
                       <a:lumMod val="85000"/>
@@ -17268,7 +18099,7 @@
                 <a:buChar char="•"/>
               </a:pPr>
               <a:r>
-                <a:rPr lang="ko-KR" altLang="en-US" dirty="0">
+                <a:rPr lang="ko-KR" altLang="en-US" sz="1600" dirty="0">
                   <a:solidFill>
                     <a:schemeClr val="tx1">
                       <a:lumMod val="85000"/>
@@ -17279,7 +18110,7 @@
                 <a:t>작업 스케줄러</a:t>
               </a:r>
               <a:r>
-                <a:rPr lang="en-US" altLang="ko-KR" dirty="0">
+                <a:rPr lang="en-US" altLang="ko-KR" sz="1600" dirty="0">
                   <a:solidFill>
                     <a:schemeClr val="tx1">
                       <a:lumMod val="85000"/>
@@ -17290,7 +18121,7 @@
                 <a:t> </a:t>
               </a:r>
               <a:r>
-                <a:rPr lang="ko-KR" altLang="en-US" dirty="0">
+                <a:rPr lang="ko-KR" altLang="en-US" sz="1600" dirty="0">
                   <a:solidFill>
                     <a:schemeClr val="tx1">
                       <a:lumMod val="85000"/>
@@ -17300,7 +18131,7 @@
                 </a:rPr>
                 <a:t>작성</a:t>
               </a:r>
-              <a:endParaRPr lang="en-US" altLang="ko-KR" dirty="0">
+              <a:endParaRPr lang="en-US" altLang="ko-KR" sz="1600" dirty="0">
                 <a:solidFill>
                   <a:schemeClr val="tx1">
                     <a:lumMod val="85000"/>
@@ -17318,7 +18149,7 @@
                 <a:buChar char="•"/>
               </a:pPr>
               <a:r>
-                <a:rPr lang="en-US" altLang="ko-KR" dirty="0">
+                <a:rPr lang="en-US" altLang="ko-KR" sz="1600" dirty="0">
                   <a:solidFill>
                     <a:schemeClr val="tx1">
                       <a:lumMod val="85000"/>
@@ -17329,7 +18160,7 @@
                 <a:t>GITHUB </a:t>
               </a:r>
               <a:r>
-                <a:rPr lang="ko-KR" altLang="en-US" dirty="0">
+                <a:rPr lang="ko-KR" altLang="en-US" sz="1600" dirty="0">
                   <a:solidFill>
                     <a:schemeClr val="tx1">
                       <a:lumMod val="85000"/>
@@ -17547,7 +18378,7 @@
           <p:spPr>
             <a:xfrm>
               <a:off x="903610" y="3218342"/>
-              <a:ext cx="2381460" cy="2585323"/>
+              <a:ext cx="2381460" cy="2262286"/>
             </a:xfrm>
             <a:prstGeom prst="rect">
               <a:avLst/>
@@ -17568,7 +18399,7 @@
                 <a:buChar char="•"/>
               </a:pPr>
               <a:r>
-                <a:rPr lang="ko-KR" altLang="en-US" dirty="0">
+                <a:rPr lang="ko-KR" altLang="en-US" sz="1600" dirty="0">
                   <a:solidFill>
                     <a:schemeClr val="tx1">
                       <a:lumMod val="85000"/>
@@ -17579,7 +18410,7 @@
                 <a:t>상품 리스트</a:t>
               </a:r>
               <a:r>
-                <a:rPr lang="en-US" altLang="ko-KR" dirty="0">
+                <a:rPr lang="en-US" altLang="ko-KR" sz="1600" dirty="0">
                   <a:solidFill>
                     <a:schemeClr val="tx1">
                       <a:lumMod val="85000"/>
@@ -17590,7 +18421,7 @@
                 <a:t>, </a:t>
               </a:r>
               <a:br>
-                <a:rPr lang="en-US" altLang="ko-KR" dirty="0">
+                <a:rPr lang="en-US" altLang="ko-KR" sz="1600" dirty="0">
                   <a:solidFill>
                     <a:schemeClr val="tx1">
                       <a:lumMod val="85000"/>
@@ -17600,7 +18431,7 @@
                 </a:rPr>
               </a:br>
               <a:r>
-                <a:rPr lang="ko-KR" altLang="en-US" dirty="0">
+                <a:rPr lang="ko-KR" altLang="en-US" sz="1600" dirty="0">
                   <a:solidFill>
                     <a:schemeClr val="tx1">
                       <a:lumMod val="85000"/>
@@ -17610,7 +18441,7 @@
                 </a:rPr>
                 <a:t>구매 및 판매</a:t>
               </a:r>
-              <a:endParaRPr lang="en-US" altLang="ko-KR" dirty="0">
+              <a:endParaRPr lang="en-US" altLang="ko-KR" sz="1600" dirty="0">
                 <a:solidFill>
                   <a:schemeClr val="tx1">
                     <a:lumMod val="85000"/>
@@ -17628,7 +18459,7 @@
                 <a:buChar char="•"/>
               </a:pPr>
               <a:r>
-                <a:rPr lang="ko-KR" altLang="en-US" dirty="0">
+                <a:rPr lang="ko-KR" altLang="en-US" sz="1600" dirty="0">
                   <a:solidFill>
                     <a:schemeClr val="tx1">
                       <a:lumMod val="85000"/>
@@ -17638,7 +18469,7 @@
                 </a:rPr>
                 <a:t>요구사항명세서 작성</a:t>
               </a:r>
-              <a:endParaRPr lang="en-US" altLang="ko-KR" dirty="0">
+              <a:endParaRPr lang="en-US" altLang="ko-KR" sz="1600" dirty="0">
                 <a:solidFill>
                   <a:schemeClr val="tx1">
                     <a:lumMod val="85000"/>
@@ -17656,7 +18487,7 @@
                 <a:buChar char="•"/>
               </a:pPr>
               <a:r>
-                <a:rPr lang="ko-KR" altLang="en-US" dirty="0">
+                <a:rPr lang="ko-KR" altLang="en-US" sz="1600" dirty="0">
                   <a:solidFill>
                     <a:schemeClr val="tx1">
                       <a:lumMod val="85000"/>
@@ -17666,7 +18497,35 @@
                 </a:rPr>
                 <a:t>이미지 편집 및 로고 준비</a:t>
               </a:r>
-              <a:endParaRPr lang="en-US" altLang="ko-KR" dirty="0">
+              <a:endParaRPr lang="en-US" altLang="ko-KR" sz="1600" dirty="0">
+                <a:solidFill>
+                  <a:schemeClr val="tx1">
+                    <a:lumMod val="85000"/>
+                    <a:lumOff val="15000"/>
+                  </a:schemeClr>
+                </a:solidFill>
+              </a:endParaRPr>
+            </a:p>
+            <a:p>
+              <a:pPr marL="285750" indent="-285750">
+                <a:lnSpc>
+                  <a:spcPct val="150000"/>
+                </a:lnSpc>
+                <a:buFont typeface="Arial" panose="020B0604020202020204" pitchFamily="34" charset="0"/>
+                <a:buChar char="•"/>
+              </a:pPr>
+              <a:r>
+                <a:rPr lang="ko-KR" altLang="en-US" sz="1600" dirty="0">
+                  <a:solidFill>
+                    <a:schemeClr val="tx1">
+                      <a:lumMod val="85000"/>
+                      <a:lumOff val="15000"/>
+                    </a:schemeClr>
+                  </a:solidFill>
+                </a:rPr>
+                <a:t>스토리보드 추가편집</a:t>
+              </a:r>
+              <a:endParaRPr lang="en-US" altLang="ko-KR" sz="1600" dirty="0">
                 <a:solidFill>
                   <a:schemeClr val="tx1">
                     <a:lumMod val="85000"/>
@@ -17882,7 +18741,7 @@
           <p:spPr>
             <a:xfrm>
               <a:off x="903610" y="3218342"/>
-              <a:ext cx="2381460" cy="1754326"/>
+              <a:ext cx="2381460" cy="2118529"/>
             </a:xfrm>
             <a:prstGeom prst="rect">
               <a:avLst/>
@@ -17893,122 +18752,71 @@
             <a:bodyPr wrap="square" rtlCol="0">
               <a:spAutoFit/>
             </a:bodyPr>
-            <a:lstStyle/>
-            <a:p>
-              <a:pPr marL="285750" indent="-285750">
+            <a:lstStyle>
+              <a:defPPr>
+                <a:defRPr lang="ja-JP"/>
+              </a:defPPr>
+              <a:lvl1pPr marL="285750" indent="-285750">
                 <a:lnSpc>
                   <a:spcPct val="150000"/>
                 </a:lnSpc>
                 <a:buFont typeface="Arial" panose="020B0604020202020204" pitchFamily="34" charset="0"/>
                 <a:buChar char="•"/>
-              </a:pPr>
-              <a:r>
-                <a:rPr lang="ko-KR" altLang="en-US" dirty="0">
+                <a:defRPr sz="1600">
                   <a:solidFill>
                     <a:schemeClr val="tx1">
                       <a:lumMod val="85000"/>
                       <a:lumOff val="15000"/>
                     </a:schemeClr>
                   </a:solidFill>
-                </a:rPr>
+                </a:defRPr>
+              </a:lvl1pPr>
+            </a:lstStyle>
+            <a:p>
+              <a:r>
+                <a:rPr lang="ko-KR" altLang="en-US" dirty="0"/>
                 <a:t>회원 페이지 </a:t>
               </a:r>
               <a:r>
-                <a:rPr lang="en-US" altLang="ko-KR" dirty="0">
-                  <a:solidFill>
-                    <a:schemeClr val="tx1">
-                      <a:lumMod val="85000"/>
-                      <a:lumOff val="15000"/>
-                    </a:schemeClr>
-                  </a:solidFill>
-                </a:rPr>
+                <a:rPr lang="en-US" altLang="ko-KR" dirty="0"/>
                 <a:t>(</a:t>
               </a:r>
               <a:r>
-                <a:rPr lang="ko-KR" altLang="en-US" dirty="0">
-                  <a:solidFill>
-                    <a:schemeClr val="tx1">
-                      <a:lumMod val="85000"/>
-                      <a:lumOff val="15000"/>
-                    </a:schemeClr>
-                  </a:solidFill>
-                </a:rPr>
+                <a:rPr lang="ko-KR" altLang="en-US" dirty="0"/>
                 <a:t>로그인</a:t>
               </a:r>
               <a:r>
-                <a:rPr lang="en-US" altLang="ko-KR" dirty="0">
-                  <a:solidFill>
-                    <a:schemeClr val="tx1">
-                      <a:lumMod val="85000"/>
-                      <a:lumOff val="15000"/>
-                    </a:schemeClr>
-                  </a:solidFill>
-                </a:rPr>
+                <a:rPr lang="en-US" altLang="ko-KR" dirty="0"/>
                 <a:t>, </a:t>
               </a:r>
               <a:br>
-                <a:rPr lang="en-US" altLang="ko-KR" dirty="0">
-                  <a:solidFill>
-                    <a:schemeClr val="tx1">
-                      <a:lumMod val="85000"/>
-                      <a:lumOff val="15000"/>
-                    </a:schemeClr>
-                  </a:solidFill>
-                </a:rPr>
+                <a:rPr lang="en-US" altLang="ko-KR" dirty="0"/>
               </a:br>
               <a:r>
-                <a:rPr lang="ko-KR" altLang="en-US" dirty="0">
-                  <a:solidFill>
-                    <a:schemeClr val="tx1">
-                      <a:lumMod val="85000"/>
-                      <a:lumOff val="15000"/>
-                    </a:schemeClr>
-                  </a:solidFill>
-                </a:rPr>
+                <a:rPr lang="ko-KR" altLang="en-US" dirty="0"/>
                 <a:t>마이 페이지</a:t>
               </a:r>
               <a:r>
-                <a:rPr lang="en-US" altLang="ko-KR" dirty="0">
-                  <a:solidFill>
-                    <a:schemeClr val="tx1">
-                      <a:lumMod val="85000"/>
-                      <a:lumOff val="15000"/>
-                    </a:schemeClr>
-                  </a:solidFill>
-                </a:rPr>
+                <a:rPr lang="en-US" altLang="ko-KR" dirty="0"/>
                 <a:t>)</a:t>
               </a:r>
             </a:p>
             <a:p>
-              <a:pPr marL="285750" indent="-285750">
-                <a:lnSpc>
-                  <a:spcPct val="150000"/>
-                </a:lnSpc>
-                <a:buFont typeface="Arial" panose="020B0604020202020204" pitchFamily="34" charset="0"/>
-                <a:buChar char="•"/>
-              </a:pPr>
               <a:r>
-                <a:rPr lang="ko-KR" altLang="en-US" dirty="0">
-                  <a:solidFill>
-                    <a:schemeClr val="tx1">
-                      <a:lumMod val="85000"/>
-                      <a:lumOff val="15000"/>
-                    </a:schemeClr>
-                  </a:solidFill>
-                </a:rPr>
+                <a:rPr lang="ko-KR" altLang="en-US" dirty="0"/>
                 <a:t>주소</a:t>
               </a:r>
               <a:r>
-                <a:rPr lang="en-US" altLang="ko-KR" dirty="0">
-                  <a:solidFill>
-                    <a:schemeClr val="tx1">
-                      <a:lumMod val="85000"/>
-                      <a:lumOff val="15000"/>
-                    </a:schemeClr>
-                  </a:solidFill>
-                </a:rPr>
+                <a:rPr lang="en-US" altLang="ko-KR" dirty="0"/>
                 <a:t>API</a:t>
               </a:r>
+            </a:p>
+            <a:p>
+              <a:r>
+                <a:rPr lang="ko-KR" altLang="en-US" dirty="0"/>
+                <a:t>스토리보드 작성</a:t>
+              </a:r>
+              <a:endParaRPr lang="en-US" altLang="ko-KR" dirty="0"/>
             </a:p>
           </p:txBody>
         </p:sp>
@@ -18217,7 +19025,7 @@
           <p:spPr>
             <a:xfrm>
               <a:off x="903610" y="3218342"/>
-              <a:ext cx="2381460" cy="2118080"/>
+              <a:ext cx="2381460" cy="1523622"/>
             </a:xfrm>
             <a:prstGeom prst="rect">
               <a:avLst/>
@@ -18228,101 +19036,54 @@
             <a:bodyPr wrap="square" rtlCol="0">
               <a:spAutoFit/>
             </a:bodyPr>
-            <a:lstStyle/>
-            <a:p>
-              <a:pPr marL="285750" indent="-285750">
+            <a:lstStyle>
+              <a:defPPr>
+                <a:defRPr lang="ja-JP"/>
+              </a:defPPr>
+              <a:lvl1pPr marL="285750" indent="-285750">
                 <a:lnSpc>
                   <a:spcPct val="150000"/>
                 </a:lnSpc>
                 <a:buFont typeface="Arial" panose="020B0604020202020204" pitchFamily="34" charset="0"/>
                 <a:buChar char="•"/>
-              </a:pPr>
-              <a:r>
-                <a:rPr lang="en-US" altLang="ko-KR" dirty="0">
+                <a:defRPr sz="1600">
                   <a:solidFill>
                     <a:schemeClr val="tx1">
                       <a:lumMod val="85000"/>
                       <a:lumOff val="15000"/>
                     </a:schemeClr>
                   </a:solidFill>
-                </a:rPr>
+                </a:defRPr>
+              </a:lvl1pPr>
+            </a:lstStyle>
+            <a:p>
+              <a:r>
+                <a:rPr lang="en-US" altLang="ko-KR" dirty="0"/>
                 <a:t>INDEX </a:t>
               </a:r>
               <a:r>
-                <a:rPr lang="ko-KR" altLang="en-US" dirty="0">
-                  <a:solidFill>
-                    <a:schemeClr val="tx1">
-                      <a:lumMod val="85000"/>
-                      <a:lumOff val="15000"/>
-                    </a:schemeClr>
-                  </a:solidFill>
-                </a:rPr>
+                <a:rPr lang="ko-KR" altLang="en-US" dirty="0"/>
                 <a:t>페이지</a:t>
               </a:r>
-              <a:endParaRPr lang="en-US" altLang="ko-KR" dirty="0">
-                <a:solidFill>
-                  <a:schemeClr val="tx1">
-                    <a:lumMod val="85000"/>
-                    <a:lumOff val="15000"/>
-                  </a:schemeClr>
-                </a:solidFill>
-              </a:endParaRPr>
+              <a:r>
+                <a:rPr lang="en-US" altLang="ko-KR" dirty="0"/>
+                <a:t>, </a:t>
+              </a:r>
+              <a:br>
+                <a:rPr lang="en-US" altLang="ko-KR" dirty="0"/>
+              </a:br>
+              <a:r>
+                <a:rPr lang="ko-KR" altLang="en-US" dirty="0"/>
+                <a:t>후기 게시판</a:t>
+              </a:r>
+              <a:endParaRPr lang="en-US" altLang="ko-KR" dirty="0"/>
             </a:p>
             <a:p>
-              <a:pPr marL="285750" indent="-285750">
-                <a:lnSpc>
-                  <a:spcPct val="150000"/>
-                </a:lnSpc>
-                <a:buFont typeface="Arial" panose="020B0604020202020204" pitchFamily="34" charset="0"/>
-                <a:buChar char="•"/>
-              </a:pPr>
               <a:r>
-                <a:rPr lang="ko-KR" altLang="en-US" dirty="0">
-                  <a:solidFill>
-                    <a:schemeClr val="tx1">
-                      <a:lumMod val="85000"/>
-                      <a:lumOff val="15000"/>
-                    </a:schemeClr>
-                  </a:solidFill>
-                </a:rPr>
-                <a:t>후기 게시판</a:t>
+                <a:rPr lang="ko-KR" altLang="en-US" dirty="0"/>
+                <a:t>상품 샘플 데이터 생성 및 이미지 조사</a:t>
               </a:r>
-              <a:endParaRPr lang="en-US" altLang="ko-KR" dirty="0">
-                <a:solidFill>
-                  <a:schemeClr val="tx1">
-                    <a:lumMod val="85000"/>
-                    <a:lumOff val="15000"/>
-                  </a:schemeClr>
-                </a:solidFill>
-              </a:endParaRPr>
-            </a:p>
-            <a:p>
-              <a:pPr marL="285750" indent="-285750">
-                <a:lnSpc>
-                  <a:spcPct val="150000"/>
-                </a:lnSpc>
-                <a:buFont typeface="Arial" panose="020B0604020202020204" pitchFamily="34" charset="0"/>
-                <a:buChar char="•"/>
-              </a:pPr>
-              <a:r>
-                <a:rPr lang="ko-KR" altLang="en-US" dirty="0">
-                  <a:solidFill>
-                    <a:schemeClr val="tx1">
-                      <a:lumMod val="85000"/>
-                      <a:lumOff val="15000"/>
-                    </a:schemeClr>
-                  </a:solidFill>
-                </a:rPr>
-                <a:t>상품 샘플 데이터 생성 및 상품이미지 조사</a:t>
-              </a:r>
-              <a:endParaRPr lang="en-US" altLang="ko-KR" dirty="0">
-                <a:solidFill>
-                  <a:schemeClr val="tx1">
-                    <a:lumMod val="85000"/>
-                    <a:lumOff val="15000"/>
-                  </a:schemeClr>
-                </a:solidFill>
-              </a:endParaRPr>
+              <a:endParaRPr lang="en-US" altLang="ko-KR" dirty="0"/>
             </a:p>
           </p:txBody>
         </p:sp>
